--- a/slides/twitter_sentiment_emotion.pptx
+++ b/slides/twitter_sentiment_emotion.pptx
@@ -24,6 +24,10 @@
     <p:sldId id="269" r:id="rId19"/>
     <p:sldId id="270" r:id="rId20"/>
     <p:sldId id="271" r:id="rId21"/>
+    <p:sldId id="272" r:id="rId22"/>
+    <p:sldId id="273" r:id="rId23"/>
+    <p:sldId id="274" r:id="rId24"/>
+    <p:sldId id="275" r:id="rId25"/>
   </p:sldIdLst>
   <p:sldSz cy="6858000" cx="12192000"/>
   <p:notesSz cx="6858000" cy="9144000"/>
@@ -258,7 +262,7 @@
   </p:defaultTextStyle>
   <p:extLst>
     <p:ext uri="http://customooxmlschemas.google.com/">
-      <go:slidesCustomData xmlns:go="http://customooxmlschemas.google.com/" r:id="rId22" roundtripDataSignature="AMtx7mh8wjDoQVJzXT/N0GG5+rnrLlUNzQ=="/>
+      <go:slidesCustomData xmlns:go="http://customooxmlschemas.google.com/" r:id="rId26" roundtripDataSignature="AMtx7micf0z9bEIcubPagz+2JOFgxeJZUw=="/>
     </p:ext>
   </p:extLst>
 </p:presentation>
@@ -794,7 +798,7 @@
   <p:cSld>
     <p:spTree>
       <p:nvGrpSpPr>
-        <p:cNvPr id="134" name="Shape 134"/>
+        <p:cNvPr id="150" name="Shape 150"/>
         <p:cNvGrpSpPr/>
         <p:nvPr/>
       </p:nvGrpSpPr>
@@ -808,7 +812,7 @@
       </p:grpSpPr>
       <p:sp>
         <p:nvSpPr>
-          <p:cNvPr id="135" name="Google Shape;135;g112e57bf82a_1_32:notes"/>
+          <p:cNvPr id="151" name="Google Shape;151;g112e57bf82a_1_32:notes"/>
           <p:cNvSpPr/>
           <p:nvPr>
             <p:ph idx="2" type="sldImg"/>
@@ -843,7 +847,7 @@
       </p:sp>
       <p:sp>
         <p:nvSpPr>
-          <p:cNvPr id="136" name="Google Shape;136;g112e57bf82a_1_32:notes"/>
+          <p:cNvPr id="152" name="Google Shape;152;g112e57bf82a_1_32:notes"/>
           <p:cNvSpPr txBox="1"/>
           <p:nvPr>
             <p:ph idx="1" type="body"/>
@@ -893,7 +897,7 @@
   <p:cSld>
     <p:spTree>
       <p:nvGrpSpPr>
-        <p:cNvPr id="141" name="Shape 141"/>
+        <p:cNvPr id="158" name="Shape 158"/>
         <p:cNvGrpSpPr/>
         <p:nvPr/>
       </p:nvGrpSpPr>
@@ -907,7 +911,7 @@
       </p:grpSpPr>
       <p:sp>
         <p:nvSpPr>
-          <p:cNvPr id="142" name="Google Shape;142;g112e57bf82a_0_45:notes"/>
+          <p:cNvPr id="159" name="Google Shape;159;g112e57bf82a_0_50:notes"/>
           <p:cNvSpPr/>
           <p:nvPr>
             <p:ph idx="2" type="sldImg"/>
@@ -942,7 +946,7 @@
       </p:sp>
       <p:sp>
         <p:nvSpPr>
-          <p:cNvPr id="143" name="Google Shape;143;g112e57bf82a_0_45:notes"/>
+          <p:cNvPr id="160" name="Google Shape;160;g112e57bf82a_0_50:notes"/>
           <p:cNvSpPr txBox="1"/>
           <p:nvPr>
             <p:ph idx="1" type="body"/>
@@ -992,7 +996,7 @@
   <p:cSld>
     <p:spTree>
       <p:nvGrpSpPr>
-        <p:cNvPr id="147" name="Shape 147"/>
+        <p:cNvPr id="166" name="Shape 166"/>
         <p:cNvGrpSpPr/>
         <p:nvPr/>
       </p:nvGrpSpPr>
@@ -1006,7 +1010,7 @@
       </p:grpSpPr>
       <p:sp>
         <p:nvSpPr>
-          <p:cNvPr id="148" name="Google Shape;148;g112e57bf82a_0_35:notes"/>
+          <p:cNvPr id="167" name="Google Shape;167;g111e9305988_0_0:notes"/>
           <p:cNvSpPr/>
           <p:nvPr>
             <p:ph idx="2" type="sldImg"/>
@@ -1041,7 +1045,7 @@
       </p:sp>
       <p:sp>
         <p:nvSpPr>
-          <p:cNvPr id="149" name="Google Shape;149;g112e57bf82a_0_35:notes"/>
+          <p:cNvPr id="168" name="Google Shape;168;g111e9305988_0_0:notes"/>
           <p:cNvSpPr txBox="1"/>
           <p:nvPr>
             <p:ph idx="1" type="body"/>
@@ -1091,7 +1095,7 @@
   <p:cSld>
     <p:spTree>
       <p:nvGrpSpPr>
-        <p:cNvPr id="156" name="Shape 156"/>
+        <p:cNvPr id="173" name="Shape 173"/>
         <p:cNvGrpSpPr/>
         <p:nvPr/>
       </p:nvGrpSpPr>
@@ -1105,7 +1109,7 @@
       </p:grpSpPr>
       <p:sp>
         <p:nvSpPr>
-          <p:cNvPr id="157" name="Google Shape;157;g112e57bf82a_1_0:notes"/>
+          <p:cNvPr id="174" name="Google Shape;174;g112e57bf82a_0_45:notes"/>
           <p:cNvSpPr/>
           <p:nvPr>
             <p:ph idx="2" type="sldImg"/>
@@ -1140,7 +1144,7 @@
       </p:sp>
       <p:sp>
         <p:nvSpPr>
-          <p:cNvPr id="158" name="Google Shape;158;g112e57bf82a_1_0:notes"/>
+          <p:cNvPr id="175" name="Google Shape;175;g112e57bf82a_0_45:notes"/>
           <p:cNvSpPr txBox="1"/>
           <p:nvPr>
             <p:ph idx="1" type="body"/>
@@ -1190,7 +1194,7 @@
   <p:cSld>
     <p:spTree>
       <p:nvGrpSpPr>
-        <p:cNvPr id="164" name="Shape 164"/>
+        <p:cNvPr id="180" name="Shape 180"/>
         <p:cNvGrpSpPr/>
         <p:nvPr/>
       </p:nvGrpSpPr>
@@ -1204,7 +1208,7 @@
       </p:grpSpPr>
       <p:sp>
         <p:nvSpPr>
-          <p:cNvPr id="165" name="Google Shape;165;g112e57bf82a_1_14:notes"/>
+          <p:cNvPr id="181" name="Google Shape;181;g112e57bf82a_0_35:notes"/>
           <p:cNvSpPr/>
           <p:nvPr>
             <p:ph idx="2" type="sldImg"/>
@@ -1239,7 +1243,7 @@
       </p:sp>
       <p:sp>
         <p:nvSpPr>
-          <p:cNvPr id="166" name="Google Shape;166;g112e57bf82a_1_14:notes"/>
+          <p:cNvPr id="182" name="Google Shape;182;g112e57bf82a_0_35:notes"/>
           <p:cNvSpPr txBox="1"/>
           <p:nvPr>
             <p:ph idx="1" type="body"/>
@@ -1289,7 +1293,7 @@
   <p:cSld>
     <p:spTree>
       <p:nvGrpSpPr>
-        <p:cNvPr id="172" name="Shape 172"/>
+        <p:cNvPr id="190" name="Shape 190"/>
         <p:cNvGrpSpPr/>
         <p:nvPr/>
       </p:nvGrpSpPr>
@@ -1303,7 +1307,7 @@
       </p:grpSpPr>
       <p:sp>
         <p:nvSpPr>
-          <p:cNvPr id="173" name="Google Shape;173;g112e57bf82a_1_9:notes"/>
+          <p:cNvPr id="191" name="Google Shape;191;g112e57bf82a_1_0:notes"/>
           <p:cNvSpPr/>
           <p:nvPr>
             <p:ph idx="2" type="sldImg"/>
@@ -1338,7 +1342,7 @@
       </p:sp>
       <p:sp>
         <p:nvSpPr>
-          <p:cNvPr id="174" name="Google Shape;174;g112e57bf82a_1_9:notes"/>
+          <p:cNvPr id="192" name="Google Shape;192;g112e57bf82a_1_0:notes"/>
           <p:cNvSpPr txBox="1"/>
           <p:nvPr>
             <p:ph idx="1" type="body"/>
@@ -1388,7 +1392,7 @@
   <p:cSld>
     <p:spTree>
       <p:nvGrpSpPr>
-        <p:cNvPr id="180" name="Shape 180"/>
+        <p:cNvPr id="198" name="Shape 198"/>
         <p:cNvGrpSpPr/>
         <p:nvPr/>
       </p:nvGrpSpPr>
@@ -1402,7 +1406,7 @@
       </p:grpSpPr>
       <p:sp>
         <p:nvSpPr>
-          <p:cNvPr id="181" name="Google Shape;181;g112e57bf82a_1_25:notes"/>
+          <p:cNvPr id="199" name="Google Shape;199;g112e57bf82a_1_14:notes"/>
           <p:cNvSpPr/>
           <p:nvPr>
             <p:ph idx="2" type="sldImg"/>
@@ -1437,7 +1441,7 @@
       </p:sp>
       <p:sp>
         <p:nvSpPr>
-          <p:cNvPr id="182" name="Google Shape;182;g112e57bf82a_1_25:notes"/>
+          <p:cNvPr id="200" name="Google Shape;200;g112e57bf82a_1_14:notes"/>
           <p:cNvSpPr txBox="1"/>
           <p:nvPr>
             <p:ph idx="1" type="body"/>
@@ -1482,12 +1486,12 @@
 </p:notes>
 </file>
 
-<file path=ppt/notesSlides/notesSlide2.xml><?xml version="1.0" encoding="utf-8"?>
+<file path=ppt/notesSlides/notesSlide17.xml><?xml version="1.0" encoding="utf-8"?>
 <p:notes xmlns:a="http://schemas.openxmlformats.org/drawingml/2006/main" xmlns:r="http://schemas.openxmlformats.org/officeDocument/2006/relationships" xmlns:mc="http://schemas.openxmlformats.org/markup-compatibility/2006" xmlns:mv="urn:schemas-microsoft-com:mac:vml" xmlns:p="http://schemas.openxmlformats.org/presentationml/2006/main" xmlns:c="http://schemas.openxmlformats.org/drawingml/2006/chart" xmlns:dgm="http://schemas.openxmlformats.org/drawingml/2006/diagram" xmlns:o="urn:schemas-microsoft-com:office:office" xmlns:v="urn:schemas-microsoft-com:vml" xmlns:pvml="urn:schemas-microsoft-com:office:powerpoint" xmlns:com="http://schemas.openxmlformats.org/drawingml/2006/compatibility" xmlns:p14="http://schemas.microsoft.com/office/powerpoint/2010/main" xmlns:p15="http://schemas.microsoft.com/office/powerpoint/2012/main" xmlns:ahyp="http://schemas.microsoft.com/office/drawing/2018/hyperlinkcolor" showMasterPhAnim="0" showMasterSp="0">
   <p:cSld>
     <p:spTree>
       <p:nvGrpSpPr>
-        <p:cNvPr id="86" name="Shape 86"/>
+        <p:cNvPr id="206" name="Shape 206"/>
         <p:cNvGrpSpPr/>
         <p:nvPr/>
       </p:nvGrpSpPr>
@@ -1501,7 +1505,7 @@
       </p:grpSpPr>
       <p:sp>
         <p:nvSpPr>
-          <p:cNvPr id="87" name="Google Shape;87;g112e57bf82a_0_10:notes"/>
+          <p:cNvPr id="207" name="Google Shape;207;g112e57bf82a_1_9:notes"/>
           <p:cNvSpPr/>
           <p:nvPr>
             <p:ph idx="2" type="sldImg"/>
@@ -1536,7 +1540,7 @@
       </p:sp>
       <p:sp>
         <p:nvSpPr>
-          <p:cNvPr id="88" name="Google Shape;88;g112e57bf82a_0_10:notes"/>
+          <p:cNvPr id="208" name="Google Shape;208;g112e57bf82a_1_9:notes"/>
           <p:cNvSpPr txBox="1"/>
           <p:nvPr>
             <p:ph idx="1" type="body"/>
@@ -1581,12 +1585,12 @@
 </p:notes>
 </file>
 
-<file path=ppt/notesSlides/notesSlide3.xml><?xml version="1.0" encoding="utf-8"?>
+<file path=ppt/notesSlides/notesSlide18.xml><?xml version="1.0" encoding="utf-8"?>
 <p:notes xmlns:a="http://schemas.openxmlformats.org/drawingml/2006/main" xmlns:r="http://schemas.openxmlformats.org/officeDocument/2006/relationships" xmlns:mc="http://schemas.openxmlformats.org/markup-compatibility/2006" xmlns:mv="urn:schemas-microsoft-com:mac:vml" xmlns:p="http://schemas.openxmlformats.org/presentationml/2006/main" xmlns:c="http://schemas.openxmlformats.org/drawingml/2006/chart" xmlns:dgm="http://schemas.openxmlformats.org/drawingml/2006/diagram" xmlns:o="urn:schemas-microsoft-com:office:office" xmlns:v="urn:schemas-microsoft-com:vml" xmlns:pvml="urn:schemas-microsoft-com:office:powerpoint" xmlns:com="http://schemas.openxmlformats.org/drawingml/2006/compatibility" xmlns:p14="http://schemas.microsoft.com/office/powerpoint/2010/main" xmlns:p15="http://schemas.microsoft.com/office/powerpoint/2012/main" xmlns:ahyp="http://schemas.microsoft.com/office/drawing/2018/hyperlinkcolor" showMasterPhAnim="0" showMasterSp="0">
   <p:cSld>
     <p:spTree>
       <p:nvGrpSpPr>
-        <p:cNvPr id="92" name="Shape 92"/>
+        <p:cNvPr id="214" name="Shape 214"/>
         <p:cNvGrpSpPr/>
         <p:nvPr/>
       </p:nvGrpSpPr>
@@ -1600,7 +1604,7 @@
       </p:grpSpPr>
       <p:sp>
         <p:nvSpPr>
-          <p:cNvPr id="93" name="Google Shape;93;g112e57bf82a_0_5:notes"/>
+          <p:cNvPr id="215" name="Google Shape;215;g112e57bf82a_1_25:notes"/>
           <p:cNvSpPr/>
           <p:nvPr>
             <p:ph idx="2" type="sldImg"/>
@@ -1635,7 +1639,7 @@
       </p:sp>
       <p:sp>
         <p:nvSpPr>
-          <p:cNvPr id="94" name="Google Shape;94;g112e57bf82a_0_5:notes"/>
+          <p:cNvPr id="216" name="Google Shape;216;g112e57bf82a_1_25:notes"/>
           <p:cNvSpPr txBox="1"/>
           <p:nvPr>
             <p:ph idx="1" type="body"/>
@@ -1680,12 +1684,12 @@
 </p:notes>
 </file>
 
-<file path=ppt/notesSlides/notesSlide4.xml><?xml version="1.0" encoding="utf-8"?>
+<file path=ppt/notesSlides/notesSlide19.xml><?xml version="1.0" encoding="utf-8"?>
 <p:notes xmlns:a="http://schemas.openxmlformats.org/drawingml/2006/main" xmlns:r="http://schemas.openxmlformats.org/officeDocument/2006/relationships" xmlns:mc="http://schemas.openxmlformats.org/markup-compatibility/2006" xmlns:mv="urn:schemas-microsoft-com:mac:vml" xmlns:p="http://schemas.openxmlformats.org/presentationml/2006/main" xmlns:c="http://schemas.openxmlformats.org/drawingml/2006/chart" xmlns:dgm="http://schemas.openxmlformats.org/drawingml/2006/diagram" xmlns:o="urn:schemas-microsoft-com:office:office" xmlns:v="urn:schemas-microsoft-com:vml" xmlns:pvml="urn:schemas-microsoft-com:office:powerpoint" xmlns:com="http://schemas.openxmlformats.org/drawingml/2006/compatibility" xmlns:p14="http://schemas.microsoft.com/office/powerpoint/2010/main" xmlns:p15="http://schemas.microsoft.com/office/powerpoint/2012/main" xmlns:ahyp="http://schemas.microsoft.com/office/drawing/2018/hyperlinkcolor" showMasterPhAnim="0" showMasterSp="0">
   <p:cSld>
     <p:spTree>
       <p:nvGrpSpPr>
-        <p:cNvPr id="98" name="Shape 98"/>
+        <p:cNvPr id="222" name="Shape 222"/>
         <p:cNvGrpSpPr/>
         <p:nvPr/>
       </p:nvGrpSpPr>
@@ -1699,7 +1703,7 @@
       </p:grpSpPr>
       <p:sp>
         <p:nvSpPr>
-          <p:cNvPr id="99" name="Google Shape;99;g112e57bf82a_0_15:notes"/>
+          <p:cNvPr id="223" name="Google Shape;223;g111e9305988_0_67:notes"/>
           <p:cNvSpPr/>
           <p:nvPr>
             <p:ph idx="2" type="sldImg"/>
@@ -1734,7 +1738,7 @@
       </p:sp>
       <p:sp>
         <p:nvSpPr>
-          <p:cNvPr id="100" name="Google Shape;100;g112e57bf82a_0_15:notes"/>
+          <p:cNvPr id="224" name="Google Shape;224;g111e9305988_0_67:notes"/>
           <p:cNvSpPr txBox="1"/>
           <p:nvPr>
             <p:ph idx="1" type="body"/>
@@ -1779,12 +1783,12 @@
 </p:notes>
 </file>
 
-<file path=ppt/notesSlides/notesSlide5.xml><?xml version="1.0" encoding="utf-8"?>
+<file path=ppt/notesSlides/notesSlide2.xml><?xml version="1.0" encoding="utf-8"?>
 <p:notes xmlns:a="http://schemas.openxmlformats.org/drawingml/2006/main" xmlns:r="http://schemas.openxmlformats.org/officeDocument/2006/relationships" xmlns:mc="http://schemas.openxmlformats.org/markup-compatibility/2006" xmlns:mv="urn:schemas-microsoft-com:mac:vml" xmlns:p="http://schemas.openxmlformats.org/presentationml/2006/main" xmlns:c="http://schemas.openxmlformats.org/drawingml/2006/chart" xmlns:dgm="http://schemas.openxmlformats.org/drawingml/2006/diagram" xmlns:o="urn:schemas-microsoft-com:office:office" xmlns:v="urn:schemas-microsoft-com:vml" xmlns:pvml="urn:schemas-microsoft-com:office:powerpoint" xmlns:com="http://schemas.openxmlformats.org/drawingml/2006/compatibility" xmlns:p14="http://schemas.microsoft.com/office/powerpoint/2010/main" xmlns:p15="http://schemas.microsoft.com/office/powerpoint/2012/main" xmlns:ahyp="http://schemas.microsoft.com/office/drawing/2018/hyperlinkcolor" showMasterPhAnim="0" showMasterSp="0">
   <p:cSld>
     <p:spTree>
       <p:nvGrpSpPr>
-        <p:cNvPr id="104" name="Shape 104"/>
+        <p:cNvPr id="87" name="Shape 87"/>
         <p:cNvGrpSpPr/>
         <p:nvPr/>
       </p:nvGrpSpPr>
@@ -1798,7 +1802,7 @@
       </p:grpSpPr>
       <p:sp>
         <p:nvSpPr>
-          <p:cNvPr id="105" name="Google Shape;105;g112e57bf82a_0_20:notes"/>
+          <p:cNvPr id="88" name="Google Shape;88;g112e57bf82a_0_5:notes"/>
           <p:cNvSpPr/>
           <p:nvPr>
             <p:ph idx="2" type="sldImg"/>
@@ -1833,7 +1837,7 @@
       </p:sp>
       <p:sp>
         <p:nvSpPr>
-          <p:cNvPr id="106" name="Google Shape;106;g112e57bf82a_0_20:notes"/>
+          <p:cNvPr id="89" name="Google Shape;89;g112e57bf82a_0_5:notes"/>
           <p:cNvSpPr txBox="1"/>
           <p:nvPr>
             <p:ph idx="1" type="body"/>
@@ -1878,12 +1882,12 @@
 </p:notes>
 </file>
 
-<file path=ppt/notesSlides/notesSlide6.xml><?xml version="1.0" encoding="utf-8"?>
+<file path=ppt/notesSlides/notesSlide20.xml><?xml version="1.0" encoding="utf-8"?>
 <p:notes xmlns:a="http://schemas.openxmlformats.org/drawingml/2006/main" xmlns:r="http://schemas.openxmlformats.org/officeDocument/2006/relationships" xmlns:mc="http://schemas.openxmlformats.org/markup-compatibility/2006" xmlns:mv="urn:schemas-microsoft-com:mac:vml" xmlns:p="http://schemas.openxmlformats.org/presentationml/2006/main" xmlns:c="http://schemas.openxmlformats.org/drawingml/2006/chart" xmlns:dgm="http://schemas.openxmlformats.org/drawingml/2006/diagram" xmlns:o="urn:schemas-microsoft-com:office:office" xmlns:v="urn:schemas-microsoft-com:vml" xmlns:pvml="urn:schemas-microsoft-com:office:powerpoint" xmlns:com="http://schemas.openxmlformats.org/drawingml/2006/compatibility" xmlns:p14="http://schemas.microsoft.com/office/powerpoint/2010/main" xmlns:p15="http://schemas.microsoft.com/office/powerpoint/2012/main" xmlns:ahyp="http://schemas.microsoft.com/office/drawing/2018/hyperlinkcolor" showMasterPhAnim="0" showMasterSp="0">
   <p:cSld>
     <p:spTree>
       <p:nvGrpSpPr>
-        <p:cNvPr id="110" name="Shape 110"/>
+        <p:cNvPr id="229" name="Shape 229"/>
         <p:cNvGrpSpPr/>
         <p:nvPr/>
       </p:nvGrpSpPr>
@@ -1897,7 +1901,7 @@
       </p:grpSpPr>
       <p:sp>
         <p:nvSpPr>
-          <p:cNvPr id="111" name="Google Shape;111;g112e57bf82a_0_25:notes"/>
+          <p:cNvPr id="230" name="Google Shape;230;g111e9305988_0_7:notes"/>
           <p:cNvSpPr/>
           <p:nvPr>
             <p:ph idx="2" type="sldImg"/>
@@ -1932,7 +1936,7 @@
       </p:sp>
       <p:sp>
         <p:nvSpPr>
-          <p:cNvPr id="112" name="Google Shape;112;g112e57bf82a_0_25:notes"/>
+          <p:cNvPr id="231" name="Google Shape;231;g111e9305988_0_7:notes"/>
           <p:cNvSpPr txBox="1"/>
           <p:nvPr>
             <p:ph idx="1" type="body"/>
@@ -1977,12 +1981,12 @@
 </p:notes>
 </file>
 
-<file path=ppt/notesSlides/notesSlide7.xml><?xml version="1.0" encoding="utf-8"?>
+<file path=ppt/notesSlides/notesSlide3.xml><?xml version="1.0" encoding="utf-8"?>
 <p:notes xmlns:a="http://schemas.openxmlformats.org/drawingml/2006/main" xmlns:r="http://schemas.openxmlformats.org/officeDocument/2006/relationships" xmlns:mc="http://schemas.openxmlformats.org/markup-compatibility/2006" xmlns:mv="urn:schemas-microsoft-com:mac:vml" xmlns:p="http://schemas.openxmlformats.org/presentationml/2006/main" xmlns:c="http://schemas.openxmlformats.org/drawingml/2006/chart" xmlns:dgm="http://schemas.openxmlformats.org/drawingml/2006/diagram" xmlns:o="urn:schemas-microsoft-com:office:office" xmlns:v="urn:schemas-microsoft-com:vml" xmlns:pvml="urn:schemas-microsoft-com:office:powerpoint" xmlns:com="http://schemas.openxmlformats.org/drawingml/2006/compatibility" xmlns:p14="http://schemas.microsoft.com/office/powerpoint/2010/main" xmlns:p15="http://schemas.microsoft.com/office/powerpoint/2012/main" xmlns:ahyp="http://schemas.microsoft.com/office/drawing/2018/hyperlinkcolor" showMasterPhAnim="0" showMasterSp="0">
   <p:cSld>
     <p:spTree>
       <p:nvGrpSpPr>
-        <p:cNvPr id="116" name="Shape 116"/>
+        <p:cNvPr id="94" name="Shape 94"/>
         <p:cNvGrpSpPr/>
         <p:nvPr/>
       </p:nvGrpSpPr>
@@ -1996,7 +2000,7 @@
       </p:grpSpPr>
       <p:sp>
         <p:nvSpPr>
-          <p:cNvPr id="117" name="Google Shape;117;g112e57bf82a_0_30:notes"/>
+          <p:cNvPr id="95" name="Google Shape;95;g111e9305988_0_30:notes"/>
           <p:cNvSpPr/>
           <p:nvPr>
             <p:ph idx="2" type="sldImg"/>
@@ -2031,7 +2035,7 @@
       </p:sp>
       <p:sp>
         <p:nvSpPr>
-          <p:cNvPr id="118" name="Google Shape;118;g112e57bf82a_0_30:notes"/>
+          <p:cNvPr id="96" name="Google Shape;96;g111e9305988_0_30:notes"/>
           <p:cNvSpPr txBox="1"/>
           <p:nvPr>
             <p:ph idx="1" type="body"/>
@@ -2076,12 +2080,12 @@
 </p:notes>
 </file>
 
-<file path=ppt/notesSlides/notesSlide8.xml><?xml version="1.0" encoding="utf-8"?>
+<file path=ppt/notesSlides/notesSlide4.xml><?xml version="1.0" encoding="utf-8"?>
 <p:notes xmlns:a="http://schemas.openxmlformats.org/drawingml/2006/main" xmlns:r="http://schemas.openxmlformats.org/officeDocument/2006/relationships" xmlns:mc="http://schemas.openxmlformats.org/markup-compatibility/2006" xmlns:mv="urn:schemas-microsoft-com:mac:vml" xmlns:p="http://schemas.openxmlformats.org/presentationml/2006/main" xmlns:c="http://schemas.openxmlformats.org/drawingml/2006/chart" xmlns:dgm="http://schemas.openxmlformats.org/drawingml/2006/diagram" xmlns:o="urn:schemas-microsoft-com:office:office" xmlns:v="urn:schemas-microsoft-com:vml" xmlns:pvml="urn:schemas-microsoft-com:office:powerpoint" xmlns:com="http://schemas.openxmlformats.org/drawingml/2006/compatibility" xmlns:p14="http://schemas.microsoft.com/office/powerpoint/2010/main" xmlns:p15="http://schemas.microsoft.com/office/powerpoint/2012/main" xmlns:ahyp="http://schemas.microsoft.com/office/drawing/2018/hyperlinkcolor" showMasterPhAnim="0" showMasterSp="0">
   <p:cSld>
     <p:spTree>
       <p:nvGrpSpPr>
-        <p:cNvPr id="122" name="Shape 122"/>
+        <p:cNvPr id="101" name="Shape 101"/>
         <p:cNvGrpSpPr/>
         <p:nvPr/>
       </p:nvGrpSpPr>
@@ -2095,7 +2099,7 @@
       </p:grpSpPr>
       <p:sp>
         <p:nvSpPr>
-          <p:cNvPr id="123" name="Google Shape;123;g112e57bf82a_0_50:notes"/>
+          <p:cNvPr id="102" name="Google Shape;102;g112e57bf82a_0_10:notes"/>
           <p:cNvSpPr/>
           <p:nvPr>
             <p:ph idx="2" type="sldImg"/>
@@ -2130,7 +2134,7 @@
       </p:sp>
       <p:sp>
         <p:nvSpPr>
-          <p:cNvPr id="124" name="Google Shape;124;g112e57bf82a_0_50:notes"/>
+          <p:cNvPr id="103" name="Google Shape;103;g112e57bf82a_0_10:notes"/>
           <p:cNvSpPr txBox="1"/>
           <p:nvPr>
             <p:ph idx="1" type="body"/>
@@ -2175,12 +2179,12 @@
 </p:notes>
 </file>
 
-<file path=ppt/notesSlides/notesSlide9.xml><?xml version="1.0" encoding="utf-8"?>
+<file path=ppt/notesSlides/notesSlide5.xml><?xml version="1.0" encoding="utf-8"?>
 <p:notes xmlns:a="http://schemas.openxmlformats.org/drawingml/2006/main" xmlns:r="http://schemas.openxmlformats.org/officeDocument/2006/relationships" xmlns:mc="http://schemas.openxmlformats.org/markup-compatibility/2006" xmlns:mv="urn:schemas-microsoft-com:mac:vml" xmlns:p="http://schemas.openxmlformats.org/presentationml/2006/main" xmlns:c="http://schemas.openxmlformats.org/drawingml/2006/chart" xmlns:dgm="http://schemas.openxmlformats.org/drawingml/2006/diagram" xmlns:o="urn:schemas-microsoft-com:office:office" xmlns:v="urn:schemas-microsoft-com:vml" xmlns:pvml="urn:schemas-microsoft-com:office:powerpoint" xmlns:com="http://schemas.openxmlformats.org/drawingml/2006/compatibility" xmlns:p14="http://schemas.microsoft.com/office/powerpoint/2010/main" xmlns:p15="http://schemas.microsoft.com/office/powerpoint/2012/main" xmlns:ahyp="http://schemas.microsoft.com/office/drawing/2018/hyperlinkcolor" showMasterPhAnim="0" showMasterSp="0">
   <p:cSld>
     <p:spTree>
       <p:nvGrpSpPr>
-        <p:cNvPr id="128" name="Shape 128"/>
+        <p:cNvPr id="108" name="Shape 108"/>
         <p:cNvGrpSpPr/>
         <p:nvPr/>
       </p:nvGrpSpPr>
@@ -2194,7 +2198,7 @@
       </p:grpSpPr>
       <p:sp>
         <p:nvSpPr>
-          <p:cNvPr id="129" name="Google Shape;129;g112e57bf82a_0_40:notes"/>
+          <p:cNvPr id="109" name="Google Shape;109;g112e57bf82a_0_20:notes"/>
           <p:cNvSpPr/>
           <p:nvPr>
             <p:ph idx="2" type="sldImg"/>
@@ -2229,7 +2233,403 @@
       </p:sp>
       <p:sp>
         <p:nvSpPr>
-          <p:cNvPr id="130" name="Google Shape;130;g112e57bf82a_0_40:notes"/>
+          <p:cNvPr id="110" name="Google Shape;110;g112e57bf82a_0_20:notes"/>
+          <p:cNvSpPr txBox="1"/>
+          <p:nvPr>
+            <p:ph idx="1" type="body"/>
+          </p:nvPr>
+        </p:nvSpPr>
+        <p:spPr>
+          <a:xfrm>
+            <a:off x="685800" y="4343400"/>
+            <a:ext cx="5486400" cy="4114800"/>
+          </a:xfrm>
+          <a:prstGeom prst="rect">
+            <a:avLst/>
+          </a:prstGeom>
+        </p:spPr>
+        <p:txBody>
+          <a:bodyPr anchorCtr="0" anchor="t" bIns="91425" lIns="91425" spcFirstLastPara="1" rIns="91425" wrap="square" tIns="91425">
+            <a:noAutofit/>
+          </a:bodyPr>
+          <a:lstStyle/>
+          <a:p>
+            <a:pPr indent="0" lvl="0" marL="0" rtl="0" algn="l">
+              <a:spcBef>
+                <a:spcPts val="0"/>
+              </a:spcBef>
+              <a:spcAft>
+                <a:spcPts val="0"/>
+              </a:spcAft>
+              <a:buNone/>
+            </a:pPr>
+            <a:r>
+              <a:t/>
+            </a:r>
+            <a:endParaRPr/>
+          </a:p>
+        </p:txBody>
+      </p:sp>
+    </p:spTree>
+  </p:cSld>
+  <p:clrMapOvr>
+    <a:masterClrMapping/>
+  </p:clrMapOvr>
+</p:notes>
+</file>
+
+<file path=ppt/notesSlides/notesSlide6.xml><?xml version="1.0" encoding="utf-8"?>
+<p:notes xmlns:a="http://schemas.openxmlformats.org/drawingml/2006/main" xmlns:r="http://schemas.openxmlformats.org/officeDocument/2006/relationships" xmlns:mc="http://schemas.openxmlformats.org/markup-compatibility/2006" xmlns:mv="urn:schemas-microsoft-com:mac:vml" xmlns:p="http://schemas.openxmlformats.org/presentationml/2006/main" xmlns:c="http://schemas.openxmlformats.org/drawingml/2006/chart" xmlns:dgm="http://schemas.openxmlformats.org/drawingml/2006/diagram" xmlns:o="urn:schemas-microsoft-com:office:office" xmlns:v="urn:schemas-microsoft-com:vml" xmlns:pvml="urn:schemas-microsoft-com:office:powerpoint" xmlns:com="http://schemas.openxmlformats.org/drawingml/2006/compatibility" xmlns:p14="http://schemas.microsoft.com/office/powerpoint/2010/main" xmlns:p15="http://schemas.microsoft.com/office/powerpoint/2012/main" xmlns:ahyp="http://schemas.microsoft.com/office/drawing/2018/hyperlinkcolor" showMasterPhAnim="0" showMasterSp="0">
+  <p:cSld>
+    <p:spTree>
+      <p:nvGrpSpPr>
+        <p:cNvPr id="115" name="Shape 115"/>
+        <p:cNvGrpSpPr/>
+        <p:nvPr/>
+      </p:nvGrpSpPr>
+      <p:grpSpPr>
+        <a:xfrm>
+          <a:off x="0" y="0"/>
+          <a:ext cx="0" cy="0"/>
+          <a:chOff x="0" y="0"/>
+          <a:chExt cx="0" cy="0"/>
+        </a:xfrm>
+      </p:grpSpPr>
+      <p:sp>
+        <p:nvSpPr>
+          <p:cNvPr id="116" name="Google Shape;116;g111e9305988_0_36:notes"/>
+          <p:cNvSpPr/>
+          <p:nvPr>
+            <p:ph idx="2" type="sldImg"/>
+          </p:nvPr>
+        </p:nvSpPr>
+        <p:spPr>
+          <a:xfrm>
+            <a:off x="1143225" y="685800"/>
+            <a:ext cx="4572300" cy="3429000"/>
+          </a:xfrm>
+          <a:custGeom>
+            <a:rect b="b" l="l" r="r" t="t"/>
+            <a:pathLst>
+              <a:path extrusionOk="0" h="120000" w="120000">
+                <a:moveTo>
+                  <a:pt x="0" y="0"/>
+                </a:moveTo>
+                <a:lnTo>
+                  <a:pt x="120000" y="0"/>
+                </a:lnTo>
+                <a:lnTo>
+                  <a:pt x="120000" y="120000"/>
+                </a:lnTo>
+                <a:lnTo>
+                  <a:pt x="0" y="120000"/>
+                </a:lnTo>
+                <a:close/>
+              </a:path>
+            </a:pathLst>
+          </a:custGeom>
+        </p:spPr>
+      </p:sp>
+      <p:sp>
+        <p:nvSpPr>
+          <p:cNvPr id="117" name="Google Shape;117;g111e9305988_0_36:notes"/>
+          <p:cNvSpPr txBox="1"/>
+          <p:nvPr>
+            <p:ph idx="1" type="body"/>
+          </p:nvPr>
+        </p:nvSpPr>
+        <p:spPr>
+          <a:xfrm>
+            <a:off x="685800" y="4343400"/>
+            <a:ext cx="5486400" cy="4114800"/>
+          </a:xfrm>
+          <a:prstGeom prst="rect">
+            <a:avLst/>
+          </a:prstGeom>
+        </p:spPr>
+        <p:txBody>
+          <a:bodyPr anchorCtr="0" anchor="t" bIns="91425" lIns="91425" spcFirstLastPara="1" rIns="91425" wrap="square" tIns="91425">
+            <a:noAutofit/>
+          </a:bodyPr>
+          <a:lstStyle/>
+          <a:p>
+            <a:pPr indent="0" lvl="0" marL="0" rtl="0" algn="l">
+              <a:spcBef>
+                <a:spcPts val="0"/>
+              </a:spcBef>
+              <a:spcAft>
+                <a:spcPts val="0"/>
+              </a:spcAft>
+              <a:buNone/>
+            </a:pPr>
+            <a:r>
+              <a:t/>
+            </a:r>
+            <a:endParaRPr/>
+          </a:p>
+        </p:txBody>
+      </p:sp>
+    </p:spTree>
+  </p:cSld>
+  <p:clrMapOvr>
+    <a:masterClrMapping/>
+  </p:clrMapOvr>
+</p:notes>
+</file>
+
+<file path=ppt/notesSlides/notesSlide7.xml><?xml version="1.0" encoding="utf-8"?>
+<p:notes xmlns:a="http://schemas.openxmlformats.org/drawingml/2006/main" xmlns:r="http://schemas.openxmlformats.org/officeDocument/2006/relationships" xmlns:mc="http://schemas.openxmlformats.org/markup-compatibility/2006" xmlns:mv="urn:schemas-microsoft-com:mac:vml" xmlns:p="http://schemas.openxmlformats.org/presentationml/2006/main" xmlns:c="http://schemas.openxmlformats.org/drawingml/2006/chart" xmlns:dgm="http://schemas.openxmlformats.org/drawingml/2006/diagram" xmlns:o="urn:schemas-microsoft-com:office:office" xmlns:v="urn:schemas-microsoft-com:vml" xmlns:pvml="urn:schemas-microsoft-com:office:powerpoint" xmlns:com="http://schemas.openxmlformats.org/drawingml/2006/compatibility" xmlns:p14="http://schemas.microsoft.com/office/powerpoint/2010/main" xmlns:p15="http://schemas.microsoft.com/office/powerpoint/2012/main" xmlns:ahyp="http://schemas.microsoft.com/office/drawing/2018/hyperlinkcolor" showMasterPhAnim="0" showMasterSp="0">
+  <p:cSld>
+    <p:spTree>
+      <p:nvGrpSpPr>
+        <p:cNvPr id="129" name="Shape 129"/>
+        <p:cNvGrpSpPr/>
+        <p:nvPr/>
+      </p:nvGrpSpPr>
+      <p:grpSpPr>
+        <a:xfrm>
+          <a:off x="0" y="0"/>
+          <a:ext cx="0" cy="0"/>
+          <a:chOff x="0" y="0"/>
+          <a:chExt cx="0" cy="0"/>
+        </a:xfrm>
+      </p:grpSpPr>
+      <p:sp>
+        <p:nvSpPr>
+          <p:cNvPr id="130" name="Google Shape;130;g111e9305988_0_51:notes"/>
+          <p:cNvSpPr/>
+          <p:nvPr>
+            <p:ph idx="2" type="sldImg"/>
+          </p:nvPr>
+        </p:nvSpPr>
+        <p:spPr>
+          <a:xfrm>
+            <a:off x="1143225" y="685800"/>
+            <a:ext cx="4572300" cy="3429000"/>
+          </a:xfrm>
+          <a:custGeom>
+            <a:rect b="b" l="l" r="r" t="t"/>
+            <a:pathLst>
+              <a:path extrusionOk="0" h="120000" w="120000">
+                <a:moveTo>
+                  <a:pt x="0" y="0"/>
+                </a:moveTo>
+                <a:lnTo>
+                  <a:pt x="120000" y="0"/>
+                </a:lnTo>
+                <a:lnTo>
+                  <a:pt x="120000" y="120000"/>
+                </a:lnTo>
+                <a:lnTo>
+                  <a:pt x="0" y="120000"/>
+                </a:lnTo>
+                <a:close/>
+              </a:path>
+            </a:pathLst>
+          </a:custGeom>
+        </p:spPr>
+      </p:sp>
+      <p:sp>
+        <p:nvSpPr>
+          <p:cNvPr id="131" name="Google Shape;131;g111e9305988_0_51:notes"/>
+          <p:cNvSpPr txBox="1"/>
+          <p:nvPr>
+            <p:ph idx="1" type="body"/>
+          </p:nvPr>
+        </p:nvSpPr>
+        <p:spPr>
+          <a:xfrm>
+            <a:off x="685800" y="4343400"/>
+            <a:ext cx="5486400" cy="4114800"/>
+          </a:xfrm>
+          <a:prstGeom prst="rect">
+            <a:avLst/>
+          </a:prstGeom>
+        </p:spPr>
+        <p:txBody>
+          <a:bodyPr anchorCtr="0" anchor="t" bIns="91425" lIns="91425" spcFirstLastPara="1" rIns="91425" wrap="square" tIns="91425">
+            <a:noAutofit/>
+          </a:bodyPr>
+          <a:lstStyle/>
+          <a:p>
+            <a:pPr indent="0" lvl="0" marL="0" rtl="0" algn="l">
+              <a:spcBef>
+                <a:spcPts val="0"/>
+              </a:spcBef>
+              <a:spcAft>
+                <a:spcPts val="0"/>
+              </a:spcAft>
+              <a:buNone/>
+            </a:pPr>
+            <a:r>
+              <a:t/>
+            </a:r>
+            <a:endParaRPr/>
+          </a:p>
+        </p:txBody>
+      </p:sp>
+    </p:spTree>
+  </p:cSld>
+  <p:clrMapOvr>
+    <a:masterClrMapping/>
+  </p:clrMapOvr>
+</p:notes>
+</file>
+
+<file path=ppt/notesSlides/notesSlide8.xml><?xml version="1.0" encoding="utf-8"?>
+<p:notes xmlns:a="http://schemas.openxmlformats.org/drawingml/2006/main" xmlns:r="http://schemas.openxmlformats.org/officeDocument/2006/relationships" xmlns:mc="http://schemas.openxmlformats.org/markup-compatibility/2006" xmlns:mv="urn:schemas-microsoft-com:mac:vml" xmlns:p="http://schemas.openxmlformats.org/presentationml/2006/main" xmlns:c="http://schemas.openxmlformats.org/drawingml/2006/chart" xmlns:dgm="http://schemas.openxmlformats.org/drawingml/2006/diagram" xmlns:o="urn:schemas-microsoft-com:office:office" xmlns:v="urn:schemas-microsoft-com:vml" xmlns:pvml="urn:schemas-microsoft-com:office:powerpoint" xmlns:com="http://schemas.openxmlformats.org/drawingml/2006/compatibility" xmlns:p14="http://schemas.microsoft.com/office/powerpoint/2010/main" xmlns:p15="http://schemas.microsoft.com/office/powerpoint/2012/main" xmlns:ahyp="http://schemas.microsoft.com/office/drawing/2018/hyperlinkcolor" showMasterPhAnim="0" showMasterSp="0">
+  <p:cSld>
+    <p:spTree>
+      <p:nvGrpSpPr>
+        <p:cNvPr id="136" name="Shape 136"/>
+        <p:cNvGrpSpPr/>
+        <p:nvPr/>
+      </p:nvGrpSpPr>
+      <p:grpSpPr>
+        <a:xfrm>
+          <a:off x="0" y="0"/>
+          <a:ext cx="0" cy="0"/>
+          <a:chOff x="0" y="0"/>
+          <a:chExt cx="0" cy="0"/>
+        </a:xfrm>
+      </p:grpSpPr>
+      <p:sp>
+        <p:nvSpPr>
+          <p:cNvPr id="137" name="Google Shape;137;g112e57bf82a_0_30:notes"/>
+          <p:cNvSpPr/>
+          <p:nvPr>
+            <p:ph idx="2" type="sldImg"/>
+          </p:nvPr>
+        </p:nvSpPr>
+        <p:spPr>
+          <a:xfrm>
+            <a:off x="1143225" y="685800"/>
+            <a:ext cx="4572300" cy="3429000"/>
+          </a:xfrm>
+          <a:custGeom>
+            <a:rect b="b" l="l" r="r" t="t"/>
+            <a:pathLst>
+              <a:path extrusionOk="0" h="120000" w="120000">
+                <a:moveTo>
+                  <a:pt x="0" y="0"/>
+                </a:moveTo>
+                <a:lnTo>
+                  <a:pt x="120000" y="0"/>
+                </a:lnTo>
+                <a:lnTo>
+                  <a:pt x="120000" y="120000"/>
+                </a:lnTo>
+                <a:lnTo>
+                  <a:pt x="0" y="120000"/>
+                </a:lnTo>
+                <a:close/>
+              </a:path>
+            </a:pathLst>
+          </a:custGeom>
+        </p:spPr>
+      </p:sp>
+      <p:sp>
+        <p:nvSpPr>
+          <p:cNvPr id="138" name="Google Shape;138;g112e57bf82a_0_30:notes"/>
+          <p:cNvSpPr txBox="1"/>
+          <p:nvPr>
+            <p:ph idx="1" type="body"/>
+          </p:nvPr>
+        </p:nvSpPr>
+        <p:spPr>
+          <a:xfrm>
+            <a:off x="685800" y="4343400"/>
+            <a:ext cx="5486400" cy="4114800"/>
+          </a:xfrm>
+          <a:prstGeom prst="rect">
+            <a:avLst/>
+          </a:prstGeom>
+        </p:spPr>
+        <p:txBody>
+          <a:bodyPr anchorCtr="0" anchor="t" bIns="91425" lIns="91425" spcFirstLastPara="1" rIns="91425" wrap="square" tIns="91425">
+            <a:noAutofit/>
+          </a:bodyPr>
+          <a:lstStyle/>
+          <a:p>
+            <a:pPr indent="0" lvl="0" marL="0" rtl="0" algn="l">
+              <a:spcBef>
+                <a:spcPts val="0"/>
+              </a:spcBef>
+              <a:spcAft>
+                <a:spcPts val="0"/>
+              </a:spcAft>
+              <a:buNone/>
+            </a:pPr>
+            <a:r>
+              <a:t/>
+            </a:r>
+            <a:endParaRPr/>
+          </a:p>
+        </p:txBody>
+      </p:sp>
+    </p:spTree>
+  </p:cSld>
+  <p:clrMapOvr>
+    <a:masterClrMapping/>
+  </p:clrMapOvr>
+</p:notes>
+</file>
+
+<file path=ppt/notesSlides/notesSlide9.xml><?xml version="1.0" encoding="utf-8"?>
+<p:notes xmlns:a="http://schemas.openxmlformats.org/drawingml/2006/main" xmlns:r="http://schemas.openxmlformats.org/officeDocument/2006/relationships" xmlns:mc="http://schemas.openxmlformats.org/markup-compatibility/2006" xmlns:mv="urn:schemas-microsoft-com:mac:vml" xmlns:p="http://schemas.openxmlformats.org/presentationml/2006/main" xmlns:c="http://schemas.openxmlformats.org/drawingml/2006/chart" xmlns:dgm="http://schemas.openxmlformats.org/drawingml/2006/diagram" xmlns:o="urn:schemas-microsoft-com:office:office" xmlns:v="urn:schemas-microsoft-com:vml" xmlns:pvml="urn:schemas-microsoft-com:office:powerpoint" xmlns:com="http://schemas.openxmlformats.org/drawingml/2006/compatibility" xmlns:p14="http://schemas.microsoft.com/office/powerpoint/2010/main" xmlns:p15="http://schemas.microsoft.com/office/powerpoint/2012/main" xmlns:ahyp="http://schemas.microsoft.com/office/drawing/2018/hyperlinkcolor" showMasterPhAnim="0" showMasterSp="0">
+  <p:cSld>
+    <p:spTree>
+      <p:nvGrpSpPr>
+        <p:cNvPr id="143" name="Shape 143"/>
+        <p:cNvGrpSpPr/>
+        <p:nvPr/>
+      </p:nvGrpSpPr>
+      <p:grpSpPr>
+        <a:xfrm>
+          <a:off x="0" y="0"/>
+          <a:ext cx="0" cy="0"/>
+          <a:chOff x="0" y="0"/>
+          <a:chExt cx="0" cy="0"/>
+        </a:xfrm>
+      </p:grpSpPr>
+      <p:sp>
+        <p:nvSpPr>
+          <p:cNvPr id="144" name="Google Shape;144;g112e57bf82a_0_40:notes"/>
+          <p:cNvSpPr/>
+          <p:nvPr>
+            <p:ph idx="2" type="sldImg"/>
+          </p:nvPr>
+        </p:nvSpPr>
+        <p:spPr>
+          <a:xfrm>
+            <a:off x="1143225" y="685800"/>
+            <a:ext cx="4572300" cy="3429000"/>
+          </a:xfrm>
+          <a:custGeom>
+            <a:rect b="b" l="l" r="r" t="t"/>
+            <a:pathLst>
+              <a:path extrusionOk="0" h="120000" w="120000">
+                <a:moveTo>
+                  <a:pt x="0" y="0"/>
+                </a:moveTo>
+                <a:lnTo>
+                  <a:pt x="120000" y="0"/>
+                </a:lnTo>
+                <a:lnTo>
+                  <a:pt x="120000" y="120000"/>
+                </a:lnTo>
+                <a:lnTo>
+                  <a:pt x="0" y="120000"/>
+                </a:lnTo>
+                <a:close/>
+              </a:path>
+            </a:pathLst>
+          </a:custGeom>
+        </p:spPr>
+      </p:sp>
+      <p:sp>
+        <p:nvSpPr>
+          <p:cNvPr id="145" name="Google Shape;145;g112e57bf82a_0_40:notes"/>
           <p:cNvSpPr txBox="1"/>
           <p:nvPr>
             <p:ph idx="1" type="body"/>
@@ -11579,7 +11979,7 @@
     <p:sldLayoutId id="2147483658" r:id="rId10"/>
     <p:sldLayoutId id="2147483659" r:id="rId11"/>
   </p:sldLayoutIdLst>
-  <p:hf dt="0" ftr="0" hdr="0" sldNum="0"/>
+  <p:hf dt="0" ftr="0" hdr="0"/>
   <p:txStyles>
     <p:titleStyle>
       <a:defPPr lvl="0" marR="0" rtl="0" algn="l">
@@ -12422,6 +12822,50 @@
           </a:p>
         </p:txBody>
       </p:sp>
+      <p:sp>
+        <p:nvSpPr>
+          <p:cNvPr id="86" name="Google Shape;86;p1"/>
+          <p:cNvSpPr txBox="1"/>
+          <p:nvPr>
+            <p:ph idx="12" type="sldNum"/>
+          </p:nvPr>
+        </p:nvSpPr>
+        <p:spPr>
+          <a:xfrm>
+            <a:off x="8610600" y="6356350"/>
+            <a:ext cx="2743200" cy="365100"/>
+          </a:xfrm>
+          <a:prstGeom prst="rect">
+            <a:avLst/>
+          </a:prstGeom>
+        </p:spPr>
+        <p:txBody>
+          <a:bodyPr anchorCtr="0" anchor="ctr" bIns="45700" lIns="91425" spcFirstLastPara="1" rIns="91425" wrap="square" tIns="45700">
+            <a:noAutofit/>
+          </a:bodyPr>
+          <a:lstStyle/>
+          <a:p>
+            <a:pPr indent="0" lvl="0" marL="0" rtl="0" algn="r">
+              <a:spcBef>
+                <a:spcPts val="0"/>
+              </a:spcBef>
+              <a:spcAft>
+                <a:spcPts val="0"/>
+              </a:spcAft>
+              <a:buClr>
+                <a:srgbClr val="000000"/>
+              </a:buClr>
+              <a:buFont typeface="Arial"/>
+              <a:buNone/>
+            </a:pPr>
+            <a:fld id="{00000000-1234-1234-1234-123412341234}" type="slidenum">
+              <a:rPr lang="es-ES"/>
+              <a:t>‹#›</a:t>
+            </a:fld>
+            <a:endParaRPr/>
+          </a:p>
+        </p:txBody>
+      </p:sp>
     </p:spTree>
   </p:cSld>
   <p:clrMapOvr>
@@ -12435,7 +12879,7 @@
   <p:cSld>
     <p:spTree>
       <p:nvGrpSpPr>
-        <p:cNvPr id="137" name="Shape 137"/>
+        <p:cNvPr id="153" name="Shape 153"/>
         <p:cNvGrpSpPr/>
         <p:nvPr/>
       </p:nvGrpSpPr>
@@ -12449,7 +12893,7 @@
       </p:grpSpPr>
       <p:sp>
         <p:nvSpPr>
-          <p:cNvPr id="138" name="Google Shape;138;g112e57bf82a_1_32"/>
+          <p:cNvPr id="154" name="Google Shape;154;g112e57bf82a_1_32"/>
           <p:cNvSpPr txBox="1"/>
           <p:nvPr>
             <p:ph type="title"/>
@@ -12494,7 +12938,7 @@
       </p:sp>
       <p:sp>
         <p:nvSpPr>
-          <p:cNvPr id="139" name="Google Shape;139;g112e57bf82a_1_32"/>
+          <p:cNvPr id="155" name="Google Shape;155;g112e57bf82a_1_32"/>
           <p:cNvSpPr txBox="1"/>
           <p:nvPr>
             <p:ph idx="1" type="body"/>
@@ -12515,18 +12959,62 @@
           </a:bodyPr>
           <a:lstStyle/>
           <a:p>
-            <a:pPr indent="0" lvl="0" marL="0" rtl="0" algn="l">
+            <a:pPr indent="-342900" lvl="0" marL="457200" rtl="0" algn="l">
+              <a:lnSpc>
+                <a:spcPct val="150000"/>
+              </a:lnSpc>
               <a:spcBef>
                 <a:spcPts val="1000"/>
               </a:spcBef>
               <a:spcAft>
                 <a:spcPts val="0"/>
               </a:spcAft>
-              <a:buNone/>
+              <a:buSzPts val="1800"/>
+              <a:buChar char="●"/>
             </a:pPr>
             <a:r>
               <a:rPr lang="es-ES"/>
-              <a:t>Agreement and kappa values for each task</a:t>
+              <a:t>Initial agreement and kappa values for each task</a:t>
+            </a:r>
+            <a:endParaRPr/>
+          </a:p>
+          <a:p>
+            <a:pPr indent="-342900" lvl="0" marL="457200" rtl="0" algn="l">
+              <a:lnSpc>
+                <a:spcPct val="150000"/>
+              </a:lnSpc>
+              <a:spcBef>
+                <a:spcPts val="0"/>
+              </a:spcBef>
+              <a:spcAft>
+                <a:spcPts val="0"/>
+              </a:spcAft>
+              <a:buSzPts val="1800"/>
+              <a:buChar char="●"/>
+            </a:pPr>
+            <a:r>
+              <a:rPr lang="es-ES"/>
+              <a:t>Better than expected with very few guidelines</a:t>
+            </a:r>
+            <a:endParaRPr/>
+          </a:p>
+          <a:p>
+            <a:pPr indent="-342900" lvl="0" marL="457200" rtl="0" algn="l">
+              <a:lnSpc>
+                <a:spcPct val="150000"/>
+              </a:lnSpc>
+              <a:spcBef>
+                <a:spcPts val="0"/>
+              </a:spcBef>
+              <a:spcAft>
+                <a:spcPts val="0"/>
+              </a:spcAft>
+              <a:buSzPts val="1800"/>
+              <a:buChar char="●"/>
+            </a:pPr>
+            <a:r>
+              <a:rPr lang="es-ES"/>
+              <a:t>Not good enough, update guidelines</a:t>
             </a:r>
             <a:endParaRPr/>
           </a:p>
@@ -12534,12 +13022,12 @@
       </p:sp>
       <p:graphicFrame>
         <p:nvGraphicFramePr>
-          <p:cNvPr id="140" name="Google Shape;140;g112e57bf82a_1_32"/>
+          <p:cNvPr id="156" name="Google Shape;156;g112e57bf82a_1_32"/>
           <p:cNvGraphicFramePr/>
           <p:nvPr/>
         </p:nvGraphicFramePr>
         <p:xfrm>
-          <a:off x="952500" y="3342200"/>
+          <a:off x="1124500" y="3982400"/>
           <a:ext cx="3000000" cy="3000000"/>
         </p:xfrm>
         <a:graphic>
@@ -12547,16 +13035,16 @@
             <a:tbl>
               <a:tblPr>
                 <a:noFill/>
-                <a:tableStyleId>{0E8328BC-C7E2-4EE8-BECD-347CB56EA330}</a:tableStyleId>
+                <a:tableStyleId>{14E8F432-E50E-4DC2-B74D-F33B415F0C3E}</a:tableStyleId>
               </a:tblPr>
               <a:tblGrid>
-                <a:gridCol w="2057400"/>
-                <a:gridCol w="2057400"/>
-                <a:gridCol w="2057400"/>
-                <a:gridCol w="2057400"/>
-                <a:gridCol w="2057400"/>
+                <a:gridCol w="1988600"/>
+                <a:gridCol w="1988600"/>
+                <a:gridCol w="1988600"/>
+                <a:gridCol w="1988600"/>
+                <a:gridCol w="1988600"/>
               </a:tblGrid>
-              <a:tr h="381000">
+              <a:tr h="609575">
                 <a:tc>
                   <a:txBody>
                     <a:bodyPr/>
@@ -12764,7 +13252,7 @@
                   </a:tcPr>
                 </a:tc>
               </a:tr>
-              <a:tr h="381000">
+              <a:tr h="396200">
                 <a:tc>
                   <a:txBody>
                     <a:bodyPr/>
@@ -12901,7 +13389,7 @@
                   </a:tcPr>
                 </a:tc>
               </a:tr>
-              <a:tr h="381000">
+              <a:tr h="396200">
                 <a:tc>
                   <a:txBody>
                     <a:bodyPr/>
@@ -13018,7 +13506,7 @@
                   <a:tcPr marT="91425" marB="91425" marR="91425" marL="91425"/>
                 </a:tc>
               </a:tr>
-              <a:tr h="381000">
+              <a:tr h="396200">
                 <a:tc>
                   <a:txBody>
                     <a:bodyPr/>
@@ -13135,7 +13623,7 @@
                   <a:tcPr marT="91425" marB="91425" marR="91425" marL="91425"/>
                 </a:tc>
               </a:tr>
-              <a:tr h="381000">
+              <a:tr h="396200">
                 <a:tc>
                   <a:txBody>
                     <a:bodyPr/>
@@ -13274,6 +13762,50 @@
           </a:graphicData>
         </a:graphic>
       </p:graphicFrame>
+      <p:sp>
+        <p:nvSpPr>
+          <p:cNvPr id="157" name="Google Shape;157;g112e57bf82a_1_32"/>
+          <p:cNvSpPr txBox="1"/>
+          <p:nvPr>
+            <p:ph idx="12" type="sldNum"/>
+          </p:nvPr>
+        </p:nvSpPr>
+        <p:spPr>
+          <a:xfrm>
+            <a:off x="8610600" y="6356350"/>
+            <a:ext cx="2743200" cy="365100"/>
+          </a:xfrm>
+          <a:prstGeom prst="rect">
+            <a:avLst/>
+          </a:prstGeom>
+        </p:spPr>
+        <p:txBody>
+          <a:bodyPr anchorCtr="0" anchor="ctr" bIns="45700" lIns="91425" spcFirstLastPara="1" rIns="91425" wrap="square" tIns="45700">
+            <a:noAutofit/>
+          </a:bodyPr>
+          <a:lstStyle/>
+          <a:p>
+            <a:pPr indent="0" lvl="0" marL="0" rtl="0" algn="r">
+              <a:spcBef>
+                <a:spcPts val="0"/>
+              </a:spcBef>
+              <a:spcAft>
+                <a:spcPts val="0"/>
+              </a:spcAft>
+              <a:buClr>
+                <a:srgbClr val="000000"/>
+              </a:buClr>
+              <a:buFont typeface="Arial"/>
+              <a:buNone/>
+            </a:pPr>
+            <a:fld id="{00000000-1234-1234-1234-123412341234}" type="slidenum">
+              <a:rPr lang="es-ES"/>
+              <a:t>‹#›</a:t>
+            </a:fld>
+            <a:endParaRPr/>
+          </a:p>
+        </p:txBody>
+      </p:sp>
     </p:spTree>
   </p:cSld>
   <p:clrMapOvr>
@@ -13287,7 +13819,7 @@
   <p:cSld>
     <p:spTree>
       <p:nvGrpSpPr>
-        <p:cNvPr id="144" name="Shape 144"/>
+        <p:cNvPr id="161" name="Shape 161"/>
         <p:cNvGrpSpPr/>
         <p:nvPr/>
       </p:nvGrpSpPr>
@@ -13301,7 +13833,7 @@
       </p:grpSpPr>
       <p:sp>
         <p:nvSpPr>
-          <p:cNvPr id="145" name="Google Shape;145;g112e57bf82a_0_45"/>
+          <p:cNvPr id="162" name="Google Shape;162;g112e57bf82a_0_50"/>
           <p:cNvSpPr txBox="1"/>
           <p:nvPr>
             <p:ph type="title"/>
@@ -13333,15 +13865,772 @@
             </a:pPr>
             <a:r>
               <a:rPr lang="es-ES"/>
-              <a:t>Automatic Analysis</a:t>
+              <a:t>Updated Guidelines</a:t>
             </a:r>
+            <a:endParaRPr/>
+          </a:p>
+        </p:txBody>
+      </p:sp>
+      <p:graphicFrame>
+        <p:nvGraphicFramePr>
+          <p:cNvPr id="163" name="Google Shape;163;g112e57bf82a_0_50"/>
+          <p:cNvGraphicFramePr/>
+          <p:nvPr/>
+        </p:nvGraphicFramePr>
+        <p:xfrm>
+          <a:off x="952500" y="3996075"/>
+          <a:ext cx="3000000" cy="3000000"/>
+        </p:xfrm>
+        <a:graphic>
+          <a:graphicData uri="http://schemas.openxmlformats.org/drawingml/2006/table">
+            <a:tbl>
+              <a:tblPr>
+                <a:noFill/>
+                <a:tableStyleId>{14E8F432-E50E-4DC2-B74D-F33B415F0C3E}</a:tableStyleId>
+              </a:tblPr>
+              <a:tblGrid>
+                <a:gridCol w="2571750"/>
+                <a:gridCol w="2571750"/>
+                <a:gridCol w="2571750"/>
+                <a:gridCol w="2571750"/>
+              </a:tblGrid>
+              <a:tr h="744900">
+                <a:tc gridSpan="2">
+                  <a:txBody>
+                    <a:bodyPr/>
+                    <a:lstStyle/>
+                    <a:p>
+                      <a:pPr indent="0" lvl="0" marL="0" rtl="0" algn="l">
+                        <a:spcBef>
+                          <a:spcPts val="0"/>
+                        </a:spcBef>
+                        <a:spcAft>
+                          <a:spcPts val="0"/>
+                        </a:spcAft>
+                        <a:buNone/>
+                      </a:pPr>
+                      <a:r>
+                        <a:rPr b="1" lang="es-ES"/>
+                        <a:t>EMOTION</a:t>
+                      </a:r>
+                      <a:endParaRPr b="1"/>
+                    </a:p>
+                  </a:txBody>
+                  <a:tcPr marT="91425" marB="91425" marR="91425" marL="91425"/>
+                </a:tc>
+                <a:tc hMerge="1"/>
+                <a:tc gridSpan="2">
+                  <a:txBody>
+                    <a:bodyPr/>
+                    <a:lstStyle/>
+                    <a:p>
+                      <a:pPr indent="0" lvl="0" marL="0" rtl="0" algn="l">
+                        <a:spcBef>
+                          <a:spcPts val="0"/>
+                        </a:spcBef>
+                        <a:spcAft>
+                          <a:spcPts val="0"/>
+                        </a:spcAft>
+                        <a:buNone/>
+                      </a:pPr>
+                      <a:r>
+                        <a:rPr b="1" lang="es-ES"/>
+                        <a:t>SENTIMENT</a:t>
+                      </a:r>
+                      <a:endParaRPr b="1"/>
+                    </a:p>
+                  </a:txBody>
+                  <a:tcPr marT="91425" marB="91425" marR="91425" marL="91425"/>
+                </a:tc>
+                <a:tc hMerge="1"/>
+              </a:tr>
+              <a:tr h="396225">
+                <a:tc>
+                  <a:txBody>
+                    <a:bodyPr/>
+                    <a:lstStyle/>
+                    <a:p>
+                      <a:pPr indent="0" lvl="0" marL="0" rtl="0" algn="l">
+                        <a:spcBef>
+                          <a:spcPts val="0"/>
+                        </a:spcBef>
+                        <a:spcAft>
+                          <a:spcPts val="0"/>
+                        </a:spcAft>
+                        <a:buNone/>
+                      </a:pPr>
+                      <a:r>
+                        <a:rPr b="1" lang="es-ES"/>
+                        <a:t>Problem</a:t>
+                      </a:r>
+                      <a:endParaRPr b="1"/>
+                    </a:p>
+                  </a:txBody>
+                  <a:tcPr marT="91425" marB="91425" marR="91425" marL="91425">
+                    <a:lnB cap="flat" cmpd="sng" w="9525">
+                      <a:solidFill>
+                        <a:srgbClr val="9E9E9E"/>
+                      </a:solidFill>
+                      <a:prstDash val="solid"/>
+                      <a:round/>
+                      <a:headEnd len="sm" w="sm" type="none"/>
+                      <a:tailEnd len="sm" w="sm" type="none"/>
+                    </a:lnB>
+                  </a:tcPr>
+                </a:tc>
+                <a:tc>
+                  <a:txBody>
+                    <a:bodyPr/>
+                    <a:lstStyle/>
+                    <a:p>
+                      <a:pPr indent="0" lvl="0" marL="0" rtl="0" algn="l">
+                        <a:spcBef>
+                          <a:spcPts val="0"/>
+                        </a:spcBef>
+                        <a:spcAft>
+                          <a:spcPts val="0"/>
+                        </a:spcAft>
+                        <a:buNone/>
+                      </a:pPr>
+                      <a:r>
+                        <a:rPr b="1" lang="es-ES"/>
+                        <a:t>Solution</a:t>
+                      </a:r>
+                      <a:endParaRPr b="1"/>
+                    </a:p>
+                  </a:txBody>
+                  <a:tcPr marT="91425" marB="91425" marR="91425" marL="91425">
+                    <a:lnB cap="flat" cmpd="sng" w="9525">
+                      <a:solidFill>
+                        <a:srgbClr val="9E9E9E"/>
+                      </a:solidFill>
+                      <a:prstDash val="solid"/>
+                      <a:round/>
+                      <a:headEnd len="sm" w="sm" type="none"/>
+                      <a:tailEnd len="sm" w="sm" type="none"/>
+                    </a:lnB>
+                  </a:tcPr>
+                </a:tc>
+                <a:tc>
+                  <a:txBody>
+                    <a:bodyPr/>
+                    <a:lstStyle/>
+                    <a:p>
+                      <a:pPr indent="0" lvl="0" marL="0" marR="0" rtl="0" algn="l">
+                        <a:lnSpc>
+                          <a:spcPct val="100000"/>
+                        </a:lnSpc>
+                        <a:spcBef>
+                          <a:spcPts val="0"/>
+                        </a:spcBef>
+                        <a:spcAft>
+                          <a:spcPts val="0"/>
+                        </a:spcAft>
+                        <a:buNone/>
+                      </a:pPr>
+                      <a:r>
+                        <a:rPr b="1" lang="es-ES"/>
+                        <a:t>Problem</a:t>
+                      </a:r>
+                      <a:endParaRPr b="1"/>
+                    </a:p>
+                  </a:txBody>
+                  <a:tcPr marT="91425" marB="91425" marR="91425" marL="91425">
+                    <a:lnB cap="flat" cmpd="sng" w="9525">
+                      <a:solidFill>
+                        <a:srgbClr val="9E9E9E"/>
+                      </a:solidFill>
+                      <a:prstDash val="solid"/>
+                      <a:round/>
+                      <a:headEnd len="sm" w="sm" type="none"/>
+                      <a:tailEnd len="sm" w="sm" type="none"/>
+                    </a:lnB>
+                  </a:tcPr>
+                </a:tc>
+                <a:tc>
+                  <a:txBody>
+                    <a:bodyPr/>
+                    <a:lstStyle/>
+                    <a:p>
+                      <a:pPr indent="0" lvl="0" marL="0" marR="0" rtl="0" algn="l">
+                        <a:lnSpc>
+                          <a:spcPct val="100000"/>
+                        </a:lnSpc>
+                        <a:spcBef>
+                          <a:spcPts val="0"/>
+                        </a:spcBef>
+                        <a:spcAft>
+                          <a:spcPts val="0"/>
+                        </a:spcAft>
+                        <a:buNone/>
+                      </a:pPr>
+                      <a:r>
+                        <a:rPr b="1" lang="es-ES"/>
+                        <a:t>Solution</a:t>
+                      </a:r>
+                      <a:endParaRPr b="1"/>
+                    </a:p>
+                  </a:txBody>
+                  <a:tcPr marT="91425" marB="91425" marR="91425" marL="91425">
+                    <a:lnB cap="flat" cmpd="sng" w="9525">
+                      <a:solidFill>
+                        <a:srgbClr val="9E9E9E"/>
+                      </a:solidFill>
+                      <a:prstDash val="solid"/>
+                      <a:round/>
+                      <a:headEnd len="sm" w="sm" type="none"/>
+                      <a:tailEnd len="sm" w="sm" type="none"/>
+                    </a:lnB>
+                  </a:tcPr>
+                </a:tc>
+              </a:tr>
+              <a:tr h="396225">
+                <a:tc>
+                  <a:txBody>
+                    <a:bodyPr/>
+                    <a:lstStyle/>
+                    <a:p>
+                      <a:pPr indent="0" lvl="0" marL="0" rtl="0" algn="l">
+                        <a:spcBef>
+                          <a:spcPts val="0"/>
+                        </a:spcBef>
+                        <a:spcAft>
+                          <a:spcPts val="0"/>
+                        </a:spcAft>
+                        <a:buNone/>
+                      </a:pPr>
+                      <a:r>
+                        <a:rPr lang="es-ES"/>
+                        <a:t>If not sure / No emotion</a:t>
+                      </a:r>
+                      <a:endParaRPr/>
+                    </a:p>
+                  </a:txBody>
+                  <a:tcPr marT="91425" marB="91425" marR="91425" marL="91425">
+                    <a:lnL cap="flat" cmpd="sng" w="9525">
+                      <a:solidFill>
+                        <a:srgbClr val="9E9E9E"/>
+                      </a:solidFill>
+                      <a:prstDash val="solid"/>
+                      <a:round/>
+                      <a:headEnd len="sm" w="sm" type="none"/>
+                      <a:tailEnd len="sm" w="sm" type="none"/>
+                    </a:lnL>
+                    <a:lnR cap="flat" cmpd="sng" w="9525">
+                      <a:solidFill>
+                        <a:srgbClr val="9E9E9E"/>
+                      </a:solidFill>
+                      <a:prstDash val="solid"/>
+                      <a:round/>
+                      <a:headEnd len="sm" w="sm" type="none"/>
+                      <a:tailEnd len="sm" w="sm" type="none"/>
+                    </a:lnR>
+                    <a:lnT cap="flat" cmpd="sng" w="9525">
+                      <a:solidFill>
+                        <a:srgbClr val="9E9E9E"/>
+                      </a:solidFill>
+                      <a:prstDash val="solid"/>
+                      <a:round/>
+                      <a:headEnd len="sm" w="sm" type="none"/>
+                      <a:tailEnd len="sm" w="sm" type="none"/>
+                    </a:lnT>
+                    <a:lnB cap="flat" cmpd="sng" w="9525">
+                      <a:solidFill>
+                        <a:srgbClr val="9E9E9E"/>
+                      </a:solidFill>
+                      <a:prstDash val="solid"/>
+                      <a:round/>
+                      <a:headEnd len="sm" w="sm" type="none"/>
+                      <a:tailEnd len="sm" w="sm" type="none"/>
+                    </a:lnB>
+                  </a:tcPr>
+                </a:tc>
+                <a:tc>
+                  <a:txBody>
+                    <a:bodyPr/>
+                    <a:lstStyle/>
+                    <a:p>
+                      <a:pPr indent="0" lvl="0" marL="0" rtl="0" algn="l">
+                        <a:spcBef>
+                          <a:spcPts val="0"/>
+                        </a:spcBef>
+                        <a:spcAft>
+                          <a:spcPts val="0"/>
+                        </a:spcAft>
+                        <a:buNone/>
+                      </a:pPr>
+                      <a:r>
+                        <a:rPr lang="es-ES"/>
+                        <a:t>Less specific: Joy</a:t>
+                      </a:r>
+                      <a:endParaRPr/>
+                    </a:p>
+                  </a:txBody>
+                  <a:tcPr marT="91425" marB="91425" marR="91425" marL="91425">
+                    <a:lnL cap="flat" cmpd="sng" w="9525">
+                      <a:solidFill>
+                        <a:srgbClr val="9E9E9E"/>
+                      </a:solidFill>
+                      <a:prstDash val="solid"/>
+                      <a:round/>
+                      <a:headEnd len="sm" w="sm" type="none"/>
+                      <a:tailEnd len="sm" w="sm" type="none"/>
+                    </a:lnL>
+                    <a:lnR cap="flat" cmpd="sng" w="9525">
+                      <a:solidFill>
+                        <a:srgbClr val="9E9E9E"/>
+                      </a:solidFill>
+                      <a:prstDash val="solid"/>
+                      <a:round/>
+                      <a:headEnd len="sm" w="sm" type="none"/>
+                      <a:tailEnd len="sm" w="sm" type="none"/>
+                    </a:lnR>
+                    <a:lnT cap="flat" cmpd="sng" w="9525">
+                      <a:solidFill>
+                        <a:srgbClr val="9E9E9E"/>
+                      </a:solidFill>
+                      <a:prstDash val="solid"/>
+                      <a:round/>
+                      <a:headEnd len="sm" w="sm" type="none"/>
+                      <a:tailEnd len="sm" w="sm" type="none"/>
+                    </a:lnT>
+                    <a:lnB cap="flat" cmpd="sng" w="9525">
+                      <a:solidFill>
+                        <a:srgbClr val="9E9E9E"/>
+                      </a:solidFill>
+                      <a:prstDash val="solid"/>
+                      <a:round/>
+                      <a:headEnd len="sm" w="sm" type="none"/>
+                      <a:tailEnd len="sm" w="sm" type="none"/>
+                    </a:lnB>
+                  </a:tcPr>
+                </a:tc>
+                <a:tc>
+                  <a:txBody>
+                    <a:bodyPr/>
+                    <a:lstStyle/>
+                    <a:p>
+                      <a:pPr indent="0" lvl="0" marL="0" marR="0" rtl="0" algn="l">
+                        <a:lnSpc>
+                          <a:spcPct val="100000"/>
+                        </a:lnSpc>
+                        <a:spcBef>
+                          <a:spcPts val="0"/>
+                        </a:spcBef>
+                        <a:spcAft>
+                          <a:spcPts val="0"/>
+                        </a:spcAft>
+                        <a:buNone/>
+                      </a:pPr>
+                      <a:r>
+                        <a:rPr lang="es-ES"/>
+                        <a:t>Irony / Sarcasm</a:t>
+                      </a:r>
+                      <a:endParaRPr/>
+                    </a:p>
+                  </a:txBody>
+                  <a:tcPr marT="91425" marB="91425" marR="91425" marL="91425">
+                    <a:lnL cap="flat" cmpd="sng" w="9525">
+                      <a:solidFill>
+                        <a:srgbClr val="9E9E9E"/>
+                      </a:solidFill>
+                      <a:prstDash val="solid"/>
+                      <a:round/>
+                      <a:headEnd len="sm" w="sm" type="none"/>
+                      <a:tailEnd len="sm" w="sm" type="none"/>
+                    </a:lnL>
+                    <a:lnR cap="flat" cmpd="sng" w="9525">
+                      <a:solidFill>
+                        <a:srgbClr val="9E9E9E"/>
+                      </a:solidFill>
+                      <a:prstDash val="solid"/>
+                      <a:round/>
+                      <a:headEnd len="sm" w="sm" type="none"/>
+                      <a:tailEnd len="sm" w="sm" type="none"/>
+                    </a:lnR>
+                    <a:lnT cap="flat" cmpd="sng" w="9525">
+                      <a:solidFill>
+                        <a:srgbClr val="9E9E9E"/>
+                      </a:solidFill>
+                      <a:prstDash val="solid"/>
+                      <a:round/>
+                      <a:headEnd len="sm" w="sm" type="none"/>
+                      <a:tailEnd len="sm" w="sm" type="none"/>
+                    </a:lnT>
+                    <a:lnB cap="flat" cmpd="sng" w="9525">
+                      <a:solidFill>
+                        <a:srgbClr val="9E9E9E"/>
+                      </a:solidFill>
+                      <a:prstDash val="solid"/>
+                      <a:round/>
+                      <a:headEnd len="sm" w="sm" type="none"/>
+                      <a:tailEnd len="sm" w="sm" type="none"/>
+                    </a:lnB>
+                  </a:tcPr>
+                </a:tc>
+                <a:tc>
+                  <a:txBody>
+                    <a:bodyPr/>
+                    <a:lstStyle/>
+                    <a:p>
+                      <a:pPr indent="0" lvl="0" marL="0" marR="0" rtl="0" algn="l">
+                        <a:lnSpc>
+                          <a:spcPct val="100000"/>
+                        </a:lnSpc>
+                        <a:spcBef>
+                          <a:spcPts val="0"/>
+                        </a:spcBef>
+                        <a:spcAft>
+                          <a:spcPts val="0"/>
+                        </a:spcAft>
+                        <a:buNone/>
+                      </a:pPr>
+                      <a:r>
+                        <a:rPr lang="es-ES"/>
+                        <a:t>Sentiment opposed to the overall sentiment. Either “positive” or “negative”</a:t>
+                      </a:r>
+                      <a:endParaRPr/>
+                    </a:p>
+                  </a:txBody>
+                  <a:tcPr marT="91425" marB="91425" marR="91425" marL="91425">
+                    <a:lnL cap="flat" cmpd="sng" w="9525">
+                      <a:solidFill>
+                        <a:srgbClr val="9E9E9E"/>
+                      </a:solidFill>
+                      <a:prstDash val="solid"/>
+                      <a:round/>
+                      <a:headEnd len="sm" w="sm" type="none"/>
+                      <a:tailEnd len="sm" w="sm" type="none"/>
+                    </a:lnL>
+                    <a:lnR cap="flat" cmpd="sng" w="9525">
+                      <a:solidFill>
+                        <a:srgbClr val="9E9E9E"/>
+                      </a:solidFill>
+                      <a:prstDash val="solid"/>
+                      <a:round/>
+                      <a:headEnd len="sm" w="sm" type="none"/>
+                      <a:tailEnd len="sm" w="sm" type="none"/>
+                    </a:lnR>
+                    <a:lnT cap="flat" cmpd="sng" w="9525">
+                      <a:solidFill>
+                        <a:srgbClr val="9E9E9E"/>
+                      </a:solidFill>
+                      <a:prstDash val="solid"/>
+                      <a:round/>
+                      <a:headEnd len="sm" w="sm" type="none"/>
+                      <a:tailEnd len="sm" w="sm" type="none"/>
+                    </a:lnT>
+                    <a:lnB cap="flat" cmpd="sng" w="9525">
+                      <a:solidFill>
+                        <a:srgbClr val="9E9E9E"/>
+                      </a:solidFill>
+                      <a:prstDash val="solid"/>
+                      <a:round/>
+                      <a:headEnd len="sm" w="sm" type="none"/>
+                      <a:tailEnd len="sm" w="sm" type="none"/>
+                    </a:lnB>
+                  </a:tcPr>
+                </a:tc>
+              </a:tr>
+              <a:tr h="396225">
+                <a:tc>
+                  <a:txBody>
+                    <a:bodyPr/>
+                    <a:lstStyle/>
+                    <a:p>
+                      <a:pPr indent="0" lvl="0" marL="0" rtl="0" algn="l">
+                        <a:spcBef>
+                          <a:spcPts val="0"/>
+                        </a:spcBef>
+                        <a:spcAft>
+                          <a:spcPts val="0"/>
+                        </a:spcAft>
+                        <a:buNone/>
+                      </a:pPr>
+                      <a:r>
+                        <a:rPr lang="es-ES"/>
+                        <a:t>Joy / Optimism</a:t>
+                      </a:r>
+                      <a:endParaRPr/>
+                    </a:p>
+                  </a:txBody>
+                  <a:tcPr marT="91425" marB="91425" marR="91425" marL="91425">
+                    <a:lnL cap="flat" cmpd="sng" w="9525">
+                      <a:solidFill>
+                        <a:srgbClr val="9E9E9E"/>
+                      </a:solidFill>
+                      <a:prstDash val="solid"/>
+                      <a:round/>
+                      <a:headEnd len="sm" w="sm" type="none"/>
+                      <a:tailEnd len="sm" w="sm" type="none"/>
+                    </a:lnL>
+                    <a:lnR cap="flat" cmpd="sng" w="9525">
+                      <a:solidFill>
+                        <a:srgbClr val="9E9E9E"/>
+                      </a:solidFill>
+                      <a:prstDash val="solid"/>
+                      <a:round/>
+                      <a:headEnd len="sm" w="sm" type="none"/>
+                      <a:tailEnd len="sm" w="sm" type="none"/>
+                    </a:lnR>
+                    <a:lnT cap="flat" cmpd="sng" w="9525">
+                      <a:solidFill>
+                        <a:srgbClr val="9E9E9E"/>
+                      </a:solidFill>
+                      <a:prstDash val="solid"/>
+                      <a:round/>
+                      <a:headEnd len="sm" w="sm" type="none"/>
+                      <a:tailEnd len="sm" w="sm" type="none"/>
+                    </a:lnT>
+                    <a:lnB cap="flat" cmpd="sng" w="9525">
+                      <a:solidFill>
+                        <a:srgbClr val="9E9E9E"/>
+                      </a:solidFill>
+                      <a:prstDash val="solid"/>
+                      <a:round/>
+                      <a:headEnd len="sm" w="sm" type="none"/>
+                      <a:tailEnd len="sm" w="sm" type="none"/>
+                    </a:lnB>
+                  </a:tcPr>
+                </a:tc>
+                <a:tc>
+                  <a:txBody>
+                    <a:bodyPr/>
+                    <a:lstStyle/>
+                    <a:p>
+                      <a:pPr indent="0" lvl="0" marL="0" rtl="0" algn="l">
+                        <a:spcBef>
+                          <a:spcPts val="0"/>
+                        </a:spcBef>
+                        <a:spcAft>
+                          <a:spcPts val="0"/>
+                        </a:spcAft>
+                        <a:buNone/>
+                      </a:pPr>
+                      <a:r>
+                        <a:rPr lang="es-ES"/>
+                        <a:t>More general: Joy</a:t>
+                      </a:r>
+                      <a:endParaRPr/>
+                    </a:p>
+                  </a:txBody>
+                  <a:tcPr marT="91425" marB="91425" marR="91425" marL="91425">
+                    <a:lnL cap="flat" cmpd="sng" w="9525">
+                      <a:solidFill>
+                        <a:srgbClr val="9E9E9E"/>
+                      </a:solidFill>
+                      <a:prstDash val="solid"/>
+                      <a:round/>
+                      <a:headEnd len="sm" w="sm" type="none"/>
+                      <a:tailEnd len="sm" w="sm" type="none"/>
+                    </a:lnL>
+                    <a:lnR cap="flat" cmpd="sng" w="9525">
+                      <a:solidFill>
+                        <a:srgbClr val="9E9E9E"/>
+                      </a:solidFill>
+                      <a:prstDash val="solid"/>
+                      <a:round/>
+                      <a:headEnd len="sm" w="sm" type="none"/>
+                      <a:tailEnd len="sm" w="sm" type="none"/>
+                    </a:lnR>
+                    <a:lnT cap="flat" cmpd="sng" w="9525">
+                      <a:solidFill>
+                        <a:srgbClr val="9E9E9E"/>
+                      </a:solidFill>
+                      <a:prstDash val="solid"/>
+                      <a:round/>
+                      <a:headEnd len="sm" w="sm" type="none"/>
+                      <a:tailEnd len="sm" w="sm" type="none"/>
+                    </a:lnT>
+                    <a:lnB cap="flat" cmpd="sng" w="9525">
+                      <a:solidFill>
+                        <a:srgbClr val="9E9E9E"/>
+                      </a:solidFill>
+                      <a:prstDash val="solid"/>
+                      <a:round/>
+                      <a:headEnd len="sm" w="sm" type="none"/>
+                      <a:tailEnd len="sm" w="sm" type="none"/>
+                    </a:lnB>
+                  </a:tcPr>
+                </a:tc>
+                <a:tc>
+                  <a:txBody>
+                    <a:bodyPr/>
+                    <a:lstStyle/>
+                    <a:p>
+                      <a:pPr indent="0" lvl="0" marL="0" marR="0" rtl="0" algn="l">
+                        <a:lnSpc>
+                          <a:spcPct val="100000"/>
+                        </a:lnSpc>
+                        <a:spcBef>
+                          <a:spcPts val="0"/>
+                        </a:spcBef>
+                        <a:spcAft>
+                          <a:spcPts val="0"/>
+                        </a:spcAft>
+                        <a:buNone/>
+                      </a:pPr>
+                      <a:r>
+                        <a:rPr lang="es-ES"/>
+                        <a:t>Contradicting sentiments</a:t>
+                      </a:r>
+                      <a:endParaRPr/>
+                    </a:p>
+                  </a:txBody>
+                  <a:tcPr marT="91425" marB="91425" marR="91425" marL="91425">
+                    <a:lnL cap="flat" cmpd="sng" w="9525">
+                      <a:solidFill>
+                        <a:srgbClr val="9E9E9E"/>
+                      </a:solidFill>
+                      <a:prstDash val="solid"/>
+                      <a:round/>
+                      <a:headEnd len="sm" w="sm" type="none"/>
+                      <a:tailEnd len="sm" w="sm" type="none"/>
+                    </a:lnL>
+                    <a:lnR cap="flat" cmpd="sng" w="9525">
+                      <a:solidFill>
+                        <a:srgbClr val="9E9E9E"/>
+                      </a:solidFill>
+                      <a:prstDash val="solid"/>
+                      <a:round/>
+                      <a:headEnd len="sm" w="sm" type="none"/>
+                      <a:tailEnd len="sm" w="sm" type="none"/>
+                    </a:lnR>
+                    <a:lnT cap="flat" cmpd="sng" w="9525">
+                      <a:solidFill>
+                        <a:srgbClr val="9E9E9E"/>
+                      </a:solidFill>
+                      <a:prstDash val="solid"/>
+                      <a:round/>
+                      <a:headEnd len="sm" w="sm" type="none"/>
+                      <a:tailEnd len="sm" w="sm" type="none"/>
+                    </a:lnT>
+                    <a:lnB cap="flat" cmpd="sng" w="9525">
+                      <a:solidFill>
+                        <a:srgbClr val="9E9E9E"/>
+                      </a:solidFill>
+                      <a:prstDash val="solid"/>
+                      <a:round/>
+                      <a:headEnd len="sm" w="sm" type="none"/>
+                      <a:tailEnd len="sm" w="sm" type="none"/>
+                    </a:lnB>
+                  </a:tcPr>
+                </a:tc>
+                <a:tc>
+                  <a:txBody>
+                    <a:bodyPr/>
+                    <a:lstStyle/>
+                    <a:p>
+                      <a:pPr indent="0" lvl="0" marL="0" marR="0" rtl="0" algn="l">
+                        <a:lnSpc>
+                          <a:spcPct val="100000"/>
+                        </a:lnSpc>
+                        <a:spcBef>
+                          <a:spcPts val="0"/>
+                        </a:spcBef>
+                        <a:spcAft>
+                          <a:spcPts val="0"/>
+                        </a:spcAft>
+                        <a:buNone/>
+                      </a:pPr>
+                      <a:r>
+                        <a:rPr lang="es-ES"/>
+                        <a:t>Overall sentiment</a:t>
+                      </a:r>
+                      <a:endParaRPr/>
+                    </a:p>
+                  </a:txBody>
+                  <a:tcPr marT="91425" marB="91425" marR="91425" marL="91425">
+                    <a:lnL cap="flat" cmpd="sng" w="9525">
+                      <a:solidFill>
+                        <a:srgbClr val="9E9E9E"/>
+                      </a:solidFill>
+                      <a:prstDash val="solid"/>
+                      <a:round/>
+                      <a:headEnd len="sm" w="sm" type="none"/>
+                      <a:tailEnd len="sm" w="sm" type="none"/>
+                    </a:lnL>
+                    <a:lnR cap="flat" cmpd="sng" w="9525">
+                      <a:solidFill>
+                        <a:srgbClr val="9E9E9E"/>
+                      </a:solidFill>
+                      <a:prstDash val="solid"/>
+                      <a:round/>
+                      <a:headEnd len="sm" w="sm" type="none"/>
+                      <a:tailEnd len="sm" w="sm" type="none"/>
+                    </a:lnR>
+                    <a:lnT cap="flat" cmpd="sng" w="9525">
+                      <a:solidFill>
+                        <a:srgbClr val="9E9E9E"/>
+                      </a:solidFill>
+                      <a:prstDash val="solid"/>
+                      <a:round/>
+                      <a:headEnd len="sm" w="sm" type="none"/>
+                      <a:tailEnd len="sm" w="sm" type="none"/>
+                    </a:lnT>
+                    <a:lnB cap="flat" cmpd="sng" w="9525">
+                      <a:solidFill>
+                        <a:srgbClr val="9E9E9E"/>
+                      </a:solidFill>
+                      <a:prstDash val="solid"/>
+                      <a:round/>
+                      <a:headEnd len="sm" w="sm" type="none"/>
+                      <a:tailEnd len="sm" w="sm" type="none"/>
+                    </a:lnB>
+                  </a:tcPr>
+                </a:tc>
+              </a:tr>
+            </a:tbl>
+          </a:graphicData>
+        </a:graphic>
+      </p:graphicFrame>
+      <p:sp>
+        <p:nvSpPr>
+          <p:cNvPr id="164" name="Google Shape;164;g112e57bf82a_0_50"/>
+          <p:cNvSpPr txBox="1"/>
+          <p:nvPr>
+            <p:ph idx="12" type="sldNum"/>
+          </p:nvPr>
+        </p:nvSpPr>
+        <p:spPr>
+          <a:xfrm>
+            <a:off x="8610600" y="6356350"/>
+            <a:ext cx="2743200" cy="365100"/>
+          </a:xfrm>
+          <a:prstGeom prst="rect">
+            <a:avLst/>
+          </a:prstGeom>
+        </p:spPr>
+        <p:txBody>
+          <a:bodyPr anchorCtr="0" anchor="ctr" bIns="45700" lIns="91425" spcFirstLastPara="1" rIns="91425" wrap="square" tIns="45700">
+            <a:noAutofit/>
+          </a:bodyPr>
+          <a:lstStyle/>
+          <a:p>
+            <a:pPr indent="0" lvl="0" marL="0" rtl="0" algn="r">
+              <a:spcBef>
+                <a:spcPts val="0"/>
+              </a:spcBef>
+              <a:spcAft>
+                <a:spcPts val="0"/>
+              </a:spcAft>
+              <a:buClr>
+                <a:srgbClr val="000000"/>
+              </a:buClr>
+              <a:buFont typeface="Arial"/>
+              <a:buNone/>
+            </a:pPr>
+            <a:fld id="{00000000-1234-1234-1234-123412341234}" type="slidenum">
+              <a:rPr lang="es-ES"/>
+              <a:t>‹#›</a:t>
+            </a:fld>
             <a:endParaRPr/>
           </a:p>
         </p:txBody>
       </p:sp>
       <p:sp>
         <p:nvSpPr>
-          <p:cNvPr id="146" name="Google Shape;146;g112e57bf82a_0_45"/>
+          <p:cNvPr id="165" name="Google Shape;165;g112e57bf82a_0_50"/>
           <p:cNvSpPr txBox="1"/>
           <p:nvPr>
             <p:ph idx="1" type="body"/>
@@ -13363,6 +14652,9 @@
           <a:lstStyle/>
           <a:p>
             <a:pPr indent="-342900" lvl="0" marL="457200" rtl="0" algn="l">
+              <a:lnSpc>
+                <a:spcPct val="150000"/>
+              </a:lnSpc>
               <a:spcBef>
                 <a:spcPts val="1000"/>
               </a:spcBef>
@@ -13370,16 +14662,19 @@
                 <a:spcPts val="0"/>
               </a:spcAft>
               <a:buSzPts val="1800"/>
-              <a:buChar char="•"/>
+              <a:buChar char="●"/>
             </a:pPr>
             <a:r>
               <a:rPr lang="es-ES"/>
-              <a:t>Automatic sentiment and emotion analysis</a:t>
+              <a:t>Misunderstanding some words (burn CD)</a:t>
             </a:r>
             <a:endParaRPr/>
           </a:p>
           <a:p>
             <a:pPr indent="-342900" lvl="0" marL="457200" rtl="0" algn="l">
+              <a:lnSpc>
+                <a:spcPct val="150000"/>
+              </a:lnSpc>
               <a:spcBef>
                 <a:spcPts val="0"/>
               </a:spcBef>
@@ -13387,16 +14682,19 @@
                 <a:spcPts val="0"/>
               </a:spcAft>
               <a:buSzPts val="1800"/>
-              <a:buChar char="•"/>
+              <a:buChar char="●"/>
             </a:pPr>
             <a:r>
               <a:rPr lang="es-ES"/>
-              <a:t>Huggingface Tranformers finetuned for those tasks</a:t>
+              <a:t>Misunderstanding some symbols (&amp;lt;3 = &lt;3) (&amp;gt; = &gt;)</a:t>
             </a:r>
             <a:endParaRPr/>
           </a:p>
           <a:p>
             <a:pPr indent="-342900" lvl="0" marL="457200" rtl="0" algn="l">
+              <a:lnSpc>
+                <a:spcPct val="150000"/>
+              </a:lnSpc>
               <a:spcBef>
                 <a:spcPts val="0"/>
               </a:spcBef>
@@ -13404,62 +14702,11 @@
                 <a:spcPts val="0"/>
               </a:spcAft>
               <a:buSzPts val="1800"/>
-              <a:buChar char="•"/>
+              <a:buChar char="●"/>
             </a:pPr>
             <a:r>
               <a:rPr lang="es-ES"/>
-              <a:t>These models return the probability of each class</a:t>
-            </a:r>
-            <a:endParaRPr/>
-          </a:p>
-          <a:p>
-            <a:pPr indent="-342900" lvl="0" marL="457200" rtl="0" algn="l">
-              <a:spcBef>
-                <a:spcPts val="0"/>
-              </a:spcBef>
-              <a:spcAft>
-                <a:spcPts val="0"/>
-              </a:spcAft>
-              <a:buSzPts val="1800"/>
-              <a:buChar char="•"/>
-            </a:pPr>
-            <a:r>
-              <a:rPr lang="es-ES"/>
-              <a:t>We select the most probable tag</a:t>
-            </a:r>
-            <a:endParaRPr/>
-          </a:p>
-          <a:p>
-            <a:pPr indent="-342900" lvl="0" marL="457200" rtl="0" algn="l">
-              <a:spcBef>
-                <a:spcPts val="0"/>
-              </a:spcBef>
-              <a:spcAft>
-                <a:spcPts val="0"/>
-              </a:spcAft>
-              <a:buSzPts val="1800"/>
-              <a:buChar char="•"/>
-            </a:pPr>
-            <a:r>
-              <a:rPr lang="es-ES"/>
-              <a:t>Pie charts for tag counts</a:t>
-            </a:r>
-            <a:endParaRPr/>
-          </a:p>
-          <a:p>
-            <a:pPr indent="-342900" lvl="0" marL="457200" rtl="0" algn="l">
-              <a:spcBef>
-                <a:spcPts val="0"/>
-              </a:spcBef>
-              <a:spcAft>
-                <a:spcPts val="0"/>
-              </a:spcAft>
-              <a:buSzPts val="1800"/>
-              <a:buChar char="•"/>
-            </a:pPr>
-            <a:r>
-              <a:rPr lang="es-ES"/>
-              <a:t>Wordclous for word frequencies</a:t>
+              <a:t>Look or ask for the meaning</a:t>
             </a:r>
             <a:endParaRPr/>
           </a:p>
@@ -13478,7 +14725,7 @@
   <p:cSld>
     <p:spTree>
       <p:nvGrpSpPr>
-        <p:cNvPr id="150" name="Shape 150"/>
+        <p:cNvPr id="169" name="Shape 169"/>
         <p:cNvGrpSpPr/>
         <p:nvPr/>
       </p:nvGrpSpPr>
@@ -13492,7 +14739,7 @@
       </p:grpSpPr>
       <p:sp>
         <p:nvSpPr>
-          <p:cNvPr id="151" name="Google Shape;151;g112e57bf82a_0_35"/>
+          <p:cNvPr id="170" name="Google Shape;170;g111e9305988_0_0"/>
           <p:cNvSpPr txBox="1"/>
           <p:nvPr>
             <p:ph type="title"/>
@@ -13524,6 +14771,564 @@
             </a:pPr>
             <a:r>
               <a:rPr lang="es-ES"/>
+              <a:t>Adversarial examples</a:t>
+            </a:r>
+            <a:endParaRPr/>
+          </a:p>
+        </p:txBody>
+      </p:sp>
+      <p:sp>
+        <p:nvSpPr>
+          <p:cNvPr id="171" name="Google Shape;171;g111e9305988_0_0"/>
+          <p:cNvSpPr txBox="1"/>
+          <p:nvPr>
+            <p:ph idx="1" type="body"/>
+          </p:nvPr>
+        </p:nvSpPr>
+        <p:spPr>
+          <a:xfrm>
+            <a:off x="838200" y="1825625"/>
+            <a:ext cx="10515600" cy="4351200"/>
+          </a:xfrm>
+          <a:prstGeom prst="rect">
+            <a:avLst/>
+          </a:prstGeom>
+        </p:spPr>
+        <p:txBody>
+          <a:bodyPr anchorCtr="0" anchor="t" bIns="45700" lIns="91425" spcFirstLastPara="1" rIns="91425" wrap="square" tIns="45700">
+            <a:normAutofit lnSpcReduction="10000"/>
+          </a:bodyPr>
+          <a:lstStyle/>
+          <a:p>
+            <a:pPr indent="-342900" lvl="0" marL="457200" rtl="0" algn="l">
+              <a:lnSpc>
+                <a:spcPct val="150000"/>
+              </a:lnSpc>
+              <a:spcBef>
+                <a:spcPts val="1000"/>
+              </a:spcBef>
+              <a:spcAft>
+                <a:spcPts val="0"/>
+              </a:spcAft>
+              <a:buSzPts val="1800"/>
+              <a:buChar char="●"/>
+            </a:pPr>
+            <a:r>
+              <a:rPr lang="es-ES"/>
+              <a:t>C</a:t>
+            </a:r>
+            <a:r>
+              <a:rPr lang="es-ES"/>
+              <a:t>reate adversarial tweets automatically if possible</a:t>
+            </a:r>
+            <a:endParaRPr/>
+          </a:p>
+          <a:p>
+            <a:pPr indent="-342900" lvl="0" marL="457200" rtl="0" algn="l">
+              <a:lnSpc>
+                <a:spcPct val="150000"/>
+              </a:lnSpc>
+              <a:spcBef>
+                <a:spcPts val="0"/>
+              </a:spcBef>
+              <a:spcAft>
+                <a:spcPts val="0"/>
+              </a:spcAft>
+              <a:buSzPts val="1800"/>
+              <a:buChar char="●"/>
+            </a:pPr>
+            <a:r>
+              <a:rPr lang="es-ES"/>
+              <a:t>Create adversarial tweets manually if necessary</a:t>
+            </a:r>
+            <a:endParaRPr/>
+          </a:p>
+          <a:p>
+            <a:pPr indent="-342900" lvl="0" marL="457200" rtl="0" algn="l">
+              <a:lnSpc>
+                <a:spcPct val="150000"/>
+              </a:lnSpc>
+              <a:spcBef>
+                <a:spcPts val="0"/>
+              </a:spcBef>
+              <a:spcAft>
+                <a:spcPts val="0"/>
+              </a:spcAft>
+              <a:buSzPts val="1800"/>
+              <a:buChar char="●"/>
+            </a:pPr>
+            <a:r>
+              <a:rPr lang="es-ES"/>
+              <a:t>Measure the impact in the accuracy of the models</a:t>
+            </a:r>
+            <a:endParaRPr/>
+          </a:p>
+          <a:p>
+            <a:pPr indent="-342900" lvl="0" marL="457200" rtl="0" algn="l">
+              <a:lnSpc>
+                <a:spcPct val="150000"/>
+              </a:lnSpc>
+              <a:spcBef>
+                <a:spcPts val="0"/>
+              </a:spcBef>
+              <a:spcAft>
+                <a:spcPts val="0"/>
+              </a:spcAft>
+              <a:buSzPts val="1800"/>
+              <a:buChar char="●"/>
+            </a:pPr>
+            <a:r>
+              <a:rPr lang="es-ES"/>
+              <a:t>The aim is to confuse the models</a:t>
+            </a:r>
+            <a:endParaRPr/>
+          </a:p>
+          <a:p>
+            <a:pPr indent="-342900" lvl="0" marL="457200" rtl="0" algn="l">
+              <a:lnSpc>
+                <a:spcPct val="150000"/>
+              </a:lnSpc>
+              <a:spcBef>
+                <a:spcPts val="0"/>
+              </a:spcBef>
+              <a:spcAft>
+                <a:spcPts val="0"/>
+              </a:spcAft>
+              <a:buSzPts val="1800"/>
+              <a:buChar char="●"/>
+            </a:pPr>
+            <a:r>
+              <a:rPr lang="es-ES"/>
+              <a:t>Keep the manual label, no need to annotate again</a:t>
+            </a:r>
+            <a:endParaRPr/>
+          </a:p>
+          <a:p>
+            <a:pPr indent="-342900" lvl="0" marL="457200" rtl="0" algn="l">
+              <a:lnSpc>
+                <a:spcPct val="150000"/>
+              </a:lnSpc>
+              <a:spcBef>
+                <a:spcPts val="0"/>
+              </a:spcBef>
+              <a:spcAft>
+                <a:spcPts val="0"/>
+              </a:spcAft>
+              <a:buSzPts val="1800"/>
+              <a:buChar char="●"/>
+            </a:pPr>
+            <a:r>
+              <a:rPr lang="es-ES"/>
+              <a:t>For example, substituting words with their synonyms</a:t>
+            </a:r>
+            <a:endParaRPr/>
+          </a:p>
+          <a:p>
+            <a:pPr indent="-342900" lvl="0" marL="457200" rtl="0" algn="l">
+              <a:lnSpc>
+                <a:spcPct val="150000"/>
+              </a:lnSpc>
+              <a:spcBef>
+                <a:spcPts val="0"/>
+              </a:spcBef>
+              <a:spcAft>
+                <a:spcPts val="0"/>
+              </a:spcAft>
+              <a:buSzPts val="1800"/>
+              <a:buChar char="●"/>
+            </a:pPr>
+            <a:r>
+              <a:rPr lang="es-ES"/>
+              <a:t>Add these adversarial examples to our final resource</a:t>
+            </a:r>
+            <a:endParaRPr/>
+          </a:p>
+        </p:txBody>
+      </p:sp>
+      <p:sp>
+        <p:nvSpPr>
+          <p:cNvPr id="172" name="Google Shape;172;g111e9305988_0_0"/>
+          <p:cNvSpPr txBox="1"/>
+          <p:nvPr>
+            <p:ph idx="12" type="sldNum"/>
+          </p:nvPr>
+        </p:nvSpPr>
+        <p:spPr>
+          <a:xfrm>
+            <a:off x="8610600" y="6356350"/>
+            <a:ext cx="2743200" cy="365100"/>
+          </a:xfrm>
+          <a:prstGeom prst="rect">
+            <a:avLst/>
+          </a:prstGeom>
+        </p:spPr>
+        <p:txBody>
+          <a:bodyPr anchorCtr="0" anchor="ctr" bIns="45700" lIns="91425" spcFirstLastPara="1" rIns="91425" wrap="square" tIns="45700">
+            <a:noAutofit/>
+          </a:bodyPr>
+          <a:lstStyle/>
+          <a:p>
+            <a:pPr indent="0" lvl="0" marL="0" rtl="0" algn="r">
+              <a:spcBef>
+                <a:spcPts val="0"/>
+              </a:spcBef>
+              <a:spcAft>
+                <a:spcPts val="0"/>
+              </a:spcAft>
+              <a:buClr>
+                <a:srgbClr val="000000"/>
+              </a:buClr>
+              <a:buFont typeface="Arial"/>
+              <a:buNone/>
+            </a:pPr>
+            <a:fld id="{00000000-1234-1234-1234-123412341234}" type="slidenum">
+              <a:rPr lang="es-ES"/>
+              <a:t>‹#›</a:t>
+            </a:fld>
+            <a:endParaRPr/>
+          </a:p>
+        </p:txBody>
+      </p:sp>
+    </p:spTree>
+  </p:cSld>
+  <p:clrMapOvr>
+    <a:masterClrMapping/>
+  </p:clrMapOvr>
+</p:sld>
+</file>
+
+<file path=ppt/slides/slide13.xml><?xml version="1.0" encoding="utf-8"?>
+<p:sld xmlns:a="http://schemas.openxmlformats.org/drawingml/2006/main" xmlns:r="http://schemas.openxmlformats.org/officeDocument/2006/relationships" xmlns:mc="http://schemas.openxmlformats.org/markup-compatibility/2006" xmlns:mv="urn:schemas-microsoft-com:mac:vml" xmlns:p="http://schemas.openxmlformats.org/presentationml/2006/main" xmlns:c="http://schemas.openxmlformats.org/drawingml/2006/chart" xmlns:dgm="http://schemas.openxmlformats.org/drawingml/2006/diagram" xmlns:o="urn:schemas-microsoft-com:office:office" xmlns:v="urn:schemas-microsoft-com:vml" xmlns:pvml="urn:schemas-microsoft-com:office:powerpoint" xmlns:com="http://schemas.openxmlformats.org/drawingml/2006/compatibility" xmlns:p14="http://schemas.microsoft.com/office/powerpoint/2010/main" xmlns:p15="http://schemas.microsoft.com/office/powerpoint/2012/main" xmlns:ahyp="http://schemas.microsoft.com/office/drawing/2018/hyperlinkcolor">
+  <p:cSld>
+    <p:spTree>
+      <p:nvGrpSpPr>
+        <p:cNvPr id="176" name="Shape 176"/>
+        <p:cNvGrpSpPr/>
+        <p:nvPr/>
+      </p:nvGrpSpPr>
+      <p:grpSpPr>
+        <a:xfrm>
+          <a:off x="0" y="0"/>
+          <a:ext cx="0" cy="0"/>
+          <a:chOff x="0" y="0"/>
+          <a:chExt cx="0" cy="0"/>
+        </a:xfrm>
+      </p:grpSpPr>
+      <p:sp>
+        <p:nvSpPr>
+          <p:cNvPr id="177" name="Google Shape;177;g112e57bf82a_0_45"/>
+          <p:cNvSpPr txBox="1"/>
+          <p:nvPr>
+            <p:ph type="title"/>
+          </p:nvPr>
+        </p:nvSpPr>
+        <p:spPr>
+          <a:xfrm>
+            <a:off x="838200" y="365125"/>
+            <a:ext cx="10515600" cy="1325700"/>
+          </a:xfrm>
+          <a:prstGeom prst="rect">
+            <a:avLst/>
+          </a:prstGeom>
+        </p:spPr>
+        <p:txBody>
+          <a:bodyPr anchorCtr="0" anchor="ctr" bIns="45700" lIns="91425" spcFirstLastPara="1" rIns="91425" wrap="square" tIns="45700">
+            <a:normAutofit/>
+          </a:bodyPr>
+          <a:lstStyle/>
+          <a:p>
+            <a:pPr indent="0" lvl="0" marL="0" rtl="0" algn="l">
+              <a:spcBef>
+                <a:spcPts val="0"/>
+              </a:spcBef>
+              <a:spcAft>
+                <a:spcPts val="0"/>
+              </a:spcAft>
+              <a:buNone/>
+            </a:pPr>
+            <a:r>
+              <a:rPr lang="es-ES"/>
+              <a:t>Automatic Analysis</a:t>
+            </a:r>
+            <a:endParaRPr/>
+          </a:p>
+        </p:txBody>
+      </p:sp>
+      <p:sp>
+        <p:nvSpPr>
+          <p:cNvPr id="178" name="Google Shape;178;g112e57bf82a_0_45"/>
+          <p:cNvSpPr txBox="1"/>
+          <p:nvPr>
+            <p:ph idx="1" type="body"/>
+          </p:nvPr>
+        </p:nvSpPr>
+        <p:spPr>
+          <a:xfrm>
+            <a:off x="838200" y="1825625"/>
+            <a:ext cx="10515600" cy="4351200"/>
+          </a:xfrm>
+          <a:prstGeom prst="rect">
+            <a:avLst/>
+          </a:prstGeom>
+        </p:spPr>
+        <p:txBody>
+          <a:bodyPr anchorCtr="0" anchor="t" bIns="45700" lIns="91425" spcFirstLastPara="1" rIns="91425" wrap="square" tIns="45700">
+            <a:normAutofit lnSpcReduction="10000"/>
+          </a:bodyPr>
+          <a:lstStyle/>
+          <a:p>
+            <a:pPr indent="-342900" lvl="0" marL="457200" rtl="0" algn="l">
+              <a:lnSpc>
+                <a:spcPct val="150000"/>
+              </a:lnSpc>
+              <a:spcBef>
+                <a:spcPts val="1000"/>
+              </a:spcBef>
+              <a:spcAft>
+                <a:spcPts val="0"/>
+              </a:spcAft>
+              <a:buSzPts val="1800"/>
+              <a:buChar char="●"/>
+            </a:pPr>
+            <a:r>
+              <a:rPr lang="es-ES"/>
+              <a:t>Automatic sentiment and emotion analysis</a:t>
+            </a:r>
+            <a:endParaRPr/>
+          </a:p>
+          <a:p>
+            <a:pPr indent="-342900" lvl="0" marL="457200" rtl="0" algn="l">
+              <a:lnSpc>
+                <a:spcPct val="150000"/>
+              </a:lnSpc>
+              <a:spcBef>
+                <a:spcPts val="0"/>
+              </a:spcBef>
+              <a:spcAft>
+                <a:spcPts val="0"/>
+              </a:spcAft>
+              <a:buSzPts val="1800"/>
+              <a:buChar char="●"/>
+            </a:pPr>
+            <a:r>
+              <a:rPr lang="es-ES"/>
+              <a:t>Huggingface Transformers </a:t>
+            </a:r>
+            <a:r>
+              <a:rPr lang="es-ES"/>
+              <a:t>fine tuned</a:t>
+            </a:r>
+            <a:r>
+              <a:rPr lang="es-ES"/>
+              <a:t> for those tasks (TweetEval)</a:t>
+            </a:r>
+            <a:endParaRPr/>
+          </a:p>
+          <a:p>
+            <a:pPr indent="-342900" lvl="0" marL="457200" rtl="0" algn="l">
+              <a:lnSpc>
+                <a:spcPct val="150000"/>
+              </a:lnSpc>
+              <a:spcBef>
+                <a:spcPts val="0"/>
+              </a:spcBef>
+              <a:spcAft>
+                <a:spcPts val="0"/>
+              </a:spcAft>
+              <a:buSzPts val="1800"/>
+              <a:buChar char="●"/>
+            </a:pPr>
+            <a:r>
+              <a:rPr lang="es-ES"/>
+              <a:t>We select the most probable tag</a:t>
+            </a:r>
+            <a:endParaRPr/>
+          </a:p>
+          <a:p>
+            <a:pPr indent="-342900" lvl="0" marL="457200" rtl="0" algn="l">
+              <a:lnSpc>
+                <a:spcPct val="150000"/>
+              </a:lnSpc>
+              <a:spcBef>
+                <a:spcPts val="0"/>
+              </a:spcBef>
+              <a:spcAft>
+                <a:spcPts val="0"/>
+              </a:spcAft>
+              <a:buSzPts val="1800"/>
+              <a:buChar char="●"/>
+            </a:pPr>
+            <a:r>
+              <a:rPr lang="es-ES"/>
+              <a:t>Pie charts for tag counts</a:t>
+            </a:r>
+            <a:endParaRPr/>
+          </a:p>
+          <a:p>
+            <a:pPr indent="-342900" lvl="0" marL="457200" rtl="0" algn="l">
+              <a:lnSpc>
+                <a:spcPct val="150000"/>
+              </a:lnSpc>
+              <a:spcBef>
+                <a:spcPts val="0"/>
+              </a:spcBef>
+              <a:spcAft>
+                <a:spcPts val="0"/>
+              </a:spcAft>
+              <a:buSzPts val="1800"/>
+              <a:buChar char="●"/>
+            </a:pPr>
+            <a:r>
+              <a:rPr lang="es-ES"/>
+              <a:t>Wordclouds for word frequencies</a:t>
+            </a:r>
+            <a:endParaRPr/>
+          </a:p>
+          <a:p>
+            <a:pPr indent="-342900" lvl="0" marL="457200" rtl="0" algn="l">
+              <a:lnSpc>
+                <a:spcPct val="150000"/>
+              </a:lnSpc>
+              <a:spcBef>
+                <a:spcPts val="0"/>
+              </a:spcBef>
+              <a:spcAft>
+                <a:spcPts val="0"/>
+              </a:spcAft>
+              <a:buSzPts val="1800"/>
+              <a:buChar char="●"/>
+            </a:pPr>
+            <a:r>
+              <a:rPr lang="es-ES"/>
+              <a:t>Comparison with manual annotation</a:t>
+            </a:r>
+            <a:endParaRPr/>
+          </a:p>
+          <a:p>
+            <a:pPr indent="-342900" lvl="0" marL="457200" rtl="0" algn="l">
+              <a:lnSpc>
+                <a:spcPct val="150000"/>
+              </a:lnSpc>
+              <a:spcBef>
+                <a:spcPts val="0"/>
+              </a:spcBef>
+              <a:spcAft>
+                <a:spcPts val="0"/>
+              </a:spcAft>
+              <a:buSzPts val="1800"/>
+              <a:buChar char="●"/>
+            </a:pPr>
+            <a:r>
+              <a:rPr lang="es-ES"/>
+              <a:t>Comparison with adversarial tweets</a:t>
+            </a:r>
+            <a:endParaRPr/>
+          </a:p>
+        </p:txBody>
+      </p:sp>
+      <p:sp>
+        <p:nvSpPr>
+          <p:cNvPr id="179" name="Google Shape;179;g112e57bf82a_0_45"/>
+          <p:cNvSpPr txBox="1"/>
+          <p:nvPr>
+            <p:ph idx="12" type="sldNum"/>
+          </p:nvPr>
+        </p:nvSpPr>
+        <p:spPr>
+          <a:xfrm>
+            <a:off x="8610600" y="6356350"/>
+            <a:ext cx="2743200" cy="365100"/>
+          </a:xfrm>
+          <a:prstGeom prst="rect">
+            <a:avLst/>
+          </a:prstGeom>
+        </p:spPr>
+        <p:txBody>
+          <a:bodyPr anchorCtr="0" anchor="ctr" bIns="45700" lIns="91425" spcFirstLastPara="1" rIns="91425" wrap="square" tIns="45700">
+            <a:noAutofit/>
+          </a:bodyPr>
+          <a:lstStyle/>
+          <a:p>
+            <a:pPr indent="0" lvl="0" marL="0" rtl="0" algn="r">
+              <a:spcBef>
+                <a:spcPts val="0"/>
+              </a:spcBef>
+              <a:spcAft>
+                <a:spcPts val="0"/>
+              </a:spcAft>
+              <a:buClr>
+                <a:srgbClr val="000000"/>
+              </a:buClr>
+              <a:buFont typeface="Arial"/>
+              <a:buNone/>
+            </a:pPr>
+            <a:fld id="{00000000-1234-1234-1234-123412341234}" type="slidenum">
+              <a:rPr lang="es-ES"/>
+              <a:t>‹#›</a:t>
+            </a:fld>
+            <a:endParaRPr/>
+          </a:p>
+        </p:txBody>
+      </p:sp>
+    </p:spTree>
+  </p:cSld>
+  <p:clrMapOvr>
+    <a:masterClrMapping/>
+  </p:clrMapOvr>
+</p:sld>
+</file>
+
+<file path=ppt/slides/slide14.xml><?xml version="1.0" encoding="utf-8"?>
+<p:sld xmlns:a="http://schemas.openxmlformats.org/drawingml/2006/main" xmlns:r="http://schemas.openxmlformats.org/officeDocument/2006/relationships" xmlns:mc="http://schemas.openxmlformats.org/markup-compatibility/2006" xmlns:mv="urn:schemas-microsoft-com:mac:vml" xmlns:p="http://schemas.openxmlformats.org/presentationml/2006/main" xmlns:c="http://schemas.openxmlformats.org/drawingml/2006/chart" xmlns:dgm="http://schemas.openxmlformats.org/drawingml/2006/diagram" xmlns:o="urn:schemas-microsoft-com:office:office" xmlns:v="urn:schemas-microsoft-com:vml" xmlns:pvml="urn:schemas-microsoft-com:office:powerpoint" xmlns:com="http://schemas.openxmlformats.org/drawingml/2006/compatibility" xmlns:p14="http://schemas.microsoft.com/office/powerpoint/2010/main" xmlns:p15="http://schemas.microsoft.com/office/powerpoint/2012/main" xmlns:ahyp="http://schemas.microsoft.com/office/drawing/2018/hyperlinkcolor">
+  <p:cSld>
+    <p:spTree>
+      <p:nvGrpSpPr>
+        <p:cNvPr id="183" name="Shape 183"/>
+        <p:cNvGrpSpPr/>
+        <p:nvPr/>
+      </p:nvGrpSpPr>
+      <p:grpSpPr>
+        <a:xfrm>
+          <a:off x="0" y="0"/>
+          <a:ext cx="0" cy="0"/>
+          <a:chOff x="0" y="0"/>
+          <a:chExt cx="0" cy="0"/>
+        </a:xfrm>
+      </p:grpSpPr>
+      <p:sp>
+        <p:nvSpPr>
+          <p:cNvPr id="184" name="Google Shape;184;g112e57bf82a_0_35"/>
+          <p:cNvSpPr txBox="1"/>
+          <p:nvPr>
+            <p:ph type="title"/>
+          </p:nvPr>
+        </p:nvSpPr>
+        <p:spPr>
+          <a:xfrm>
+            <a:off x="838200" y="365125"/>
+            <a:ext cx="10515600" cy="1325700"/>
+          </a:xfrm>
+          <a:prstGeom prst="rect">
+            <a:avLst/>
+          </a:prstGeom>
+        </p:spPr>
+        <p:txBody>
+          <a:bodyPr anchorCtr="0" anchor="ctr" bIns="45700" lIns="91425" spcFirstLastPara="1" rIns="91425" wrap="square" tIns="45700">
+            <a:normAutofit/>
+          </a:bodyPr>
+          <a:lstStyle/>
+          <a:p>
+            <a:pPr indent="0" lvl="0" marL="0" rtl="0" algn="l">
+              <a:spcBef>
+                <a:spcPts val="0"/>
+              </a:spcBef>
+              <a:spcAft>
+                <a:spcPts val="0"/>
+              </a:spcAft>
+              <a:buNone/>
+            </a:pPr>
+            <a:r>
+              <a:rPr lang="es-ES"/>
               <a:t>Pie charts</a:t>
             </a:r>
             <a:endParaRPr/>
@@ -13532,7 +15337,7 @@
       </p:sp>
       <p:sp>
         <p:nvSpPr>
-          <p:cNvPr id="152" name="Google Shape;152;g112e57bf82a_0_35"/>
+          <p:cNvPr id="185" name="Google Shape;185;g112e57bf82a_0_35"/>
           <p:cNvSpPr txBox="1"/>
           <p:nvPr>
             <p:ph idx="1" type="body"/>
@@ -13572,7 +15377,7 @@
       </p:sp>
       <p:pic>
         <p:nvPicPr>
-          <p:cNvPr id="153" name="Google Shape;153;g112e57bf82a_0_35"/>
+          <p:cNvPr id="186" name="Google Shape;186;g112e57bf82a_0_35"/>
           <p:cNvPicPr preferRelativeResize="0"/>
           <p:nvPr/>
         </p:nvPicPr>
@@ -13600,7 +15405,7 @@
       </p:pic>
       <p:pic>
         <p:nvPicPr>
-          <p:cNvPr id="154" name="Google Shape;154;g112e57bf82a_0_35"/>
+          <p:cNvPr id="187" name="Google Shape;187;g112e57bf82a_0_35"/>
           <p:cNvPicPr preferRelativeResize="0"/>
           <p:nvPr/>
         </p:nvPicPr>
@@ -13628,7 +15433,7 @@
       </p:pic>
       <p:sp>
         <p:nvSpPr>
-          <p:cNvPr id="155" name="Google Shape;155;g112e57bf82a_0_35"/>
+          <p:cNvPr id="188" name="Google Shape;188;g112e57bf82a_0_35"/>
           <p:cNvSpPr txBox="1"/>
           <p:nvPr>
             <p:ph idx="2" type="body"/>
@@ -13666,6 +15471,50 @@
           </a:p>
         </p:txBody>
       </p:sp>
+      <p:sp>
+        <p:nvSpPr>
+          <p:cNvPr id="189" name="Google Shape;189;g112e57bf82a_0_35"/>
+          <p:cNvSpPr txBox="1"/>
+          <p:nvPr>
+            <p:ph idx="12" type="sldNum"/>
+          </p:nvPr>
+        </p:nvSpPr>
+        <p:spPr>
+          <a:xfrm>
+            <a:off x="8610600" y="6356350"/>
+            <a:ext cx="2743200" cy="365100"/>
+          </a:xfrm>
+          <a:prstGeom prst="rect">
+            <a:avLst/>
+          </a:prstGeom>
+        </p:spPr>
+        <p:txBody>
+          <a:bodyPr anchorCtr="0" anchor="ctr" bIns="45700" lIns="91425" spcFirstLastPara="1" rIns="91425" wrap="square" tIns="45700">
+            <a:noAutofit/>
+          </a:bodyPr>
+          <a:lstStyle/>
+          <a:p>
+            <a:pPr indent="0" lvl="0" marL="0" rtl="0" algn="r">
+              <a:spcBef>
+                <a:spcPts val="0"/>
+              </a:spcBef>
+              <a:spcAft>
+                <a:spcPts val="0"/>
+              </a:spcAft>
+              <a:buClr>
+                <a:srgbClr val="000000"/>
+              </a:buClr>
+              <a:buFont typeface="Arial"/>
+              <a:buNone/>
+            </a:pPr>
+            <a:fld id="{00000000-1234-1234-1234-123412341234}" type="slidenum">
+              <a:rPr lang="es-ES"/>
+              <a:t>‹#›</a:t>
+            </a:fld>
+            <a:endParaRPr/>
+          </a:p>
+        </p:txBody>
+      </p:sp>
     </p:spTree>
   </p:cSld>
   <p:clrMapOvr>
@@ -13674,12 +15523,12 @@
 </p:sld>
 </file>
 
-<file path=ppt/slides/slide13.xml><?xml version="1.0" encoding="utf-8"?>
+<file path=ppt/slides/slide15.xml><?xml version="1.0" encoding="utf-8"?>
 <p:sld xmlns:a="http://schemas.openxmlformats.org/drawingml/2006/main" xmlns:r="http://schemas.openxmlformats.org/officeDocument/2006/relationships" xmlns:mc="http://schemas.openxmlformats.org/markup-compatibility/2006" xmlns:mv="urn:schemas-microsoft-com:mac:vml" xmlns:p="http://schemas.openxmlformats.org/presentationml/2006/main" xmlns:c="http://schemas.openxmlformats.org/drawingml/2006/chart" xmlns:dgm="http://schemas.openxmlformats.org/drawingml/2006/diagram" xmlns:o="urn:schemas-microsoft-com:office:office" xmlns:v="urn:schemas-microsoft-com:vml" xmlns:pvml="urn:schemas-microsoft-com:office:powerpoint" xmlns:com="http://schemas.openxmlformats.org/drawingml/2006/compatibility" xmlns:p14="http://schemas.microsoft.com/office/powerpoint/2010/main" xmlns:p15="http://schemas.microsoft.com/office/powerpoint/2012/main" xmlns:ahyp="http://schemas.microsoft.com/office/drawing/2018/hyperlinkcolor">
   <p:cSld>
     <p:spTree>
       <p:nvGrpSpPr>
-        <p:cNvPr id="159" name="Shape 159"/>
+        <p:cNvPr id="193" name="Shape 193"/>
         <p:cNvGrpSpPr/>
         <p:nvPr/>
       </p:nvGrpSpPr>
@@ -13693,7 +15542,7 @@
       </p:grpSpPr>
       <p:sp>
         <p:nvSpPr>
-          <p:cNvPr id="160" name="Google Shape;160;g112e57bf82a_1_0"/>
+          <p:cNvPr id="194" name="Google Shape;194;g112e57bf82a_1_0"/>
           <p:cNvSpPr txBox="1"/>
           <p:nvPr>
             <p:ph type="title"/>
@@ -13731,48 +15580,9 @@
           </a:p>
         </p:txBody>
       </p:sp>
-      <p:sp>
-        <p:nvSpPr>
-          <p:cNvPr id="161" name="Google Shape;161;g112e57bf82a_1_0"/>
-          <p:cNvSpPr txBox="1"/>
-          <p:nvPr>
-            <p:ph idx="1" type="body"/>
-          </p:nvPr>
-        </p:nvSpPr>
-        <p:spPr>
-          <a:xfrm>
-            <a:off x="838200" y="1825625"/>
-            <a:ext cx="10515600" cy="4351200"/>
-          </a:xfrm>
-          <a:prstGeom prst="rect">
-            <a:avLst/>
-          </a:prstGeom>
-        </p:spPr>
-        <p:txBody>
-          <a:bodyPr anchorCtr="0" anchor="t" bIns="45700" lIns="91425" spcFirstLastPara="1" rIns="91425" wrap="square" tIns="45700">
-            <a:normAutofit/>
-          </a:bodyPr>
-          <a:lstStyle/>
-          <a:p>
-            <a:pPr indent="0" lvl="0" marL="0" rtl="0" algn="l">
-              <a:spcBef>
-                <a:spcPts val="1000"/>
-              </a:spcBef>
-              <a:spcAft>
-                <a:spcPts val="0"/>
-              </a:spcAft>
-              <a:buNone/>
-            </a:pPr>
-            <a:r>
-              <a:t/>
-            </a:r>
-            <a:endParaRPr/>
-          </a:p>
-        </p:txBody>
-      </p:sp>
       <p:pic>
         <p:nvPicPr>
-          <p:cNvPr id="162" name="Google Shape;162;g112e57bf82a_1_0"/>
+          <p:cNvPr id="195" name="Google Shape;195;g112e57bf82a_1_0"/>
           <p:cNvPicPr preferRelativeResize="0"/>
           <p:nvPr/>
         </p:nvPicPr>
@@ -13800,7 +15610,7 @@
       </p:pic>
       <p:pic>
         <p:nvPicPr>
-          <p:cNvPr id="163" name="Google Shape;163;g112e57bf82a_1_0"/>
+          <p:cNvPr id="196" name="Google Shape;196;g112e57bf82a_1_0"/>
           <p:cNvPicPr preferRelativeResize="0"/>
           <p:nvPr/>
         </p:nvPicPr>
@@ -13826,6 +15636,50 @@
           </a:ln>
         </p:spPr>
       </p:pic>
+      <p:sp>
+        <p:nvSpPr>
+          <p:cNvPr id="197" name="Google Shape;197;g112e57bf82a_1_0"/>
+          <p:cNvSpPr txBox="1"/>
+          <p:nvPr>
+            <p:ph idx="12" type="sldNum"/>
+          </p:nvPr>
+        </p:nvSpPr>
+        <p:spPr>
+          <a:xfrm>
+            <a:off x="8610600" y="6356350"/>
+            <a:ext cx="2743200" cy="365100"/>
+          </a:xfrm>
+          <a:prstGeom prst="rect">
+            <a:avLst/>
+          </a:prstGeom>
+        </p:spPr>
+        <p:txBody>
+          <a:bodyPr anchorCtr="0" anchor="ctr" bIns="45700" lIns="91425" spcFirstLastPara="1" rIns="91425" wrap="square" tIns="45700">
+            <a:noAutofit/>
+          </a:bodyPr>
+          <a:lstStyle/>
+          <a:p>
+            <a:pPr indent="0" lvl="0" marL="0" rtl="0" algn="r">
+              <a:spcBef>
+                <a:spcPts val="0"/>
+              </a:spcBef>
+              <a:spcAft>
+                <a:spcPts val="0"/>
+              </a:spcAft>
+              <a:buClr>
+                <a:srgbClr val="000000"/>
+              </a:buClr>
+              <a:buFont typeface="Arial"/>
+              <a:buNone/>
+            </a:pPr>
+            <a:fld id="{00000000-1234-1234-1234-123412341234}" type="slidenum">
+              <a:rPr lang="es-ES"/>
+              <a:t>‹#›</a:t>
+            </a:fld>
+            <a:endParaRPr/>
+          </a:p>
+        </p:txBody>
+      </p:sp>
     </p:spTree>
   </p:cSld>
   <p:clrMapOvr>
@@ -13834,12 +15688,12 @@
 </p:sld>
 </file>
 
-<file path=ppt/slides/slide14.xml><?xml version="1.0" encoding="utf-8"?>
+<file path=ppt/slides/slide16.xml><?xml version="1.0" encoding="utf-8"?>
 <p:sld xmlns:a="http://schemas.openxmlformats.org/drawingml/2006/main" xmlns:r="http://schemas.openxmlformats.org/officeDocument/2006/relationships" xmlns:mc="http://schemas.openxmlformats.org/markup-compatibility/2006" xmlns:mv="urn:schemas-microsoft-com:mac:vml" xmlns:p="http://schemas.openxmlformats.org/presentationml/2006/main" xmlns:c="http://schemas.openxmlformats.org/drawingml/2006/chart" xmlns:dgm="http://schemas.openxmlformats.org/drawingml/2006/diagram" xmlns:o="urn:schemas-microsoft-com:office:office" xmlns:v="urn:schemas-microsoft-com:vml" xmlns:pvml="urn:schemas-microsoft-com:office:powerpoint" xmlns:com="http://schemas.openxmlformats.org/drawingml/2006/compatibility" xmlns:p14="http://schemas.microsoft.com/office/powerpoint/2010/main" xmlns:p15="http://schemas.microsoft.com/office/powerpoint/2012/main" xmlns:ahyp="http://schemas.microsoft.com/office/drawing/2018/hyperlinkcolor">
   <p:cSld>
     <p:spTree>
       <p:nvGrpSpPr>
-        <p:cNvPr id="167" name="Shape 167"/>
+        <p:cNvPr id="201" name="Shape 201"/>
         <p:cNvGrpSpPr/>
         <p:nvPr/>
       </p:nvGrpSpPr>
@@ -13853,7 +15707,7 @@
       </p:grpSpPr>
       <p:sp>
         <p:nvSpPr>
-          <p:cNvPr id="168" name="Google Shape;168;g112e57bf82a_1_14"/>
+          <p:cNvPr id="202" name="Google Shape;202;g112e57bf82a_1_14"/>
           <p:cNvSpPr txBox="1"/>
           <p:nvPr>
             <p:ph type="title"/>
@@ -13891,48 +15745,9 @@
           </a:p>
         </p:txBody>
       </p:sp>
-      <p:sp>
-        <p:nvSpPr>
-          <p:cNvPr id="169" name="Google Shape;169;g112e57bf82a_1_14"/>
-          <p:cNvSpPr txBox="1"/>
-          <p:nvPr>
-            <p:ph idx="1" type="body"/>
-          </p:nvPr>
-        </p:nvSpPr>
-        <p:spPr>
-          <a:xfrm>
-            <a:off x="838200" y="1825625"/>
-            <a:ext cx="10515600" cy="4351200"/>
-          </a:xfrm>
-          <a:prstGeom prst="rect">
-            <a:avLst/>
-          </a:prstGeom>
-        </p:spPr>
-        <p:txBody>
-          <a:bodyPr anchorCtr="0" anchor="t" bIns="45700" lIns="91425" spcFirstLastPara="1" rIns="91425" wrap="square" tIns="45700">
-            <a:normAutofit/>
-          </a:bodyPr>
-          <a:lstStyle/>
-          <a:p>
-            <a:pPr indent="0" lvl="0" marL="0" rtl="0" algn="l">
-              <a:spcBef>
-                <a:spcPts val="1000"/>
-              </a:spcBef>
-              <a:spcAft>
-                <a:spcPts val="0"/>
-              </a:spcAft>
-              <a:buNone/>
-            </a:pPr>
-            <a:r>
-              <a:t/>
-            </a:r>
-            <a:endParaRPr/>
-          </a:p>
-        </p:txBody>
-      </p:sp>
       <p:pic>
         <p:nvPicPr>
-          <p:cNvPr id="170" name="Google Shape;170;g112e57bf82a_1_14"/>
+          <p:cNvPr id="203" name="Google Shape;203;g112e57bf82a_1_14"/>
           <p:cNvPicPr preferRelativeResize="0"/>
           <p:nvPr/>
         </p:nvPicPr>
@@ -13960,7 +15775,7 @@
       </p:pic>
       <p:pic>
         <p:nvPicPr>
-          <p:cNvPr id="171" name="Google Shape;171;g112e57bf82a_1_14"/>
+          <p:cNvPr id="204" name="Google Shape;204;g112e57bf82a_1_14"/>
           <p:cNvPicPr preferRelativeResize="0"/>
           <p:nvPr/>
         </p:nvPicPr>
@@ -13986,6 +15801,50 @@
           </a:ln>
         </p:spPr>
       </p:pic>
+      <p:sp>
+        <p:nvSpPr>
+          <p:cNvPr id="205" name="Google Shape;205;g112e57bf82a_1_14"/>
+          <p:cNvSpPr txBox="1"/>
+          <p:nvPr>
+            <p:ph idx="12" type="sldNum"/>
+          </p:nvPr>
+        </p:nvSpPr>
+        <p:spPr>
+          <a:xfrm>
+            <a:off x="8610600" y="6356350"/>
+            <a:ext cx="2743200" cy="365100"/>
+          </a:xfrm>
+          <a:prstGeom prst="rect">
+            <a:avLst/>
+          </a:prstGeom>
+        </p:spPr>
+        <p:txBody>
+          <a:bodyPr anchorCtr="0" anchor="ctr" bIns="45700" lIns="91425" spcFirstLastPara="1" rIns="91425" wrap="square" tIns="45700">
+            <a:noAutofit/>
+          </a:bodyPr>
+          <a:lstStyle/>
+          <a:p>
+            <a:pPr indent="0" lvl="0" marL="0" rtl="0" algn="r">
+              <a:spcBef>
+                <a:spcPts val="0"/>
+              </a:spcBef>
+              <a:spcAft>
+                <a:spcPts val="0"/>
+              </a:spcAft>
+              <a:buClr>
+                <a:srgbClr val="000000"/>
+              </a:buClr>
+              <a:buFont typeface="Arial"/>
+              <a:buNone/>
+            </a:pPr>
+            <a:fld id="{00000000-1234-1234-1234-123412341234}" type="slidenum">
+              <a:rPr lang="es-ES"/>
+              <a:t>‹#›</a:t>
+            </a:fld>
+            <a:endParaRPr/>
+          </a:p>
+        </p:txBody>
+      </p:sp>
     </p:spTree>
   </p:cSld>
   <p:clrMapOvr>
@@ -13994,12 +15853,12 @@
 </p:sld>
 </file>
 
-<file path=ppt/slides/slide15.xml><?xml version="1.0" encoding="utf-8"?>
+<file path=ppt/slides/slide17.xml><?xml version="1.0" encoding="utf-8"?>
 <p:sld xmlns:a="http://schemas.openxmlformats.org/drawingml/2006/main" xmlns:r="http://schemas.openxmlformats.org/officeDocument/2006/relationships" xmlns:mc="http://schemas.openxmlformats.org/markup-compatibility/2006" xmlns:mv="urn:schemas-microsoft-com:mac:vml" xmlns:p="http://schemas.openxmlformats.org/presentationml/2006/main" xmlns:c="http://schemas.openxmlformats.org/drawingml/2006/chart" xmlns:dgm="http://schemas.openxmlformats.org/drawingml/2006/diagram" xmlns:o="urn:schemas-microsoft-com:office:office" xmlns:v="urn:schemas-microsoft-com:vml" xmlns:pvml="urn:schemas-microsoft-com:office:powerpoint" xmlns:com="http://schemas.openxmlformats.org/drawingml/2006/compatibility" xmlns:p14="http://schemas.microsoft.com/office/powerpoint/2010/main" xmlns:p15="http://schemas.microsoft.com/office/powerpoint/2012/main" xmlns:ahyp="http://schemas.microsoft.com/office/drawing/2018/hyperlinkcolor">
   <p:cSld>
     <p:spTree>
       <p:nvGrpSpPr>
-        <p:cNvPr id="175" name="Shape 175"/>
+        <p:cNvPr id="209" name="Shape 209"/>
         <p:cNvGrpSpPr/>
         <p:nvPr/>
       </p:nvGrpSpPr>
@@ -14013,7 +15872,7 @@
       </p:grpSpPr>
       <p:sp>
         <p:nvSpPr>
-          <p:cNvPr id="176" name="Google Shape;176;g112e57bf82a_1_9"/>
+          <p:cNvPr id="210" name="Google Shape;210;g112e57bf82a_1_9"/>
           <p:cNvSpPr txBox="1"/>
           <p:nvPr>
             <p:ph type="title"/>
@@ -14051,48 +15910,9 @@
           </a:p>
         </p:txBody>
       </p:sp>
-      <p:sp>
-        <p:nvSpPr>
-          <p:cNvPr id="177" name="Google Shape;177;g112e57bf82a_1_9"/>
-          <p:cNvSpPr txBox="1"/>
-          <p:nvPr>
-            <p:ph idx="1" type="body"/>
-          </p:nvPr>
-        </p:nvSpPr>
-        <p:spPr>
-          <a:xfrm>
-            <a:off x="838200" y="1825625"/>
-            <a:ext cx="10515600" cy="4351200"/>
-          </a:xfrm>
-          <a:prstGeom prst="rect">
-            <a:avLst/>
-          </a:prstGeom>
-        </p:spPr>
-        <p:txBody>
-          <a:bodyPr anchorCtr="0" anchor="t" bIns="45700" lIns="91425" spcFirstLastPara="1" rIns="91425" wrap="square" tIns="45700">
-            <a:normAutofit/>
-          </a:bodyPr>
-          <a:lstStyle/>
-          <a:p>
-            <a:pPr indent="0" lvl="0" marL="0" rtl="0" algn="l">
-              <a:spcBef>
-                <a:spcPts val="1000"/>
-              </a:spcBef>
-              <a:spcAft>
-                <a:spcPts val="0"/>
-              </a:spcAft>
-              <a:buNone/>
-            </a:pPr>
-            <a:r>
-              <a:t/>
-            </a:r>
-            <a:endParaRPr/>
-          </a:p>
-        </p:txBody>
-      </p:sp>
       <p:pic>
         <p:nvPicPr>
-          <p:cNvPr id="178" name="Google Shape;178;g112e57bf82a_1_9"/>
+          <p:cNvPr id="211" name="Google Shape;211;g112e57bf82a_1_9"/>
           <p:cNvPicPr preferRelativeResize="0"/>
           <p:nvPr/>
         </p:nvPicPr>
@@ -14120,7 +15940,7 @@
       </p:pic>
       <p:pic>
         <p:nvPicPr>
-          <p:cNvPr id="179" name="Google Shape;179;g112e57bf82a_1_9"/>
+          <p:cNvPr id="212" name="Google Shape;212;g112e57bf82a_1_9"/>
           <p:cNvPicPr preferRelativeResize="0"/>
           <p:nvPr/>
         </p:nvPicPr>
@@ -14146,6 +15966,50 @@
           </a:ln>
         </p:spPr>
       </p:pic>
+      <p:sp>
+        <p:nvSpPr>
+          <p:cNvPr id="213" name="Google Shape;213;g112e57bf82a_1_9"/>
+          <p:cNvSpPr txBox="1"/>
+          <p:nvPr>
+            <p:ph idx="12" type="sldNum"/>
+          </p:nvPr>
+        </p:nvSpPr>
+        <p:spPr>
+          <a:xfrm>
+            <a:off x="8610600" y="6356350"/>
+            <a:ext cx="2743200" cy="365100"/>
+          </a:xfrm>
+          <a:prstGeom prst="rect">
+            <a:avLst/>
+          </a:prstGeom>
+        </p:spPr>
+        <p:txBody>
+          <a:bodyPr anchorCtr="0" anchor="ctr" bIns="45700" lIns="91425" spcFirstLastPara="1" rIns="91425" wrap="square" tIns="45700">
+            <a:noAutofit/>
+          </a:bodyPr>
+          <a:lstStyle/>
+          <a:p>
+            <a:pPr indent="0" lvl="0" marL="0" rtl="0" algn="r">
+              <a:spcBef>
+                <a:spcPts val="0"/>
+              </a:spcBef>
+              <a:spcAft>
+                <a:spcPts val="0"/>
+              </a:spcAft>
+              <a:buClr>
+                <a:srgbClr val="000000"/>
+              </a:buClr>
+              <a:buFont typeface="Arial"/>
+              <a:buNone/>
+            </a:pPr>
+            <a:fld id="{00000000-1234-1234-1234-123412341234}" type="slidenum">
+              <a:rPr lang="es-ES"/>
+              <a:t>‹#›</a:t>
+            </a:fld>
+            <a:endParaRPr/>
+          </a:p>
+        </p:txBody>
+      </p:sp>
     </p:spTree>
   </p:cSld>
   <p:clrMapOvr>
@@ -14154,12 +16018,12 @@
 </p:sld>
 </file>
 
-<file path=ppt/slides/slide16.xml><?xml version="1.0" encoding="utf-8"?>
+<file path=ppt/slides/slide18.xml><?xml version="1.0" encoding="utf-8"?>
 <p:sld xmlns:a="http://schemas.openxmlformats.org/drawingml/2006/main" xmlns:r="http://schemas.openxmlformats.org/officeDocument/2006/relationships" xmlns:mc="http://schemas.openxmlformats.org/markup-compatibility/2006" xmlns:mv="urn:schemas-microsoft-com:mac:vml" xmlns:p="http://schemas.openxmlformats.org/presentationml/2006/main" xmlns:c="http://schemas.openxmlformats.org/drawingml/2006/chart" xmlns:dgm="http://schemas.openxmlformats.org/drawingml/2006/diagram" xmlns:o="urn:schemas-microsoft-com:office:office" xmlns:v="urn:schemas-microsoft-com:vml" xmlns:pvml="urn:schemas-microsoft-com:office:powerpoint" xmlns:com="http://schemas.openxmlformats.org/drawingml/2006/compatibility" xmlns:p14="http://schemas.microsoft.com/office/powerpoint/2010/main" xmlns:p15="http://schemas.microsoft.com/office/powerpoint/2012/main" xmlns:ahyp="http://schemas.microsoft.com/office/drawing/2018/hyperlinkcolor">
   <p:cSld>
     <p:spTree>
       <p:nvGrpSpPr>
-        <p:cNvPr id="183" name="Shape 183"/>
+        <p:cNvPr id="217" name="Shape 217"/>
         <p:cNvGrpSpPr/>
         <p:nvPr/>
       </p:nvGrpSpPr>
@@ -14173,7 +16037,7 @@
       </p:grpSpPr>
       <p:sp>
         <p:nvSpPr>
-          <p:cNvPr id="184" name="Google Shape;184;g112e57bf82a_1_25"/>
+          <p:cNvPr id="218" name="Google Shape;218;g112e57bf82a_1_25"/>
           <p:cNvSpPr txBox="1"/>
           <p:nvPr>
             <p:ph type="title"/>
@@ -14216,48 +16080,9 @@
           </a:p>
         </p:txBody>
       </p:sp>
-      <p:sp>
-        <p:nvSpPr>
-          <p:cNvPr id="185" name="Google Shape;185;g112e57bf82a_1_25"/>
-          <p:cNvSpPr txBox="1"/>
-          <p:nvPr>
-            <p:ph idx="1" type="body"/>
-          </p:nvPr>
-        </p:nvSpPr>
-        <p:spPr>
-          <a:xfrm>
-            <a:off x="838200" y="1825625"/>
-            <a:ext cx="10515600" cy="4351200"/>
-          </a:xfrm>
-          <a:prstGeom prst="rect">
-            <a:avLst/>
-          </a:prstGeom>
-        </p:spPr>
-        <p:txBody>
-          <a:bodyPr anchorCtr="0" anchor="t" bIns="45700" lIns="91425" spcFirstLastPara="1" rIns="91425" wrap="square" tIns="45700">
-            <a:normAutofit/>
-          </a:bodyPr>
-          <a:lstStyle/>
-          <a:p>
-            <a:pPr indent="0" lvl="0" marL="0" rtl="0" algn="l">
-              <a:spcBef>
-                <a:spcPts val="1000"/>
-              </a:spcBef>
-              <a:spcAft>
-                <a:spcPts val="0"/>
-              </a:spcAft>
-              <a:buNone/>
-            </a:pPr>
-            <a:r>
-              <a:t/>
-            </a:r>
-            <a:endParaRPr/>
-          </a:p>
-        </p:txBody>
-      </p:sp>
       <p:pic>
         <p:nvPicPr>
-          <p:cNvPr id="186" name="Google Shape;186;g112e57bf82a_1_25"/>
+          <p:cNvPr id="219" name="Google Shape;219;g112e57bf82a_1_25"/>
           <p:cNvPicPr preferRelativeResize="0"/>
           <p:nvPr/>
         </p:nvPicPr>
@@ -14285,7 +16110,7 @@
       </p:pic>
       <p:pic>
         <p:nvPicPr>
-          <p:cNvPr id="187" name="Google Shape;187;g112e57bf82a_1_25"/>
+          <p:cNvPr id="220" name="Google Shape;220;g112e57bf82a_1_25"/>
           <p:cNvPicPr preferRelativeResize="0"/>
           <p:nvPr/>
         </p:nvPicPr>
@@ -14311,6 +16136,50 @@
           </a:ln>
         </p:spPr>
       </p:pic>
+      <p:sp>
+        <p:nvSpPr>
+          <p:cNvPr id="221" name="Google Shape;221;g112e57bf82a_1_25"/>
+          <p:cNvSpPr txBox="1"/>
+          <p:nvPr>
+            <p:ph idx="12" type="sldNum"/>
+          </p:nvPr>
+        </p:nvSpPr>
+        <p:spPr>
+          <a:xfrm>
+            <a:off x="8610600" y="6356350"/>
+            <a:ext cx="2743200" cy="365100"/>
+          </a:xfrm>
+          <a:prstGeom prst="rect">
+            <a:avLst/>
+          </a:prstGeom>
+        </p:spPr>
+        <p:txBody>
+          <a:bodyPr anchorCtr="0" anchor="ctr" bIns="45700" lIns="91425" spcFirstLastPara="1" rIns="91425" wrap="square" tIns="45700">
+            <a:noAutofit/>
+          </a:bodyPr>
+          <a:lstStyle/>
+          <a:p>
+            <a:pPr indent="0" lvl="0" marL="0" rtl="0" algn="r">
+              <a:spcBef>
+                <a:spcPts val="0"/>
+              </a:spcBef>
+              <a:spcAft>
+                <a:spcPts val="0"/>
+              </a:spcAft>
+              <a:buClr>
+                <a:srgbClr val="000000"/>
+              </a:buClr>
+              <a:buFont typeface="Arial"/>
+              <a:buNone/>
+            </a:pPr>
+            <a:fld id="{00000000-1234-1234-1234-123412341234}" type="slidenum">
+              <a:rPr lang="es-ES"/>
+              <a:t>‹#›</a:t>
+            </a:fld>
+            <a:endParaRPr/>
+          </a:p>
+        </p:txBody>
+      </p:sp>
     </p:spTree>
   </p:cSld>
   <p:clrMapOvr>
@@ -14319,12 +16188,12 @@
 </p:sld>
 </file>
 
-<file path=ppt/slides/slide2.xml><?xml version="1.0" encoding="utf-8"?>
+<file path=ppt/slides/slide19.xml><?xml version="1.0" encoding="utf-8"?>
 <p:sld xmlns:a="http://schemas.openxmlformats.org/drawingml/2006/main" xmlns:r="http://schemas.openxmlformats.org/officeDocument/2006/relationships" xmlns:mc="http://schemas.openxmlformats.org/markup-compatibility/2006" xmlns:mv="urn:schemas-microsoft-com:mac:vml" xmlns:p="http://schemas.openxmlformats.org/presentationml/2006/main" xmlns:c="http://schemas.openxmlformats.org/drawingml/2006/chart" xmlns:dgm="http://schemas.openxmlformats.org/drawingml/2006/diagram" xmlns:o="urn:schemas-microsoft-com:office:office" xmlns:v="urn:schemas-microsoft-com:vml" xmlns:pvml="urn:schemas-microsoft-com:office:powerpoint" xmlns:com="http://schemas.openxmlformats.org/drawingml/2006/compatibility" xmlns:p14="http://schemas.microsoft.com/office/powerpoint/2010/main" xmlns:p15="http://schemas.microsoft.com/office/powerpoint/2012/main" xmlns:ahyp="http://schemas.microsoft.com/office/drawing/2018/hyperlinkcolor">
   <p:cSld>
     <p:spTree>
       <p:nvGrpSpPr>
-        <p:cNvPr id="89" name="Shape 89"/>
+        <p:cNvPr id="225" name="Shape 225"/>
         <p:cNvGrpSpPr/>
         <p:nvPr/>
       </p:nvGrpSpPr>
@@ -14338,7 +16207,7 @@
       </p:grpSpPr>
       <p:sp>
         <p:nvSpPr>
-          <p:cNvPr id="90" name="Google Shape;90;g112e57bf82a_0_10"/>
+          <p:cNvPr id="226" name="Google Shape;226;g111e9305988_0_67"/>
           <p:cNvSpPr txBox="1"/>
           <p:nvPr>
             <p:ph type="title"/>
@@ -14370,7 +16239,7 @@
             </a:pPr>
             <a:r>
               <a:rPr lang="es-ES"/>
-              <a:t>Description</a:t>
+              <a:t>Remaining work</a:t>
             </a:r>
             <a:endParaRPr/>
           </a:p>
@@ -14378,7 +16247,7 @@
       </p:sp>
       <p:sp>
         <p:nvSpPr>
-          <p:cNvPr id="91" name="Google Shape;91;g112e57bf82a_0_10"/>
+          <p:cNvPr id="227" name="Google Shape;227;g111e9305988_0_67"/>
           <p:cNvSpPr txBox="1"/>
           <p:nvPr>
             <p:ph idx="1" type="body"/>
@@ -14395,11 +16264,14 @@
         </p:spPr>
         <p:txBody>
           <a:bodyPr anchorCtr="0" anchor="t" bIns="45700" lIns="91425" spcFirstLastPara="1" rIns="91425" wrap="square" tIns="45700">
-            <a:normAutofit lnSpcReduction="20000"/>
+            <a:normAutofit lnSpcReduction="10000"/>
           </a:bodyPr>
           <a:lstStyle/>
           <a:p>
             <a:pPr indent="-342900" lvl="0" marL="457200" rtl="0" algn="l">
+              <a:lnSpc>
+                <a:spcPct val="150000"/>
+              </a:lnSpc>
               <a:spcBef>
                 <a:spcPts val="1000"/>
               </a:spcBef>
@@ -14411,29 +16283,17 @@
             </a:pPr>
             <a:r>
               <a:rPr lang="es-ES"/>
-              <a:t>Monolingual: English</a:t>
-            </a:r>
-            <a:endParaRPr/>
-          </a:p>
-          <a:p>
-            <a:pPr indent="0" lvl="0" marL="457200" rtl="0" algn="l">
-              <a:spcBef>
-                <a:spcPts val="1000"/>
-              </a:spcBef>
-              <a:spcAft>
-                <a:spcPts val="0"/>
-              </a:spcAft>
-              <a:buNone/>
-            </a:pPr>
-            <a:r>
-              <a:t/>
+              <a:t>Annotate ITA tweets with new guidelines</a:t>
             </a:r>
             <a:endParaRPr/>
           </a:p>
           <a:p>
             <a:pPr indent="-342900" lvl="0" marL="457200" rtl="0" algn="l">
-              <a:spcBef>
-                <a:spcPts val="1000"/>
+              <a:lnSpc>
+                <a:spcPct val="150000"/>
+              </a:lnSpc>
+              <a:spcBef>
+                <a:spcPts val="0"/>
               </a:spcBef>
               <a:spcAft>
                 <a:spcPts val="0"/>
@@ -14443,29 +16303,17 @@
             </a:pPr>
             <a:r>
               <a:rPr lang="es-ES"/>
-              <a:t>Topic: Technology</a:t>
-            </a:r>
-            <a:endParaRPr/>
-          </a:p>
-          <a:p>
-            <a:pPr indent="0" lvl="0" marL="457200" rtl="0" algn="l">
-              <a:spcBef>
-                <a:spcPts val="1000"/>
-              </a:spcBef>
-              <a:spcAft>
-                <a:spcPts val="0"/>
-              </a:spcAft>
-              <a:buNone/>
-            </a:pPr>
-            <a:r>
-              <a:t/>
+              <a:t>Recalculate ITA measures</a:t>
             </a:r>
             <a:endParaRPr/>
           </a:p>
           <a:p>
             <a:pPr indent="-342900" lvl="0" marL="457200" rtl="0" algn="l">
-              <a:spcBef>
-                <a:spcPts val="1000"/>
+              <a:lnSpc>
+                <a:spcPct val="150000"/>
+              </a:lnSpc>
+              <a:spcBef>
+                <a:spcPts val="0"/>
               </a:spcBef>
               <a:spcAft>
                 <a:spcPts val="0"/>
@@ -14475,29 +16323,17 @@
             </a:pPr>
             <a:r>
               <a:rPr lang="es-ES"/>
-              <a:t>Sentiment analysis (positive, negative, neutral) and emotion detection (joy, sadness, anger, optimism)</a:t>
-            </a:r>
-            <a:endParaRPr/>
-          </a:p>
-          <a:p>
-            <a:pPr indent="0" lvl="0" marL="457200" rtl="0" algn="l">
-              <a:spcBef>
-                <a:spcPts val="1000"/>
-              </a:spcBef>
-              <a:spcAft>
-                <a:spcPts val="0"/>
-              </a:spcAft>
-              <a:buNone/>
-            </a:pPr>
-            <a:r>
-              <a:t/>
+              <a:t>Annotate 40 tweets individually</a:t>
             </a:r>
             <a:endParaRPr/>
           </a:p>
           <a:p>
             <a:pPr indent="-342900" lvl="0" marL="457200" rtl="0" algn="l">
-              <a:spcBef>
-                <a:spcPts val="1000"/>
+              <a:lnSpc>
+                <a:spcPct val="150000"/>
+              </a:lnSpc>
+              <a:spcBef>
+                <a:spcPts val="0"/>
               </a:spcBef>
               <a:spcAft>
                 <a:spcPts val="0"/>
@@ -14507,29 +16343,17 @@
             </a:pPr>
             <a:r>
               <a:rPr lang="es-ES"/>
-              <a:t>Automatic and manual annotation</a:t>
-            </a:r>
-            <a:endParaRPr/>
-          </a:p>
-          <a:p>
-            <a:pPr indent="0" lvl="0" marL="457200" rtl="0" algn="l">
-              <a:spcBef>
-                <a:spcPts val="1000"/>
-              </a:spcBef>
-              <a:spcAft>
-                <a:spcPts val="0"/>
-              </a:spcAft>
-              <a:buNone/>
-            </a:pPr>
-            <a:r>
-              <a:t/>
+              <a:t>Create adversarial tweets</a:t>
             </a:r>
             <a:endParaRPr/>
           </a:p>
           <a:p>
             <a:pPr indent="-342900" lvl="0" marL="457200" rtl="0" algn="l">
-              <a:spcBef>
-                <a:spcPts val="1000"/>
+              <a:lnSpc>
+                <a:spcPct val="150000"/>
+              </a:lnSpc>
+              <a:spcBef>
+                <a:spcPts val="0"/>
               </a:spcBef>
               <a:spcAft>
                 <a:spcPts val="0"/>
@@ -14539,8 +16363,92 @@
             </a:pPr>
             <a:r>
               <a:rPr lang="es-ES"/>
-              <a:t>Regular text and adversarial text</a:t>
+              <a:t>Compare manual and automatic annotation</a:t>
             </a:r>
+            <a:endParaRPr/>
+          </a:p>
+          <a:p>
+            <a:pPr indent="-342900" lvl="0" marL="457200" rtl="0" algn="l">
+              <a:lnSpc>
+                <a:spcPct val="150000"/>
+              </a:lnSpc>
+              <a:spcBef>
+                <a:spcPts val="0"/>
+              </a:spcBef>
+              <a:spcAft>
+                <a:spcPts val="0"/>
+              </a:spcAft>
+              <a:buSzPts val="1800"/>
+              <a:buChar char="●"/>
+            </a:pPr>
+            <a:r>
+              <a:rPr lang="es-ES"/>
+              <a:t>Compare adversarial results</a:t>
+            </a:r>
+            <a:endParaRPr/>
+          </a:p>
+          <a:p>
+            <a:pPr indent="-342900" lvl="0" marL="457200" rtl="0" algn="l">
+              <a:lnSpc>
+                <a:spcPct val="150000"/>
+              </a:lnSpc>
+              <a:spcBef>
+                <a:spcPts val="0"/>
+              </a:spcBef>
+              <a:spcAft>
+                <a:spcPts val="0"/>
+              </a:spcAft>
+              <a:buSzPts val="1800"/>
+              <a:buChar char="●"/>
+            </a:pPr>
+            <a:r>
+              <a:rPr lang="es-ES"/>
+              <a:t>Pie charts and wordclouds for manual annotation</a:t>
+            </a:r>
+            <a:endParaRPr/>
+          </a:p>
+        </p:txBody>
+      </p:sp>
+      <p:sp>
+        <p:nvSpPr>
+          <p:cNvPr id="228" name="Google Shape;228;g111e9305988_0_67"/>
+          <p:cNvSpPr txBox="1"/>
+          <p:nvPr>
+            <p:ph idx="12" type="sldNum"/>
+          </p:nvPr>
+        </p:nvSpPr>
+        <p:spPr>
+          <a:xfrm>
+            <a:off x="8610600" y="6356350"/>
+            <a:ext cx="2743200" cy="365100"/>
+          </a:xfrm>
+          <a:prstGeom prst="rect">
+            <a:avLst/>
+          </a:prstGeom>
+        </p:spPr>
+        <p:txBody>
+          <a:bodyPr anchorCtr="0" anchor="ctr" bIns="45700" lIns="91425" spcFirstLastPara="1" rIns="91425" wrap="square" tIns="45700">
+            <a:noAutofit/>
+          </a:bodyPr>
+          <a:lstStyle/>
+          <a:p>
+            <a:pPr indent="0" lvl="0" marL="0" rtl="0" algn="r">
+              <a:spcBef>
+                <a:spcPts val="0"/>
+              </a:spcBef>
+              <a:spcAft>
+                <a:spcPts val="0"/>
+              </a:spcAft>
+              <a:buClr>
+                <a:srgbClr val="000000"/>
+              </a:buClr>
+              <a:buFont typeface="Arial"/>
+              <a:buNone/>
+            </a:pPr>
+            <a:fld id="{00000000-1234-1234-1234-123412341234}" type="slidenum">
+              <a:rPr lang="es-ES"/>
+              <a:t>‹#›</a:t>
+            </a:fld>
             <a:endParaRPr/>
           </a:p>
         </p:txBody>
@@ -14553,12 +16461,12 @@
 </p:sld>
 </file>
 
-<file path=ppt/slides/slide3.xml><?xml version="1.0" encoding="utf-8"?>
+<file path=ppt/slides/slide2.xml><?xml version="1.0" encoding="utf-8"?>
 <p:sld xmlns:a="http://schemas.openxmlformats.org/drawingml/2006/main" xmlns:r="http://schemas.openxmlformats.org/officeDocument/2006/relationships" xmlns:mc="http://schemas.openxmlformats.org/markup-compatibility/2006" xmlns:mv="urn:schemas-microsoft-com:mac:vml" xmlns:p="http://schemas.openxmlformats.org/presentationml/2006/main" xmlns:c="http://schemas.openxmlformats.org/drawingml/2006/chart" xmlns:dgm="http://schemas.openxmlformats.org/drawingml/2006/diagram" xmlns:o="urn:schemas-microsoft-com:office:office" xmlns:v="urn:schemas-microsoft-com:vml" xmlns:pvml="urn:schemas-microsoft-com:office:powerpoint" xmlns:com="http://schemas.openxmlformats.org/drawingml/2006/compatibility" xmlns:p14="http://schemas.microsoft.com/office/powerpoint/2010/main" xmlns:p15="http://schemas.microsoft.com/office/powerpoint/2012/main" xmlns:ahyp="http://schemas.microsoft.com/office/drawing/2018/hyperlinkcolor">
   <p:cSld>
     <p:spTree>
       <p:nvGrpSpPr>
-        <p:cNvPr id="95" name="Shape 95"/>
+        <p:cNvPr id="90" name="Shape 90"/>
         <p:cNvGrpSpPr/>
         <p:nvPr/>
       </p:nvGrpSpPr>
@@ -14572,7 +16480,7 @@
       </p:grpSpPr>
       <p:sp>
         <p:nvSpPr>
-          <p:cNvPr id="96" name="Google Shape;96;g112e57bf82a_0_5"/>
+          <p:cNvPr id="91" name="Google Shape;91;g112e57bf82a_0_5"/>
           <p:cNvSpPr txBox="1"/>
           <p:nvPr>
             <p:ph type="title"/>
@@ -14612,12 +16520,12 @@
       </p:sp>
       <p:graphicFrame>
         <p:nvGraphicFramePr>
-          <p:cNvPr id="97" name="Google Shape;97;g112e57bf82a_0_5"/>
+          <p:cNvPr id="92" name="Google Shape;92;g112e57bf82a_0_5"/>
           <p:cNvGraphicFramePr/>
           <p:nvPr/>
         </p:nvGraphicFramePr>
         <p:xfrm>
-          <a:off x="750425" y="2310725"/>
+          <a:off x="587425" y="2310725"/>
           <a:ext cx="3000000" cy="3000000"/>
         </p:xfrm>
         <a:graphic>
@@ -14625,16 +16533,16 @@
             <a:tbl>
               <a:tblPr>
                 <a:noFill/>
-                <a:tableStyleId>{0E8328BC-C7E2-4EE8-BECD-347CB56EA330}</a:tableStyleId>
+                <a:tableStyleId>{14E8F432-E50E-4DC2-B74D-F33B415F0C3E}</a:tableStyleId>
               </a:tblPr>
               <a:tblGrid>
-                <a:gridCol w="1469575"/>
-                <a:gridCol w="1469575"/>
-                <a:gridCol w="1469575"/>
-                <a:gridCol w="1394325"/>
-                <a:gridCol w="1663000"/>
-                <a:gridCol w="1351375"/>
-                <a:gridCol w="1469575"/>
+                <a:gridCol w="943000"/>
+                <a:gridCol w="1657650"/>
+                <a:gridCol w="1620000"/>
+                <a:gridCol w="1519700"/>
+                <a:gridCol w="2014075"/>
+                <a:gridCol w="1376450"/>
+                <a:gridCol w="1845700"/>
               </a:tblGrid>
               <a:tr h="381000">
                 <a:tc>
@@ -14652,10 +16560,10 @@
                         <a:buNone/>
                       </a:pPr>
                       <a:r>
-                        <a:rPr lang="es-ES"/>
+                        <a:rPr b="1" lang="es-ES"/>
                         <a:t>id</a:t>
                       </a:r>
-                      <a:endParaRPr/>
+                      <a:endParaRPr b="1"/>
                     </a:p>
                   </a:txBody>
                   <a:tcPr marT="91425" marB="91425" marR="91425" marL="91425"/>
@@ -14675,10 +16583,10 @@
                         <a:buNone/>
                       </a:pPr>
                       <a:r>
-                        <a:rPr lang="es-ES"/>
+                        <a:rPr b="1" lang="es-ES"/>
                         <a:t>text</a:t>
                       </a:r>
-                      <a:endParaRPr/>
+                      <a:endParaRPr b="1"/>
                     </a:p>
                   </a:txBody>
                   <a:tcPr marT="91425" marB="91425" marR="91425" marL="91425"/>
@@ -14698,10 +16606,10 @@
                         <a:buNone/>
                       </a:pPr>
                       <a:r>
-                        <a:rPr lang="es-ES"/>
+                        <a:rPr b="1" lang="es-ES"/>
                         <a:t>adversarial_text</a:t>
                       </a:r>
-                      <a:endParaRPr/>
+                      <a:endParaRPr b="1"/>
                     </a:p>
                   </a:txBody>
                   <a:tcPr marT="91425" marB="91425" marR="91425" marL="91425"/>
@@ -14721,10 +16629,10 @@
                         <a:buNone/>
                       </a:pPr>
                       <a:r>
-                        <a:rPr lang="es-ES"/>
+                        <a:rPr b="1" lang="es-ES"/>
                         <a:t>sentiment_auto</a:t>
                       </a:r>
-                      <a:endParaRPr/>
+                      <a:endParaRPr b="1"/>
                     </a:p>
                   </a:txBody>
                   <a:tcPr marT="91425" marB="91425" marR="91425" marL="91425"/>
@@ -14744,10 +16652,10 @@
                         <a:buNone/>
                       </a:pPr>
                       <a:r>
-                        <a:rPr lang="es-ES"/>
+                        <a:rPr b="1" lang="es-ES"/>
                         <a:t>sentiment_annotator</a:t>
                       </a:r>
-                      <a:endParaRPr/>
+                      <a:endParaRPr b="1"/>
                     </a:p>
                   </a:txBody>
                   <a:tcPr marT="91425" marB="91425" marR="91425" marL="91425"/>
@@ -14767,10 +16675,10 @@
                         <a:buNone/>
                       </a:pPr>
                       <a:r>
-                        <a:rPr lang="es-ES"/>
+                        <a:rPr b="1" lang="es-ES"/>
                         <a:t>emotion_auto</a:t>
                       </a:r>
-                      <a:endParaRPr/>
+                      <a:endParaRPr b="1"/>
                     </a:p>
                   </a:txBody>
                   <a:tcPr marT="91425" marB="91425" marR="91425" marL="91425"/>
@@ -14790,10 +16698,10 @@
                         <a:buNone/>
                       </a:pPr>
                       <a:r>
-                        <a:rPr lang="es-ES"/>
+                        <a:rPr b="1" lang="es-ES"/>
                         <a:t>emotion_annotator</a:t>
                       </a:r>
-                      <a:endParaRPr/>
+                      <a:endParaRPr b="1"/>
                     </a:p>
                   </a:txBody>
                   <a:tcPr marT="91425" marB="91425" marR="91425" marL="91425"/>
@@ -14861,7 +16769,8 @@
                         <a:buNone/>
                       </a:pPr>
                       <a:r>
-                        <a:t/>
+                        <a:rPr lang="es-ES"/>
+                        <a:t>just put a CD into my MacBook to burn it and m...</a:t>
                       </a:r>
                       <a:endParaRPr/>
                     </a:p>
@@ -15023,7 +16932,8 @@
                         <a:buNone/>
                       </a:pPr>
                       <a:r>
-                        <a:t/>
+                        <a:rPr lang="es-ES"/>
+                        <a:t>oh yeah tesla well what about a automobiles th...</a:t>
                       </a:r>
                       <a:endParaRPr/>
                     </a:p>
@@ -15185,7 +17095,8 @@
                         <a:buNone/>
                       </a:pPr>
                       <a:r>
-                        <a:t/>
+                        <a:rPr lang="es-ES"/>
+                        <a:t>#100DaysOfCode Haven updated in a while due to...</a:t>
                       </a:r>
                       <a:endParaRPr/>
                     </a:p>
@@ -15289,6 +17200,50 @@
           </a:graphicData>
         </a:graphic>
       </p:graphicFrame>
+      <p:sp>
+        <p:nvSpPr>
+          <p:cNvPr id="93" name="Google Shape;93;g112e57bf82a_0_5"/>
+          <p:cNvSpPr txBox="1"/>
+          <p:nvPr>
+            <p:ph idx="12" type="sldNum"/>
+          </p:nvPr>
+        </p:nvSpPr>
+        <p:spPr>
+          <a:xfrm>
+            <a:off x="8610600" y="6356350"/>
+            <a:ext cx="2743200" cy="365100"/>
+          </a:xfrm>
+          <a:prstGeom prst="rect">
+            <a:avLst/>
+          </a:prstGeom>
+        </p:spPr>
+        <p:txBody>
+          <a:bodyPr anchorCtr="0" anchor="ctr" bIns="45700" lIns="91425" spcFirstLastPara="1" rIns="91425" wrap="square" tIns="45700">
+            <a:noAutofit/>
+          </a:bodyPr>
+          <a:lstStyle/>
+          <a:p>
+            <a:pPr indent="0" lvl="0" marL="0" rtl="0" algn="r">
+              <a:spcBef>
+                <a:spcPts val="0"/>
+              </a:spcBef>
+              <a:spcAft>
+                <a:spcPts val="0"/>
+              </a:spcAft>
+              <a:buClr>
+                <a:srgbClr val="000000"/>
+              </a:buClr>
+              <a:buFont typeface="Arial"/>
+              <a:buNone/>
+            </a:pPr>
+            <a:fld id="{00000000-1234-1234-1234-123412341234}" type="slidenum">
+              <a:rPr lang="es-ES"/>
+              <a:t>‹#›</a:t>
+            </a:fld>
+            <a:endParaRPr/>
+          </a:p>
+        </p:txBody>
+      </p:sp>
     </p:spTree>
   </p:cSld>
   <p:clrMapOvr>
@@ -15297,12 +17252,12 @@
 </p:sld>
 </file>
 
-<file path=ppt/slides/slide4.xml><?xml version="1.0" encoding="utf-8"?>
+<file path=ppt/slides/slide20.xml><?xml version="1.0" encoding="utf-8"?>
 <p:sld xmlns:a="http://schemas.openxmlformats.org/drawingml/2006/main" xmlns:r="http://schemas.openxmlformats.org/officeDocument/2006/relationships" xmlns:mc="http://schemas.openxmlformats.org/markup-compatibility/2006" xmlns:mv="urn:schemas-microsoft-com:mac:vml" xmlns:p="http://schemas.openxmlformats.org/presentationml/2006/main" xmlns:c="http://schemas.openxmlformats.org/drawingml/2006/chart" xmlns:dgm="http://schemas.openxmlformats.org/drawingml/2006/diagram" xmlns:o="urn:schemas-microsoft-com:office:office" xmlns:v="urn:schemas-microsoft-com:vml" xmlns:pvml="urn:schemas-microsoft-com:office:powerpoint" xmlns:com="http://schemas.openxmlformats.org/drawingml/2006/compatibility" xmlns:p14="http://schemas.microsoft.com/office/powerpoint/2010/main" xmlns:p15="http://schemas.microsoft.com/office/powerpoint/2012/main" xmlns:ahyp="http://schemas.microsoft.com/office/drawing/2018/hyperlinkcolor">
   <p:cSld>
     <p:spTree>
       <p:nvGrpSpPr>
-        <p:cNvPr id="101" name="Shape 101"/>
+        <p:cNvPr id="232" name="Shape 232"/>
         <p:cNvGrpSpPr/>
         <p:nvPr/>
       </p:nvGrpSpPr>
@@ -15316,7 +17271,7 @@
       </p:grpSpPr>
       <p:sp>
         <p:nvSpPr>
-          <p:cNvPr id="102" name="Google Shape;102;g112e57bf82a_0_15"/>
+          <p:cNvPr id="233" name="Google Shape;233;g111e9305988_0_7"/>
           <p:cNvSpPr txBox="1"/>
           <p:nvPr>
             <p:ph type="title"/>
@@ -15348,7 +17303,7 @@
             </a:pPr>
             <a:r>
               <a:rPr lang="es-ES"/>
-              <a:t>Objective</a:t>
+              <a:t>Conclusions</a:t>
             </a:r>
             <a:endParaRPr/>
           </a:p>
@@ -15356,7 +17311,7 @@
       </p:sp>
       <p:sp>
         <p:nvSpPr>
-          <p:cNvPr id="103" name="Google Shape;103;g112e57bf82a_0_15"/>
+          <p:cNvPr id="234" name="Google Shape;234;g111e9305988_0_7"/>
           <p:cNvSpPr txBox="1"/>
           <p:nvPr>
             <p:ph idx="1" type="body"/>
@@ -15378,6 +17333,9 @@
           <a:lstStyle/>
           <a:p>
             <a:pPr indent="-342900" lvl="0" marL="457200" rtl="0" algn="l">
+              <a:lnSpc>
+                <a:spcPct val="150000"/>
+              </a:lnSpc>
               <a:spcBef>
                 <a:spcPts val="1000"/>
               </a:spcBef>
@@ -15389,29 +17347,17 @@
             </a:pPr>
             <a:r>
               <a:rPr lang="es-ES"/>
-              <a:t>Compare automatic and manual annotation </a:t>
-            </a:r>
-            <a:endParaRPr/>
-          </a:p>
-          <a:p>
-            <a:pPr indent="0" lvl="0" marL="457200" rtl="0" algn="l">
-              <a:spcBef>
-                <a:spcPts val="1000"/>
-              </a:spcBef>
-              <a:spcAft>
-                <a:spcPts val="0"/>
-              </a:spcAft>
-              <a:buNone/>
-            </a:pPr>
-            <a:r>
-              <a:t/>
+              <a:t>Annotation is more difficult than we thought</a:t>
             </a:r>
             <a:endParaRPr/>
           </a:p>
           <a:p>
             <a:pPr indent="-342900" lvl="0" marL="457200" rtl="0" algn="l">
-              <a:spcBef>
-                <a:spcPts val="1000"/>
+              <a:lnSpc>
+                <a:spcPct val="150000"/>
+              </a:lnSpc>
+              <a:spcBef>
+                <a:spcPts val="0"/>
               </a:spcBef>
               <a:spcAft>
                 <a:spcPts val="0"/>
@@ -15421,8 +17367,112 @@
             </a:pPr>
             <a:r>
               <a:rPr lang="es-ES"/>
-              <a:t>Compare performance with adversarial instances</a:t>
+              <a:t>Sentiment annotation easier than emotion annotation</a:t>
             </a:r>
+            <a:endParaRPr/>
+          </a:p>
+          <a:p>
+            <a:pPr indent="-342900" lvl="0" marL="457200" rtl="0" algn="l">
+              <a:lnSpc>
+                <a:spcPct val="150000"/>
+              </a:lnSpc>
+              <a:spcBef>
+                <a:spcPts val="0"/>
+              </a:spcBef>
+              <a:spcAft>
+                <a:spcPts val="0"/>
+              </a:spcAft>
+              <a:buSzPts val="1800"/>
+              <a:buChar char="●"/>
+            </a:pPr>
+            <a:r>
+              <a:rPr lang="es-ES"/>
+              <a:t>Defining good guidelines is important</a:t>
+            </a:r>
+            <a:endParaRPr/>
+          </a:p>
+          <a:p>
+            <a:pPr indent="-342900" lvl="0" marL="457200" rtl="0" algn="l">
+              <a:lnSpc>
+                <a:spcPct val="150000"/>
+              </a:lnSpc>
+              <a:spcBef>
+                <a:spcPts val="0"/>
+              </a:spcBef>
+              <a:spcAft>
+                <a:spcPts val="0"/>
+              </a:spcAft>
+              <a:buSzPts val="1800"/>
+              <a:buChar char="●"/>
+            </a:pPr>
+            <a:r>
+              <a:rPr lang="es-ES"/>
+              <a:t>Creating good adversarial examples automatically is difficult</a:t>
+            </a:r>
+            <a:endParaRPr/>
+          </a:p>
+          <a:p>
+            <a:pPr indent="-342900" lvl="0" marL="457200" rtl="0" algn="l">
+              <a:lnSpc>
+                <a:spcPct val="150000"/>
+              </a:lnSpc>
+              <a:spcBef>
+                <a:spcPts val="0"/>
+              </a:spcBef>
+              <a:spcAft>
+                <a:spcPts val="0"/>
+              </a:spcAft>
+              <a:buSzPts val="1800"/>
+              <a:buChar char="●"/>
+            </a:pPr>
+            <a:r>
+              <a:rPr lang="es-ES"/>
+              <a:t>Visualization is very helpful to identify patterns</a:t>
+            </a:r>
+            <a:endParaRPr/>
+          </a:p>
+        </p:txBody>
+      </p:sp>
+      <p:sp>
+        <p:nvSpPr>
+          <p:cNvPr id="235" name="Google Shape;235;g111e9305988_0_7"/>
+          <p:cNvSpPr txBox="1"/>
+          <p:nvPr>
+            <p:ph idx="12" type="sldNum"/>
+          </p:nvPr>
+        </p:nvSpPr>
+        <p:spPr>
+          <a:xfrm>
+            <a:off x="8610600" y="6356350"/>
+            <a:ext cx="2743200" cy="365100"/>
+          </a:xfrm>
+          <a:prstGeom prst="rect">
+            <a:avLst/>
+          </a:prstGeom>
+        </p:spPr>
+        <p:txBody>
+          <a:bodyPr anchorCtr="0" anchor="ctr" bIns="45700" lIns="91425" spcFirstLastPara="1" rIns="91425" wrap="square" tIns="45700">
+            <a:noAutofit/>
+          </a:bodyPr>
+          <a:lstStyle/>
+          <a:p>
+            <a:pPr indent="0" lvl="0" marL="0" rtl="0" algn="r">
+              <a:spcBef>
+                <a:spcPts val="0"/>
+              </a:spcBef>
+              <a:spcAft>
+                <a:spcPts val="0"/>
+              </a:spcAft>
+              <a:buClr>
+                <a:srgbClr val="000000"/>
+              </a:buClr>
+              <a:buFont typeface="Arial"/>
+              <a:buNone/>
+            </a:pPr>
+            <a:fld id="{00000000-1234-1234-1234-123412341234}" type="slidenum">
+              <a:rPr lang="es-ES"/>
+              <a:t>‹#›</a:t>
+            </a:fld>
             <a:endParaRPr/>
           </a:p>
         </p:txBody>
@@ -15435,12 +17485,12 @@
 </p:sld>
 </file>
 
-<file path=ppt/slides/slide5.xml><?xml version="1.0" encoding="utf-8"?>
+<file path=ppt/slides/slide3.xml><?xml version="1.0" encoding="utf-8"?>
 <p:sld xmlns:a="http://schemas.openxmlformats.org/drawingml/2006/main" xmlns:r="http://schemas.openxmlformats.org/officeDocument/2006/relationships" xmlns:mc="http://schemas.openxmlformats.org/markup-compatibility/2006" xmlns:mv="urn:schemas-microsoft-com:mac:vml" xmlns:p="http://schemas.openxmlformats.org/presentationml/2006/main" xmlns:c="http://schemas.openxmlformats.org/drawingml/2006/chart" xmlns:dgm="http://schemas.openxmlformats.org/drawingml/2006/diagram" xmlns:o="urn:schemas-microsoft-com:office:office" xmlns:v="urn:schemas-microsoft-com:vml" xmlns:pvml="urn:schemas-microsoft-com:office:powerpoint" xmlns:com="http://schemas.openxmlformats.org/drawingml/2006/compatibility" xmlns:p14="http://schemas.microsoft.com/office/powerpoint/2010/main" xmlns:p15="http://schemas.microsoft.com/office/powerpoint/2012/main" xmlns:ahyp="http://schemas.microsoft.com/office/drawing/2018/hyperlinkcolor">
   <p:cSld>
     <p:spTree>
       <p:nvGrpSpPr>
-        <p:cNvPr id="107" name="Shape 107"/>
+        <p:cNvPr id="97" name="Shape 97"/>
         <p:cNvGrpSpPr/>
         <p:nvPr/>
       </p:nvGrpSpPr>
@@ -15454,7 +17504,7 @@
       </p:grpSpPr>
       <p:sp>
         <p:nvSpPr>
-          <p:cNvPr id="108" name="Google Shape;108;g112e57bf82a_0_20"/>
+          <p:cNvPr id="98" name="Google Shape;98;g111e9305988_0_30"/>
           <p:cNvSpPr txBox="1"/>
           <p:nvPr>
             <p:ph type="title"/>
@@ -15486,7 +17536,7 @@
             </a:pPr>
             <a:r>
               <a:rPr lang="es-ES"/>
-              <a:t>Methodology</a:t>
+              <a:t>Index</a:t>
             </a:r>
             <a:endParaRPr/>
           </a:p>
@@ -15494,7 +17544,320 @@
       </p:sp>
       <p:sp>
         <p:nvSpPr>
-          <p:cNvPr id="109" name="Google Shape;109;g112e57bf82a_0_20"/>
+          <p:cNvPr id="99" name="Google Shape;99;g111e9305988_0_30"/>
+          <p:cNvSpPr txBox="1"/>
+          <p:nvPr>
+            <p:ph idx="1" type="body"/>
+          </p:nvPr>
+        </p:nvSpPr>
+        <p:spPr>
+          <a:xfrm>
+            <a:off x="838200" y="1825625"/>
+            <a:ext cx="10515600" cy="4351200"/>
+          </a:xfrm>
+          <a:prstGeom prst="rect">
+            <a:avLst/>
+          </a:prstGeom>
+        </p:spPr>
+        <p:txBody>
+          <a:bodyPr anchorCtr="0" anchor="t" bIns="45700" lIns="91425" spcFirstLastPara="1" rIns="91425" wrap="square" tIns="45700">
+            <a:normAutofit fontScale="85000" lnSpcReduction="20000"/>
+          </a:bodyPr>
+          <a:lstStyle/>
+          <a:p>
+            <a:pPr indent="-325755" lvl="0" marL="457200" rtl="0" algn="l">
+              <a:lnSpc>
+                <a:spcPct val="150000"/>
+              </a:lnSpc>
+              <a:spcBef>
+                <a:spcPts val="1000"/>
+              </a:spcBef>
+              <a:spcAft>
+                <a:spcPts val="0"/>
+              </a:spcAft>
+              <a:buSzPct val="64285"/>
+              <a:buChar char="●"/>
+            </a:pPr>
+            <a:r>
+              <a:rPr lang="es-ES"/>
+              <a:t>Description</a:t>
+            </a:r>
+            <a:endParaRPr/>
+          </a:p>
+          <a:p>
+            <a:pPr indent="-325755" lvl="0" marL="457200" rtl="0" algn="l">
+              <a:lnSpc>
+                <a:spcPct val="150000"/>
+              </a:lnSpc>
+              <a:spcBef>
+                <a:spcPts val="0"/>
+              </a:spcBef>
+              <a:spcAft>
+                <a:spcPts val="0"/>
+              </a:spcAft>
+              <a:buSzPct val="64285"/>
+              <a:buChar char="●"/>
+            </a:pPr>
+            <a:r>
+              <a:rPr lang="es-ES"/>
+              <a:t>Methodology</a:t>
+            </a:r>
+            <a:endParaRPr/>
+          </a:p>
+          <a:p>
+            <a:pPr indent="-325755" lvl="0" marL="457200" rtl="0" algn="l">
+              <a:lnSpc>
+                <a:spcPct val="150000"/>
+              </a:lnSpc>
+              <a:spcBef>
+                <a:spcPts val="0"/>
+              </a:spcBef>
+              <a:spcAft>
+                <a:spcPts val="0"/>
+              </a:spcAft>
+              <a:buSzPct val="64285"/>
+              <a:buChar char="●"/>
+            </a:pPr>
+            <a:r>
+              <a:rPr lang="es-ES"/>
+              <a:t>Data Statement</a:t>
+            </a:r>
+            <a:endParaRPr/>
+          </a:p>
+          <a:p>
+            <a:pPr indent="-325755" lvl="0" marL="457200" rtl="0" algn="l">
+              <a:lnSpc>
+                <a:spcPct val="150000"/>
+              </a:lnSpc>
+              <a:spcBef>
+                <a:spcPts val="0"/>
+              </a:spcBef>
+              <a:spcAft>
+                <a:spcPts val="0"/>
+              </a:spcAft>
+              <a:buSzPct val="64285"/>
+              <a:buChar char="●"/>
+            </a:pPr>
+            <a:r>
+              <a:rPr lang="es-ES"/>
+              <a:t>License</a:t>
+            </a:r>
+            <a:endParaRPr/>
+          </a:p>
+          <a:p>
+            <a:pPr indent="-325755" lvl="0" marL="457200" rtl="0" algn="l">
+              <a:lnSpc>
+                <a:spcPct val="150000"/>
+              </a:lnSpc>
+              <a:spcBef>
+                <a:spcPts val="0"/>
+              </a:spcBef>
+              <a:spcAft>
+                <a:spcPts val="0"/>
+              </a:spcAft>
+              <a:buSzPct val="64285"/>
+              <a:buChar char="●"/>
+            </a:pPr>
+            <a:r>
+              <a:rPr lang="es-ES"/>
+              <a:t>Guidelines</a:t>
+            </a:r>
+            <a:endParaRPr/>
+          </a:p>
+          <a:p>
+            <a:pPr indent="-325755" lvl="0" marL="457200" rtl="0" algn="l">
+              <a:lnSpc>
+                <a:spcPct val="150000"/>
+              </a:lnSpc>
+              <a:spcBef>
+                <a:spcPts val="0"/>
+              </a:spcBef>
+              <a:spcAft>
+                <a:spcPts val="0"/>
+              </a:spcAft>
+              <a:buSzPct val="64285"/>
+              <a:buChar char="●"/>
+            </a:pPr>
+            <a:r>
+              <a:rPr lang="es-ES"/>
+              <a:t>Inter Annotator Agreement</a:t>
+            </a:r>
+            <a:endParaRPr/>
+          </a:p>
+          <a:p>
+            <a:pPr indent="-325755" lvl="0" marL="457200" rtl="0" algn="l">
+              <a:lnSpc>
+                <a:spcPct val="150000"/>
+              </a:lnSpc>
+              <a:spcBef>
+                <a:spcPts val="0"/>
+              </a:spcBef>
+              <a:spcAft>
+                <a:spcPts val="0"/>
+              </a:spcAft>
+              <a:buSzPct val="64285"/>
+              <a:buChar char="●"/>
+            </a:pPr>
+            <a:r>
+              <a:rPr lang="es-ES"/>
+              <a:t>Adversarial examples</a:t>
+            </a:r>
+            <a:endParaRPr/>
+          </a:p>
+          <a:p>
+            <a:pPr indent="-325755" lvl="0" marL="457200" rtl="0" algn="l">
+              <a:lnSpc>
+                <a:spcPct val="150000"/>
+              </a:lnSpc>
+              <a:spcBef>
+                <a:spcPts val="0"/>
+              </a:spcBef>
+              <a:spcAft>
+                <a:spcPts val="0"/>
+              </a:spcAft>
+              <a:buSzPct val="64285"/>
+              <a:buChar char="●"/>
+            </a:pPr>
+            <a:r>
+              <a:rPr lang="es-ES"/>
+              <a:t>Automatic analysis</a:t>
+            </a:r>
+            <a:endParaRPr/>
+          </a:p>
+          <a:p>
+            <a:pPr indent="-325755" lvl="0" marL="457200" rtl="0" algn="l">
+              <a:lnSpc>
+                <a:spcPct val="150000"/>
+              </a:lnSpc>
+              <a:spcBef>
+                <a:spcPts val="0"/>
+              </a:spcBef>
+              <a:spcAft>
+                <a:spcPts val="0"/>
+              </a:spcAft>
+              <a:buSzPct val="64285"/>
+              <a:buChar char="●"/>
+            </a:pPr>
+            <a:r>
+              <a:rPr lang="es-ES"/>
+              <a:t>Conclusions</a:t>
+            </a:r>
+            <a:endParaRPr/>
+          </a:p>
+        </p:txBody>
+      </p:sp>
+      <p:sp>
+        <p:nvSpPr>
+          <p:cNvPr id="100" name="Google Shape;100;g111e9305988_0_30"/>
+          <p:cNvSpPr txBox="1"/>
+          <p:nvPr>
+            <p:ph idx="12" type="sldNum"/>
+          </p:nvPr>
+        </p:nvSpPr>
+        <p:spPr>
+          <a:xfrm>
+            <a:off x="8610600" y="6356350"/>
+            <a:ext cx="2743200" cy="365100"/>
+          </a:xfrm>
+          <a:prstGeom prst="rect">
+            <a:avLst/>
+          </a:prstGeom>
+        </p:spPr>
+        <p:txBody>
+          <a:bodyPr anchorCtr="0" anchor="ctr" bIns="45700" lIns="91425" spcFirstLastPara="1" rIns="91425" wrap="square" tIns="45700">
+            <a:noAutofit/>
+          </a:bodyPr>
+          <a:lstStyle/>
+          <a:p>
+            <a:pPr indent="0" lvl="0" marL="0" rtl="0" algn="r">
+              <a:spcBef>
+                <a:spcPts val="0"/>
+              </a:spcBef>
+              <a:spcAft>
+                <a:spcPts val="0"/>
+              </a:spcAft>
+              <a:buClr>
+                <a:srgbClr val="000000"/>
+              </a:buClr>
+              <a:buFont typeface="Arial"/>
+              <a:buNone/>
+            </a:pPr>
+            <a:fld id="{00000000-1234-1234-1234-123412341234}" type="slidenum">
+              <a:rPr lang="es-ES"/>
+              <a:t>‹#›</a:t>
+            </a:fld>
+            <a:endParaRPr/>
+          </a:p>
+        </p:txBody>
+      </p:sp>
+    </p:spTree>
+  </p:cSld>
+  <p:clrMapOvr>
+    <a:masterClrMapping/>
+  </p:clrMapOvr>
+</p:sld>
+</file>
+
+<file path=ppt/slides/slide4.xml><?xml version="1.0" encoding="utf-8"?>
+<p:sld xmlns:a="http://schemas.openxmlformats.org/drawingml/2006/main" xmlns:r="http://schemas.openxmlformats.org/officeDocument/2006/relationships" xmlns:mc="http://schemas.openxmlformats.org/markup-compatibility/2006" xmlns:mv="urn:schemas-microsoft-com:mac:vml" xmlns:p="http://schemas.openxmlformats.org/presentationml/2006/main" xmlns:c="http://schemas.openxmlformats.org/drawingml/2006/chart" xmlns:dgm="http://schemas.openxmlformats.org/drawingml/2006/diagram" xmlns:o="urn:schemas-microsoft-com:office:office" xmlns:v="urn:schemas-microsoft-com:vml" xmlns:pvml="urn:schemas-microsoft-com:office:powerpoint" xmlns:com="http://schemas.openxmlformats.org/drawingml/2006/compatibility" xmlns:p14="http://schemas.microsoft.com/office/powerpoint/2010/main" xmlns:p15="http://schemas.microsoft.com/office/powerpoint/2012/main" xmlns:ahyp="http://schemas.microsoft.com/office/drawing/2018/hyperlinkcolor">
+  <p:cSld>
+    <p:spTree>
+      <p:nvGrpSpPr>
+        <p:cNvPr id="104" name="Shape 104"/>
+        <p:cNvGrpSpPr/>
+        <p:nvPr/>
+      </p:nvGrpSpPr>
+      <p:grpSpPr>
+        <a:xfrm>
+          <a:off x="0" y="0"/>
+          <a:ext cx="0" cy="0"/>
+          <a:chOff x="0" y="0"/>
+          <a:chExt cx="0" cy="0"/>
+        </a:xfrm>
+      </p:grpSpPr>
+      <p:sp>
+        <p:nvSpPr>
+          <p:cNvPr id="105" name="Google Shape;105;g112e57bf82a_0_10"/>
+          <p:cNvSpPr txBox="1"/>
+          <p:nvPr>
+            <p:ph type="title"/>
+          </p:nvPr>
+        </p:nvSpPr>
+        <p:spPr>
+          <a:xfrm>
+            <a:off x="838200" y="365125"/>
+            <a:ext cx="10515600" cy="1325700"/>
+          </a:xfrm>
+          <a:prstGeom prst="rect">
+            <a:avLst/>
+          </a:prstGeom>
+        </p:spPr>
+        <p:txBody>
+          <a:bodyPr anchorCtr="0" anchor="ctr" bIns="45700" lIns="91425" spcFirstLastPara="1" rIns="91425" wrap="square" tIns="45700">
+            <a:normAutofit/>
+          </a:bodyPr>
+          <a:lstStyle/>
+          <a:p>
+            <a:pPr indent="0" lvl="0" marL="0" rtl="0" algn="l">
+              <a:spcBef>
+                <a:spcPts val="0"/>
+              </a:spcBef>
+              <a:spcAft>
+                <a:spcPts val="0"/>
+              </a:spcAft>
+              <a:buNone/>
+            </a:pPr>
+            <a:r>
+              <a:rPr lang="es-ES"/>
+              <a:t>Description</a:t>
+            </a:r>
+            <a:endParaRPr/>
+          </a:p>
+        </p:txBody>
+      </p:sp>
+      <p:sp>
+        <p:nvSpPr>
+          <p:cNvPr id="106" name="Google Shape;106;g112e57bf82a_0_10"/>
           <p:cNvSpPr txBox="1"/>
           <p:nvPr>
             <p:ph idx="1" type="body"/>
@@ -15516,6 +17879,9 @@
           <a:lstStyle/>
           <a:p>
             <a:pPr indent="-342900" lvl="0" marL="457200" rtl="0" algn="l">
+              <a:lnSpc>
+                <a:spcPct val="150000"/>
+              </a:lnSpc>
               <a:spcBef>
                 <a:spcPts val="1000"/>
               </a:spcBef>
@@ -15523,125 +17889,156 @@
                 <a:spcPts val="0"/>
               </a:spcAft>
               <a:buSzPts val="1800"/>
-              <a:buChar char="•"/>
+              <a:buChar char="●"/>
             </a:pPr>
             <a:r>
               <a:rPr lang="es-ES"/>
-              <a:t>140 tweets</a:t>
-            </a:r>
-            <a:endParaRPr/>
-          </a:p>
-          <a:p>
-            <a:pPr indent="0" lvl="0" marL="457200" rtl="0" algn="l">
-              <a:spcBef>
-                <a:spcPts val="1000"/>
-              </a:spcBef>
-              <a:spcAft>
-                <a:spcPts val="0"/>
-              </a:spcAft>
-              <a:buNone/>
-            </a:pPr>
-            <a:r>
-              <a:t/>
+              <a:t>140 monolingual tweets in English</a:t>
             </a:r>
             <a:endParaRPr/>
           </a:p>
           <a:p>
             <a:pPr indent="-342900" lvl="0" marL="457200" rtl="0" algn="l">
-              <a:spcBef>
-                <a:spcPts val="1000"/>
+              <a:lnSpc>
+                <a:spcPct val="150000"/>
+              </a:lnSpc>
+              <a:spcBef>
+                <a:spcPts val="0"/>
               </a:spcBef>
               <a:spcAft>
                 <a:spcPts val="0"/>
               </a:spcAft>
               <a:buSzPts val="1800"/>
-              <a:buChar char="•"/>
+              <a:buChar char="●"/>
             </a:pPr>
             <a:r>
               <a:rPr lang="es-ES"/>
-              <a:t>Exclude retweets, replies, quotes, links</a:t>
-            </a:r>
-            <a:endParaRPr/>
-          </a:p>
-          <a:p>
-            <a:pPr indent="-342900" lvl="1" marL="914400" rtl="0" algn="l">
-              <a:spcBef>
-                <a:spcPts val="0"/>
-              </a:spcBef>
-              <a:spcAft>
-                <a:spcPts val="0"/>
-              </a:spcAft>
-              <a:buSzPts val="1800"/>
-              <a:buChar char="•"/>
-            </a:pPr>
-            <a:r>
-              <a:rPr lang="es-ES"/>
-              <a:t>To get better tweets and avoid spams</a:t>
-            </a:r>
-            <a:endParaRPr/>
-          </a:p>
-          <a:p>
-            <a:pPr indent="0" lvl="0" marL="0" rtl="0" algn="l">
-              <a:spcBef>
-                <a:spcPts val="1000"/>
-              </a:spcBef>
-              <a:spcAft>
-                <a:spcPts val="0"/>
-              </a:spcAft>
-              <a:buNone/>
-            </a:pPr>
-            <a:r>
-              <a:t/>
+              <a:t>Topic: Technology</a:t>
             </a:r>
             <a:endParaRPr/>
           </a:p>
           <a:p>
             <a:pPr indent="-342900" lvl="0" marL="457200" rtl="0" algn="l">
-              <a:spcBef>
-                <a:spcPts val="1000"/>
+              <a:lnSpc>
+                <a:spcPct val="150000"/>
+              </a:lnSpc>
+              <a:spcBef>
+                <a:spcPts val="0"/>
               </a:spcBef>
               <a:spcAft>
                 <a:spcPts val="0"/>
               </a:spcAft>
               <a:buSzPts val="1800"/>
-              <a:buChar char="•"/>
+              <a:buChar char="●"/>
             </a:pPr>
             <a:r>
               <a:rPr lang="es-ES"/>
-              <a:t>20 annotations in common + 40 individually</a:t>
-            </a:r>
-            <a:endParaRPr/>
-          </a:p>
-          <a:p>
-            <a:pPr indent="0" lvl="0" marL="457200" rtl="0" algn="l">
-              <a:spcBef>
-                <a:spcPts val="1000"/>
-              </a:spcBef>
-              <a:spcAft>
-                <a:spcPts val="0"/>
-              </a:spcAft>
-              <a:buNone/>
-            </a:pPr>
-            <a:r>
-              <a:t/>
+              <a:t>Sentiment analysis (positive, negative, neutral)</a:t>
             </a:r>
             <a:endParaRPr/>
           </a:p>
           <a:p>
             <a:pPr indent="-342900" lvl="0" marL="457200" rtl="0" algn="l">
-              <a:spcBef>
-                <a:spcPts val="1000"/>
+              <a:lnSpc>
+                <a:spcPct val="150000"/>
+              </a:lnSpc>
+              <a:spcBef>
+                <a:spcPts val="0"/>
               </a:spcBef>
               <a:spcAft>
                 <a:spcPts val="0"/>
               </a:spcAft>
               <a:buSzPts val="1800"/>
-              <a:buChar char="•"/>
+              <a:buChar char="●"/>
             </a:pPr>
             <a:r>
               <a:rPr lang="es-ES"/>
-              <a:t>Compare with automatic annotations</a:t>
+              <a:t>Emotion detection (joy, sadness, anger, optimism)</a:t>
             </a:r>
+            <a:endParaRPr/>
+          </a:p>
+          <a:p>
+            <a:pPr indent="-342900" lvl="0" marL="457200" rtl="0" algn="l">
+              <a:lnSpc>
+                <a:spcPct val="150000"/>
+              </a:lnSpc>
+              <a:spcBef>
+                <a:spcPts val="0"/>
+              </a:spcBef>
+              <a:spcAft>
+                <a:spcPts val="0"/>
+              </a:spcAft>
+              <a:buSzPts val="1800"/>
+              <a:buChar char="●"/>
+            </a:pPr>
+            <a:r>
+              <a:rPr lang="es-ES"/>
+              <a:t>Automatic and manual annotation</a:t>
+            </a:r>
+            <a:endParaRPr/>
+          </a:p>
+          <a:p>
+            <a:pPr indent="-342900" lvl="0" marL="457200" rtl="0" algn="l">
+              <a:lnSpc>
+                <a:spcPct val="150000"/>
+              </a:lnSpc>
+              <a:spcBef>
+                <a:spcPts val="0"/>
+              </a:spcBef>
+              <a:spcAft>
+                <a:spcPts val="0"/>
+              </a:spcAft>
+              <a:buSzPts val="1800"/>
+              <a:buChar char="●"/>
+            </a:pPr>
+            <a:r>
+              <a:rPr lang="es-ES"/>
+              <a:t>Regular text and adversarial text</a:t>
+            </a:r>
+            <a:endParaRPr/>
+          </a:p>
+        </p:txBody>
+      </p:sp>
+      <p:sp>
+        <p:nvSpPr>
+          <p:cNvPr id="107" name="Google Shape;107;g112e57bf82a_0_10"/>
+          <p:cNvSpPr txBox="1"/>
+          <p:nvPr>
+            <p:ph idx="12" type="sldNum"/>
+          </p:nvPr>
+        </p:nvSpPr>
+        <p:spPr>
+          <a:xfrm>
+            <a:off x="8610600" y="6356350"/>
+            <a:ext cx="2743200" cy="365100"/>
+          </a:xfrm>
+          <a:prstGeom prst="rect">
+            <a:avLst/>
+          </a:prstGeom>
+        </p:spPr>
+        <p:txBody>
+          <a:bodyPr anchorCtr="0" anchor="ctr" bIns="45700" lIns="91425" spcFirstLastPara="1" rIns="91425" wrap="square" tIns="45700">
+            <a:noAutofit/>
+          </a:bodyPr>
+          <a:lstStyle/>
+          <a:p>
+            <a:pPr indent="0" lvl="0" marL="0" rtl="0" algn="r">
+              <a:spcBef>
+                <a:spcPts val="0"/>
+              </a:spcBef>
+              <a:spcAft>
+                <a:spcPts val="0"/>
+              </a:spcAft>
+              <a:buClr>
+                <a:srgbClr val="000000"/>
+              </a:buClr>
+              <a:buFont typeface="Arial"/>
+              <a:buNone/>
+            </a:pPr>
+            <a:fld id="{00000000-1234-1234-1234-123412341234}" type="slidenum">
+              <a:rPr lang="es-ES"/>
+              <a:t>‹#›</a:t>
+            </a:fld>
             <a:endParaRPr/>
           </a:p>
         </p:txBody>
@@ -15654,12 +18051,12 @@
 </p:sld>
 </file>
 
-<file path=ppt/slides/slide6.xml><?xml version="1.0" encoding="utf-8"?>
+<file path=ppt/slides/slide5.xml><?xml version="1.0" encoding="utf-8"?>
 <p:sld xmlns:a="http://schemas.openxmlformats.org/drawingml/2006/main" xmlns:r="http://schemas.openxmlformats.org/officeDocument/2006/relationships" xmlns:mc="http://schemas.openxmlformats.org/markup-compatibility/2006" xmlns:mv="urn:schemas-microsoft-com:mac:vml" xmlns:p="http://schemas.openxmlformats.org/presentationml/2006/main" xmlns:c="http://schemas.openxmlformats.org/drawingml/2006/chart" xmlns:dgm="http://schemas.openxmlformats.org/drawingml/2006/diagram" xmlns:o="urn:schemas-microsoft-com:office:office" xmlns:v="urn:schemas-microsoft-com:vml" xmlns:pvml="urn:schemas-microsoft-com:office:powerpoint" xmlns:com="http://schemas.openxmlformats.org/drawingml/2006/compatibility" xmlns:p14="http://schemas.microsoft.com/office/powerpoint/2010/main" xmlns:p15="http://schemas.microsoft.com/office/powerpoint/2012/main" xmlns:ahyp="http://schemas.microsoft.com/office/drawing/2018/hyperlinkcolor">
   <p:cSld>
     <p:spTree>
       <p:nvGrpSpPr>
-        <p:cNvPr id="113" name="Shape 113"/>
+        <p:cNvPr id="111" name="Shape 111"/>
         <p:cNvGrpSpPr/>
         <p:nvPr/>
       </p:nvGrpSpPr>
@@ -15673,7 +18070,7 @@
       </p:grpSpPr>
       <p:sp>
         <p:nvSpPr>
-          <p:cNvPr id="114" name="Google Shape;114;g112e57bf82a_0_25"/>
+          <p:cNvPr id="112" name="Google Shape;112;g112e57bf82a_0_20"/>
           <p:cNvSpPr txBox="1"/>
           <p:nvPr>
             <p:ph type="title"/>
@@ -15713,7 +18110,2044 @@
       </p:sp>
       <p:sp>
         <p:nvSpPr>
-          <p:cNvPr id="115" name="Google Shape;115;g112e57bf82a_0_25"/>
+          <p:cNvPr id="113" name="Google Shape;113;g112e57bf82a_0_20"/>
+          <p:cNvSpPr txBox="1"/>
+          <p:nvPr>
+            <p:ph idx="1" type="body"/>
+          </p:nvPr>
+        </p:nvSpPr>
+        <p:spPr>
+          <a:xfrm>
+            <a:off x="838200" y="1847988"/>
+            <a:ext cx="10515600" cy="4351200"/>
+          </a:xfrm>
+          <a:prstGeom prst="rect">
+            <a:avLst/>
+          </a:prstGeom>
+        </p:spPr>
+        <p:txBody>
+          <a:bodyPr anchorCtr="0" anchor="t" bIns="45700" lIns="91425" spcFirstLastPara="1" rIns="91425" wrap="square" tIns="45700">
+            <a:normAutofit/>
+          </a:bodyPr>
+          <a:lstStyle/>
+          <a:p>
+            <a:pPr indent="-342900" lvl="0" marL="457200" rtl="0" algn="l">
+              <a:lnSpc>
+                <a:spcPct val="150000"/>
+              </a:lnSpc>
+              <a:spcBef>
+                <a:spcPts val="1000"/>
+              </a:spcBef>
+              <a:spcAft>
+                <a:spcPts val="0"/>
+              </a:spcAft>
+              <a:buSzPts val="1800"/>
+              <a:buChar char="●"/>
+            </a:pPr>
+            <a:r>
+              <a:rPr lang="es-ES"/>
+              <a:t>140 tweets about technology</a:t>
+            </a:r>
+            <a:endParaRPr/>
+          </a:p>
+          <a:p>
+            <a:pPr indent="-342900" lvl="0" marL="457200" rtl="0" algn="l">
+              <a:lnSpc>
+                <a:spcPct val="150000"/>
+              </a:lnSpc>
+              <a:spcBef>
+                <a:spcPts val="0"/>
+              </a:spcBef>
+              <a:spcAft>
+                <a:spcPts val="0"/>
+              </a:spcAft>
+              <a:buSzPts val="1800"/>
+              <a:buChar char="●"/>
+            </a:pPr>
+            <a:r>
+              <a:rPr lang="es-ES"/>
+              <a:t>Exclude retweets, replies, quotes, links to avoid repetitions or spam</a:t>
+            </a:r>
+            <a:endParaRPr/>
+          </a:p>
+          <a:p>
+            <a:pPr indent="-342900" lvl="0" marL="457200" rtl="0" algn="l">
+              <a:lnSpc>
+                <a:spcPct val="150000"/>
+              </a:lnSpc>
+              <a:spcBef>
+                <a:spcPts val="0"/>
+              </a:spcBef>
+              <a:spcAft>
+                <a:spcPts val="0"/>
+              </a:spcAft>
+              <a:buSzPts val="1800"/>
+              <a:buChar char="●"/>
+            </a:pPr>
+            <a:r>
+              <a:rPr lang="es-ES"/>
+              <a:t>20 annotations in common for ITA and guidelines</a:t>
+            </a:r>
+            <a:endParaRPr/>
+          </a:p>
+          <a:p>
+            <a:pPr indent="-342900" lvl="0" marL="457200" rtl="0" algn="l">
+              <a:lnSpc>
+                <a:spcPct val="150000"/>
+              </a:lnSpc>
+              <a:spcBef>
+                <a:spcPts val="0"/>
+              </a:spcBef>
+              <a:spcAft>
+                <a:spcPts val="0"/>
+              </a:spcAft>
+              <a:buSzPts val="1800"/>
+              <a:buChar char="●"/>
+            </a:pPr>
+            <a:r>
+              <a:rPr lang="es-ES"/>
+              <a:t>40 annotations individually after deciding guidelines</a:t>
+            </a:r>
+            <a:endParaRPr/>
+          </a:p>
+          <a:p>
+            <a:pPr indent="-342900" lvl="0" marL="457200" rtl="0" algn="l">
+              <a:lnSpc>
+                <a:spcPct val="150000"/>
+              </a:lnSpc>
+              <a:spcBef>
+                <a:spcPts val="0"/>
+              </a:spcBef>
+              <a:spcAft>
+                <a:spcPts val="0"/>
+              </a:spcAft>
+              <a:buSzPts val="1800"/>
+              <a:buChar char="●"/>
+            </a:pPr>
+            <a:r>
+              <a:rPr lang="es-ES"/>
+              <a:t>Compare manual and automatic annotations</a:t>
+            </a:r>
+            <a:endParaRPr/>
+          </a:p>
+          <a:p>
+            <a:pPr indent="-342900" lvl="0" marL="457200" rtl="0" algn="l">
+              <a:lnSpc>
+                <a:spcPct val="150000"/>
+              </a:lnSpc>
+              <a:spcBef>
+                <a:spcPts val="0"/>
+              </a:spcBef>
+              <a:spcAft>
+                <a:spcPts val="0"/>
+              </a:spcAft>
+              <a:buSzPts val="1800"/>
+              <a:buChar char="●"/>
+            </a:pPr>
+            <a:r>
+              <a:rPr lang="es-ES"/>
+              <a:t>Compare automatic annotations of adversarial examples</a:t>
+            </a:r>
+            <a:endParaRPr/>
+          </a:p>
+        </p:txBody>
+      </p:sp>
+      <p:sp>
+        <p:nvSpPr>
+          <p:cNvPr id="114" name="Google Shape;114;g112e57bf82a_0_20"/>
+          <p:cNvSpPr txBox="1"/>
+          <p:nvPr>
+            <p:ph idx="12" type="sldNum"/>
+          </p:nvPr>
+        </p:nvSpPr>
+        <p:spPr>
+          <a:xfrm>
+            <a:off x="8610600" y="6356350"/>
+            <a:ext cx="2743200" cy="365100"/>
+          </a:xfrm>
+          <a:prstGeom prst="rect">
+            <a:avLst/>
+          </a:prstGeom>
+        </p:spPr>
+        <p:txBody>
+          <a:bodyPr anchorCtr="0" anchor="ctr" bIns="45700" lIns="91425" spcFirstLastPara="1" rIns="91425" wrap="square" tIns="45700">
+            <a:noAutofit/>
+          </a:bodyPr>
+          <a:lstStyle/>
+          <a:p>
+            <a:pPr indent="0" lvl="0" marL="0" rtl="0" algn="r">
+              <a:spcBef>
+                <a:spcPts val="0"/>
+              </a:spcBef>
+              <a:spcAft>
+                <a:spcPts val="0"/>
+              </a:spcAft>
+              <a:buClr>
+                <a:srgbClr val="000000"/>
+              </a:buClr>
+              <a:buFont typeface="Arial"/>
+              <a:buNone/>
+            </a:pPr>
+            <a:fld id="{00000000-1234-1234-1234-123412341234}" type="slidenum">
+              <a:rPr lang="es-ES"/>
+              <a:t>‹#›</a:t>
+            </a:fld>
+            <a:endParaRPr/>
+          </a:p>
+        </p:txBody>
+      </p:sp>
+    </p:spTree>
+  </p:cSld>
+  <p:clrMapOvr>
+    <a:masterClrMapping/>
+  </p:clrMapOvr>
+</p:sld>
+</file>
+
+<file path=ppt/slides/slide6.xml><?xml version="1.0" encoding="utf-8"?>
+<p:sld xmlns:a="http://schemas.openxmlformats.org/drawingml/2006/main" xmlns:r="http://schemas.openxmlformats.org/officeDocument/2006/relationships" xmlns:mc="http://schemas.openxmlformats.org/markup-compatibility/2006" xmlns:mv="urn:schemas-microsoft-com:mac:vml" xmlns:p="http://schemas.openxmlformats.org/presentationml/2006/main" xmlns:c="http://schemas.openxmlformats.org/drawingml/2006/chart" xmlns:dgm="http://schemas.openxmlformats.org/drawingml/2006/diagram" xmlns:o="urn:schemas-microsoft-com:office:office" xmlns:v="urn:schemas-microsoft-com:vml" xmlns:pvml="urn:schemas-microsoft-com:office:powerpoint" xmlns:com="http://schemas.openxmlformats.org/drawingml/2006/compatibility" xmlns:p14="http://schemas.microsoft.com/office/powerpoint/2010/main" xmlns:p15="http://schemas.microsoft.com/office/powerpoint/2012/main" xmlns:ahyp="http://schemas.microsoft.com/office/drawing/2018/hyperlinkcolor">
+  <p:cSld>
+    <p:spTree>
+      <p:nvGrpSpPr>
+        <p:cNvPr id="118" name="Shape 118"/>
+        <p:cNvGrpSpPr/>
+        <p:nvPr/>
+      </p:nvGrpSpPr>
+      <p:grpSpPr>
+        <a:xfrm>
+          <a:off x="0" y="0"/>
+          <a:ext cx="0" cy="0"/>
+          <a:chOff x="0" y="0"/>
+          <a:chExt cx="0" cy="0"/>
+        </a:xfrm>
+      </p:grpSpPr>
+      <p:sp>
+        <p:nvSpPr>
+          <p:cNvPr id="119" name="Google Shape;119;g111e9305988_0_36"/>
+          <p:cNvSpPr txBox="1"/>
+          <p:nvPr>
+            <p:ph type="title"/>
+          </p:nvPr>
+        </p:nvSpPr>
+        <p:spPr>
+          <a:xfrm>
+            <a:off x="838200" y="365125"/>
+            <a:ext cx="10515600" cy="1325700"/>
+          </a:xfrm>
+          <a:prstGeom prst="rect">
+            <a:avLst/>
+          </a:prstGeom>
+        </p:spPr>
+        <p:txBody>
+          <a:bodyPr anchorCtr="0" anchor="ctr" bIns="45700" lIns="91425" spcFirstLastPara="1" rIns="91425" wrap="square" tIns="45700">
+            <a:normAutofit/>
+          </a:bodyPr>
+          <a:lstStyle/>
+          <a:p>
+            <a:pPr indent="0" lvl="0" marL="0" rtl="0" algn="l">
+              <a:spcBef>
+                <a:spcPts val="0"/>
+              </a:spcBef>
+              <a:spcAft>
+                <a:spcPts val="0"/>
+              </a:spcAft>
+              <a:buNone/>
+            </a:pPr>
+            <a:r>
+              <a:rPr lang="es-ES"/>
+              <a:t>Data Statement</a:t>
+            </a:r>
+            <a:endParaRPr/>
+          </a:p>
+        </p:txBody>
+      </p:sp>
+      <p:sp>
+        <p:nvSpPr>
+          <p:cNvPr id="120" name="Google Shape;120;g111e9305988_0_36"/>
+          <p:cNvSpPr txBox="1"/>
+          <p:nvPr>
+            <p:ph idx="12" type="sldNum"/>
+          </p:nvPr>
+        </p:nvSpPr>
+        <p:spPr>
+          <a:xfrm>
+            <a:off x="8610600" y="6356350"/>
+            <a:ext cx="2743200" cy="365100"/>
+          </a:xfrm>
+          <a:prstGeom prst="rect">
+            <a:avLst/>
+          </a:prstGeom>
+        </p:spPr>
+        <p:txBody>
+          <a:bodyPr anchorCtr="0" anchor="ctr" bIns="45700" lIns="91425" spcFirstLastPara="1" rIns="91425" wrap="square" tIns="45700">
+            <a:noAutofit/>
+          </a:bodyPr>
+          <a:lstStyle/>
+          <a:p>
+            <a:pPr indent="0" lvl="0" marL="0" rtl="0" algn="r">
+              <a:spcBef>
+                <a:spcPts val="0"/>
+              </a:spcBef>
+              <a:spcAft>
+                <a:spcPts val="0"/>
+              </a:spcAft>
+              <a:buClr>
+                <a:srgbClr val="000000"/>
+              </a:buClr>
+              <a:buFont typeface="Arial"/>
+              <a:buNone/>
+            </a:pPr>
+            <a:fld id="{00000000-1234-1234-1234-123412341234}" type="slidenum">
+              <a:rPr lang="es-ES"/>
+              <a:t>‹#›</a:t>
+            </a:fld>
+            <a:endParaRPr/>
+          </a:p>
+        </p:txBody>
+      </p:sp>
+      <p:graphicFrame>
+        <p:nvGraphicFramePr>
+          <p:cNvPr id="121" name="Google Shape;121;g111e9305988_0_36"/>
+          <p:cNvGraphicFramePr/>
+          <p:nvPr/>
+        </p:nvGraphicFramePr>
+        <p:xfrm>
+          <a:off x="444700" y="1472465"/>
+          <a:ext cx="3000000" cy="3000000"/>
+        </p:xfrm>
+        <a:graphic>
+          <a:graphicData uri="http://schemas.openxmlformats.org/drawingml/2006/table">
+            <a:tbl>
+              <a:tblPr>
+                <a:noFill/>
+                <a:tableStyleId>{14E8F432-E50E-4DC2-B74D-F33B415F0C3E}</a:tableStyleId>
+              </a:tblPr>
+              <a:tblGrid>
+                <a:gridCol w="4143025"/>
+                <a:gridCol w="1431700"/>
+                <a:gridCol w="5890825"/>
+              </a:tblGrid>
+              <a:tr h="926375">
+                <a:tc>
+                  <a:txBody>
+                    <a:bodyPr/>
+                    <a:lstStyle/>
+                    <a:p>
+                      <a:pPr indent="0" lvl="0" marL="0" rtl="0" algn="r">
+                        <a:spcBef>
+                          <a:spcPts val="0"/>
+                        </a:spcBef>
+                        <a:spcAft>
+                          <a:spcPts val="0"/>
+                        </a:spcAft>
+                        <a:buNone/>
+                      </a:pPr>
+                      <a:r>
+                        <a:rPr b="1" lang="es-ES" sz="2800"/>
+                        <a:t>Curation Rationale</a:t>
+                      </a:r>
+                      <a:endParaRPr b="1" sz="2800"/>
+                    </a:p>
+                  </a:txBody>
+                  <a:tcPr marT="91425" marB="91425" marR="91425" marL="91425" anchor="ctr">
+                    <a:lnL cap="flat" cmpd="sng" w="9525">
+                      <a:solidFill>
+                        <a:srgbClr val="000000">
+                          <a:alpha val="0"/>
+                        </a:srgbClr>
+                      </a:solidFill>
+                      <a:prstDash val="solid"/>
+                      <a:round/>
+                      <a:headEnd len="sm" w="sm" type="none"/>
+                      <a:tailEnd len="sm" w="sm" type="none"/>
+                    </a:lnL>
+                    <a:lnR cap="flat" cmpd="sng" w="9525">
+                      <a:solidFill>
+                        <a:srgbClr val="000000">
+                          <a:alpha val="0"/>
+                        </a:srgbClr>
+                      </a:solidFill>
+                      <a:prstDash val="solid"/>
+                      <a:round/>
+                      <a:headEnd len="sm" w="sm" type="none"/>
+                      <a:tailEnd len="sm" w="sm" type="none"/>
+                    </a:lnR>
+                    <a:lnT cap="flat" cmpd="sng" w="9525">
+                      <a:solidFill>
+                        <a:srgbClr val="000000">
+                          <a:alpha val="0"/>
+                        </a:srgbClr>
+                      </a:solidFill>
+                      <a:prstDash val="solid"/>
+                      <a:round/>
+                      <a:headEnd len="sm" w="sm" type="none"/>
+                      <a:tailEnd len="sm" w="sm" type="none"/>
+                    </a:lnT>
+                    <a:lnB cap="flat" cmpd="sng" w="9525">
+                      <a:solidFill>
+                        <a:srgbClr val="000000">
+                          <a:alpha val="0"/>
+                        </a:srgbClr>
+                      </a:solidFill>
+                      <a:prstDash val="solid"/>
+                      <a:round/>
+                      <a:headEnd len="sm" w="sm" type="none"/>
+                      <a:tailEnd len="sm" w="sm" type="none"/>
+                    </a:lnB>
+                  </a:tcPr>
+                </a:tc>
+                <a:tc>
+                  <a:txBody>
+                    <a:bodyPr/>
+                    <a:lstStyle/>
+                    <a:p>
+                      <a:pPr indent="0" lvl="0" marL="0" rtl="0" algn="ctr">
+                        <a:spcBef>
+                          <a:spcPts val="0"/>
+                        </a:spcBef>
+                        <a:spcAft>
+                          <a:spcPts val="0"/>
+                        </a:spcAft>
+                        <a:buNone/>
+                      </a:pPr>
+                      <a:r>
+                        <a:t/>
+                      </a:r>
+                      <a:endParaRPr sz="2800"/>
+                    </a:p>
+                  </a:txBody>
+                  <a:tcPr marT="91425" marB="91425" marR="91425" marL="91425" anchor="ctr">
+                    <a:lnL cap="flat" cmpd="sng" w="9525">
+                      <a:solidFill>
+                        <a:srgbClr val="000000">
+                          <a:alpha val="0"/>
+                        </a:srgbClr>
+                      </a:solidFill>
+                      <a:prstDash val="solid"/>
+                      <a:round/>
+                      <a:headEnd len="sm" w="sm" type="none"/>
+                      <a:tailEnd len="sm" w="sm" type="none"/>
+                    </a:lnL>
+                    <a:lnR cap="flat" cmpd="sng" w="9525">
+                      <a:solidFill>
+                        <a:srgbClr val="000000">
+                          <a:alpha val="0"/>
+                        </a:srgbClr>
+                      </a:solidFill>
+                      <a:prstDash val="solid"/>
+                      <a:round/>
+                      <a:headEnd len="sm" w="sm" type="none"/>
+                      <a:tailEnd len="sm" w="sm" type="none"/>
+                    </a:lnR>
+                    <a:lnT cap="flat" cmpd="sng" w="9525">
+                      <a:solidFill>
+                        <a:srgbClr val="000000">
+                          <a:alpha val="0"/>
+                        </a:srgbClr>
+                      </a:solidFill>
+                      <a:prstDash val="solid"/>
+                      <a:round/>
+                      <a:headEnd len="sm" w="sm" type="none"/>
+                      <a:tailEnd len="sm" w="sm" type="none"/>
+                    </a:lnT>
+                    <a:lnB cap="flat" cmpd="sng" w="9525">
+                      <a:solidFill>
+                        <a:srgbClr val="000000">
+                          <a:alpha val="0"/>
+                        </a:srgbClr>
+                      </a:solidFill>
+                      <a:prstDash val="solid"/>
+                      <a:round/>
+                      <a:headEnd len="sm" w="sm" type="none"/>
+                      <a:tailEnd len="sm" w="sm" type="none"/>
+                    </a:lnB>
+                  </a:tcPr>
+                </a:tc>
+                <a:tc>
+                  <a:txBody>
+                    <a:bodyPr/>
+                    <a:lstStyle/>
+                    <a:p>
+                      <a:pPr indent="0" lvl="0" marL="0" rtl="0" algn="l">
+                        <a:spcBef>
+                          <a:spcPts val="0"/>
+                        </a:spcBef>
+                        <a:spcAft>
+                          <a:spcPts val="0"/>
+                        </a:spcAft>
+                        <a:buNone/>
+                      </a:pPr>
+                      <a:r>
+                        <a:rPr lang="es-ES" sz="2800"/>
+                        <a:t>Obtain opinions with </a:t>
+                      </a:r>
+                      <a:endParaRPr sz="2800"/>
+                    </a:p>
+                    <a:p>
+                      <a:pPr indent="0" lvl="0" marL="0" rtl="0" algn="l">
+                        <a:spcBef>
+                          <a:spcPts val="0"/>
+                        </a:spcBef>
+                        <a:spcAft>
+                          <a:spcPts val="0"/>
+                        </a:spcAft>
+                        <a:buNone/>
+                      </a:pPr>
+                      <a:r>
+                        <a:rPr lang="es-ES" sz="2800"/>
+                        <a:t>pronounced sentiments</a:t>
+                      </a:r>
+                      <a:endParaRPr sz="2800"/>
+                    </a:p>
+                  </a:txBody>
+                  <a:tcPr marT="91425" marB="91425" marR="91425" marL="91425" anchor="ctr">
+                    <a:lnL cap="flat" cmpd="sng" w="9525">
+                      <a:solidFill>
+                        <a:srgbClr val="000000">
+                          <a:alpha val="0"/>
+                        </a:srgbClr>
+                      </a:solidFill>
+                      <a:prstDash val="solid"/>
+                      <a:round/>
+                      <a:headEnd len="sm" w="sm" type="none"/>
+                      <a:tailEnd len="sm" w="sm" type="none"/>
+                    </a:lnL>
+                    <a:lnR cap="flat" cmpd="sng" w="9525">
+                      <a:solidFill>
+                        <a:srgbClr val="000000">
+                          <a:alpha val="0"/>
+                        </a:srgbClr>
+                      </a:solidFill>
+                      <a:prstDash val="solid"/>
+                      <a:round/>
+                      <a:headEnd len="sm" w="sm" type="none"/>
+                      <a:tailEnd len="sm" w="sm" type="none"/>
+                    </a:lnR>
+                    <a:lnT cap="flat" cmpd="sng" w="9525">
+                      <a:solidFill>
+                        <a:srgbClr val="000000">
+                          <a:alpha val="0"/>
+                        </a:srgbClr>
+                      </a:solidFill>
+                      <a:prstDash val="solid"/>
+                      <a:round/>
+                      <a:headEnd len="sm" w="sm" type="none"/>
+                      <a:tailEnd len="sm" w="sm" type="none"/>
+                    </a:lnT>
+                    <a:lnB cap="flat" cmpd="sng" w="9525">
+                      <a:solidFill>
+                        <a:srgbClr val="000000">
+                          <a:alpha val="0"/>
+                        </a:srgbClr>
+                      </a:solidFill>
+                      <a:prstDash val="solid"/>
+                      <a:round/>
+                      <a:headEnd len="sm" w="sm" type="none"/>
+                      <a:tailEnd len="sm" w="sm" type="none"/>
+                    </a:lnB>
+                  </a:tcPr>
+                </a:tc>
+              </a:tr>
+              <a:tr h="621875">
+                <a:tc>
+                  <a:txBody>
+                    <a:bodyPr/>
+                    <a:lstStyle/>
+                    <a:p>
+                      <a:pPr indent="0" lvl="0" marL="0" rtl="0" algn="r">
+                        <a:spcBef>
+                          <a:spcPts val="0"/>
+                        </a:spcBef>
+                        <a:spcAft>
+                          <a:spcPts val="0"/>
+                        </a:spcAft>
+                        <a:buNone/>
+                      </a:pPr>
+                      <a:r>
+                        <a:rPr b="1" lang="es-ES" sz="2800"/>
+                        <a:t>Language Variety</a:t>
+                      </a:r>
+                      <a:endParaRPr b="1" sz="2800"/>
+                    </a:p>
+                  </a:txBody>
+                  <a:tcPr marT="91425" marB="91425" marR="91425" marL="91425" anchor="ctr">
+                    <a:lnL cap="flat" cmpd="sng" w="9525">
+                      <a:solidFill>
+                        <a:srgbClr val="000000">
+                          <a:alpha val="0"/>
+                        </a:srgbClr>
+                      </a:solidFill>
+                      <a:prstDash val="solid"/>
+                      <a:round/>
+                      <a:headEnd len="sm" w="sm" type="none"/>
+                      <a:tailEnd len="sm" w="sm" type="none"/>
+                    </a:lnL>
+                    <a:lnR cap="flat" cmpd="sng" w="9525">
+                      <a:solidFill>
+                        <a:srgbClr val="000000">
+                          <a:alpha val="0"/>
+                        </a:srgbClr>
+                      </a:solidFill>
+                      <a:prstDash val="solid"/>
+                      <a:round/>
+                      <a:headEnd len="sm" w="sm" type="none"/>
+                      <a:tailEnd len="sm" w="sm" type="none"/>
+                    </a:lnR>
+                    <a:lnT cap="flat" cmpd="sng" w="9525">
+                      <a:solidFill>
+                        <a:srgbClr val="000000">
+                          <a:alpha val="0"/>
+                        </a:srgbClr>
+                      </a:solidFill>
+                      <a:prstDash val="solid"/>
+                      <a:round/>
+                      <a:headEnd len="sm" w="sm" type="none"/>
+                      <a:tailEnd len="sm" w="sm" type="none"/>
+                    </a:lnT>
+                    <a:lnB cap="flat" cmpd="sng" w="9525">
+                      <a:solidFill>
+                        <a:srgbClr val="000000">
+                          <a:alpha val="0"/>
+                        </a:srgbClr>
+                      </a:solidFill>
+                      <a:prstDash val="solid"/>
+                      <a:round/>
+                      <a:headEnd len="sm" w="sm" type="none"/>
+                      <a:tailEnd len="sm" w="sm" type="none"/>
+                    </a:lnB>
+                  </a:tcPr>
+                </a:tc>
+                <a:tc>
+                  <a:txBody>
+                    <a:bodyPr/>
+                    <a:lstStyle/>
+                    <a:p>
+                      <a:pPr indent="0" lvl="0" marL="0" rtl="0" algn="ctr">
+                        <a:spcBef>
+                          <a:spcPts val="0"/>
+                        </a:spcBef>
+                        <a:spcAft>
+                          <a:spcPts val="0"/>
+                        </a:spcAft>
+                        <a:buNone/>
+                      </a:pPr>
+                      <a:r>
+                        <a:t/>
+                      </a:r>
+                      <a:endParaRPr sz="2800"/>
+                    </a:p>
+                  </a:txBody>
+                  <a:tcPr marT="91425" marB="91425" marR="91425" marL="91425" anchor="ctr">
+                    <a:lnL cap="flat" cmpd="sng" w="9525">
+                      <a:solidFill>
+                        <a:srgbClr val="000000">
+                          <a:alpha val="0"/>
+                        </a:srgbClr>
+                      </a:solidFill>
+                      <a:prstDash val="solid"/>
+                      <a:round/>
+                      <a:headEnd len="sm" w="sm" type="none"/>
+                      <a:tailEnd len="sm" w="sm" type="none"/>
+                    </a:lnL>
+                    <a:lnR cap="flat" cmpd="sng" w="9525">
+                      <a:solidFill>
+                        <a:srgbClr val="000000">
+                          <a:alpha val="0"/>
+                        </a:srgbClr>
+                      </a:solidFill>
+                      <a:prstDash val="solid"/>
+                      <a:round/>
+                      <a:headEnd len="sm" w="sm" type="none"/>
+                      <a:tailEnd len="sm" w="sm" type="none"/>
+                    </a:lnR>
+                    <a:lnT cap="flat" cmpd="sng" w="9525">
+                      <a:solidFill>
+                        <a:srgbClr val="000000">
+                          <a:alpha val="0"/>
+                        </a:srgbClr>
+                      </a:solidFill>
+                      <a:prstDash val="solid"/>
+                      <a:round/>
+                      <a:headEnd len="sm" w="sm" type="none"/>
+                      <a:tailEnd len="sm" w="sm" type="none"/>
+                    </a:lnT>
+                    <a:lnB cap="flat" cmpd="sng" w="9525">
+                      <a:solidFill>
+                        <a:srgbClr val="000000">
+                          <a:alpha val="0"/>
+                        </a:srgbClr>
+                      </a:solidFill>
+                      <a:prstDash val="solid"/>
+                      <a:round/>
+                      <a:headEnd len="sm" w="sm" type="none"/>
+                      <a:tailEnd len="sm" w="sm" type="none"/>
+                    </a:lnB>
+                  </a:tcPr>
+                </a:tc>
+                <a:tc>
+                  <a:txBody>
+                    <a:bodyPr/>
+                    <a:lstStyle/>
+                    <a:p>
+                      <a:pPr indent="0" lvl="0" marL="0" rtl="0" algn="l">
+                        <a:spcBef>
+                          <a:spcPts val="0"/>
+                        </a:spcBef>
+                        <a:spcAft>
+                          <a:spcPts val="0"/>
+                        </a:spcAft>
+                        <a:buNone/>
+                      </a:pPr>
+                      <a:r>
+                        <a:rPr lang="es-ES" sz="2800"/>
+                        <a:t>English BCP 47 code (en)</a:t>
+                      </a:r>
+                      <a:endParaRPr sz="2800"/>
+                    </a:p>
+                  </a:txBody>
+                  <a:tcPr marT="91425" marB="91425" marR="91425" marL="91425" anchor="ctr">
+                    <a:lnL cap="flat" cmpd="sng" w="9525">
+                      <a:solidFill>
+                        <a:srgbClr val="000000">
+                          <a:alpha val="0"/>
+                        </a:srgbClr>
+                      </a:solidFill>
+                      <a:prstDash val="solid"/>
+                      <a:round/>
+                      <a:headEnd len="sm" w="sm" type="none"/>
+                      <a:tailEnd len="sm" w="sm" type="none"/>
+                    </a:lnL>
+                    <a:lnR cap="flat" cmpd="sng" w="9525">
+                      <a:solidFill>
+                        <a:srgbClr val="000000">
+                          <a:alpha val="0"/>
+                        </a:srgbClr>
+                      </a:solidFill>
+                      <a:prstDash val="solid"/>
+                      <a:round/>
+                      <a:headEnd len="sm" w="sm" type="none"/>
+                      <a:tailEnd len="sm" w="sm" type="none"/>
+                    </a:lnR>
+                    <a:lnT cap="flat" cmpd="sng" w="9525">
+                      <a:solidFill>
+                        <a:srgbClr val="000000">
+                          <a:alpha val="0"/>
+                        </a:srgbClr>
+                      </a:solidFill>
+                      <a:prstDash val="solid"/>
+                      <a:round/>
+                      <a:headEnd len="sm" w="sm" type="none"/>
+                      <a:tailEnd len="sm" w="sm" type="none"/>
+                    </a:lnT>
+                    <a:lnB cap="flat" cmpd="sng" w="9525">
+                      <a:solidFill>
+                        <a:srgbClr val="000000">
+                          <a:alpha val="0"/>
+                        </a:srgbClr>
+                      </a:solidFill>
+                      <a:prstDash val="solid"/>
+                      <a:round/>
+                      <a:headEnd len="sm" w="sm" type="none"/>
+                      <a:tailEnd len="sm" w="sm" type="none"/>
+                    </a:lnB>
+                  </a:tcPr>
+                </a:tc>
+              </a:tr>
+              <a:tr h="544925">
+                <a:tc>
+                  <a:txBody>
+                    <a:bodyPr/>
+                    <a:lstStyle/>
+                    <a:p>
+                      <a:pPr indent="0" lvl="0" marL="0" rtl="0" algn="r">
+                        <a:spcBef>
+                          <a:spcPts val="0"/>
+                        </a:spcBef>
+                        <a:spcAft>
+                          <a:spcPts val="0"/>
+                        </a:spcAft>
+                        <a:buNone/>
+                      </a:pPr>
+                      <a:r>
+                        <a:t/>
+                      </a:r>
+                      <a:endParaRPr b="1" sz="2800"/>
+                    </a:p>
+                  </a:txBody>
+                  <a:tcPr marT="91425" marB="91425" marR="91425" marL="91425" anchor="ctr">
+                    <a:lnL cap="flat" cmpd="sng" w="9525">
+                      <a:solidFill>
+                        <a:srgbClr val="000000">
+                          <a:alpha val="0"/>
+                        </a:srgbClr>
+                      </a:solidFill>
+                      <a:prstDash val="solid"/>
+                      <a:round/>
+                      <a:headEnd len="sm" w="sm" type="none"/>
+                      <a:tailEnd len="sm" w="sm" type="none"/>
+                    </a:lnL>
+                    <a:lnR cap="flat" cmpd="sng" w="9525">
+                      <a:solidFill>
+                        <a:srgbClr val="000000">
+                          <a:alpha val="0"/>
+                        </a:srgbClr>
+                      </a:solidFill>
+                      <a:prstDash val="solid"/>
+                      <a:round/>
+                      <a:headEnd len="sm" w="sm" type="none"/>
+                      <a:tailEnd len="sm" w="sm" type="none"/>
+                    </a:lnR>
+                    <a:lnT cap="flat" cmpd="sng" w="9525">
+                      <a:solidFill>
+                        <a:srgbClr val="000000">
+                          <a:alpha val="0"/>
+                        </a:srgbClr>
+                      </a:solidFill>
+                      <a:prstDash val="solid"/>
+                      <a:round/>
+                      <a:headEnd len="sm" w="sm" type="none"/>
+                      <a:tailEnd len="sm" w="sm" type="none"/>
+                    </a:lnT>
+                    <a:lnB cap="flat" cmpd="sng" w="9525">
+                      <a:solidFill>
+                        <a:srgbClr val="000000">
+                          <a:alpha val="0"/>
+                        </a:srgbClr>
+                      </a:solidFill>
+                      <a:prstDash val="solid"/>
+                      <a:round/>
+                      <a:headEnd len="sm" w="sm" type="none"/>
+                      <a:tailEnd len="sm" w="sm" type="none"/>
+                    </a:lnB>
+                  </a:tcPr>
+                </a:tc>
+                <a:tc>
+                  <a:txBody>
+                    <a:bodyPr/>
+                    <a:lstStyle/>
+                    <a:p>
+                      <a:pPr indent="0" lvl="0" marL="0" rtl="0" algn="ctr">
+                        <a:spcBef>
+                          <a:spcPts val="0"/>
+                        </a:spcBef>
+                        <a:spcAft>
+                          <a:spcPts val="0"/>
+                        </a:spcAft>
+                        <a:buNone/>
+                      </a:pPr>
+                      <a:r>
+                        <a:t/>
+                      </a:r>
+                      <a:endParaRPr sz="2800"/>
+                    </a:p>
+                  </a:txBody>
+                  <a:tcPr marT="91425" marB="91425" marR="91425" marL="91425" anchor="ctr">
+                    <a:lnL cap="flat" cmpd="sng" w="9525">
+                      <a:solidFill>
+                        <a:srgbClr val="000000">
+                          <a:alpha val="0"/>
+                        </a:srgbClr>
+                      </a:solidFill>
+                      <a:prstDash val="solid"/>
+                      <a:round/>
+                      <a:headEnd len="sm" w="sm" type="none"/>
+                      <a:tailEnd len="sm" w="sm" type="none"/>
+                    </a:lnL>
+                    <a:lnR cap="flat" cmpd="sng" w="9525">
+                      <a:solidFill>
+                        <a:srgbClr val="000000">
+                          <a:alpha val="0"/>
+                        </a:srgbClr>
+                      </a:solidFill>
+                      <a:prstDash val="solid"/>
+                      <a:round/>
+                      <a:headEnd len="sm" w="sm" type="none"/>
+                      <a:tailEnd len="sm" w="sm" type="none"/>
+                    </a:lnR>
+                    <a:lnT cap="flat" cmpd="sng" w="9525">
+                      <a:solidFill>
+                        <a:srgbClr val="000000">
+                          <a:alpha val="0"/>
+                        </a:srgbClr>
+                      </a:solidFill>
+                      <a:prstDash val="solid"/>
+                      <a:round/>
+                      <a:headEnd len="sm" w="sm" type="none"/>
+                      <a:tailEnd len="sm" w="sm" type="none"/>
+                    </a:lnT>
+                    <a:lnB cap="flat" cmpd="sng" w="9525">
+                      <a:solidFill>
+                        <a:srgbClr val="000000">
+                          <a:alpha val="0"/>
+                        </a:srgbClr>
+                      </a:solidFill>
+                      <a:prstDash val="solid"/>
+                      <a:round/>
+                      <a:headEnd len="sm" w="sm" type="none"/>
+                      <a:tailEnd len="sm" w="sm" type="none"/>
+                    </a:lnB>
+                  </a:tcPr>
+                </a:tc>
+                <a:tc>
+                  <a:txBody>
+                    <a:bodyPr/>
+                    <a:lstStyle/>
+                    <a:p>
+                      <a:pPr indent="0" lvl="0" marL="0" rtl="0" algn="l">
+                        <a:spcBef>
+                          <a:spcPts val="0"/>
+                        </a:spcBef>
+                        <a:spcAft>
+                          <a:spcPts val="0"/>
+                        </a:spcAft>
+                        <a:buNone/>
+                      </a:pPr>
+                      <a:r>
+                        <a:rPr lang="es-ES" sz="2800"/>
+                        <a:t>Male (70.4%)</a:t>
+                      </a:r>
+                      <a:endParaRPr sz="2800"/>
+                    </a:p>
+                  </a:txBody>
+                  <a:tcPr marT="91425" marB="91425" marR="91425" marL="91425" anchor="ctr">
+                    <a:lnL cap="flat" cmpd="sng" w="9525">
+                      <a:solidFill>
+                        <a:srgbClr val="000000">
+                          <a:alpha val="0"/>
+                        </a:srgbClr>
+                      </a:solidFill>
+                      <a:prstDash val="solid"/>
+                      <a:round/>
+                      <a:headEnd len="sm" w="sm" type="none"/>
+                      <a:tailEnd len="sm" w="sm" type="none"/>
+                    </a:lnL>
+                    <a:lnR cap="flat" cmpd="sng" w="9525">
+                      <a:solidFill>
+                        <a:srgbClr val="000000">
+                          <a:alpha val="0"/>
+                        </a:srgbClr>
+                      </a:solidFill>
+                      <a:prstDash val="solid"/>
+                      <a:round/>
+                      <a:headEnd len="sm" w="sm" type="none"/>
+                      <a:tailEnd len="sm" w="sm" type="none"/>
+                    </a:lnR>
+                    <a:lnT cap="flat" cmpd="sng" w="9525">
+                      <a:solidFill>
+                        <a:srgbClr val="000000">
+                          <a:alpha val="0"/>
+                        </a:srgbClr>
+                      </a:solidFill>
+                      <a:prstDash val="solid"/>
+                      <a:round/>
+                      <a:headEnd len="sm" w="sm" type="none"/>
+                      <a:tailEnd len="sm" w="sm" type="none"/>
+                    </a:lnT>
+                    <a:lnB cap="flat" cmpd="sng" w="9525">
+                      <a:solidFill>
+                        <a:srgbClr val="000000">
+                          <a:alpha val="0"/>
+                        </a:srgbClr>
+                      </a:solidFill>
+                      <a:prstDash val="solid"/>
+                      <a:round/>
+                      <a:headEnd len="sm" w="sm" type="none"/>
+                      <a:tailEnd len="sm" w="sm" type="none"/>
+                    </a:lnB>
+                  </a:tcPr>
+                </a:tc>
+              </a:tr>
+              <a:tr h="621875">
+                <a:tc>
+                  <a:txBody>
+                    <a:bodyPr/>
+                    <a:lstStyle/>
+                    <a:p>
+                      <a:pPr indent="0" lvl="0" marL="0" rtl="0" algn="r">
+                        <a:spcBef>
+                          <a:spcPts val="0"/>
+                        </a:spcBef>
+                        <a:spcAft>
+                          <a:spcPts val="0"/>
+                        </a:spcAft>
+                        <a:buNone/>
+                      </a:pPr>
+                      <a:r>
+                        <a:rPr b="1" lang="es-ES" sz="2800"/>
+                        <a:t>Speaker Demographic </a:t>
+                      </a:r>
+                      <a:endParaRPr b="1" sz="2800"/>
+                    </a:p>
+                  </a:txBody>
+                  <a:tcPr marT="91425" marB="91425" marR="91425" marL="91425" anchor="ctr">
+                    <a:lnL cap="flat" cmpd="sng" w="9525">
+                      <a:solidFill>
+                        <a:srgbClr val="000000">
+                          <a:alpha val="0"/>
+                        </a:srgbClr>
+                      </a:solidFill>
+                      <a:prstDash val="solid"/>
+                      <a:round/>
+                      <a:headEnd len="sm" w="sm" type="none"/>
+                      <a:tailEnd len="sm" w="sm" type="none"/>
+                    </a:lnL>
+                    <a:lnR cap="flat" cmpd="sng" w="9525">
+                      <a:solidFill>
+                        <a:srgbClr val="000000">
+                          <a:alpha val="0"/>
+                        </a:srgbClr>
+                      </a:solidFill>
+                      <a:prstDash val="solid"/>
+                      <a:round/>
+                      <a:headEnd len="sm" w="sm" type="none"/>
+                      <a:tailEnd len="sm" w="sm" type="none"/>
+                    </a:lnR>
+                    <a:lnT cap="flat" cmpd="sng" w="9525">
+                      <a:solidFill>
+                        <a:srgbClr val="000000">
+                          <a:alpha val="0"/>
+                        </a:srgbClr>
+                      </a:solidFill>
+                      <a:prstDash val="solid"/>
+                      <a:round/>
+                      <a:headEnd len="sm" w="sm" type="none"/>
+                      <a:tailEnd len="sm" w="sm" type="none"/>
+                    </a:lnT>
+                    <a:lnB cap="flat" cmpd="sng" w="9525">
+                      <a:solidFill>
+                        <a:srgbClr val="000000">
+                          <a:alpha val="0"/>
+                        </a:srgbClr>
+                      </a:solidFill>
+                      <a:prstDash val="solid"/>
+                      <a:round/>
+                      <a:headEnd len="sm" w="sm" type="none"/>
+                      <a:tailEnd len="sm" w="sm" type="none"/>
+                    </a:lnB>
+                  </a:tcPr>
+                </a:tc>
+                <a:tc>
+                  <a:txBody>
+                    <a:bodyPr/>
+                    <a:lstStyle/>
+                    <a:p>
+                      <a:pPr indent="0" lvl="0" marL="0" rtl="0" algn="ctr">
+                        <a:spcBef>
+                          <a:spcPts val="0"/>
+                        </a:spcBef>
+                        <a:spcAft>
+                          <a:spcPts val="0"/>
+                        </a:spcAft>
+                        <a:buNone/>
+                      </a:pPr>
+                      <a:r>
+                        <a:t/>
+                      </a:r>
+                      <a:endParaRPr sz="2800"/>
+                    </a:p>
+                  </a:txBody>
+                  <a:tcPr marT="91425" marB="91425" marR="91425" marL="91425" anchor="ctr">
+                    <a:lnL cap="flat" cmpd="sng" w="9525">
+                      <a:solidFill>
+                        <a:srgbClr val="000000">
+                          <a:alpha val="0"/>
+                        </a:srgbClr>
+                      </a:solidFill>
+                      <a:prstDash val="solid"/>
+                      <a:round/>
+                      <a:headEnd len="sm" w="sm" type="none"/>
+                      <a:tailEnd len="sm" w="sm" type="none"/>
+                    </a:lnL>
+                    <a:lnR cap="flat" cmpd="sng" w="9525">
+                      <a:solidFill>
+                        <a:srgbClr val="000000">
+                          <a:alpha val="0"/>
+                        </a:srgbClr>
+                      </a:solidFill>
+                      <a:prstDash val="solid"/>
+                      <a:round/>
+                      <a:headEnd len="sm" w="sm" type="none"/>
+                      <a:tailEnd len="sm" w="sm" type="none"/>
+                    </a:lnR>
+                    <a:lnT cap="flat" cmpd="sng" w="9525">
+                      <a:solidFill>
+                        <a:srgbClr val="000000">
+                          <a:alpha val="0"/>
+                        </a:srgbClr>
+                      </a:solidFill>
+                      <a:prstDash val="solid"/>
+                      <a:round/>
+                      <a:headEnd len="sm" w="sm" type="none"/>
+                      <a:tailEnd len="sm" w="sm" type="none"/>
+                    </a:lnT>
+                    <a:lnB cap="flat" cmpd="sng" w="9525">
+                      <a:solidFill>
+                        <a:srgbClr val="000000">
+                          <a:alpha val="0"/>
+                        </a:srgbClr>
+                      </a:solidFill>
+                      <a:prstDash val="solid"/>
+                      <a:round/>
+                      <a:headEnd len="sm" w="sm" type="none"/>
+                      <a:tailEnd len="sm" w="sm" type="none"/>
+                    </a:lnB>
+                  </a:tcPr>
+                </a:tc>
+                <a:tc>
+                  <a:txBody>
+                    <a:bodyPr/>
+                    <a:lstStyle/>
+                    <a:p>
+                      <a:pPr indent="0" lvl="0" marL="0" rtl="0" algn="l">
+                        <a:spcBef>
+                          <a:spcPts val="0"/>
+                        </a:spcBef>
+                        <a:spcAft>
+                          <a:spcPts val="0"/>
+                        </a:spcAft>
+                        <a:buNone/>
+                      </a:pPr>
+                      <a:r>
+                        <a:rPr lang="es-ES" sz="2800"/>
+                        <a:t>18 - 49 years old (78.7%)</a:t>
+                      </a:r>
+                      <a:endParaRPr sz="2800"/>
+                    </a:p>
+                  </a:txBody>
+                  <a:tcPr marT="91425" marB="91425" marR="91425" marL="91425" anchor="ctr">
+                    <a:lnL cap="flat" cmpd="sng" w="9525">
+                      <a:solidFill>
+                        <a:srgbClr val="000000">
+                          <a:alpha val="0"/>
+                        </a:srgbClr>
+                      </a:solidFill>
+                      <a:prstDash val="solid"/>
+                      <a:round/>
+                      <a:headEnd len="sm" w="sm" type="none"/>
+                      <a:tailEnd len="sm" w="sm" type="none"/>
+                    </a:lnL>
+                    <a:lnR cap="flat" cmpd="sng" w="9525">
+                      <a:solidFill>
+                        <a:srgbClr val="000000">
+                          <a:alpha val="0"/>
+                        </a:srgbClr>
+                      </a:solidFill>
+                      <a:prstDash val="solid"/>
+                      <a:round/>
+                      <a:headEnd len="sm" w="sm" type="none"/>
+                      <a:tailEnd len="sm" w="sm" type="none"/>
+                    </a:lnR>
+                    <a:lnT cap="flat" cmpd="sng" w="9525">
+                      <a:solidFill>
+                        <a:srgbClr val="000000">
+                          <a:alpha val="0"/>
+                        </a:srgbClr>
+                      </a:solidFill>
+                      <a:prstDash val="solid"/>
+                      <a:round/>
+                      <a:headEnd len="sm" w="sm" type="none"/>
+                      <a:tailEnd len="sm" w="sm" type="none"/>
+                    </a:lnT>
+                    <a:lnB cap="flat" cmpd="sng" w="9525">
+                      <a:solidFill>
+                        <a:srgbClr val="000000">
+                          <a:alpha val="0"/>
+                        </a:srgbClr>
+                      </a:solidFill>
+                      <a:prstDash val="solid"/>
+                      <a:round/>
+                      <a:headEnd len="sm" w="sm" type="none"/>
+                      <a:tailEnd len="sm" w="sm" type="none"/>
+                    </a:lnB>
+                  </a:tcPr>
+                </a:tc>
+              </a:tr>
+              <a:tr h="544925">
+                <a:tc>
+                  <a:txBody>
+                    <a:bodyPr/>
+                    <a:lstStyle/>
+                    <a:p>
+                      <a:pPr indent="0" lvl="0" marL="0" rtl="0" algn="r">
+                        <a:spcBef>
+                          <a:spcPts val="0"/>
+                        </a:spcBef>
+                        <a:spcAft>
+                          <a:spcPts val="0"/>
+                        </a:spcAft>
+                        <a:buNone/>
+                      </a:pPr>
+                      <a:r>
+                        <a:t/>
+                      </a:r>
+                      <a:endParaRPr b="1" sz="2800"/>
+                    </a:p>
+                  </a:txBody>
+                  <a:tcPr marT="91425" marB="91425" marR="91425" marL="91425" anchor="ctr">
+                    <a:lnL cap="flat" cmpd="sng" w="9525">
+                      <a:solidFill>
+                        <a:srgbClr val="000000">
+                          <a:alpha val="0"/>
+                        </a:srgbClr>
+                      </a:solidFill>
+                      <a:prstDash val="solid"/>
+                      <a:round/>
+                      <a:headEnd len="sm" w="sm" type="none"/>
+                      <a:tailEnd len="sm" w="sm" type="none"/>
+                    </a:lnL>
+                    <a:lnR cap="flat" cmpd="sng" w="9525">
+                      <a:solidFill>
+                        <a:srgbClr val="000000">
+                          <a:alpha val="0"/>
+                        </a:srgbClr>
+                      </a:solidFill>
+                      <a:prstDash val="solid"/>
+                      <a:round/>
+                      <a:headEnd len="sm" w="sm" type="none"/>
+                      <a:tailEnd len="sm" w="sm" type="none"/>
+                    </a:lnR>
+                    <a:lnT cap="flat" cmpd="sng" w="9525">
+                      <a:solidFill>
+                        <a:srgbClr val="000000">
+                          <a:alpha val="0"/>
+                        </a:srgbClr>
+                      </a:solidFill>
+                      <a:prstDash val="solid"/>
+                      <a:round/>
+                      <a:headEnd len="sm" w="sm" type="none"/>
+                      <a:tailEnd len="sm" w="sm" type="none"/>
+                    </a:lnT>
+                    <a:lnB cap="flat" cmpd="sng" w="9525">
+                      <a:solidFill>
+                        <a:srgbClr val="000000">
+                          <a:alpha val="0"/>
+                        </a:srgbClr>
+                      </a:solidFill>
+                      <a:prstDash val="solid"/>
+                      <a:round/>
+                      <a:headEnd len="sm" w="sm" type="none"/>
+                      <a:tailEnd len="sm" w="sm" type="none"/>
+                    </a:lnB>
+                  </a:tcPr>
+                </a:tc>
+                <a:tc>
+                  <a:txBody>
+                    <a:bodyPr/>
+                    <a:lstStyle/>
+                    <a:p>
+                      <a:pPr indent="0" lvl="0" marL="0" rtl="0" algn="ctr">
+                        <a:spcBef>
+                          <a:spcPts val="0"/>
+                        </a:spcBef>
+                        <a:spcAft>
+                          <a:spcPts val="0"/>
+                        </a:spcAft>
+                        <a:buNone/>
+                      </a:pPr>
+                      <a:r>
+                        <a:t/>
+                      </a:r>
+                      <a:endParaRPr sz="2800"/>
+                    </a:p>
+                  </a:txBody>
+                  <a:tcPr marT="91425" marB="91425" marR="91425" marL="91425" anchor="ctr">
+                    <a:lnL cap="flat" cmpd="sng" w="9525">
+                      <a:solidFill>
+                        <a:srgbClr val="000000">
+                          <a:alpha val="0"/>
+                        </a:srgbClr>
+                      </a:solidFill>
+                      <a:prstDash val="solid"/>
+                      <a:round/>
+                      <a:headEnd len="sm" w="sm" type="none"/>
+                      <a:tailEnd len="sm" w="sm" type="none"/>
+                    </a:lnL>
+                    <a:lnR cap="flat" cmpd="sng" w="9525">
+                      <a:solidFill>
+                        <a:srgbClr val="000000">
+                          <a:alpha val="0"/>
+                        </a:srgbClr>
+                      </a:solidFill>
+                      <a:prstDash val="solid"/>
+                      <a:round/>
+                      <a:headEnd len="sm" w="sm" type="none"/>
+                      <a:tailEnd len="sm" w="sm" type="none"/>
+                    </a:lnR>
+                    <a:lnT cap="flat" cmpd="sng" w="9525">
+                      <a:solidFill>
+                        <a:srgbClr val="000000">
+                          <a:alpha val="0"/>
+                        </a:srgbClr>
+                      </a:solidFill>
+                      <a:prstDash val="solid"/>
+                      <a:round/>
+                      <a:headEnd len="sm" w="sm" type="none"/>
+                      <a:tailEnd len="sm" w="sm" type="none"/>
+                    </a:lnT>
+                    <a:lnB cap="flat" cmpd="sng" w="9525">
+                      <a:solidFill>
+                        <a:srgbClr val="000000">
+                          <a:alpha val="0"/>
+                        </a:srgbClr>
+                      </a:solidFill>
+                      <a:prstDash val="solid"/>
+                      <a:round/>
+                      <a:headEnd len="sm" w="sm" type="none"/>
+                      <a:tailEnd len="sm" w="sm" type="none"/>
+                    </a:lnB>
+                  </a:tcPr>
+                </a:tc>
+                <a:tc>
+                  <a:txBody>
+                    <a:bodyPr/>
+                    <a:lstStyle/>
+                    <a:p>
+                      <a:pPr indent="0" lvl="0" marL="0" rtl="0" algn="l">
+                        <a:spcBef>
+                          <a:spcPts val="0"/>
+                        </a:spcBef>
+                        <a:spcAft>
+                          <a:spcPts val="0"/>
+                        </a:spcAft>
+                        <a:buNone/>
+                      </a:pPr>
+                      <a:r>
+                        <a:rPr lang="es-ES" sz="2800"/>
+                        <a:t>United States</a:t>
+                      </a:r>
+                      <a:endParaRPr sz="2800"/>
+                    </a:p>
+                  </a:txBody>
+                  <a:tcPr marT="91425" marB="91425" marR="91425" marL="91425" anchor="ctr">
+                    <a:lnL cap="flat" cmpd="sng" w="9525">
+                      <a:solidFill>
+                        <a:srgbClr val="000000">
+                          <a:alpha val="0"/>
+                        </a:srgbClr>
+                      </a:solidFill>
+                      <a:prstDash val="solid"/>
+                      <a:round/>
+                      <a:headEnd len="sm" w="sm" type="none"/>
+                      <a:tailEnd len="sm" w="sm" type="none"/>
+                    </a:lnL>
+                    <a:lnR cap="flat" cmpd="sng" w="9525">
+                      <a:solidFill>
+                        <a:srgbClr val="000000">
+                          <a:alpha val="0"/>
+                        </a:srgbClr>
+                      </a:solidFill>
+                      <a:prstDash val="solid"/>
+                      <a:round/>
+                      <a:headEnd len="sm" w="sm" type="none"/>
+                      <a:tailEnd len="sm" w="sm" type="none"/>
+                    </a:lnR>
+                    <a:lnT cap="flat" cmpd="sng" w="9525">
+                      <a:solidFill>
+                        <a:srgbClr val="000000">
+                          <a:alpha val="0"/>
+                        </a:srgbClr>
+                      </a:solidFill>
+                      <a:prstDash val="solid"/>
+                      <a:round/>
+                      <a:headEnd len="sm" w="sm" type="none"/>
+                      <a:tailEnd len="sm" w="sm" type="none"/>
+                    </a:lnT>
+                    <a:lnB cap="flat" cmpd="sng" w="9525">
+                      <a:solidFill>
+                        <a:srgbClr val="000000">
+                          <a:alpha val="0"/>
+                        </a:srgbClr>
+                      </a:solidFill>
+                      <a:prstDash val="solid"/>
+                      <a:round/>
+                      <a:headEnd len="sm" w="sm" type="none"/>
+                      <a:tailEnd len="sm" w="sm" type="none"/>
+                    </a:lnB>
+                  </a:tcPr>
+                </a:tc>
+              </a:tr>
+              <a:tr h="621875">
+                <a:tc>
+                  <a:txBody>
+                    <a:bodyPr/>
+                    <a:lstStyle/>
+                    <a:p>
+                      <a:pPr indent="0" lvl="0" marL="0" rtl="0" algn="r">
+                        <a:spcBef>
+                          <a:spcPts val="0"/>
+                        </a:spcBef>
+                        <a:spcAft>
+                          <a:spcPts val="0"/>
+                        </a:spcAft>
+                        <a:buClr>
+                          <a:schemeClr val="dk1"/>
+                        </a:buClr>
+                        <a:buSzPts val="1100"/>
+                        <a:buFont typeface="Arial"/>
+                        <a:buNone/>
+                      </a:pPr>
+                      <a:r>
+                        <a:rPr b="1" lang="es-ES" sz="2800">
+                          <a:solidFill>
+                            <a:schemeClr val="dk1"/>
+                          </a:solidFill>
+                        </a:rPr>
+                        <a:t>Speech Situation</a:t>
+                      </a:r>
+                      <a:endParaRPr b="1" sz="2800"/>
+                    </a:p>
+                  </a:txBody>
+                  <a:tcPr marT="91425" marB="91425" marR="91425" marL="91425" anchor="ctr">
+                    <a:lnL cap="flat" cmpd="sng" w="9525">
+                      <a:solidFill>
+                        <a:srgbClr val="000000">
+                          <a:alpha val="0"/>
+                        </a:srgbClr>
+                      </a:solidFill>
+                      <a:prstDash val="solid"/>
+                      <a:round/>
+                      <a:headEnd len="sm" w="sm" type="none"/>
+                      <a:tailEnd len="sm" w="sm" type="none"/>
+                    </a:lnL>
+                    <a:lnR cap="flat" cmpd="sng" w="9525">
+                      <a:solidFill>
+                        <a:srgbClr val="000000">
+                          <a:alpha val="0"/>
+                        </a:srgbClr>
+                      </a:solidFill>
+                      <a:prstDash val="solid"/>
+                      <a:round/>
+                      <a:headEnd len="sm" w="sm" type="none"/>
+                      <a:tailEnd len="sm" w="sm" type="none"/>
+                    </a:lnR>
+                    <a:lnT cap="flat" cmpd="sng" w="9525">
+                      <a:solidFill>
+                        <a:srgbClr val="000000">
+                          <a:alpha val="0"/>
+                        </a:srgbClr>
+                      </a:solidFill>
+                      <a:prstDash val="solid"/>
+                      <a:round/>
+                      <a:headEnd len="sm" w="sm" type="none"/>
+                      <a:tailEnd len="sm" w="sm" type="none"/>
+                    </a:lnT>
+                    <a:lnB cap="flat" cmpd="sng" w="9525">
+                      <a:solidFill>
+                        <a:srgbClr val="000000">
+                          <a:alpha val="0"/>
+                        </a:srgbClr>
+                      </a:solidFill>
+                      <a:prstDash val="solid"/>
+                      <a:round/>
+                      <a:headEnd len="sm" w="sm" type="none"/>
+                      <a:tailEnd len="sm" w="sm" type="none"/>
+                    </a:lnB>
+                  </a:tcPr>
+                </a:tc>
+                <a:tc>
+                  <a:txBody>
+                    <a:bodyPr/>
+                    <a:lstStyle/>
+                    <a:p>
+                      <a:pPr indent="0" lvl="0" marL="0" rtl="0" algn="ctr">
+                        <a:spcBef>
+                          <a:spcPts val="0"/>
+                        </a:spcBef>
+                        <a:spcAft>
+                          <a:spcPts val="0"/>
+                        </a:spcAft>
+                        <a:buNone/>
+                      </a:pPr>
+                      <a:r>
+                        <a:t/>
+                      </a:r>
+                      <a:endParaRPr sz="2800">
+                        <a:solidFill>
+                          <a:schemeClr val="dk1"/>
+                        </a:solidFill>
+                      </a:endParaRPr>
+                    </a:p>
+                  </a:txBody>
+                  <a:tcPr marT="91425" marB="91425" marR="91425" marL="91425" anchor="ctr">
+                    <a:lnL cap="flat" cmpd="sng" w="9525">
+                      <a:solidFill>
+                        <a:srgbClr val="000000">
+                          <a:alpha val="0"/>
+                        </a:srgbClr>
+                      </a:solidFill>
+                      <a:prstDash val="solid"/>
+                      <a:round/>
+                      <a:headEnd len="sm" w="sm" type="none"/>
+                      <a:tailEnd len="sm" w="sm" type="none"/>
+                    </a:lnL>
+                    <a:lnR cap="flat" cmpd="sng" w="9525">
+                      <a:solidFill>
+                        <a:srgbClr val="000000">
+                          <a:alpha val="0"/>
+                        </a:srgbClr>
+                      </a:solidFill>
+                      <a:prstDash val="solid"/>
+                      <a:round/>
+                      <a:headEnd len="sm" w="sm" type="none"/>
+                      <a:tailEnd len="sm" w="sm" type="none"/>
+                    </a:lnR>
+                    <a:lnT cap="flat" cmpd="sng" w="9525">
+                      <a:solidFill>
+                        <a:srgbClr val="000000">
+                          <a:alpha val="0"/>
+                        </a:srgbClr>
+                      </a:solidFill>
+                      <a:prstDash val="solid"/>
+                      <a:round/>
+                      <a:headEnd len="sm" w="sm" type="none"/>
+                      <a:tailEnd len="sm" w="sm" type="none"/>
+                    </a:lnT>
+                    <a:lnB cap="flat" cmpd="sng" w="9525">
+                      <a:solidFill>
+                        <a:srgbClr val="000000">
+                          <a:alpha val="0"/>
+                        </a:srgbClr>
+                      </a:solidFill>
+                      <a:prstDash val="solid"/>
+                      <a:round/>
+                      <a:headEnd len="sm" w="sm" type="none"/>
+                      <a:tailEnd len="sm" w="sm" type="none"/>
+                    </a:lnB>
+                  </a:tcPr>
+                </a:tc>
+                <a:tc>
+                  <a:txBody>
+                    <a:bodyPr/>
+                    <a:lstStyle/>
+                    <a:p>
+                      <a:pPr indent="0" lvl="0" marL="0" rtl="0" algn="l">
+                        <a:spcBef>
+                          <a:spcPts val="0"/>
+                        </a:spcBef>
+                        <a:spcAft>
+                          <a:spcPts val="0"/>
+                        </a:spcAft>
+                        <a:buNone/>
+                      </a:pPr>
+                      <a:r>
+                        <a:rPr lang="es-ES" sz="2800"/>
+                        <a:t>Spontaneous; Time sensitive text</a:t>
+                      </a:r>
+                      <a:endParaRPr sz="2800"/>
+                    </a:p>
+                  </a:txBody>
+                  <a:tcPr marT="91425" marB="91425" marR="91425" marL="91425" anchor="ctr">
+                    <a:lnL cap="flat" cmpd="sng" w="9525">
+                      <a:solidFill>
+                        <a:srgbClr val="000000">
+                          <a:alpha val="0"/>
+                        </a:srgbClr>
+                      </a:solidFill>
+                      <a:prstDash val="solid"/>
+                      <a:round/>
+                      <a:headEnd len="sm" w="sm" type="none"/>
+                      <a:tailEnd len="sm" w="sm" type="none"/>
+                    </a:lnL>
+                    <a:lnR cap="flat" cmpd="sng" w="9525">
+                      <a:solidFill>
+                        <a:srgbClr val="000000">
+                          <a:alpha val="0"/>
+                        </a:srgbClr>
+                      </a:solidFill>
+                      <a:prstDash val="solid"/>
+                      <a:round/>
+                      <a:headEnd len="sm" w="sm" type="none"/>
+                      <a:tailEnd len="sm" w="sm" type="none"/>
+                    </a:lnR>
+                    <a:lnT cap="flat" cmpd="sng" w="9525">
+                      <a:solidFill>
+                        <a:srgbClr val="000000">
+                          <a:alpha val="0"/>
+                        </a:srgbClr>
+                      </a:solidFill>
+                      <a:prstDash val="solid"/>
+                      <a:round/>
+                      <a:headEnd len="sm" w="sm" type="none"/>
+                      <a:tailEnd len="sm" w="sm" type="none"/>
+                    </a:lnT>
+                    <a:lnB cap="flat" cmpd="sng" w="9525">
+                      <a:solidFill>
+                        <a:srgbClr val="000000">
+                          <a:alpha val="0"/>
+                        </a:srgbClr>
+                      </a:solidFill>
+                      <a:prstDash val="solid"/>
+                      <a:round/>
+                      <a:headEnd len="sm" w="sm" type="none"/>
+                      <a:tailEnd len="sm" w="sm" type="none"/>
+                    </a:lnB>
+                  </a:tcPr>
+                </a:tc>
+              </a:tr>
+              <a:tr h="926375">
+                <a:tc>
+                  <a:txBody>
+                    <a:bodyPr/>
+                    <a:lstStyle/>
+                    <a:p>
+                      <a:pPr indent="0" lvl="0" marL="0" rtl="0" algn="r">
+                        <a:spcBef>
+                          <a:spcPts val="0"/>
+                        </a:spcBef>
+                        <a:spcAft>
+                          <a:spcPts val="0"/>
+                        </a:spcAft>
+                        <a:buClr>
+                          <a:schemeClr val="dk1"/>
+                        </a:buClr>
+                        <a:buSzPts val="1100"/>
+                        <a:buFont typeface="Arial"/>
+                        <a:buNone/>
+                      </a:pPr>
+                      <a:r>
+                        <a:rPr b="1" lang="es-ES" sz="2800"/>
+                        <a:t>Text Characteristics</a:t>
+                      </a:r>
+                      <a:endParaRPr b="1" sz="2800"/>
+                    </a:p>
+                  </a:txBody>
+                  <a:tcPr marT="91425" marB="91425" marR="91425" marL="91425" anchor="ctr">
+                    <a:lnL cap="flat" cmpd="sng" w="9525">
+                      <a:solidFill>
+                        <a:srgbClr val="000000">
+                          <a:alpha val="0"/>
+                        </a:srgbClr>
+                      </a:solidFill>
+                      <a:prstDash val="solid"/>
+                      <a:round/>
+                      <a:headEnd len="sm" w="sm" type="none"/>
+                      <a:tailEnd len="sm" w="sm" type="none"/>
+                    </a:lnL>
+                    <a:lnR cap="flat" cmpd="sng" w="9525">
+                      <a:solidFill>
+                        <a:srgbClr val="000000">
+                          <a:alpha val="0"/>
+                        </a:srgbClr>
+                      </a:solidFill>
+                      <a:prstDash val="solid"/>
+                      <a:round/>
+                      <a:headEnd len="sm" w="sm" type="none"/>
+                      <a:tailEnd len="sm" w="sm" type="none"/>
+                    </a:lnR>
+                    <a:lnT cap="flat" cmpd="sng" w="9525">
+                      <a:solidFill>
+                        <a:srgbClr val="000000">
+                          <a:alpha val="0"/>
+                        </a:srgbClr>
+                      </a:solidFill>
+                      <a:prstDash val="solid"/>
+                      <a:round/>
+                      <a:headEnd len="sm" w="sm" type="none"/>
+                      <a:tailEnd len="sm" w="sm" type="none"/>
+                    </a:lnT>
+                    <a:lnB cap="flat" cmpd="sng" w="9525">
+                      <a:solidFill>
+                        <a:srgbClr val="000000">
+                          <a:alpha val="0"/>
+                        </a:srgbClr>
+                      </a:solidFill>
+                      <a:prstDash val="solid"/>
+                      <a:round/>
+                      <a:headEnd len="sm" w="sm" type="none"/>
+                      <a:tailEnd len="sm" w="sm" type="none"/>
+                    </a:lnB>
+                  </a:tcPr>
+                </a:tc>
+                <a:tc>
+                  <a:txBody>
+                    <a:bodyPr/>
+                    <a:lstStyle/>
+                    <a:p>
+                      <a:pPr indent="0" lvl="0" marL="0" rtl="0" algn="ctr">
+                        <a:spcBef>
+                          <a:spcPts val="0"/>
+                        </a:spcBef>
+                        <a:spcAft>
+                          <a:spcPts val="0"/>
+                        </a:spcAft>
+                        <a:buNone/>
+                      </a:pPr>
+                      <a:r>
+                        <a:t/>
+                      </a:r>
+                      <a:endParaRPr sz="2800"/>
+                    </a:p>
+                  </a:txBody>
+                  <a:tcPr marT="91425" marB="91425" marR="91425" marL="91425" anchor="ctr">
+                    <a:lnL cap="flat" cmpd="sng" w="9525">
+                      <a:solidFill>
+                        <a:srgbClr val="000000">
+                          <a:alpha val="0"/>
+                        </a:srgbClr>
+                      </a:solidFill>
+                      <a:prstDash val="solid"/>
+                      <a:round/>
+                      <a:headEnd len="sm" w="sm" type="none"/>
+                      <a:tailEnd len="sm" w="sm" type="none"/>
+                    </a:lnL>
+                    <a:lnR cap="flat" cmpd="sng" w="9525">
+                      <a:solidFill>
+                        <a:srgbClr val="000000">
+                          <a:alpha val="0"/>
+                        </a:srgbClr>
+                      </a:solidFill>
+                      <a:prstDash val="solid"/>
+                      <a:round/>
+                      <a:headEnd len="sm" w="sm" type="none"/>
+                      <a:tailEnd len="sm" w="sm" type="none"/>
+                    </a:lnR>
+                    <a:lnT cap="flat" cmpd="sng" w="9525">
+                      <a:solidFill>
+                        <a:srgbClr val="000000">
+                          <a:alpha val="0"/>
+                        </a:srgbClr>
+                      </a:solidFill>
+                      <a:prstDash val="solid"/>
+                      <a:round/>
+                      <a:headEnd len="sm" w="sm" type="none"/>
+                      <a:tailEnd len="sm" w="sm" type="none"/>
+                    </a:lnT>
+                    <a:lnB cap="flat" cmpd="sng" w="9525">
+                      <a:solidFill>
+                        <a:srgbClr val="000000">
+                          <a:alpha val="0"/>
+                        </a:srgbClr>
+                      </a:solidFill>
+                      <a:prstDash val="solid"/>
+                      <a:round/>
+                      <a:headEnd len="sm" w="sm" type="none"/>
+                      <a:tailEnd len="sm" w="sm" type="none"/>
+                    </a:lnB>
+                  </a:tcPr>
+                </a:tc>
+                <a:tc>
+                  <a:txBody>
+                    <a:bodyPr/>
+                    <a:lstStyle/>
+                    <a:p>
+                      <a:pPr indent="0" lvl="0" marL="0" rtl="0" algn="l">
+                        <a:spcBef>
+                          <a:spcPts val="0"/>
+                        </a:spcBef>
+                        <a:spcAft>
+                          <a:spcPts val="0"/>
+                        </a:spcAft>
+                        <a:buNone/>
+                      </a:pPr>
+                      <a:r>
+                        <a:rPr lang="es-ES" sz="2800"/>
+                        <a:t>Context “Interests and Hobbies: Technology''</a:t>
+                      </a:r>
+                      <a:endParaRPr sz="2800"/>
+                    </a:p>
+                  </a:txBody>
+                  <a:tcPr marT="91425" marB="91425" marR="91425" marL="91425" anchor="ctr">
+                    <a:lnL cap="flat" cmpd="sng" w="9525">
+                      <a:solidFill>
+                        <a:srgbClr val="000000">
+                          <a:alpha val="0"/>
+                        </a:srgbClr>
+                      </a:solidFill>
+                      <a:prstDash val="solid"/>
+                      <a:round/>
+                      <a:headEnd len="sm" w="sm" type="none"/>
+                      <a:tailEnd len="sm" w="sm" type="none"/>
+                    </a:lnL>
+                    <a:lnR cap="flat" cmpd="sng" w="9525">
+                      <a:solidFill>
+                        <a:srgbClr val="000000">
+                          <a:alpha val="0"/>
+                        </a:srgbClr>
+                      </a:solidFill>
+                      <a:prstDash val="solid"/>
+                      <a:round/>
+                      <a:headEnd len="sm" w="sm" type="none"/>
+                      <a:tailEnd len="sm" w="sm" type="none"/>
+                    </a:lnR>
+                    <a:lnT cap="flat" cmpd="sng" w="9525">
+                      <a:solidFill>
+                        <a:srgbClr val="000000">
+                          <a:alpha val="0"/>
+                        </a:srgbClr>
+                      </a:solidFill>
+                      <a:prstDash val="solid"/>
+                      <a:round/>
+                      <a:headEnd len="sm" w="sm" type="none"/>
+                      <a:tailEnd len="sm" w="sm" type="none"/>
+                    </a:lnT>
+                    <a:lnB cap="flat" cmpd="sng" w="9525">
+                      <a:solidFill>
+                        <a:srgbClr val="000000">
+                          <a:alpha val="0"/>
+                        </a:srgbClr>
+                      </a:solidFill>
+                      <a:prstDash val="solid"/>
+                      <a:round/>
+                      <a:headEnd len="sm" w="sm" type="none"/>
+                      <a:tailEnd len="sm" w="sm" type="none"/>
+                    </a:lnB>
+                  </a:tcPr>
+                </a:tc>
+              </a:tr>
+            </a:tbl>
+          </a:graphicData>
+        </a:graphic>
+      </p:graphicFrame>
+      <p:cxnSp>
+        <p:nvCxnSpPr>
+          <p:cNvPr id="122" name="Google Shape;122;g111e9305988_0_36"/>
+          <p:cNvCxnSpPr/>
+          <p:nvPr/>
+        </p:nvCxnSpPr>
+        <p:spPr>
+          <a:xfrm>
+            <a:off x="4662950" y="6155000"/>
+            <a:ext cx="966300" cy="13500"/>
+          </a:xfrm>
+          <a:prstGeom prst="straightConnector1">
+            <a:avLst/>
+          </a:prstGeom>
+          <a:noFill/>
+          <a:ln cap="flat" cmpd="sng" w="38100">
+            <a:solidFill>
+              <a:schemeClr val="dk2"/>
+            </a:solidFill>
+            <a:prstDash val="solid"/>
+            <a:round/>
+            <a:headEnd len="med" w="med" type="none"/>
+            <a:tailEnd len="med" w="med" type="triangle"/>
+          </a:ln>
+        </p:spPr>
+      </p:cxnSp>
+      <p:cxnSp>
+        <p:nvCxnSpPr>
+          <p:cNvPr id="123" name="Google Shape;123;g111e9305988_0_36"/>
+          <p:cNvCxnSpPr/>
+          <p:nvPr/>
+        </p:nvCxnSpPr>
+        <p:spPr>
+          <a:xfrm>
+            <a:off x="4662950" y="5316925"/>
+            <a:ext cx="966300" cy="13500"/>
+          </a:xfrm>
+          <a:prstGeom prst="straightConnector1">
+            <a:avLst/>
+          </a:prstGeom>
+          <a:noFill/>
+          <a:ln cap="flat" cmpd="sng" w="38100">
+            <a:solidFill>
+              <a:schemeClr val="dk2"/>
+            </a:solidFill>
+            <a:prstDash val="solid"/>
+            <a:round/>
+            <a:headEnd len="med" w="med" type="none"/>
+            <a:tailEnd len="med" w="med" type="triangle"/>
+          </a:ln>
+        </p:spPr>
+      </p:cxnSp>
+      <p:cxnSp>
+        <p:nvCxnSpPr>
+          <p:cNvPr id="124" name="Google Shape;124;g111e9305988_0_36"/>
+          <p:cNvCxnSpPr/>
+          <p:nvPr/>
+        </p:nvCxnSpPr>
+        <p:spPr>
+          <a:xfrm>
+            <a:off x="4662950" y="4044388"/>
+            <a:ext cx="966300" cy="13500"/>
+          </a:xfrm>
+          <a:prstGeom prst="straightConnector1">
+            <a:avLst/>
+          </a:prstGeom>
+          <a:noFill/>
+          <a:ln cap="flat" cmpd="sng" w="38100">
+            <a:solidFill>
+              <a:schemeClr val="dk2"/>
+            </a:solidFill>
+            <a:prstDash val="solid"/>
+            <a:round/>
+            <a:headEnd len="med" w="med" type="none"/>
+            <a:tailEnd len="med" w="med" type="triangle"/>
+          </a:ln>
+        </p:spPr>
+      </p:cxnSp>
+      <p:cxnSp>
+        <p:nvCxnSpPr>
+          <p:cNvPr id="125" name="Google Shape;125;g111e9305988_0_36"/>
+          <p:cNvCxnSpPr/>
+          <p:nvPr/>
+        </p:nvCxnSpPr>
+        <p:spPr>
+          <a:xfrm>
+            <a:off x="4662950" y="2860863"/>
+            <a:ext cx="966300" cy="13500"/>
+          </a:xfrm>
+          <a:prstGeom prst="straightConnector1">
+            <a:avLst/>
+          </a:prstGeom>
+          <a:noFill/>
+          <a:ln cap="flat" cmpd="sng" w="38100">
+            <a:solidFill>
+              <a:schemeClr val="dk2"/>
+            </a:solidFill>
+            <a:prstDash val="solid"/>
+            <a:round/>
+            <a:headEnd len="med" w="med" type="none"/>
+            <a:tailEnd len="med" w="med" type="triangle"/>
+          </a:ln>
+        </p:spPr>
+      </p:cxnSp>
+      <p:cxnSp>
+        <p:nvCxnSpPr>
+          <p:cNvPr id="126" name="Google Shape;126;g111e9305988_0_36"/>
+          <p:cNvCxnSpPr/>
+          <p:nvPr/>
+        </p:nvCxnSpPr>
+        <p:spPr>
+          <a:xfrm>
+            <a:off x="4662950" y="2000350"/>
+            <a:ext cx="966300" cy="13500"/>
+          </a:xfrm>
+          <a:prstGeom prst="straightConnector1">
+            <a:avLst/>
+          </a:prstGeom>
+          <a:noFill/>
+          <a:ln cap="flat" cmpd="sng" w="38100">
+            <a:solidFill>
+              <a:schemeClr val="dk2"/>
+            </a:solidFill>
+            <a:prstDash val="solid"/>
+            <a:round/>
+            <a:headEnd len="med" w="med" type="none"/>
+            <a:tailEnd len="med" w="med" type="triangle"/>
+          </a:ln>
+        </p:spPr>
+      </p:cxnSp>
+      <p:cxnSp>
+        <p:nvCxnSpPr>
+          <p:cNvPr id="127" name="Google Shape;127;g111e9305988_0_36"/>
+          <p:cNvCxnSpPr/>
+          <p:nvPr/>
+        </p:nvCxnSpPr>
+        <p:spPr>
+          <a:xfrm flipH="1" rot="10800000">
+            <a:off x="4662950" y="3485525"/>
+            <a:ext cx="866100" cy="558900"/>
+          </a:xfrm>
+          <a:prstGeom prst="straightConnector1">
+            <a:avLst/>
+          </a:prstGeom>
+          <a:noFill/>
+          <a:ln cap="flat" cmpd="sng" w="38100">
+            <a:solidFill>
+              <a:schemeClr val="dk2"/>
+            </a:solidFill>
+            <a:prstDash val="solid"/>
+            <a:round/>
+            <a:headEnd len="med" w="med" type="none"/>
+            <a:tailEnd len="med" w="med" type="triangle"/>
+          </a:ln>
+        </p:spPr>
+      </p:cxnSp>
+      <p:cxnSp>
+        <p:nvCxnSpPr>
+          <p:cNvPr id="128" name="Google Shape;128;g111e9305988_0_36"/>
+          <p:cNvCxnSpPr/>
+          <p:nvPr/>
+        </p:nvCxnSpPr>
+        <p:spPr>
+          <a:xfrm>
+            <a:off x="4662950" y="4044425"/>
+            <a:ext cx="840900" cy="582000"/>
+          </a:xfrm>
+          <a:prstGeom prst="straightConnector1">
+            <a:avLst/>
+          </a:prstGeom>
+          <a:noFill/>
+          <a:ln cap="flat" cmpd="sng" w="38100">
+            <a:solidFill>
+              <a:schemeClr val="dk2"/>
+            </a:solidFill>
+            <a:prstDash val="solid"/>
+            <a:round/>
+            <a:headEnd len="med" w="med" type="none"/>
+            <a:tailEnd len="med" w="med" type="triangle"/>
+          </a:ln>
+        </p:spPr>
+      </p:cxnSp>
+    </p:spTree>
+  </p:cSld>
+  <p:clrMapOvr>
+    <a:masterClrMapping/>
+  </p:clrMapOvr>
+</p:sld>
+</file>
+
+<file path=ppt/slides/slide7.xml><?xml version="1.0" encoding="utf-8"?>
+<p:sld xmlns:a="http://schemas.openxmlformats.org/drawingml/2006/main" xmlns:r="http://schemas.openxmlformats.org/officeDocument/2006/relationships" xmlns:mc="http://schemas.openxmlformats.org/markup-compatibility/2006" xmlns:mv="urn:schemas-microsoft-com:mac:vml" xmlns:p="http://schemas.openxmlformats.org/presentationml/2006/main" xmlns:c="http://schemas.openxmlformats.org/drawingml/2006/chart" xmlns:dgm="http://schemas.openxmlformats.org/drawingml/2006/diagram" xmlns:o="urn:schemas-microsoft-com:office:office" xmlns:v="urn:schemas-microsoft-com:vml" xmlns:pvml="urn:schemas-microsoft-com:office:powerpoint" xmlns:com="http://schemas.openxmlformats.org/drawingml/2006/compatibility" xmlns:p14="http://schemas.microsoft.com/office/powerpoint/2010/main" xmlns:p15="http://schemas.microsoft.com/office/powerpoint/2012/main" xmlns:ahyp="http://schemas.microsoft.com/office/drawing/2018/hyperlinkcolor">
+  <p:cSld>
+    <p:spTree>
+      <p:nvGrpSpPr>
+        <p:cNvPr id="132" name="Shape 132"/>
+        <p:cNvGrpSpPr/>
+        <p:nvPr/>
+      </p:nvGrpSpPr>
+      <p:grpSpPr>
+        <a:xfrm>
+          <a:off x="0" y="0"/>
+          <a:ext cx="0" cy="0"/>
+          <a:chOff x="0" y="0"/>
+          <a:chExt cx="0" cy="0"/>
+        </a:xfrm>
+      </p:grpSpPr>
+      <p:sp>
+        <p:nvSpPr>
+          <p:cNvPr id="133" name="Google Shape;133;g111e9305988_0_51"/>
+          <p:cNvSpPr txBox="1"/>
+          <p:nvPr>
+            <p:ph type="title"/>
+          </p:nvPr>
+        </p:nvSpPr>
+        <p:spPr>
+          <a:xfrm>
+            <a:off x="838200" y="365125"/>
+            <a:ext cx="10515600" cy="1325700"/>
+          </a:xfrm>
+          <a:prstGeom prst="rect">
+            <a:avLst/>
+          </a:prstGeom>
+        </p:spPr>
+        <p:txBody>
+          <a:bodyPr anchorCtr="0" anchor="ctr" bIns="45700" lIns="91425" spcFirstLastPara="1" rIns="91425" wrap="square" tIns="45700">
+            <a:normAutofit/>
+          </a:bodyPr>
+          <a:lstStyle/>
+          <a:p>
+            <a:pPr indent="0" lvl="0" marL="0" rtl="0" algn="l">
+              <a:spcBef>
+                <a:spcPts val="0"/>
+              </a:spcBef>
+              <a:spcAft>
+                <a:spcPts val="0"/>
+              </a:spcAft>
+              <a:buNone/>
+            </a:pPr>
+            <a:r>
+              <a:rPr lang="es-ES"/>
+              <a:t>License</a:t>
+            </a:r>
+            <a:endParaRPr/>
+          </a:p>
+        </p:txBody>
+      </p:sp>
+      <p:sp>
+        <p:nvSpPr>
+          <p:cNvPr id="134" name="Google Shape;134;g111e9305988_0_51"/>
           <p:cNvSpPr txBox="1"/>
           <p:nvPr>
             <p:ph idx="1" type="body"/>
@@ -15735,6 +20169,9 @@
           <a:lstStyle/>
           <a:p>
             <a:pPr indent="-342900" lvl="0" marL="457200" rtl="0" algn="l">
+              <a:lnSpc>
+                <a:spcPct val="150000"/>
+              </a:lnSpc>
               <a:spcBef>
                 <a:spcPts val="1000"/>
               </a:spcBef>
@@ -15742,86 +20179,52 @@
                 <a:spcPts val="0"/>
               </a:spcAft>
               <a:buSzPts val="1800"/>
-              <a:buChar char="•"/>
+              <a:buChar char="●"/>
             </a:pPr>
             <a:r>
               <a:rPr lang="es-ES"/>
-              <a:t>20 annotations in common</a:t>
+              <a:t>The resource and code are publicly available at </a:t>
             </a:r>
-            <a:endParaRPr/>
-          </a:p>
-          <a:p>
-            <a:pPr indent="-342900" lvl="1" marL="914400" rtl="0" algn="l">
-              <a:spcBef>
-                <a:spcPts val="0"/>
-              </a:spcBef>
-              <a:spcAft>
-                <a:spcPts val="0"/>
-              </a:spcAft>
-              <a:buSzPts val="1800"/>
-              <a:buChar char="•"/>
-            </a:pPr>
             <a:r>
-              <a:rPr lang="es-ES"/>
-              <a:t>To calculate inter annotator agreement</a:t>
-            </a:r>
-            <a:endParaRPr/>
-          </a:p>
-          <a:p>
-            <a:pPr indent="-342900" lvl="1" marL="914400" rtl="0" algn="l">
-              <a:spcBef>
-                <a:spcPts val="0"/>
-              </a:spcBef>
-              <a:spcAft>
-                <a:spcPts val="0"/>
-              </a:spcAft>
-              <a:buSzPts val="1800"/>
-              <a:buChar char="•"/>
-            </a:pPr>
-            <a:r>
-              <a:rPr lang="es-ES"/>
-              <a:t>To make modifications in the guideline</a:t>
+              <a:rPr lang="es-ES" u="sng">
+                <a:solidFill>
+                  <a:schemeClr val="hlink"/>
+                </a:solidFill>
+                <a:hlinkClick r:id="rId3"/>
+              </a:rPr>
+              <a:t>GitHub</a:t>
             </a:r>
             <a:r>
               <a:rPr lang="es-ES"/>
-              <a:t>s</a:t>
-            </a:r>
-            <a:endParaRPr/>
-          </a:p>
-          <a:p>
-            <a:pPr indent="0" lvl="0" marL="914400" rtl="0" algn="l">
-              <a:spcBef>
-                <a:spcPts val="1000"/>
-              </a:spcBef>
-              <a:spcAft>
-                <a:spcPts val="0"/>
-              </a:spcAft>
-              <a:buNone/>
-            </a:pPr>
-            <a:r>
-              <a:t/>
+              <a:t>.</a:t>
             </a:r>
             <a:endParaRPr/>
           </a:p>
           <a:p>
             <a:pPr indent="-342900" lvl="0" marL="457200" rtl="0" algn="l">
-              <a:spcBef>
-                <a:spcPts val="1000"/>
+              <a:lnSpc>
+                <a:spcPct val="150000"/>
+              </a:lnSpc>
+              <a:spcBef>
+                <a:spcPts val="0"/>
               </a:spcBef>
               <a:spcAft>
                 <a:spcPts val="0"/>
               </a:spcAft>
               <a:buSzPts val="1800"/>
-              <a:buChar char="•"/>
+              <a:buChar char="●"/>
             </a:pPr>
             <a:r>
               <a:rPr lang="es-ES"/>
-              <a:t>Adversarial examples</a:t>
+              <a:t>Problems with new Twitter policy</a:t>
             </a:r>
             <a:endParaRPr/>
           </a:p>
           <a:p>
-            <a:pPr indent="-342900" lvl="1" marL="914400" rtl="0" algn="l">
+            <a:pPr indent="-342900" lvl="0" marL="457200" rtl="0" algn="l">
+              <a:lnSpc>
+                <a:spcPct val="150000"/>
+              </a:lnSpc>
               <a:spcBef>
                 <a:spcPts val="0"/>
               </a:spcBef>
@@ -15829,12 +20232,104 @@
                 <a:spcPts val="0"/>
               </a:spcAft>
               <a:buSzPts val="1800"/>
-              <a:buChar char="•"/>
+              <a:buChar char="●"/>
             </a:pPr>
             <a:r>
               <a:rPr lang="es-ES"/>
-              <a:t>To see if automatic annotation changes</a:t>
+              <a:t>Remove tweet text and only keep ID</a:t>
             </a:r>
+            <a:endParaRPr/>
+          </a:p>
+          <a:p>
+            <a:pPr indent="-342900" lvl="0" marL="457200" rtl="0" algn="l">
+              <a:lnSpc>
+                <a:spcPct val="150000"/>
+              </a:lnSpc>
+              <a:spcBef>
+                <a:spcPts val="0"/>
+              </a:spcBef>
+              <a:spcAft>
+                <a:spcPts val="0"/>
+              </a:spcAft>
+              <a:buSzPts val="1800"/>
+              <a:buChar char="●"/>
+            </a:pPr>
+            <a:r>
+              <a:rPr lang="es-ES"/>
+              <a:t>The code is licensed under the MIT open source license.</a:t>
+            </a:r>
+            <a:endParaRPr/>
+          </a:p>
+          <a:p>
+            <a:pPr indent="-342900" lvl="0" marL="457200" rtl="0" algn="l">
+              <a:lnSpc>
+                <a:spcPct val="150000"/>
+              </a:lnSpc>
+              <a:spcBef>
+                <a:spcPts val="0"/>
+              </a:spcBef>
+              <a:spcAft>
+                <a:spcPts val="0"/>
+              </a:spcAft>
+              <a:buSzPts val="1800"/>
+              <a:buChar char="●"/>
+            </a:pPr>
+            <a:r>
+              <a:rPr lang="es-ES"/>
+              <a:t>Non-code materials provided under terms of the CC BY 4.0</a:t>
+            </a:r>
+            <a:r>
+              <a:rPr lang="es-ES"/>
+              <a:t> license</a:t>
+            </a:r>
+            <a:r>
+              <a:rPr lang="es-ES"/>
+              <a:t>.</a:t>
+            </a:r>
+            <a:endParaRPr/>
+          </a:p>
+        </p:txBody>
+      </p:sp>
+      <p:sp>
+        <p:nvSpPr>
+          <p:cNvPr id="135" name="Google Shape;135;g111e9305988_0_51"/>
+          <p:cNvSpPr txBox="1"/>
+          <p:nvPr>
+            <p:ph idx="12" type="sldNum"/>
+          </p:nvPr>
+        </p:nvSpPr>
+        <p:spPr>
+          <a:xfrm>
+            <a:off x="8610600" y="6356350"/>
+            <a:ext cx="2743200" cy="365100"/>
+          </a:xfrm>
+          <a:prstGeom prst="rect">
+            <a:avLst/>
+          </a:prstGeom>
+        </p:spPr>
+        <p:txBody>
+          <a:bodyPr anchorCtr="0" anchor="ctr" bIns="45700" lIns="91425" spcFirstLastPara="1" rIns="91425" wrap="square" tIns="45700">
+            <a:noAutofit/>
+          </a:bodyPr>
+          <a:lstStyle/>
+          <a:p>
+            <a:pPr indent="0" lvl="0" marL="0" rtl="0" algn="r">
+              <a:spcBef>
+                <a:spcPts val="0"/>
+              </a:spcBef>
+              <a:spcAft>
+                <a:spcPts val="0"/>
+              </a:spcAft>
+              <a:buClr>
+                <a:srgbClr val="000000"/>
+              </a:buClr>
+              <a:buFont typeface="Arial"/>
+              <a:buNone/>
+            </a:pPr>
+            <a:fld id="{00000000-1234-1234-1234-123412341234}" type="slidenum">
+              <a:rPr lang="es-ES"/>
+              <a:t>‹#›</a:t>
+            </a:fld>
             <a:endParaRPr/>
           </a:p>
         </p:txBody>
@@ -15847,12 +20342,12 @@
 </p:sld>
 </file>
 
-<file path=ppt/slides/slide7.xml><?xml version="1.0" encoding="utf-8"?>
+<file path=ppt/slides/slide8.xml><?xml version="1.0" encoding="utf-8"?>
 <p:sld xmlns:a="http://schemas.openxmlformats.org/drawingml/2006/main" xmlns:r="http://schemas.openxmlformats.org/officeDocument/2006/relationships" xmlns:mc="http://schemas.openxmlformats.org/markup-compatibility/2006" xmlns:mv="urn:schemas-microsoft-com:mac:vml" xmlns:p="http://schemas.openxmlformats.org/presentationml/2006/main" xmlns:c="http://schemas.openxmlformats.org/drawingml/2006/chart" xmlns:dgm="http://schemas.openxmlformats.org/drawingml/2006/diagram" xmlns:o="urn:schemas-microsoft-com:office:office" xmlns:v="urn:schemas-microsoft-com:vml" xmlns:pvml="urn:schemas-microsoft-com:office:powerpoint" xmlns:com="http://schemas.openxmlformats.org/drawingml/2006/compatibility" xmlns:p14="http://schemas.microsoft.com/office/powerpoint/2010/main" xmlns:p15="http://schemas.microsoft.com/office/powerpoint/2012/main" xmlns:ahyp="http://schemas.microsoft.com/office/drawing/2018/hyperlinkcolor">
   <p:cSld>
     <p:spTree>
       <p:nvGrpSpPr>
-        <p:cNvPr id="119" name="Shape 119"/>
+        <p:cNvPr id="139" name="Shape 139"/>
         <p:cNvGrpSpPr/>
         <p:nvPr/>
       </p:nvGrpSpPr>
@@ -15866,7 +20361,7 @@
       </p:grpSpPr>
       <p:sp>
         <p:nvSpPr>
-          <p:cNvPr id="120" name="Google Shape;120;g112e57bf82a_0_30"/>
+          <p:cNvPr id="140" name="Google Shape;140;g112e57bf82a_0_30"/>
           <p:cNvSpPr txBox="1"/>
           <p:nvPr>
             <p:ph type="title"/>
@@ -15898,7 +20393,7 @@
             </a:pPr>
             <a:r>
               <a:rPr lang="es-ES"/>
-              <a:t>Guidelines</a:t>
+              <a:t>Initial Guidelines</a:t>
             </a:r>
             <a:endParaRPr/>
           </a:p>
@@ -15906,7 +20401,7 @@
       </p:sp>
       <p:sp>
         <p:nvSpPr>
-          <p:cNvPr id="121" name="Google Shape;121;g112e57bf82a_0_30"/>
+          <p:cNvPr id="141" name="Google Shape;141;g112e57bf82a_0_30"/>
           <p:cNvSpPr txBox="1"/>
           <p:nvPr>
             <p:ph idx="1" type="body"/>
@@ -15928,6 +20423,9 @@
           <a:lstStyle/>
           <a:p>
             <a:pPr indent="-342900" lvl="0" marL="457200" rtl="0" algn="l">
+              <a:lnSpc>
+                <a:spcPct val="150000"/>
+              </a:lnSpc>
               <a:spcBef>
                 <a:spcPts val="1000"/>
               </a:spcBef>
@@ -15935,11 +20433,120 @@
                 <a:spcPts val="0"/>
               </a:spcAft>
               <a:buSzPts val="1800"/>
-              <a:buChar char="-"/>
+              <a:buChar char="●"/>
             </a:pPr>
             <a:r>
-              <a:t/>
+              <a:rPr lang="es-ES"/>
+              <a:t>Select only one label for each task</a:t>
             </a:r>
+            <a:endParaRPr/>
+          </a:p>
+          <a:p>
+            <a:pPr indent="-342900" lvl="0" marL="457200" rtl="0" algn="l">
+              <a:lnSpc>
+                <a:spcPct val="150000"/>
+              </a:lnSpc>
+              <a:spcBef>
+                <a:spcPts val="0"/>
+              </a:spcBef>
+              <a:spcAft>
+                <a:spcPts val="0"/>
+              </a:spcAft>
+              <a:buSzPts val="1800"/>
+              <a:buChar char="●"/>
+            </a:pPr>
+            <a:r>
+              <a:rPr lang="es-ES"/>
+              <a:t>Read one tweet and annotate sentiment and emotion</a:t>
+            </a:r>
+            <a:endParaRPr/>
+          </a:p>
+          <a:p>
+            <a:pPr indent="-342900" lvl="0" marL="457200" rtl="0" algn="l">
+              <a:lnSpc>
+                <a:spcPct val="150000"/>
+              </a:lnSpc>
+              <a:spcBef>
+                <a:spcPts val="0"/>
+              </a:spcBef>
+              <a:spcAft>
+                <a:spcPts val="0"/>
+              </a:spcAft>
+              <a:buSzPts val="1800"/>
+              <a:buChar char="●"/>
+            </a:pPr>
+            <a:r>
+              <a:rPr lang="es-ES"/>
+              <a:t>3 labels for </a:t>
+            </a:r>
+            <a:r>
+              <a:rPr lang="es-ES"/>
+              <a:t>sentiment (positive, negative, neutral)</a:t>
+            </a:r>
+            <a:endParaRPr/>
+          </a:p>
+          <a:p>
+            <a:pPr indent="-342900" lvl="0" marL="457200" rtl="0" algn="l">
+              <a:lnSpc>
+                <a:spcPct val="150000"/>
+              </a:lnSpc>
+              <a:spcBef>
+                <a:spcPts val="0"/>
+              </a:spcBef>
+              <a:spcAft>
+                <a:spcPts val="0"/>
+              </a:spcAft>
+              <a:buSzPts val="1800"/>
+              <a:buChar char="●"/>
+            </a:pPr>
+            <a:r>
+              <a:rPr lang="es-ES"/>
+              <a:t>4 labels for emotion (joy, anger, sadness, optimism)</a:t>
+            </a:r>
+            <a:endParaRPr/>
+          </a:p>
+        </p:txBody>
+      </p:sp>
+      <p:sp>
+        <p:nvSpPr>
+          <p:cNvPr id="142" name="Google Shape;142;g112e57bf82a_0_30"/>
+          <p:cNvSpPr txBox="1"/>
+          <p:nvPr>
+            <p:ph idx="12" type="sldNum"/>
+          </p:nvPr>
+        </p:nvSpPr>
+        <p:spPr>
+          <a:xfrm>
+            <a:off x="8610600" y="6356350"/>
+            <a:ext cx="2743200" cy="365100"/>
+          </a:xfrm>
+          <a:prstGeom prst="rect">
+            <a:avLst/>
+          </a:prstGeom>
+        </p:spPr>
+        <p:txBody>
+          <a:bodyPr anchorCtr="0" anchor="ctr" bIns="45700" lIns="91425" spcFirstLastPara="1" rIns="91425" wrap="square" tIns="45700">
+            <a:noAutofit/>
+          </a:bodyPr>
+          <a:lstStyle/>
+          <a:p>
+            <a:pPr indent="0" lvl="0" marL="0" rtl="0" algn="r">
+              <a:spcBef>
+                <a:spcPts val="0"/>
+              </a:spcBef>
+              <a:spcAft>
+                <a:spcPts val="0"/>
+              </a:spcAft>
+              <a:buClr>
+                <a:srgbClr val="000000"/>
+              </a:buClr>
+              <a:buFont typeface="Arial"/>
+              <a:buNone/>
+            </a:pPr>
+            <a:fld id="{00000000-1234-1234-1234-123412341234}" type="slidenum">
+              <a:rPr lang="es-ES"/>
+              <a:t>‹#›</a:t>
+            </a:fld>
             <a:endParaRPr/>
           </a:p>
         </p:txBody>
@@ -15952,12 +20559,12 @@
 </p:sld>
 </file>
 
-<file path=ppt/slides/slide8.xml><?xml version="1.0" encoding="utf-8"?>
+<file path=ppt/slides/slide9.xml><?xml version="1.0" encoding="utf-8"?>
 <p:sld xmlns:a="http://schemas.openxmlformats.org/drawingml/2006/main" xmlns:r="http://schemas.openxmlformats.org/officeDocument/2006/relationships" xmlns:mc="http://schemas.openxmlformats.org/markup-compatibility/2006" xmlns:mv="urn:schemas-microsoft-com:mac:vml" xmlns:p="http://schemas.openxmlformats.org/presentationml/2006/main" xmlns:c="http://schemas.openxmlformats.org/drawingml/2006/chart" xmlns:dgm="http://schemas.openxmlformats.org/drawingml/2006/diagram" xmlns:o="urn:schemas-microsoft-com:office:office" xmlns:v="urn:schemas-microsoft-com:vml" xmlns:pvml="urn:schemas-microsoft-com:office:powerpoint" xmlns:com="http://schemas.openxmlformats.org/drawingml/2006/compatibility" xmlns:p14="http://schemas.microsoft.com/office/powerpoint/2010/main" xmlns:p15="http://schemas.microsoft.com/office/powerpoint/2012/main" xmlns:ahyp="http://schemas.microsoft.com/office/drawing/2018/hyperlinkcolor">
   <p:cSld>
     <p:spTree>
       <p:nvGrpSpPr>
-        <p:cNvPr id="125" name="Shape 125"/>
+        <p:cNvPr id="146" name="Shape 146"/>
         <p:cNvGrpSpPr/>
         <p:nvPr/>
       </p:nvGrpSpPr>
@@ -15971,7 +20578,7 @@
       </p:grpSpPr>
       <p:sp>
         <p:nvSpPr>
-          <p:cNvPr id="126" name="Google Shape;126;g112e57bf82a_0_50"/>
+          <p:cNvPr id="147" name="Google Shape;147;g112e57bf82a_0_40"/>
           <p:cNvSpPr txBox="1"/>
           <p:nvPr>
             <p:ph type="title"/>
@@ -16003,438 +20610,6 @@
             </a:pPr>
             <a:r>
               <a:rPr lang="es-ES"/>
-              <a:t>Guidelines for </a:t>
-            </a:r>
-            <a:endParaRPr/>
-          </a:p>
-        </p:txBody>
-      </p:sp>
-      <p:graphicFrame>
-        <p:nvGraphicFramePr>
-          <p:cNvPr id="127" name="Google Shape;127;g112e57bf82a_0_50"/>
-          <p:cNvGraphicFramePr/>
-          <p:nvPr/>
-        </p:nvGraphicFramePr>
-        <p:xfrm>
-          <a:off x="952500" y="2023175"/>
-          <a:ext cx="3000000" cy="3000000"/>
-        </p:xfrm>
-        <a:graphic>
-          <a:graphicData uri="http://schemas.openxmlformats.org/drawingml/2006/table">
-            <a:tbl>
-              <a:tblPr>
-                <a:noFill/>
-                <a:tableStyleId>{0E8328BC-C7E2-4EE8-BECD-347CB56EA330}</a:tableStyleId>
-              </a:tblPr>
-              <a:tblGrid>
-                <a:gridCol w="2571750"/>
-                <a:gridCol w="2571750"/>
-                <a:gridCol w="2571750"/>
-                <a:gridCol w="2571750"/>
-              </a:tblGrid>
-              <a:tr h="744900">
-                <a:tc gridSpan="2">
-                  <a:txBody>
-                    <a:bodyPr/>
-                    <a:lstStyle/>
-                    <a:p>
-                      <a:pPr indent="0" lvl="0" marL="0" rtl="0" algn="l">
-                        <a:spcBef>
-                          <a:spcPts val="0"/>
-                        </a:spcBef>
-                        <a:spcAft>
-                          <a:spcPts val="0"/>
-                        </a:spcAft>
-                        <a:buNone/>
-                      </a:pPr>
-                      <a:r>
-                        <a:rPr lang="es-ES"/>
-                        <a:t>EMOTION</a:t>
-                      </a:r>
-                      <a:endParaRPr/>
-                    </a:p>
-                  </a:txBody>
-                  <a:tcPr marT="91425" marB="91425" marR="91425" marL="91425"/>
-                </a:tc>
-                <a:tc hMerge="1"/>
-                <a:tc gridSpan="2">
-                  <a:txBody>
-                    <a:bodyPr/>
-                    <a:lstStyle/>
-                    <a:p>
-                      <a:pPr indent="0" lvl="0" marL="0" rtl="0" algn="l">
-                        <a:spcBef>
-                          <a:spcPts val="0"/>
-                        </a:spcBef>
-                        <a:spcAft>
-                          <a:spcPts val="0"/>
-                        </a:spcAft>
-                        <a:buNone/>
-                      </a:pPr>
-                      <a:r>
-                        <a:rPr lang="es-ES"/>
-                        <a:t>SENTIMENT</a:t>
-                      </a:r>
-                      <a:endParaRPr/>
-                    </a:p>
-                  </a:txBody>
-                  <a:tcPr marT="91425" marB="91425" marR="91425" marL="91425"/>
-                </a:tc>
-                <a:tc hMerge="1"/>
-              </a:tr>
-              <a:tr h="396225">
-                <a:tc>
-                  <a:txBody>
-                    <a:bodyPr/>
-                    <a:lstStyle/>
-                    <a:p>
-                      <a:pPr indent="0" lvl="0" marL="0" rtl="0" algn="l">
-                        <a:spcBef>
-                          <a:spcPts val="0"/>
-                        </a:spcBef>
-                        <a:spcAft>
-                          <a:spcPts val="0"/>
-                        </a:spcAft>
-                        <a:buNone/>
-                      </a:pPr>
-                      <a:r>
-                        <a:rPr lang="es-ES"/>
-                        <a:t>If not sure / No emotion</a:t>
-                      </a:r>
-                      <a:endParaRPr/>
-                    </a:p>
-                  </a:txBody>
-                  <a:tcPr marT="91425" marB="91425" marR="91425" marL="91425"/>
-                </a:tc>
-                <a:tc>
-                  <a:txBody>
-                    <a:bodyPr/>
-                    <a:lstStyle/>
-                    <a:p>
-                      <a:pPr indent="0" lvl="0" marL="0" rtl="0" algn="l">
-                        <a:spcBef>
-                          <a:spcPts val="0"/>
-                        </a:spcBef>
-                        <a:spcAft>
-                          <a:spcPts val="0"/>
-                        </a:spcAft>
-                        <a:buNone/>
-                      </a:pPr>
-                      <a:r>
-                        <a:rPr lang="es-ES"/>
-                        <a:t>Less specific: Joy</a:t>
-                      </a:r>
-                      <a:endParaRPr/>
-                    </a:p>
-                  </a:txBody>
-                  <a:tcPr marT="91425" marB="91425" marR="91425" marL="91425"/>
-                </a:tc>
-                <a:tc>
-                  <a:txBody>
-                    <a:bodyPr/>
-                    <a:lstStyle/>
-                    <a:p>
-                      <a:pPr indent="0" lvl="0" marL="0" marR="0" rtl="0" algn="l">
-                        <a:lnSpc>
-                          <a:spcPct val="100000"/>
-                        </a:lnSpc>
-                        <a:spcBef>
-                          <a:spcPts val="0"/>
-                        </a:spcBef>
-                        <a:spcAft>
-                          <a:spcPts val="0"/>
-                        </a:spcAft>
-                        <a:buNone/>
-                      </a:pPr>
-                      <a:r>
-                        <a:rPr lang="es-ES"/>
-                        <a:t>Irony / Sarcasm: </a:t>
-                      </a:r>
-                      <a:endParaRPr/>
-                    </a:p>
-                  </a:txBody>
-                  <a:tcPr marT="91425" marB="91425" marR="91425" marL="91425"/>
-                </a:tc>
-                <a:tc>
-                  <a:txBody>
-                    <a:bodyPr/>
-                    <a:lstStyle/>
-                    <a:p>
-                      <a:pPr indent="0" lvl="0" marL="0" marR="0" rtl="0" algn="l">
-                        <a:lnSpc>
-                          <a:spcPct val="100000"/>
-                        </a:lnSpc>
-                        <a:spcBef>
-                          <a:spcPts val="0"/>
-                        </a:spcBef>
-                        <a:spcAft>
-                          <a:spcPts val="0"/>
-                        </a:spcAft>
-                        <a:buNone/>
-                      </a:pPr>
-                      <a:r>
-                        <a:rPr lang="es-ES"/>
-                        <a:t>Sentiment opposed to the overall sentiment. Either “positive” or “negative”</a:t>
-                      </a:r>
-                      <a:endParaRPr/>
-                    </a:p>
-                  </a:txBody>
-                  <a:tcPr marT="91425" marB="91425" marR="91425" marL="91425"/>
-                </a:tc>
-              </a:tr>
-              <a:tr h="396225">
-                <a:tc>
-                  <a:txBody>
-                    <a:bodyPr/>
-                    <a:lstStyle/>
-                    <a:p>
-                      <a:pPr indent="0" lvl="0" marL="0" rtl="0" algn="l">
-                        <a:spcBef>
-                          <a:spcPts val="0"/>
-                        </a:spcBef>
-                        <a:spcAft>
-                          <a:spcPts val="0"/>
-                        </a:spcAft>
-                        <a:buNone/>
-                      </a:pPr>
-                      <a:r>
-                        <a:rPr lang="es-ES"/>
-                        <a:t>Joy / Optimism</a:t>
-                      </a:r>
-                      <a:endParaRPr/>
-                    </a:p>
-                  </a:txBody>
-                  <a:tcPr marT="91425" marB="91425" marR="91425" marL="91425"/>
-                </a:tc>
-                <a:tc>
-                  <a:txBody>
-                    <a:bodyPr/>
-                    <a:lstStyle/>
-                    <a:p>
-                      <a:pPr indent="0" lvl="0" marL="0" rtl="0" algn="l">
-                        <a:spcBef>
-                          <a:spcPts val="0"/>
-                        </a:spcBef>
-                        <a:spcAft>
-                          <a:spcPts val="0"/>
-                        </a:spcAft>
-                        <a:buNone/>
-                      </a:pPr>
-                      <a:r>
-                        <a:rPr lang="es-ES"/>
-                        <a:t>More general: Joy</a:t>
-                      </a:r>
-                      <a:endParaRPr/>
-                    </a:p>
-                  </a:txBody>
-                  <a:tcPr marT="91425" marB="91425" marR="91425" marL="91425"/>
-                </a:tc>
-                <a:tc>
-                  <a:txBody>
-                    <a:bodyPr/>
-                    <a:lstStyle/>
-                    <a:p>
-                      <a:pPr indent="0" lvl="0" marL="0" marR="0" rtl="0" algn="l">
-                        <a:lnSpc>
-                          <a:spcPct val="100000"/>
-                        </a:lnSpc>
-                        <a:spcBef>
-                          <a:spcPts val="0"/>
-                        </a:spcBef>
-                        <a:spcAft>
-                          <a:spcPts val="0"/>
-                        </a:spcAft>
-                        <a:buNone/>
-                      </a:pPr>
-                      <a:r>
-                        <a:rPr lang="es-ES"/>
-                        <a:t>Contradicting sentiments</a:t>
-                      </a:r>
-                      <a:endParaRPr/>
-                    </a:p>
-                  </a:txBody>
-                  <a:tcPr marT="91425" marB="91425" marR="91425" marL="91425"/>
-                </a:tc>
-                <a:tc>
-                  <a:txBody>
-                    <a:bodyPr/>
-                    <a:lstStyle/>
-                    <a:p>
-                      <a:pPr indent="0" lvl="0" marL="0" marR="0" rtl="0" algn="l">
-                        <a:lnSpc>
-                          <a:spcPct val="100000"/>
-                        </a:lnSpc>
-                        <a:spcBef>
-                          <a:spcPts val="0"/>
-                        </a:spcBef>
-                        <a:spcAft>
-                          <a:spcPts val="0"/>
-                        </a:spcAft>
-                        <a:buNone/>
-                      </a:pPr>
-                      <a:r>
-                        <a:rPr lang="es-ES"/>
-                        <a:t>Overall sentiment</a:t>
-                      </a:r>
-                      <a:endParaRPr/>
-                    </a:p>
-                  </a:txBody>
-                  <a:tcPr marT="91425" marB="91425" marR="91425" marL="91425"/>
-                </a:tc>
-              </a:tr>
-              <a:tr h="396225">
-                <a:tc>
-                  <a:txBody>
-                    <a:bodyPr/>
-                    <a:lstStyle/>
-                    <a:p>
-                      <a:pPr indent="0" lvl="0" marL="0" rtl="0" algn="l">
-                        <a:spcBef>
-                          <a:spcPts val="0"/>
-                        </a:spcBef>
-                        <a:spcAft>
-                          <a:spcPts val="0"/>
-                        </a:spcAft>
-                        <a:buNone/>
-                      </a:pPr>
-                      <a:r>
-                        <a:t/>
-                      </a:r>
-                      <a:endParaRPr/>
-                    </a:p>
-                  </a:txBody>
-                  <a:tcPr marT="91425" marB="91425" marR="91425" marL="91425"/>
-                </a:tc>
-                <a:tc>
-                  <a:txBody>
-                    <a:bodyPr/>
-                    <a:lstStyle/>
-                    <a:p>
-                      <a:pPr indent="0" lvl="0" marL="0" rtl="0" algn="l">
-                        <a:spcBef>
-                          <a:spcPts val="0"/>
-                        </a:spcBef>
-                        <a:spcAft>
-                          <a:spcPts val="0"/>
-                        </a:spcAft>
-                        <a:buNone/>
-                      </a:pPr>
-                      <a:r>
-                        <a:t/>
-                      </a:r>
-                      <a:endParaRPr/>
-                    </a:p>
-                  </a:txBody>
-                  <a:tcPr marT="91425" marB="91425" marR="91425" marL="91425"/>
-                </a:tc>
-                <a:tc>
-                  <a:txBody>
-                    <a:bodyPr/>
-                    <a:lstStyle/>
-                    <a:p>
-                      <a:pPr indent="0" lvl="0" marL="0" rtl="0" algn="l">
-                        <a:spcBef>
-                          <a:spcPts val="0"/>
-                        </a:spcBef>
-                        <a:spcAft>
-                          <a:spcPts val="0"/>
-                        </a:spcAft>
-                        <a:buNone/>
-                      </a:pPr>
-                      <a:r>
-                        <a:t/>
-                      </a:r>
-                      <a:endParaRPr/>
-                    </a:p>
-                  </a:txBody>
-                  <a:tcPr marT="91425" marB="91425" marR="91425" marL="91425"/>
-                </a:tc>
-                <a:tc>
-                  <a:txBody>
-                    <a:bodyPr/>
-                    <a:lstStyle/>
-                    <a:p>
-                      <a:pPr indent="0" lvl="0" marL="0" rtl="0" algn="l">
-                        <a:spcBef>
-                          <a:spcPts val="0"/>
-                        </a:spcBef>
-                        <a:spcAft>
-                          <a:spcPts val="0"/>
-                        </a:spcAft>
-                        <a:buNone/>
-                      </a:pPr>
-                      <a:r>
-                        <a:t/>
-                      </a:r>
-                      <a:endParaRPr/>
-                    </a:p>
-                  </a:txBody>
-                  <a:tcPr marT="91425" marB="91425" marR="91425" marL="91425"/>
-                </a:tc>
-              </a:tr>
-            </a:tbl>
-          </a:graphicData>
-        </a:graphic>
-      </p:graphicFrame>
-    </p:spTree>
-  </p:cSld>
-  <p:clrMapOvr>
-    <a:masterClrMapping/>
-  </p:clrMapOvr>
-</p:sld>
-</file>
-
-<file path=ppt/slides/slide9.xml><?xml version="1.0" encoding="utf-8"?>
-<p:sld xmlns:a="http://schemas.openxmlformats.org/drawingml/2006/main" xmlns:r="http://schemas.openxmlformats.org/officeDocument/2006/relationships" xmlns:mc="http://schemas.openxmlformats.org/markup-compatibility/2006" xmlns:mv="urn:schemas-microsoft-com:mac:vml" xmlns:p="http://schemas.openxmlformats.org/presentationml/2006/main" xmlns:c="http://schemas.openxmlformats.org/drawingml/2006/chart" xmlns:dgm="http://schemas.openxmlformats.org/drawingml/2006/diagram" xmlns:o="urn:schemas-microsoft-com:office:office" xmlns:v="urn:schemas-microsoft-com:vml" xmlns:pvml="urn:schemas-microsoft-com:office:powerpoint" xmlns:com="http://schemas.openxmlformats.org/drawingml/2006/compatibility" xmlns:p14="http://schemas.microsoft.com/office/powerpoint/2010/main" xmlns:p15="http://schemas.microsoft.com/office/powerpoint/2012/main" xmlns:ahyp="http://schemas.microsoft.com/office/drawing/2018/hyperlinkcolor">
-  <p:cSld>
-    <p:spTree>
-      <p:nvGrpSpPr>
-        <p:cNvPr id="131" name="Shape 131"/>
-        <p:cNvGrpSpPr/>
-        <p:nvPr/>
-      </p:nvGrpSpPr>
-      <p:grpSpPr>
-        <a:xfrm>
-          <a:off x="0" y="0"/>
-          <a:ext cx="0" cy="0"/>
-          <a:chOff x="0" y="0"/>
-          <a:chExt cx="0" cy="0"/>
-        </a:xfrm>
-      </p:grpSpPr>
-      <p:sp>
-        <p:nvSpPr>
-          <p:cNvPr id="132" name="Google Shape;132;g112e57bf82a_0_40"/>
-          <p:cNvSpPr txBox="1"/>
-          <p:nvPr>
-            <p:ph type="title"/>
-          </p:nvPr>
-        </p:nvSpPr>
-        <p:spPr>
-          <a:xfrm>
-            <a:off x="838200" y="365125"/>
-            <a:ext cx="10515600" cy="1325700"/>
-          </a:xfrm>
-          <a:prstGeom prst="rect">
-            <a:avLst/>
-          </a:prstGeom>
-        </p:spPr>
-        <p:txBody>
-          <a:bodyPr anchorCtr="0" anchor="ctr" bIns="45700" lIns="91425" spcFirstLastPara="1" rIns="91425" wrap="square" tIns="45700">
-            <a:normAutofit/>
-          </a:bodyPr>
-          <a:lstStyle/>
-          <a:p>
-            <a:pPr indent="0" lvl="0" marL="0" rtl="0" algn="l">
-              <a:spcBef>
-                <a:spcPts val="0"/>
-              </a:spcBef>
-              <a:spcAft>
-                <a:spcPts val="0"/>
-              </a:spcAft>
-              <a:buNone/>
-            </a:pPr>
-            <a:r>
-              <a:rPr lang="es-ES"/>
               <a:t>Inter Annotator Agreement</a:t>
             </a:r>
             <a:endParaRPr/>
@@ -16443,7 +20618,7 @@
       </p:sp>
       <p:sp>
         <p:nvSpPr>
-          <p:cNvPr id="133" name="Google Shape;133;g112e57bf82a_0_40"/>
+          <p:cNvPr id="148" name="Google Shape;148;g112e57bf82a_0_40"/>
           <p:cNvSpPr txBox="1"/>
           <p:nvPr>
             <p:ph idx="1" type="body"/>
@@ -16460,11 +20635,14 @@
         </p:spPr>
         <p:txBody>
           <a:bodyPr anchorCtr="0" anchor="t" bIns="45700" lIns="91425" spcFirstLastPara="1" rIns="91425" wrap="square" tIns="45700">
-            <a:normAutofit/>
+            <a:normAutofit lnSpcReduction="10000"/>
           </a:bodyPr>
           <a:lstStyle/>
           <a:p>
             <a:pPr indent="-342900" lvl="0" marL="457200" rtl="0" algn="l">
+              <a:lnSpc>
+                <a:spcPct val="150000"/>
+              </a:lnSpc>
               <a:spcBef>
                 <a:spcPts val="1000"/>
               </a:spcBef>
@@ -16472,97 +20650,59 @@
                 <a:spcPts val="0"/>
               </a:spcAft>
               <a:buSzPts val="1800"/>
-              <a:buChar char="•"/>
+              <a:buChar char="●"/>
             </a:pPr>
             <a:r>
               <a:rPr lang="es-ES"/>
-              <a:t>Agreement in sentiment and emotions</a:t>
-            </a:r>
-            <a:endParaRPr/>
-          </a:p>
-          <a:p>
-            <a:pPr indent="0" lvl="0" marL="457200" rtl="0" algn="l">
-              <a:spcBef>
-                <a:spcPts val="1000"/>
-              </a:spcBef>
-              <a:spcAft>
-                <a:spcPts val="0"/>
-              </a:spcAft>
-              <a:buNone/>
-            </a:pPr>
-            <a:r>
-              <a:t/>
+              <a:t>20 annotations in common for ITA</a:t>
             </a:r>
             <a:endParaRPr/>
           </a:p>
           <a:p>
             <a:pPr indent="-342900" lvl="0" marL="457200" rtl="0" algn="l">
-              <a:spcBef>
-                <a:spcPts val="1000"/>
+              <a:lnSpc>
+                <a:spcPct val="150000"/>
+              </a:lnSpc>
+              <a:spcBef>
+                <a:spcPts val="0"/>
               </a:spcBef>
               <a:spcAft>
                 <a:spcPts val="0"/>
               </a:spcAft>
               <a:buSzPts val="1800"/>
-              <a:buChar char="•"/>
+              <a:buChar char="●"/>
             </a:pPr>
             <a:r>
               <a:rPr lang="es-ES"/>
-              <a:t>20 annotations in common</a:t>
-            </a:r>
-            <a:endParaRPr/>
-          </a:p>
-          <a:p>
-            <a:pPr indent="-342900" lvl="1" marL="914400" rtl="0" algn="l">
-              <a:spcBef>
-                <a:spcPts val="0"/>
-              </a:spcBef>
-              <a:spcAft>
-                <a:spcPts val="0"/>
-              </a:spcAft>
-              <a:buSzPts val="1800"/>
-              <a:buChar char="•"/>
-            </a:pPr>
-            <a:r>
-              <a:rPr lang="es-ES"/>
-              <a:t>ITA between us</a:t>
-            </a:r>
-            <a:endParaRPr/>
-          </a:p>
-          <a:p>
-            <a:pPr indent="0" lvl="0" marL="914400" rtl="0" algn="l">
-              <a:spcBef>
-                <a:spcPts val="1000"/>
-              </a:spcBef>
-              <a:spcAft>
-                <a:spcPts val="0"/>
-              </a:spcAft>
-              <a:buNone/>
-            </a:pPr>
-            <a:r>
-              <a:t/>
+              <a:t>Calculate agreement and kappa in sentiment and emotions</a:t>
             </a:r>
             <a:endParaRPr/>
           </a:p>
           <a:p>
             <a:pPr indent="-342900" lvl="0" marL="457200" rtl="0" algn="l">
-              <a:spcBef>
-                <a:spcPts val="1000"/>
+              <a:lnSpc>
+                <a:spcPct val="150000"/>
+              </a:lnSpc>
+              <a:spcBef>
+                <a:spcPts val="0"/>
               </a:spcBef>
               <a:spcAft>
                 <a:spcPts val="0"/>
               </a:spcAft>
               <a:buSzPts val="1800"/>
-              <a:buChar char="•"/>
+              <a:buChar char="●"/>
             </a:pPr>
             <a:r>
               <a:rPr lang="es-ES"/>
-              <a:t>40 individual annotations</a:t>
+              <a:t>Look at individual examples for disagreement</a:t>
             </a:r>
             <a:endParaRPr/>
           </a:p>
           <a:p>
-            <a:pPr indent="-342900" lvl="1" marL="914400" rtl="0" algn="l">
+            <a:pPr indent="-342900" lvl="0" marL="457200" rtl="0" algn="l">
+              <a:lnSpc>
+                <a:spcPct val="150000"/>
+              </a:lnSpc>
               <a:spcBef>
                 <a:spcPts val="0"/>
               </a:spcBef>
@@ -16570,28 +20710,116 @@
                 <a:spcPts val="0"/>
               </a:spcAft>
               <a:buSzPts val="1800"/>
-              <a:buChar char="•"/>
+              <a:buChar char="●"/>
             </a:pPr>
             <a:r>
               <a:rPr lang="es-ES"/>
-              <a:t>ITA between the annotator and the automatic annotation</a:t>
+              <a:t>Update guidelines if necessary</a:t>
             </a:r>
             <a:endParaRPr/>
           </a:p>
           <a:p>
-            <a:pPr indent="0" lvl="0" marL="0" rtl="0" algn="l">
-              <a:spcBef>
-                <a:spcPts val="1000"/>
-              </a:spcBef>
-              <a:spcAft>
-                <a:spcPts val="0"/>
-              </a:spcAft>
-              <a:buNone/>
+            <a:pPr indent="-342900" lvl="0" marL="457200" rtl="0" algn="l">
+              <a:lnSpc>
+                <a:spcPct val="150000"/>
+              </a:lnSpc>
+              <a:spcBef>
+                <a:spcPts val="0"/>
+              </a:spcBef>
+              <a:spcAft>
+                <a:spcPts val="0"/>
+              </a:spcAft>
+              <a:buSzPts val="1800"/>
+              <a:buChar char="●"/>
             </a:pPr>
             <a:r>
               <a:rPr lang="es-ES"/>
-              <a:t> </a:t>
+              <a:t>Repeat annotation with new guidelines</a:t>
             </a:r>
+            <a:endParaRPr/>
+          </a:p>
+          <a:p>
+            <a:pPr indent="-342900" lvl="0" marL="457200" rtl="0" algn="l">
+              <a:lnSpc>
+                <a:spcPct val="150000"/>
+              </a:lnSpc>
+              <a:spcBef>
+                <a:spcPts val="0"/>
+              </a:spcBef>
+              <a:spcAft>
+                <a:spcPts val="0"/>
+              </a:spcAft>
+              <a:buSzPts val="1800"/>
+              <a:buChar char="●"/>
+            </a:pPr>
+            <a:r>
+              <a:rPr lang="es-ES"/>
+              <a:t>Recalculate agreement and kappa to see improvement</a:t>
+            </a:r>
+            <a:endParaRPr/>
+          </a:p>
+          <a:p>
+            <a:pPr indent="-342900" lvl="0" marL="457200" rtl="0" algn="l">
+              <a:lnSpc>
+                <a:spcPct val="150000"/>
+              </a:lnSpc>
+              <a:spcBef>
+                <a:spcPts val="0"/>
+              </a:spcBef>
+              <a:spcAft>
+                <a:spcPts val="0"/>
+              </a:spcAft>
+              <a:buSzPts val="1800"/>
+              <a:buChar char="●"/>
+            </a:pPr>
+            <a:r>
+              <a:rPr lang="es-ES"/>
+              <a:t>Select the majority class for the final corpus</a:t>
+            </a:r>
+            <a:endParaRPr/>
+          </a:p>
+        </p:txBody>
+      </p:sp>
+      <p:sp>
+        <p:nvSpPr>
+          <p:cNvPr id="149" name="Google Shape;149;g112e57bf82a_0_40"/>
+          <p:cNvSpPr txBox="1"/>
+          <p:nvPr>
+            <p:ph idx="12" type="sldNum"/>
+          </p:nvPr>
+        </p:nvSpPr>
+        <p:spPr>
+          <a:xfrm>
+            <a:off x="8610600" y="6356350"/>
+            <a:ext cx="2743200" cy="365100"/>
+          </a:xfrm>
+          <a:prstGeom prst="rect">
+            <a:avLst/>
+          </a:prstGeom>
+        </p:spPr>
+        <p:txBody>
+          <a:bodyPr anchorCtr="0" anchor="ctr" bIns="45700" lIns="91425" spcFirstLastPara="1" rIns="91425" wrap="square" tIns="45700">
+            <a:noAutofit/>
+          </a:bodyPr>
+          <a:lstStyle/>
+          <a:p>
+            <a:pPr indent="0" lvl="0" marL="0" rtl="0" algn="r">
+              <a:spcBef>
+                <a:spcPts val="0"/>
+              </a:spcBef>
+              <a:spcAft>
+                <a:spcPts val="0"/>
+              </a:spcAft>
+              <a:buClr>
+                <a:srgbClr val="000000"/>
+              </a:buClr>
+              <a:buFont typeface="Arial"/>
+              <a:buNone/>
+            </a:pPr>
+            <a:fld id="{00000000-1234-1234-1234-123412341234}" type="slidenum">
+              <a:rPr lang="es-ES"/>
+              <a:t>‹#›</a:t>
+            </a:fld>
             <a:endParaRPr/>
           </a:p>
         </p:txBody>
@@ -16605,6 +20833,285 @@
 </file>
 
 <file path=ppt/theme/theme1.xml><?xml version="1.0" encoding="utf-8"?>
+<a:theme xmlns:a="http://schemas.openxmlformats.org/drawingml/2006/main" xmlns:r="http://schemas.openxmlformats.org/officeDocument/2006/relationships">
+  <a:themeElements>
+    <a:clrScheme name="Default">
+      <a:dk1>
+        <a:srgbClr val="000000"/>
+      </a:dk1>
+      <a:lt1>
+        <a:srgbClr val="FFFFFF"/>
+      </a:lt1>
+      <a:dk2>
+        <a:srgbClr val="158158"/>
+      </a:dk2>
+      <a:lt2>
+        <a:srgbClr val="F3F3F3"/>
+      </a:lt2>
+      <a:accent1>
+        <a:srgbClr val="058DC7"/>
+      </a:accent1>
+      <a:accent2>
+        <a:srgbClr val="50B432"/>
+      </a:accent2>
+      <a:accent3>
+        <a:srgbClr val="ED561B"/>
+      </a:accent3>
+      <a:accent4>
+        <a:srgbClr val="EDEF00"/>
+      </a:accent4>
+      <a:accent5>
+        <a:srgbClr val="24CBE5"/>
+      </a:accent5>
+      <a:accent6>
+        <a:srgbClr val="64E572"/>
+      </a:accent6>
+      <a:hlink>
+        <a:srgbClr val="2200CC"/>
+      </a:hlink>
+      <a:folHlink>
+        <a:srgbClr val="551A8B"/>
+      </a:folHlink>
+    </a:clrScheme>
+    <a:fontScheme name="Office">
+      <a:majorFont>
+        <a:latin typeface="Arial"/>
+        <a:ea typeface=""/>
+        <a:cs typeface=""/>
+        <a:font script="Jpan" typeface="ＭＳ Ｐゴシック"/>
+        <a:font script="Hang" typeface="맑은 고딕"/>
+        <a:font script="Hans" typeface="宋体"/>
+        <a:font script="Hant" typeface="新細明體"/>
+        <a:font script="Arab" typeface="Times New Roman"/>
+        <a:font script="Hebr" typeface="Times New Roman"/>
+        <a:font script="Thai" typeface="Angsana New"/>
+        <a:font script="Ethi" typeface="Nyala"/>
+        <a:font script="Beng" typeface="Vrinda"/>
+        <a:font script="Gujr" typeface="Shruti"/>
+        <a:font script="Khmr" typeface="MoolBoran"/>
+        <a:font script="Knda" typeface="Tunga"/>
+        <a:font script="Guru" typeface="Raavi"/>
+        <a:font script="Cans" typeface="Euphemia"/>
+        <a:font script="Cher" typeface="Plantagenet Cherokee"/>
+        <a:font script="Yiii" typeface="Microsoft Yi Baiti"/>
+        <a:font script="Tibt" typeface="Microsoft Himalaya"/>
+        <a:font script="Thaa" typeface="MV Boli"/>
+        <a:font script="Deva" typeface="Mangal"/>
+        <a:font script="Telu" typeface="Gautami"/>
+        <a:font script="Taml" typeface="Latha"/>
+        <a:font script="Syrc" typeface="Estrangelo Edessa"/>
+        <a:font script="Orya" typeface="Kalinga"/>
+        <a:font script="Mlym" typeface="Kartika"/>
+        <a:font script="Laoo" typeface="DokChampa"/>
+        <a:font script="Sinh" typeface="Iskoola Pota"/>
+        <a:font script="Mong" typeface="Mongolian Baiti"/>
+        <a:font script="Viet" typeface="Times New Roman"/>
+        <a:font script="Uigh" typeface="Microsoft Uighur"/>
+        <a:font script="Geor" typeface="Sylfaen"/>
+      </a:majorFont>
+      <a:minorFont>
+        <a:latin typeface="Arial"/>
+        <a:ea typeface=""/>
+        <a:cs typeface=""/>
+        <a:font script="Jpan" typeface="ＭＳ Ｐゴシック"/>
+        <a:font script="Hang" typeface="맑은 고딕"/>
+        <a:font script="Hans" typeface="宋体"/>
+        <a:font script="Hant" typeface="新細明體"/>
+        <a:font script="Arab" typeface="Arial"/>
+        <a:font script="Hebr" typeface="Arial"/>
+        <a:font script="Thai" typeface="Cordia New"/>
+        <a:font script="Ethi" typeface="Nyala"/>
+        <a:font script="Beng" typeface="Vrinda"/>
+        <a:font script="Gujr" typeface="Shruti"/>
+        <a:font script="Khmr" typeface="DaunPenh"/>
+        <a:font script="Knda" typeface="Tunga"/>
+        <a:font script="Guru" typeface="Raavi"/>
+        <a:font script="Cans" typeface="Euphemia"/>
+        <a:font script="Cher" typeface="Plantagenet Cherokee"/>
+        <a:font script="Yiii" typeface="Microsoft Yi Baiti"/>
+        <a:font script="Tibt" typeface="Microsoft Himalaya"/>
+        <a:font script="Thaa" typeface="MV Boli"/>
+        <a:font script="Deva" typeface="Mangal"/>
+        <a:font script="Telu" typeface="Gautami"/>
+        <a:font script="Taml" typeface="Latha"/>
+        <a:font script="Syrc" typeface="Estrangelo Edessa"/>
+        <a:font script="Orya" typeface="Kalinga"/>
+        <a:font script="Mlym" typeface="Kartika"/>
+        <a:font script="Laoo" typeface="DokChampa"/>
+        <a:font script="Sinh" typeface="Iskoola Pota"/>
+        <a:font script="Mong" typeface="Mongolian Baiti"/>
+        <a:font script="Viet" typeface="Arial"/>
+        <a:font script="Uigh" typeface="Microsoft Uighur"/>
+        <a:font script="Geor" typeface="Sylfaen"/>
+      </a:minorFont>
+    </a:fontScheme>
+    <a:fmtScheme name="Office">
+      <a:fillStyleLst>
+        <a:solidFill>
+          <a:schemeClr val="phClr"/>
+        </a:solidFill>
+        <a:gradFill rotWithShape="1">
+          <a:gsLst>
+            <a:gs pos="0">
+              <a:schemeClr val="phClr">
+                <a:tint val="50000"/>
+                <a:satMod val="300000"/>
+              </a:schemeClr>
+            </a:gs>
+            <a:gs pos="35000">
+              <a:schemeClr val="phClr">
+                <a:tint val="37000"/>
+                <a:satMod val="300000"/>
+              </a:schemeClr>
+            </a:gs>
+            <a:gs pos="100000">
+              <a:schemeClr val="phClr">
+                <a:tint val="15000"/>
+                <a:satMod val="350000"/>
+              </a:schemeClr>
+            </a:gs>
+          </a:gsLst>
+          <a:lin ang="16200000" scaled="1"/>
+        </a:gradFill>
+        <a:gradFill rotWithShape="1">
+          <a:gsLst>
+            <a:gs pos="0">
+              <a:schemeClr val="phClr">
+                <a:tint val="100000"/>
+                <a:shade val="100000"/>
+                <a:satMod val="130000"/>
+              </a:schemeClr>
+            </a:gs>
+            <a:gs pos="100000">
+              <a:schemeClr val="phClr">
+                <a:tint val="50000"/>
+                <a:shade val="100000"/>
+                <a:satMod val="350000"/>
+              </a:schemeClr>
+            </a:gs>
+          </a:gsLst>
+          <a:lin ang="16200000" scaled="0"/>
+        </a:gradFill>
+      </a:fillStyleLst>
+      <a:lnStyleLst>
+        <a:ln w="9525" cap="flat" cmpd="sng" algn="ctr">
+          <a:solidFill>
+            <a:schemeClr val="phClr">
+              <a:shade val="95000"/>
+              <a:satMod val="105000"/>
+            </a:schemeClr>
+          </a:solidFill>
+          <a:prstDash val="solid"/>
+        </a:ln>
+        <a:ln w="25400" cap="flat" cmpd="sng" algn="ctr">
+          <a:solidFill>
+            <a:schemeClr val="phClr"/>
+          </a:solidFill>
+          <a:prstDash val="solid"/>
+        </a:ln>
+        <a:ln w="38100" cap="flat" cmpd="sng" algn="ctr">
+          <a:solidFill>
+            <a:schemeClr val="phClr"/>
+          </a:solidFill>
+          <a:prstDash val="solid"/>
+        </a:ln>
+      </a:lnStyleLst>
+      <a:effectStyleLst>
+        <a:effectStyle>
+          <a:effectLst>
+            <a:outerShdw blurRad="40000" dist="20000" dir="5400000" rotWithShape="0">
+              <a:srgbClr val="000000">
+                <a:alpha val="38000"/>
+              </a:srgbClr>
+            </a:outerShdw>
+          </a:effectLst>
+        </a:effectStyle>
+        <a:effectStyle>
+          <a:effectLst>
+            <a:outerShdw blurRad="40000" dist="23000" dir="5400000" rotWithShape="0">
+              <a:srgbClr val="000000">
+                <a:alpha val="35000"/>
+              </a:srgbClr>
+            </a:outerShdw>
+          </a:effectLst>
+        </a:effectStyle>
+        <a:effectStyle>
+          <a:effectLst>
+            <a:outerShdw blurRad="40000" dist="23000" dir="5400000" rotWithShape="0">
+              <a:srgbClr val="000000">
+                <a:alpha val="35000"/>
+              </a:srgbClr>
+            </a:outerShdw>
+          </a:effectLst>
+          <a:scene3d>
+            <a:camera prst="orthographicFront">
+              <a:rot lat="0" lon="0" rev="0"/>
+            </a:camera>
+            <a:lightRig rig="threePt" dir="t">
+              <a:rot lat="0" lon="0" rev="1200000"/>
+            </a:lightRig>
+          </a:scene3d>
+          <a:sp3d>
+            <a:bevelT w="63500" h="25400"/>
+          </a:sp3d>
+        </a:effectStyle>
+      </a:effectStyleLst>
+      <a:bgFillStyleLst>
+        <a:solidFill>
+          <a:schemeClr val="phClr"/>
+        </a:solidFill>
+        <a:gradFill rotWithShape="1">
+          <a:gsLst>
+            <a:gs pos="0">
+              <a:schemeClr val="phClr">
+                <a:tint val="40000"/>
+                <a:satMod val="350000"/>
+              </a:schemeClr>
+            </a:gs>
+            <a:gs pos="40000">
+              <a:schemeClr val="phClr">
+                <a:tint val="45000"/>
+                <a:shade val="99000"/>
+                <a:satMod val="350000"/>
+              </a:schemeClr>
+            </a:gs>
+            <a:gs pos="100000">
+              <a:schemeClr val="phClr">
+                <a:shade val="20000"/>
+                <a:satMod val="255000"/>
+              </a:schemeClr>
+            </a:gs>
+          </a:gsLst>
+          <a:path path="circle">
+            <a:fillToRect l="50000" t="-80000" r="50000" b="180000"/>
+          </a:path>
+        </a:gradFill>
+        <a:gradFill rotWithShape="1">
+          <a:gsLst>
+            <a:gs pos="0">
+              <a:schemeClr val="phClr">
+                <a:tint val="80000"/>
+                <a:satMod val="300000"/>
+              </a:schemeClr>
+            </a:gs>
+            <a:gs pos="100000">
+              <a:schemeClr val="phClr">
+                <a:shade val="30000"/>
+                <a:satMod val="200000"/>
+              </a:schemeClr>
+            </a:gs>
+          </a:gsLst>
+          <a:path path="circle">
+            <a:fillToRect l="50000" t="50000" r="50000" b="50000"/>
+          </a:path>
+        </a:gradFill>
+      </a:bgFillStyleLst>
+    </a:fmtScheme>
+  </a:themeElements>
+</a:theme>
+</file>
+
+<file path=ppt/theme/theme2.xml><?xml version="1.0" encoding="utf-8"?>
 <a:theme xmlns:a="http://schemas.openxmlformats.org/drawingml/2006/main" xmlns:r="http://schemas.openxmlformats.org/officeDocument/2006/relationships" name="Tema de Office">
   <a:themeElements>
     <a:clrScheme name="Office">
@@ -16881,283 +21388,4 @@
     </a:fmtScheme>
   </a:themeElements>
 </a:theme>
-</file>
-
-<file path=ppt/theme/theme2.xml><?xml version="1.0" encoding="utf-8"?>
-<a:theme xmlns:a="http://schemas.openxmlformats.org/drawingml/2006/main" xmlns:r="http://schemas.openxmlformats.org/officeDocument/2006/relationships">
-  <a:themeElements>
-    <a:clrScheme name="Default">
-      <a:dk1>
-        <a:srgbClr val="000000"/>
-      </a:dk1>
-      <a:lt1>
-        <a:srgbClr val="FFFFFF"/>
-      </a:lt1>
-      <a:dk2>
-        <a:srgbClr val="158158"/>
-      </a:dk2>
-      <a:lt2>
-        <a:srgbClr val="F3F3F3"/>
-      </a:lt2>
-      <a:accent1>
-        <a:srgbClr val="058DC7"/>
-      </a:accent1>
-      <a:accent2>
-        <a:srgbClr val="50B432"/>
-      </a:accent2>
-      <a:accent3>
-        <a:srgbClr val="ED561B"/>
-      </a:accent3>
-      <a:accent4>
-        <a:srgbClr val="EDEF00"/>
-      </a:accent4>
-      <a:accent5>
-        <a:srgbClr val="24CBE5"/>
-      </a:accent5>
-      <a:accent6>
-        <a:srgbClr val="64E572"/>
-      </a:accent6>
-      <a:hlink>
-        <a:srgbClr val="2200CC"/>
-      </a:hlink>
-      <a:folHlink>
-        <a:srgbClr val="551A8B"/>
-      </a:folHlink>
-    </a:clrScheme>
-    <a:fontScheme name="Office">
-      <a:majorFont>
-        <a:latin typeface="Arial"/>
-        <a:ea typeface=""/>
-        <a:cs typeface=""/>
-        <a:font script="Jpan" typeface="ＭＳ Ｐゴシック"/>
-        <a:font script="Hang" typeface="맑은 고딕"/>
-        <a:font script="Hans" typeface="宋体"/>
-        <a:font script="Hant" typeface="新細明體"/>
-        <a:font script="Arab" typeface="Times New Roman"/>
-        <a:font script="Hebr" typeface="Times New Roman"/>
-        <a:font script="Thai" typeface="Angsana New"/>
-        <a:font script="Ethi" typeface="Nyala"/>
-        <a:font script="Beng" typeface="Vrinda"/>
-        <a:font script="Gujr" typeface="Shruti"/>
-        <a:font script="Khmr" typeface="MoolBoran"/>
-        <a:font script="Knda" typeface="Tunga"/>
-        <a:font script="Guru" typeface="Raavi"/>
-        <a:font script="Cans" typeface="Euphemia"/>
-        <a:font script="Cher" typeface="Plantagenet Cherokee"/>
-        <a:font script="Yiii" typeface="Microsoft Yi Baiti"/>
-        <a:font script="Tibt" typeface="Microsoft Himalaya"/>
-        <a:font script="Thaa" typeface="MV Boli"/>
-        <a:font script="Deva" typeface="Mangal"/>
-        <a:font script="Telu" typeface="Gautami"/>
-        <a:font script="Taml" typeface="Latha"/>
-        <a:font script="Syrc" typeface="Estrangelo Edessa"/>
-        <a:font script="Orya" typeface="Kalinga"/>
-        <a:font script="Mlym" typeface="Kartika"/>
-        <a:font script="Laoo" typeface="DokChampa"/>
-        <a:font script="Sinh" typeface="Iskoola Pota"/>
-        <a:font script="Mong" typeface="Mongolian Baiti"/>
-        <a:font script="Viet" typeface="Times New Roman"/>
-        <a:font script="Uigh" typeface="Microsoft Uighur"/>
-        <a:font script="Geor" typeface="Sylfaen"/>
-      </a:majorFont>
-      <a:minorFont>
-        <a:latin typeface="Arial"/>
-        <a:ea typeface=""/>
-        <a:cs typeface=""/>
-        <a:font script="Jpan" typeface="ＭＳ Ｐゴシック"/>
-        <a:font script="Hang" typeface="맑은 고딕"/>
-        <a:font script="Hans" typeface="宋体"/>
-        <a:font script="Hant" typeface="新細明體"/>
-        <a:font script="Arab" typeface="Arial"/>
-        <a:font script="Hebr" typeface="Arial"/>
-        <a:font script="Thai" typeface="Cordia New"/>
-        <a:font script="Ethi" typeface="Nyala"/>
-        <a:font script="Beng" typeface="Vrinda"/>
-        <a:font script="Gujr" typeface="Shruti"/>
-        <a:font script="Khmr" typeface="DaunPenh"/>
-        <a:font script="Knda" typeface="Tunga"/>
-        <a:font script="Guru" typeface="Raavi"/>
-        <a:font script="Cans" typeface="Euphemia"/>
-        <a:font script="Cher" typeface="Plantagenet Cherokee"/>
-        <a:font script="Yiii" typeface="Microsoft Yi Baiti"/>
-        <a:font script="Tibt" typeface="Microsoft Himalaya"/>
-        <a:font script="Thaa" typeface="MV Boli"/>
-        <a:font script="Deva" typeface="Mangal"/>
-        <a:font script="Telu" typeface="Gautami"/>
-        <a:font script="Taml" typeface="Latha"/>
-        <a:font script="Syrc" typeface="Estrangelo Edessa"/>
-        <a:font script="Orya" typeface="Kalinga"/>
-        <a:font script="Mlym" typeface="Kartika"/>
-        <a:font script="Laoo" typeface="DokChampa"/>
-        <a:font script="Sinh" typeface="Iskoola Pota"/>
-        <a:font script="Mong" typeface="Mongolian Baiti"/>
-        <a:font script="Viet" typeface="Arial"/>
-        <a:font script="Uigh" typeface="Microsoft Uighur"/>
-        <a:font script="Geor" typeface="Sylfaen"/>
-      </a:minorFont>
-    </a:fontScheme>
-    <a:fmtScheme name="Office">
-      <a:fillStyleLst>
-        <a:solidFill>
-          <a:schemeClr val="phClr"/>
-        </a:solidFill>
-        <a:gradFill rotWithShape="1">
-          <a:gsLst>
-            <a:gs pos="0">
-              <a:schemeClr val="phClr">
-                <a:tint val="50000"/>
-                <a:satMod val="300000"/>
-              </a:schemeClr>
-            </a:gs>
-            <a:gs pos="35000">
-              <a:schemeClr val="phClr">
-                <a:tint val="37000"/>
-                <a:satMod val="300000"/>
-              </a:schemeClr>
-            </a:gs>
-            <a:gs pos="100000">
-              <a:schemeClr val="phClr">
-                <a:tint val="15000"/>
-                <a:satMod val="350000"/>
-              </a:schemeClr>
-            </a:gs>
-          </a:gsLst>
-          <a:lin ang="16200000" scaled="1"/>
-        </a:gradFill>
-        <a:gradFill rotWithShape="1">
-          <a:gsLst>
-            <a:gs pos="0">
-              <a:schemeClr val="phClr">
-                <a:tint val="100000"/>
-                <a:shade val="100000"/>
-                <a:satMod val="130000"/>
-              </a:schemeClr>
-            </a:gs>
-            <a:gs pos="100000">
-              <a:schemeClr val="phClr">
-                <a:tint val="50000"/>
-                <a:shade val="100000"/>
-                <a:satMod val="350000"/>
-              </a:schemeClr>
-            </a:gs>
-          </a:gsLst>
-          <a:lin ang="16200000" scaled="0"/>
-        </a:gradFill>
-      </a:fillStyleLst>
-      <a:lnStyleLst>
-        <a:ln w="9525" cap="flat" cmpd="sng" algn="ctr">
-          <a:solidFill>
-            <a:schemeClr val="phClr">
-              <a:shade val="95000"/>
-              <a:satMod val="105000"/>
-            </a:schemeClr>
-          </a:solidFill>
-          <a:prstDash val="solid"/>
-        </a:ln>
-        <a:ln w="25400" cap="flat" cmpd="sng" algn="ctr">
-          <a:solidFill>
-            <a:schemeClr val="phClr"/>
-          </a:solidFill>
-          <a:prstDash val="solid"/>
-        </a:ln>
-        <a:ln w="38100" cap="flat" cmpd="sng" algn="ctr">
-          <a:solidFill>
-            <a:schemeClr val="phClr"/>
-          </a:solidFill>
-          <a:prstDash val="solid"/>
-        </a:ln>
-      </a:lnStyleLst>
-      <a:effectStyleLst>
-        <a:effectStyle>
-          <a:effectLst>
-            <a:outerShdw blurRad="40000" dist="20000" dir="5400000" rotWithShape="0">
-              <a:srgbClr val="000000">
-                <a:alpha val="38000"/>
-              </a:srgbClr>
-            </a:outerShdw>
-          </a:effectLst>
-        </a:effectStyle>
-        <a:effectStyle>
-          <a:effectLst>
-            <a:outerShdw blurRad="40000" dist="23000" dir="5400000" rotWithShape="0">
-              <a:srgbClr val="000000">
-                <a:alpha val="35000"/>
-              </a:srgbClr>
-            </a:outerShdw>
-          </a:effectLst>
-        </a:effectStyle>
-        <a:effectStyle>
-          <a:effectLst>
-            <a:outerShdw blurRad="40000" dist="23000" dir="5400000" rotWithShape="0">
-              <a:srgbClr val="000000">
-                <a:alpha val="35000"/>
-              </a:srgbClr>
-            </a:outerShdw>
-          </a:effectLst>
-          <a:scene3d>
-            <a:camera prst="orthographicFront">
-              <a:rot lat="0" lon="0" rev="0"/>
-            </a:camera>
-            <a:lightRig rig="threePt" dir="t">
-              <a:rot lat="0" lon="0" rev="1200000"/>
-            </a:lightRig>
-          </a:scene3d>
-          <a:sp3d>
-            <a:bevelT w="63500" h="25400"/>
-          </a:sp3d>
-        </a:effectStyle>
-      </a:effectStyleLst>
-      <a:bgFillStyleLst>
-        <a:solidFill>
-          <a:schemeClr val="phClr"/>
-        </a:solidFill>
-        <a:gradFill rotWithShape="1">
-          <a:gsLst>
-            <a:gs pos="0">
-              <a:schemeClr val="phClr">
-                <a:tint val="40000"/>
-                <a:satMod val="350000"/>
-              </a:schemeClr>
-            </a:gs>
-            <a:gs pos="40000">
-              <a:schemeClr val="phClr">
-                <a:tint val="45000"/>
-                <a:shade val="99000"/>
-                <a:satMod val="350000"/>
-              </a:schemeClr>
-            </a:gs>
-            <a:gs pos="100000">
-              <a:schemeClr val="phClr">
-                <a:shade val="20000"/>
-                <a:satMod val="255000"/>
-              </a:schemeClr>
-            </a:gs>
-          </a:gsLst>
-          <a:path path="circle">
-            <a:fillToRect l="50000" t="-80000" r="50000" b="180000"/>
-          </a:path>
-        </a:gradFill>
-        <a:gradFill rotWithShape="1">
-          <a:gsLst>
-            <a:gs pos="0">
-              <a:schemeClr val="phClr">
-                <a:tint val="80000"/>
-                <a:satMod val="300000"/>
-              </a:schemeClr>
-            </a:gs>
-            <a:gs pos="100000">
-              <a:schemeClr val="phClr">
-                <a:shade val="30000"/>
-                <a:satMod val="200000"/>
-              </a:schemeClr>
-            </a:gs>
-          </a:gsLst>
-          <a:path path="circle">
-            <a:fillToRect l="50000" t="50000" r="50000" b="50000"/>
-          </a:path>
-        </a:gradFill>
-      </a:bgFillStyleLst>
-    </a:fmtScheme>
-  </a:themeElements>
-</a:theme>
 </file>
--- a/slides/twitter_sentiment_emotion.pptx
+++ b/slides/twitter_sentiment_emotion.pptx
@@ -28,6 +28,8 @@
     <p:sldId id="273" r:id="rId23"/>
     <p:sldId id="274" r:id="rId24"/>
     <p:sldId id="275" r:id="rId25"/>
+    <p:sldId id="276" r:id="rId26"/>
+    <p:sldId id="277" r:id="rId27"/>
   </p:sldIdLst>
   <p:sldSz cy="6858000" cx="12192000"/>
   <p:notesSz cx="6858000" cy="9144000"/>
@@ -262,7 +264,7 @@
   </p:defaultTextStyle>
   <p:extLst>
     <p:ext uri="http://customooxmlschemas.google.com/">
-      <go:slidesCustomData xmlns:go="http://customooxmlschemas.google.com/" r:id="rId26" roundtripDataSignature="AMtx7micf0z9bEIcubPagz+2JOFgxeJZUw=="/>
+      <go:slidesCustomData xmlns:go="http://customooxmlschemas.google.com/" r:id="rId28" roundtripDataSignature="AMtx7mi/YXVTF4Qx6GdxgEcXvZDVAij6sw=="/>
     </p:ext>
   </p:extLst>
 </p:presentation>
@@ -798,7 +800,7 @@
   <p:cSld>
     <p:spTree>
       <p:nvGrpSpPr>
-        <p:cNvPr id="150" name="Shape 150"/>
+        <p:cNvPr id="151" name="Shape 151"/>
         <p:cNvGrpSpPr/>
         <p:nvPr/>
       </p:nvGrpSpPr>
@@ -812,7 +814,7 @@
       </p:grpSpPr>
       <p:sp>
         <p:nvSpPr>
-          <p:cNvPr id="151" name="Google Shape;151;g112e57bf82a_1_32:notes"/>
+          <p:cNvPr id="152" name="Google Shape;152;g11200ef0a8b_0_0:notes"/>
           <p:cNvSpPr/>
           <p:nvPr>
             <p:ph idx="2" type="sldImg"/>
@@ -847,7 +849,7 @@
       </p:sp>
       <p:sp>
         <p:nvSpPr>
-          <p:cNvPr id="152" name="Google Shape;152;g112e57bf82a_1_32:notes"/>
+          <p:cNvPr id="153" name="Google Shape;153;g11200ef0a8b_0_0:notes"/>
           <p:cNvSpPr txBox="1"/>
           <p:nvPr>
             <p:ph idx="1" type="body"/>
@@ -911,7 +913,7 @@
       </p:grpSpPr>
       <p:sp>
         <p:nvSpPr>
-          <p:cNvPr id="159" name="Google Shape;159;g112e57bf82a_0_50:notes"/>
+          <p:cNvPr id="159" name="Google Shape;159;g112e57bf82a_1_32:notes"/>
           <p:cNvSpPr/>
           <p:nvPr>
             <p:ph idx="2" type="sldImg"/>
@@ -946,7 +948,7 @@
       </p:sp>
       <p:sp>
         <p:nvSpPr>
-          <p:cNvPr id="160" name="Google Shape;160;g112e57bf82a_0_50:notes"/>
+          <p:cNvPr id="160" name="Google Shape;160;g112e57bf82a_1_32:notes"/>
           <p:cNvSpPr txBox="1"/>
           <p:nvPr>
             <p:ph idx="1" type="body"/>
@@ -1010,7 +1012,7 @@
       </p:grpSpPr>
       <p:sp>
         <p:nvSpPr>
-          <p:cNvPr id="167" name="Google Shape;167;g111e9305988_0_0:notes"/>
+          <p:cNvPr id="167" name="Google Shape;167;g112e57bf82a_0_50:notes"/>
           <p:cNvSpPr/>
           <p:nvPr>
             <p:ph idx="2" type="sldImg"/>
@@ -1045,7 +1047,7 @@
       </p:sp>
       <p:sp>
         <p:nvSpPr>
-          <p:cNvPr id="168" name="Google Shape;168;g111e9305988_0_0:notes"/>
+          <p:cNvPr id="168" name="Google Shape;168;g112e57bf82a_0_50:notes"/>
           <p:cNvSpPr txBox="1"/>
           <p:nvPr>
             <p:ph idx="1" type="body"/>
@@ -1095,7 +1097,7 @@
   <p:cSld>
     <p:spTree>
       <p:nvGrpSpPr>
-        <p:cNvPr id="173" name="Shape 173"/>
+        <p:cNvPr id="174" name="Shape 174"/>
         <p:cNvGrpSpPr/>
         <p:nvPr/>
       </p:nvGrpSpPr>
@@ -1109,7 +1111,7 @@
       </p:grpSpPr>
       <p:sp>
         <p:nvSpPr>
-          <p:cNvPr id="174" name="Google Shape;174;g112e57bf82a_0_45:notes"/>
+          <p:cNvPr id="175" name="Google Shape;175;g111e9305988_0_0:notes"/>
           <p:cNvSpPr/>
           <p:nvPr>
             <p:ph idx="2" type="sldImg"/>
@@ -1144,7 +1146,7 @@
       </p:sp>
       <p:sp>
         <p:nvSpPr>
-          <p:cNvPr id="175" name="Google Shape;175;g112e57bf82a_0_45:notes"/>
+          <p:cNvPr id="176" name="Google Shape;176;g111e9305988_0_0:notes"/>
           <p:cNvSpPr txBox="1"/>
           <p:nvPr>
             <p:ph idx="1" type="body"/>
@@ -1194,7 +1196,7 @@
   <p:cSld>
     <p:spTree>
       <p:nvGrpSpPr>
-        <p:cNvPr id="180" name="Shape 180"/>
+        <p:cNvPr id="181" name="Shape 181"/>
         <p:cNvGrpSpPr/>
         <p:nvPr/>
       </p:nvGrpSpPr>
@@ -1208,7 +1210,7 @@
       </p:grpSpPr>
       <p:sp>
         <p:nvSpPr>
-          <p:cNvPr id="181" name="Google Shape;181;g112e57bf82a_0_35:notes"/>
+          <p:cNvPr id="182" name="Google Shape;182;g112e57bf82a_0_45:notes"/>
           <p:cNvSpPr/>
           <p:nvPr>
             <p:ph idx="2" type="sldImg"/>
@@ -1243,7 +1245,7 @@
       </p:sp>
       <p:sp>
         <p:nvSpPr>
-          <p:cNvPr id="182" name="Google Shape;182;g112e57bf82a_0_35:notes"/>
+          <p:cNvPr id="183" name="Google Shape;183;g112e57bf82a_0_45:notes"/>
           <p:cNvSpPr txBox="1"/>
           <p:nvPr>
             <p:ph idx="1" type="body"/>
@@ -1293,7 +1295,7 @@
   <p:cSld>
     <p:spTree>
       <p:nvGrpSpPr>
-        <p:cNvPr id="190" name="Shape 190"/>
+        <p:cNvPr id="188" name="Shape 188"/>
         <p:cNvGrpSpPr/>
         <p:nvPr/>
       </p:nvGrpSpPr>
@@ -1307,7 +1309,7 @@
       </p:grpSpPr>
       <p:sp>
         <p:nvSpPr>
-          <p:cNvPr id="191" name="Google Shape;191;g112e57bf82a_1_0:notes"/>
+          <p:cNvPr id="189" name="Google Shape;189;g112e57bf82a_0_35:notes"/>
           <p:cNvSpPr/>
           <p:nvPr>
             <p:ph idx="2" type="sldImg"/>
@@ -1342,7 +1344,7 @@
       </p:sp>
       <p:sp>
         <p:nvSpPr>
-          <p:cNvPr id="192" name="Google Shape;192;g112e57bf82a_1_0:notes"/>
+          <p:cNvPr id="190" name="Google Shape;190;g112e57bf82a_0_35:notes"/>
           <p:cNvSpPr txBox="1"/>
           <p:nvPr>
             <p:ph idx="1" type="body"/>
@@ -1406,7 +1408,7 @@
       </p:grpSpPr>
       <p:sp>
         <p:nvSpPr>
-          <p:cNvPr id="199" name="Google Shape;199;g112e57bf82a_1_14:notes"/>
+          <p:cNvPr id="199" name="Google Shape;199;g112e57bf82a_1_0:notes"/>
           <p:cNvSpPr/>
           <p:nvPr>
             <p:ph idx="2" type="sldImg"/>
@@ -1441,7 +1443,7 @@
       </p:sp>
       <p:sp>
         <p:nvSpPr>
-          <p:cNvPr id="200" name="Google Shape;200;g112e57bf82a_1_14:notes"/>
+          <p:cNvPr id="200" name="Google Shape;200;g112e57bf82a_1_0:notes"/>
           <p:cNvSpPr txBox="1"/>
           <p:nvPr>
             <p:ph idx="1" type="body"/>
@@ -1505,7 +1507,7 @@
       </p:grpSpPr>
       <p:sp>
         <p:nvSpPr>
-          <p:cNvPr id="207" name="Google Shape;207;g112e57bf82a_1_9:notes"/>
+          <p:cNvPr id="207" name="Google Shape;207;g112e57bf82a_1_14:notes"/>
           <p:cNvSpPr/>
           <p:nvPr>
             <p:ph idx="2" type="sldImg"/>
@@ -1540,7 +1542,7 @@
       </p:sp>
       <p:sp>
         <p:nvSpPr>
-          <p:cNvPr id="208" name="Google Shape;208;g112e57bf82a_1_9:notes"/>
+          <p:cNvPr id="208" name="Google Shape;208;g112e57bf82a_1_14:notes"/>
           <p:cNvSpPr txBox="1"/>
           <p:nvPr>
             <p:ph idx="1" type="body"/>
@@ -1604,7 +1606,7 @@
       </p:grpSpPr>
       <p:sp>
         <p:nvSpPr>
-          <p:cNvPr id="215" name="Google Shape;215;g112e57bf82a_1_25:notes"/>
+          <p:cNvPr id="215" name="Google Shape;215;g112e57bf82a_1_9:notes"/>
           <p:cNvSpPr/>
           <p:nvPr>
             <p:ph idx="2" type="sldImg"/>
@@ -1639,7 +1641,7 @@
       </p:sp>
       <p:sp>
         <p:nvSpPr>
-          <p:cNvPr id="216" name="Google Shape;216;g112e57bf82a_1_25:notes"/>
+          <p:cNvPr id="216" name="Google Shape;216;g112e57bf82a_1_9:notes"/>
           <p:cNvSpPr txBox="1"/>
           <p:nvPr>
             <p:ph idx="1" type="body"/>
@@ -1703,7 +1705,7 @@
       </p:grpSpPr>
       <p:sp>
         <p:nvSpPr>
-          <p:cNvPr id="223" name="Google Shape;223;g111e9305988_0_67:notes"/>
+          <p:cNvPr id="223" name="Google Shape;223;g112e57bf82a_1_25:notes"/>
           <p:cNvSpPr/>
           <p:nvPr>
             <p:ph idx="2" type="sldImg"/>
@@ -1738,7 +1740,7 @@
       </p:sp>
       <p:sp>
         <p:nvSpPr>
-          <p:cNvPr id="224" name="Google Shape;224;g111e9305988_0_67:notes"/>
+          <p:cNvPr id="224" name="Google Shape;224;g112e57bf82a_1_25:notes"/>
           <p:cNvSpPr txBox="1"/>
           <p:nvPr>
             <p:ph idx="1" type="body"/>
@@ -1802,7 +1804,7 @@
       </p:grpSpPr>
       <p:sp>
         <p:nvSpPr>
-          <p:cNvPr id="88" name="Google Shape;88;g112e57bf82a_0_5:notes"/>
+          <p:cNvPr id="88" name="Google Shape;88;g111e9305988_0_30:notes"/>
           <p:cNvSpPr/>
           <p:nvPr>
             <p:ph idx="2" type="sldImg"/>
@@ -1837,7 +1839,7 @@
       </p:sp>
       <p:sp>
         <p:nvSpPr>
-          <p:cNvPr id="89" name="Google Shape;89;g112e57bf82a_0_5:notes"/>
+          <p:cNvPr id="89" name="Google Shape;89;g111e9305988_0_30:notes"/>
           <p:cNvSpPr txBox="1"/>
           <p:nvPr>
             <p:ph idx="1" type="body"/>
@@ -1887,7 +1889,7 @@
   <p:cSld>
     <p:spTree>
       <p:nvGrpSpPr>
-        <p:cNvPr id="229" name="Shape 229"/>
+        <p:cNvPr id="230" name="Shape 230"/>
         <p:cNvGrpSpPr/>
         <p:nvPr/>
       </p:nvGrpSpPr>
@@ -1901,7 +1903,7 @@
       </p:grpSpPr>
       <p:sp>
         <p:nvSpPr>
-          <p:cNvPr id="230" name="Google Shape;230;g111e9305988_0_7:notes"/>
+          <p:cNvPr id="231" name="Google Shape;231;g111e9305988_0_67:notes"/>
           <p:cNvSpPr/>
           <p:nvPr>
             <p:ph idx="2" type="sldImg"/>
@@ -1936,7 +1938,7 @@
       </p:sp>
       <p:sp>
         <p:nvSpPr>
-          <p:cNvPr id="231" name="Google Shape;231;g111e9305988_0_7:notes"/>
+          <p:cNvPr id="232" name="Google Shape;232;g111e9305988_0_67:notes"/>
           <p:cNvSpPr txBox="1"/>
           <p:nvPr>
             <p:ph idx="1" type="body"/>
@@ -1981,12 +1983,12 @@
 </p:notes>
 </file>
 
-<file path=ppt/notesSlides/notesSlide3.xml><?xml version="1.0" encoding="utf-8"?>
+<file path=ppt/notesSlides/notesSlide21.xml><?xml version="1.0" encoding="utf-8"?>
 <p:notes xmlns:a="http://schemas.openxmlformats.org/drawingml/2006/main" xmlns:r="http://schemas.openxmlformats.org/officeDocument/2006/relationships" xmlns:mc="http://schemas.openxmlformats.org/markup-compatibility/2006" xmlns:mv="urn:schemas-microsoft-com:mac:vml" xmlns:p="http://schemas.openxmlformats.org/presentationml/2006/main" xmlns:c="http://schemas.openxmlformats.org/drawingml/2006/chart" xmlns:dgm="http://schemas.openxmlformats.org/drawingml/2006/diagram" xmlns:o="urn:schemas-microsoft-com:office:office" xmlns:v="urn:schemas-microsoft-com:vml" xmlns:pvml="urn:schemas-microsoft-com:office:powerpoint" xmlns:com="http://schemas.openxmlformats.org/drawingml/2006/compatibility" xmlns:p14="http://schemas.microsoft.com/office/powerpoint/2010/main" xmlns:p15="http://schemas.microsoft.com/office/powerpoint/2012/main" xmlns:ahyp="http://schemas.microsoft.com/office/drawing/2018/hyperlinkcolor" showMasterPhAnim="0" showMasterSp="0">
   <p:cSld>
     <p:spTree>
       <p:nvGrpSpPr>
-        <p:cNvPr id="94" name="Shape 94"/>
+        <p:cNvPr id="237" name="Shape 237"/>
         <p:cNvGrpSpPr/>
         <p:nvPr/>
       </p:nvGrpSpPr>
@@ -2000,7 +2002,7 @@
       </p:grpSpPr>
       <p:sp>
         <p:nvSpPr>
-          <p:cNvPr id="95" name="Google Shape;95;g111e9305988_0_30:notes"/>
+          <p:cNvPr id="238" name="Google Shape;238;g111e9305988_0_7:notes"/>
           <p:cNvSpPr/>
           <p:nvPr>
             <p:ph idx="2" type="sldImg"/>
@@ -2035,7 +2037,7 @@
       </p:sp>
       <p:sp>
         <p:nvSpPr>
-          <p:cNvPr id="96" name="Google Shape;96;g111e9305988_0_30:notes"/>
+          <p:cNvPr id="239" name="Google Shape;239;g111e9305988_0_7:notes"/>
           <p:cNvSpPr txBox="1"/>
           <p:nvPr>
             <p:ph idx="1" type="body"/>
@@ -2080,12 +2082,12 @@
 </p:notes>
 </file>
 
-<file path=ppt/notesSlides/notesSlide4.xml><?xml version="1.0" encoding="utf-8"?>
+<file path=ppt/notesSlides/notesSlide22.xml><?xml version="1.0" encoding="utf-8"?>
 <p:notes xmlns:a="http://schemas.openxmlformats.org/drawingml/2006/main" xmlns:r="http://schemas.openxmlformats.org/officeDocument/2006/relationships" xmlns:mc="http://schemas.openxmlformats.org/markup-compatibility/2006" xmlns:mv="urn:schemas-microsoft-com:mac:vml" xmlns:p="http://schemas.openxmlformats.org/presentationml/2006/main" xmlns:c="http://schemas.openxmlformats.org/drawingml/2006/chart" xmlns:dgm="http://schemas.openxmlformats.org/drawingml/2006/diagram" xmlns:o="urn:schemas-microsoft-com:office:office" xmlns:v="urn:schemas-microsoft-com:vml" xmlns:pvml="urn:schemas-microsoft-com:office:powerpoint" xmlns:com="http://schemas.openxmlformats.org/drawingml/2006/compatibility" xmlns:p14="http://schemas.microsoft.com/office/powerpoint/2010/main" xmlns:p15="http://schemas.microsoft.com/office/powerpoint/2012/main" xmlns:ahyp="http://schemas.microsoft.com/office/drawing/2018/hyperlinkcolor" showMasterPhAnim="0" showMasterSp="0">
   <p:cSld>
     <p:spTree>
       <p:nvGrpSpPr>
-        <p:cNvPr id="101" name="Shape 101"/>
+        <p:cNvPr id="244" name="Shape 244"/>
         <p:cNvGrpSpPr/>
         <p:nvPr/>
       </p:nvGrpSpPr>
@@ -2099,7 +2101,7 @@
       </p:grpSpPr>
       <p:sp>
         <p:nvSpPr>
-          <p:cNvPr id="102" name="Google Shape;102;g112e57bf82a_0_10:notes"/>
+          <p:cNvPr id="245" name="Google Shape;245;g11200ef0a8b_0_19:notes"/>
           <p:cNvSpPr/>
           <p:nvPr>
             <p:ph idx="2" type="sldImg"/>
@@ -2134,7 +2136,7 @@
       </p:sp>
       <p:sp>
         <p:nvSpPr>
-          <p:cNvPr id="103" name="Google Shape;103;g112e57bf82a_0_10:notes"/>
+          <p:cNvPr id="246" name="Google Shape;246;g11200ef0a8b_0_19:notes"/>
           <p:cNvSpPr txBox="1"/>
           <p:nvPr>
             <p:ph idx="1" type="body"/>
@@ -2179,12 +2181,12 @@
 </p:notes>
 </file>
 
-<file path=ppt/notesSlides/notesSlide5.xml><?xml version="1.0" encoding="utf-8"?>
+<file path=ppt/notesSlides/notesSlide3.xml><?xml version="1.0" encoding="utf-8"?>
 <p:notes xmlns:a="http://schemas.openxmlformats.org/drawingml/2006/main" xmlns:r="http://schemas.openxmlformats.org/officeDocument/2006/relationships" xmlns:mc="http://schemas.openxmlformats.org/markup-compatibility/2006" xmlns:mv="urn:schemas-microsoft-com:mac:vml" xmlns:p="http://schemas.openxmlformats.org/presentationml/2006/main" xmlns:c="http://schemas.openxmlformats.org/drawingml/2006/chart" xmlns:dgm="http://schemas.openxmlformats.org/drawingml/2006/diagram" xmlns:o="urn:schemas-microsoft-com:office:office" xmlns:v="urn:schemas-microsoft-com:vml" xmlns:pvml="urn:schemas-microsoft-com:office:powerpoint" xmlns:com="http://schemas.openxmlformats.org/drawingml/2006/compatibility" xmlns:p14="http://schemas.microsoft.com/office/powerpoint/2010/main" xmlns:p15="http://schemas.microsoft.com/office/powerpoint/2012/main" xmlns:ahyp="http://schemas.microsoft.com/office/drawing/2018/hyperlinkcolor" showMasterPhAnim="0" showMasterSp="0">
   <p:cSld>
     <p:spTree>
       <p:nvGrpSpPr>
-        <p:cNvPr id="108" name="Shape 108"/>
+        <p:cNvPr id="95" name="Shape 95"/>
         <p:cNvGrpSpPr/>
         <p:nvPr/>
       </p:nvGrpSpPr>
@@ -2198,7 +2200,7 @@
       </p:grpSpPr>
       <p:sp>
         <p:nvSpPr>
-          <p:cNvPr id="109" name="Google Shape;109;g112e57bf82a_0_20:notes"/>
+          <p:cNvPr id="96" name="Google Shape;96;g112e57bf82a_0_10:notes"/>
           <p:cNvSpPr/>
           <p:nvPr>
             <p:ph idx="2" type="sldImg"/>
@@ -2233,7 +2235,7 @@
       </p:sp>
       <p:sp>
         <p:nvSpPr>
-          <p:cNvPr id="110" name="Google Shape;110;g112e57bf82a_0_20:notes"/>
+          <p:cNvPr id="97" name="Google Shape;97;g112e57bf82a_0_10:notes"/>
           <p:cNvSpPr txBox="1"/>
           <p:nvPr>
             <p:ph idx="1" type="body"/>
@@ -2278,12 +2280,12 @@
 </p:notes>
 </file>
 
-<file path=ppt/notesSlides/notesSlide6.xml><?xml version="1.0" encoding="utf-8"?>
+<file path=ppt/notesSlides/notesSlide4.xml><?xml version="1.0" encoding="utf-8"?>
 <p:notes xmlns:a="http://schemas.openxmlformats.org/drawingml/2006/main" xmlns:r="http://schemas.openxmlformats.org/officeDocument/2006/relationships" xmlns:mc="http://schemas.openxmlformats.org/markup-compatibility/2006" xmlns:mv="urn:schemas-microsoft-com:mac:vml" xmlns:p="http://schemas.openxmlformats.org/presentationml/2006/main" xmlns:c="http://schemas.openxmlformats.org/drawingml/2006/chart" xmlns:dgm="http://schemas.openxmlformats.org/drawingml/2006/diagram" xmlns:o="urn:schemas-microsoft-com:office:office" xmlns:v="urn:schemas-microsoft-com:vml" xmlns:pvml="urn:schemas-microsoft-com:office:powerpoint" xmlns:com="http://schemas.openxmlformats.org/drawingml/2006/compatibility" xmlns:p14="http://schemas.microsoft.com/office/powerpoint/2010/main" xmlns:p15="http://schemas.microsoft.com/office/powerpoint/2012/main" xmlns:ahyp="http://schemas.microsoft.com/office/drawing/2018/hyperlinkcolor" showMasterPhAnim="0" showMasterSp="0">
   <p:cSld>
     <p:spTree>
       <p:nvGrpSpPr>
-        <p:cNvPr id="115" name="Shape 115"/>
+        <p:cNvPr id="102" name="Shape 102"/>
         <p:cNvGrpSpPr/>
         <p:nvPr/>
       </p:nvGrpSpPr>
@@ -2297,7 +2299,7 @@
       </p:grpSpPr>
       <p:sp>
         <p:nvSpPr>
-          <p:cNvPr id="116" name="Google Shape;116;g111e9305988_0_36:notes"/>
+          <p:cNvPr id="103" name="Google Shape;103;g112e57bf82a_0_5:notes"/>
           <p:cNvSpPr/>
           <p:nvPr>
             <p:ph idx="2" type="sldImg"/>
@@ -2332,7 +2334,7 @@
       </p:sp>
       <p:sp>
         <p:nvSpPr>
-          <p:cNvPr id="117" name="Google Shape;117;g111e9305988_0_36:notes"/>
+          <p:cNvPr id="104" name="Google Shape;104;g112e57bf82a_0_5:notes"/>
           <p:cNvSpPr txBox="1"/>
           <p:nvPr>
             <p:ph idx="1" type="body"/>
@@ -2377,12 +2379,12 @@
 </p:notes>
 </file>
 
-<file path=ppt/notesSlides/notesSlide7.xml><?xml version="1.0" encoding="utf-8"?>
+<file path=ppt/notesSlides/notesSlide5.xml><?xml version="1.0" encoding="utf-8"?>
 <p:notes xmlns:a="http://schemas.openxmlformats.org/drawingml/2006/main" xmlns:r="http://schemas.openxmlformats.org/officeDocument/2006/relationships" xmlns:mc="http://schemas.openxmlformats.org/markup-compatibility/2006" xmlns:mv="urn:schemas-microsoft-com:mac:vml" xmlns:p="http://schemas.openxmlformats.org/presentationml/2006/main" xmlns:c="http://schemas.openxmlformats.org/drawingml/2006/chart" xmlns:dgm="http://schemas.openxmlformats.org/drawingml/2006/diagram" xmlns:o="urn:schemas-microsoft-com:office:office" xmlns:v="urn:schemas-microsoft-com:vml" xmlns:pvml="urn:schemas-microsoft-com:office:powerpoint" xmlns:com="http://schemas.openxmlformats.org/drawingml/2006/compatibility" xmlns:p14="http://schemas.microsoft.com/office/powerpoint/2010/main" xmlns:p15="http://schemas.microsoft.com/office/powerpoint/2012/main" xmlns:ahyp="http://schemas.microsoft.com/office/drawing/2018/hyperlinkcolor" showMasterPhAnim="0" showMasterSp="0">
   <p:cSld>
     <p:spTree>
       <p:nvGrpSpPr>
-        <p:cNvPr id="129" name="Shape 129"/>
+        <p:cNvPr id="109" name="Shape 109"/>
         <p:cNvGrpSpPr/>
         <p:nvPr/>
       </p:nvGrpSpPr>
@@ -2396,7 +2398,7 @@
       </p:grpSpPr>
       <p:sp>
         <p:nvSpPr>
-          <p:cNvPr id="130" name="Google Shape;130;g111e9305988_0_51:notes"/>
+          <p:cNvPr id="110" name="Google Shape;110;g112e57bf82a_0_20:notes"/>
           <p:cNvSpPr/>
           <p:nvPr>
             <p:ph idx="2" type="sldImg"/>
@@ -2431,7 +2433,7 @@
       </p:sp>
       <p:sp>
         <p:nvSpPr>
-          <p:cNvPr id="131" name="Google Shape;131;g111e9305988_0_51:notes"/>
+          <p:cNvPr id="111" name="Google Shape;111;g112e57bf82a_0_20:notes"/>
           <p:cNvSpPr txBox="1"/>
           <p:nvPr>
             <p:ph idx="1" type="body"/>
@@ -2476,12 +2478,12 @@
 </p:notes>
 </file>
 
-<file path=ppt/notesSlides/notesSlide8.xml><?xml version="1.0" encoding="utf-8"?>
+<file path=ppt/notesSlides/notesSlide6.xml><?xml version="1.0" encoding="utf-8"?>
 <p:notes xmlns:a="http://schemas.openxmlformats.org/drawingml/2006/main" xmlns:r="http://schemas.openxmlformats.org/officeDocument/2006/relationships" xmlns:mc="http://schemas.openxmlformats.org/markup-compatibility/2006" xmlns:mv="urn:schemas-microsoft-com:mac:vml" xmlns:p="http://schemas.openxmlformats.org/presentationml/2006/main" xmlns:c="http://schemas.openxmlformats.org/drawingml/2006/chart" xmlns:dgm="http://schemas.openxmlformats.org/drawingml/2006/diagram" xmlns:o="urn:schemas-microsoft-com:office:office" xmlns:v="urn:schemas-microsoft-com:vml" xmlns:pvml="urn:schemas-microsoft-com:office:powerpoint" xmlns:com="http://schemas.openxmlformats.org/drawingml/2006/compatibility" xmlns:p14="http://schemas.microsoft.com/office/powerpoint/2010/main" xmlns:p15="http://schemas.microsoft.com/office/powerpoint/2012/main" xmlns:ahyp="http://schemas.microsoft.com/office/drawing/2018/hyperlinkcolor" showMasterPhAnim="0" showMasterSp="0">
   <p:cSld>
     <p:spTree>
       <p:nvGrpSpPr>
-        <p:cNvPr id="136" name="Shape 136"/>
+        <p:cNvPr id="116" name="Shape 116"/>
         <p:cNvGrpSpPr/>
         <p:nvPr/>
       </p:nvGrpSpPr>
@@ -2495,7 +2497,7 @@
       </p:grpSpPr>
       <p:sp>
         <p:nvSpPr>
-          <p:cNvPr id="137" name="Google Shape;137;g112e57bf82a_0_30:notes"/>
+          <p:cNvPr id="117" name="Google Shape;117;g111e9305988_0_36:notes"/>
           <p:cNvSpPr/>
           <p:nvPr>
             <p:ph idx="2" type="sldImg"/>
@@ -2530,7 +2532,7 @@
       </p:sp>
       <p:sp>
         <p:nvSpPr>
-          <p:cNvPr id="138" name="Google Shape;138;g112e57bf82a_0_30:notes"/>
+          <p:cNvPr id="118" name="Google Shape;118;g111e9305988_0_36:notes"/>
           <p:cNvSpPr txBox="1"/>
           <p:nvPr>
             <p:ph idx="1" type="body"/>
@@ -2575,12 +2577,12 @@
 </p:notes>
 </file>
 
-<file path=ppt/notesSlides/notesSlide9.xml><?xml version="1.0" encoding="utf-8"?>
+<file path=ppt/notesSlides/notesSlide7.xml><?xml version="1.0" encoding="utf-8"?>
 <p:notes xmlns:a="http://schemas.openxmlformats.org/drawingml/2006/main" xmlns:r="http://schemas.openxmlformats.org/officeDocument/2006/relationships" xmlns:mc="http://schemas.openxmlformats.org/markup-compatibility/2006" xmlns:mv="urn:schemas-microsoft-com:mac:vml" xmlns:p="http://schemas.openxmlformats.org/presentationml/2006/main" xmlns:c="http://schemas.openxmlformats.org/drawingml/2006/chart" xmlns:dgm="http://schemas.openxmlformats.org/drawingml/2006/diagram" xmlns:o="urn:schemas-microsoft-com:office:office" xmlns:v="urn:schemas-microsoft-com:vml" xmlns:pvml="urn:schemas-microsoft-com:office:powerpoint" xmlns:com="http://schemas.openxmlformats.org/drawingml/2006/compatibility" xmlns:p14="http://schemas.microsoft.com/office/powerpoint/2010/main" xmlns:p15="http://schemas.microsoft.com/office/powerpoint/2012/main" xmlns:ahyp="http://schemas.microsoft.com/office/drawing/2018/hyperlinkcolor" showMasterPhAnim="0" showMasterSp="0">
   <p:cSld>
     <p:spTree>
       <p:nvGrpSpPr>
-        <p:cNvPr id="143" name="Shape 143"/>
+        <p:cNvPr id="130" name="Shape 130"/>
         <p:cNvGrpSpPr/>
         <p:nvPr/>
       </p:nvGrpSpPr>
@@ -2594,7 +2596,7 @@
       </p:grpSpPr>
       <p:sp>
         <p:nvSpPr>
-          <p:cNvPr id="144" name="Google Shape;144;g112e57bf82a_0_40:notes"/>
+          <p:cNvPr id="131" name="Google Shape;131;g111e9305988_0_51:notes"/>
           <p:cNvSpPr/>
           <p:nvPr>
             <p:ph idx="2" type="sldImg"/>
@@ -2629,7 +2631,205 @@
       </p:sp>
       <p:sp>
         <p:nvSpPr>
+          <p:cNvPr id="132" name="Google Shape;132;g111e9305988_0_51:notes"/>
+          <p:cNvSpPr txBox="1"/>
+          <p:nvPr>
+            <p:ph idx="1" type="body"/>
+          </p:nvPr>
+        </p:nvSpPr>
+        <p:spPr>
+          <a:xfrm>
+            <a:off x="685800" y="4343400"/>
+            <a:ext cx="5486400" cy="4114800"/>
+          </a:xfrm>
+          <a:prstGeom prst="rect">
+            <a:avLst/>
+          </a:prstGeom>
+        </p:spPr>
+        <p:txBody>
+          <a:bodyPr anchorCtr="0" anchor="t" bIns="91425" lIns="91425" spcFirstLastPara="1" rIns="91425" wrap="square" tIns="91425">
+            <a:noAutofit/>
+          </a:bodyPr>
+          <a:lstStyle/>
+          <a:p>
+            <a:pPr indent="0" lvl="0" marL="0" rtl="0" algn="l">
+              <a:spcBef>
+                <a:spcPts val="0"/>
+              </a:spcBef>
+              <a:spcAft>
+                <a:spcPts val="0"/>
+              </a:spcAft>
+              <a:buNone/>
+            </a:pPr>
+            <a:r>
+              <a:t/>
+            </a:r>
+            <a:endParaRPr/>
+          </a:p>
+        </p:txBody>
+      </p:sp>
+    </p:spTree>
+  </p:cSld>
+  <p:clrMapOvr>
+    <a:masterClrMapping/>
+  </p:clrMapOvr>
+</p:notes>
+</file>
+
+<file path=ppt/notesSlides/notesSlide8.xml><?xml version="1.0" encoding="utf-8"?>
+<p:notes xmlns:a="http://schemas.openxmlformats.org/drawingml/2006/main" xmlns:r="http://schemas.openxmlformats.org/officeDocument/2006/relationships" xmlns:mc="http://schemas.openxmlformats.org/markup-compatibility/2006" xmlns:mv="urn:schemas-microsoft-com:mac:vml" xmlns:p="http://schemas.openxmlformats.org/presentationml/2006/main" xmlns:c="http://schemas.openxmlformats.org/drawingml/2006/chart" xmlns:dgm="http://schemas.openxmlformats.org/drawingml/2006/diagram" xmlns:o="urn:schemas-microsoft-com:office:office" xmlns:v="urn:schemas-microsoft-com:vml" xmlns:pvml="urn:schemas-microsoft-com:office:powerpoint" xmlns:com="http://schemas.openxmlformats.org/drawingml/2006/compatibility" xmlns:p14="http://schemas.microsoft.com/office/powerpoint/2010/main" xmlns:p15="http://schemas.microsoft.com/office/powerpoint/2012/main" xmlns:ahyp="http://schemas.microsoft.com/office/drawing/2018/hyperlinkcolor" showMasterPhAnim="0" showMasterSp="0">
+  <p:cSld>
+    <p:spTree>
+      <p:nvGrpSpPr>
+        <p:cNvPr id="137" name="Shape 137"/>
+        <p:cNvGrpSpPr/>
+        <p:nvPr/>
+      </p:nvGrpSpPr>
+      <p:grpSpPr>
+        <a:xfrm>
+          <a:off x="0" y="0"/>
+          <a:ext cx="0" cy="0"/>
+          <a:chOff x="0" y="0"/>
+          <a:chExt cx="0" cy="0"/>
+        </a:xfrm>
+      </p:grpSpPr>
+      <p:sp>
+        <p:nvSpPr>
+          <p:cNvPr id="138" name="Google Shape;138;g112e57bf82a_0_30:notes"/>
+          <p:cNvSpPr/>
+          <p:nvPr>
+            <p:ph idx="2" type="sldImg"/>
+          </p:nvPr>
+        </p:nvSpPr>
+        <p:spPr>
+          <a:xfrm>
+            <a:off x="1143225" y="685800"/>
+            <a:ext cx="4572300" cy="3429000"/>
+          </a:xfrm>
+          <a:custGeom>
+            <a:rect b="b" l="l" r="r" t="t"/>
+            <a:pathLst>
+              <a:path extrusionOk="0" h="120000" w="120000">
+                <a:moveTo>
+                  <a:pt x="0" y="0"/>
+                </a:moveTo>
+                <a:lnTo>
+                  <a:pt x="120000" y="0"/>
+                </a:lnTo>
+                <a:lnTo>
+                  <a:pt x="120000" y="120000"/>
+                </a:lnTo>
+                <a:lnTo>
+                  <a:pt x="0" y="120000"/>
+                </a:lnTo>
+                <a:close/>
+              </a:path>
+            </a:pathLst>
+          </a:custGeom>
+        </p:spPr>
+      </p:sp>
+      <p:sp>
+        <p:nvSpPr>
+          <p:cNvPr id="139" name="Google Shape;139;g112e57bf82a_0_30:notes"/>
+          <p:cNvSpPr txBox="1"/>
+          <p:nvPr>
+            <p:ph idx="1" type="body"/>
+          </p:nvPr>
+        </p:nvSpPr>
+        <p:spPr>
+          <a:xfrm>
+            <a:off x="685800" y="4343400"/>
+            <a:ext cx="5486400" cy="4114800"/>
+          </a:xfrm>
+          <a:prstGeom prst="rect">
+            <a:avLst/>
+          </a:prstGeom>
+        </p:spPr>
+        <p:txBody>
+          <a:bodyPr anchorCtr="0" anchor="t" bIns="91425" lIns="91425" spcFirstLastPara="1" rIns="91425" wrap="square" tIns="91425">
+            <a:noAutofit/>
+          </a:bodyPr>
+          <a:lstStyle/>
+          <a:p>
+            <a:pPr indent="0" lvl="0" marL="0" rtl="0" algn="l">
+              <a:spcBef>
+                <a:spcPts val="0"/>
+              </a:spcBef>
+              <a:spcAft>
+                <a:spcPts val="0"/>
+              </a:spcAft>
+              <a:buNone/>
+            </a:pPr>
+            <a:r>
+              <a:t/>
+            </a:r>
+            <a:endParaRPr/>
+          </a:p>
+        </p:txBody>
+      </p:sp>
+    </p:spTree>
+  </p:cSld>
+  <p:clrMapOvr>
+    <a:masterClrMapping/>
+  </p:clrMapOvr>
+</p:notes>
+</file>
+
+<file path=ppt/notesSlides/notesSlide9.xml><?xml version="1.0" encoding="utf-8"?>
+<p:notes xmlns:a="http://schemas.openxmlformats.org/drawingml/2006/main" xmlns:r="http://schemas.openxmlformats.org/officeDocument/2006/relationships" xmlns:mc="http://schemas.openxmlformats.org/markup-compatibility/2006" xmlns:mv="urn:schemas-microsoft-com:mac:vml" xmlns:p="http://schemas.openxmlformats.org/presentationml/2006/main" xmlns:c="http://schemas.openxmlformats.org/drawingml/2006/chart" xmlns:dgm="http://schemas.openxmlformats.org/drawingml/2006/diagram" xmlns:o="urn:schemas-microsoft-com:office:office" xmlns:v="urn:schemas-microsoft-com:vml" xmlns:pvml="urn:schemas-microsoft-com:office:powerpoint" xmlns:com="http://schemas.openxmlformats.org/drawingml/2006/compatibility" xmlns:p14="http://schemas.microsoft.com/office/powerpoint/2010/main" xmlns:p15="http://schemas.microsoft.com/office/powerpoint/2012/main" xmlns:ahyp="http://schemas.microsoft.com/office/drawing/2018/hyperlinkcolor" showMasterPhAnim="0" showMasterSp="0">
+  <p:cSld>
+    <p:spTree>
+      <p:nvGrpSpPr>
+        <p:cNvPr id="144" name="Shape 144"/>
+        <p:cNvGrpSpPr/>
+        <p:nvPr/>
+      </p:nvGrpSpPr>
+      <p:grpSpPr>
+        <a:xfrm>
+          <a:off x="0" y="0"/>
+          <a:ext cx="0" cy="0"/>
+          <a:chOff x="0" y="0"/>
+          <a:chExt cx="0" cy="0"/>
+        </a:xfrm>
+      </p:grpSpPr>
+      <p:sp>
+        <p:nvSpPr>
           <p:cNvPr id="145" name="Google Shape;145;g112e57bf82a_0_40:notes"/>
+          <p:cNvSpPr/>
+          <p:nvPr>
+            <p:ph idx="2" type="sldImg"/>
+          </p:nvPr>
+        </p:nvSpPr>
+        <p:spPr>
+          <a:xfrm>
+            <a:off x="1143225" y="685800"/>
+            <a:ext cx="4572300" cy="3429000"/>
+          </a:xfrm>
+          <a:custGeom>
+            <a:rect b="b" l="l" r="r" t="t"/>
+            <a:pathLst>
+              <a:path extrusionOk="0" h="120000" w="120000">
+                <a:moveTo>
+                  <a:pt x="0" y="0"/>
+                </a:moveTo>
+                <a:lnTo>
+                  <a:pt x="120000" y="0"/>
+                </a:lnTo>
+                <a:lnTo>
+                  <a:pt x="120000" y="120000"/>
+                </a:lnTo>
+                <a:lnTo>
+                  <a:pt x="0" y="120000"/>
+                </a:lnTo>
+                <a:close/>
+              </a:path>
+            </a:pathLst>
+          </a:custGeom>
+        </p:spPr>
+      </p:sp>
+      <p:sp>
+        <p:nvSpPr>
+          <p:cNvPr id="146" name="Google Shape;146;g112e57bf82a_0_40:notes"/>
           <p:cNvSpPr txBox="1"/>
           <p:nvPr>
             <p:ph idx="1" type="body"/>
@@ -12879,7 +13079,7 @@
   <p:cSld>
     <p:spTree>
       <p:nvGrpSpPr>
-        <p:cNvPr id="153" name="Shape 153"/>
+        <p:cNvPr id="154" name="Shape 154"/>
         <p:cNvGrpSpPr/>
         <p:nvPr/>
       </p:nvGrpSpPr>
@@ -12893,7 +13093,7 @@
       </p:grpSpPr>
       <p:sp>
         <p:nvSpPr>
-          <p:cNvPr id="154" name="Google Shape;154;g112e57bf82a_1_32"/>
+          <p:cNvPr id="155" name="Google Shape;155;g11200ef0a8b_0_0"/>
           <p:cNvSpPr txBox="1"/>
           <p:nvPr>
             <p:ph type="title"/>
@@ -12921,11 +13121,6 @@
               <a:spcAft>
                 <a:spcPts val="0"/>
               </a:spcAft>
-              <a:buClr>
-                <a:schemeClr val="dk1"/>
-              </a:buClr>
-              <a:buSzPts val="1100"/>
-              <a:buFont typeface="Arial"/>
               <a:buNone/>
             </a:pPr>
             <a:r>
@@ -12938,7 +13133,1270 @@
       </p:sp>
       <p:sp>
         <p:nvSpPr>
-          <p:cNvPr id="155" name="Google Shape;155;g112e57bf82a_1_32"/>
+          <p:cNvPr id="156" name="Google Shape;156;g11200ef0a8b_0_0"/>
+          <p:cNvSpPr txBox="1"/>
+          <p:nvPr>
+            <p:ph idx="12" type="sldNum"/>
+          </p:nvPr>
+        </p:nvSpPr>
+        <p:spPr>
+          <a:xfrm>
+            <a:off x="8610600" y="6356350"/>
+            <a:ext cx="2743200" cy="365100"/>
+          </a:xfrm>
+          <a:prstGeom prst="rect">
+            <a:avLst/>
+          </a:prstGeom>
+        </p:spPr>
+        <p:txBody>
+          <a:bodyPr anchorCtr="0" anchor="ctr" bIns="45700" lIns="91425" spcFirstLastPara="1" rIns="91425" wrap="square" tIns="45700">
+            <a:noAutofit/>
+          </a:bodyPr>
+          <a:lstStyle/>
+          <a:p>
+            <a:pPr indent="0" lvl="0" marL="0" rtl="0" algn="r">
+              <a:spcBef>
+                <a:spcPts val="0"/>
+              </a:spcBef>
+              <a:spcAft>
+                <a:spcPts val="0"/>
+              </a:spcAft>
+              <a:buClr>
+                <a:srgbClr val="000000"/>
+              </a:buClr>
+              <a:buFont typeface="Arial"/>
+              <a:buNone/>
+            </a:pPr>
+            <a:fld id="{00000000-1234-1234-1234-123412341234}" type="slidenum">
+              <a:rPr lang="es-ES"/>
+              <a:t>‹#›</a:t>
+            </a:fld>
+            <a:endParaRPr/>
+          </a:p>
+        </p:txBody>
+      </p:sp>
+      <p:graphicFrame>
+        <p:nvGraphicFramePr>
+          <p:cNvPr id="157" name="Google Shape;157;g11200ef0a8b_0_0"/>
+          <p:cNvGraphicFramePr/>
+          <p:nvPr/>
+        </p:nvGraphicFramePr>
+        <p:xfrm>
+          <a:off x="719563" y="1890200"/>
+          <a:ext cx="3000000" cy="3000000"/>
+        </p:xfrm>
+        <a:graphic>
+          <a:graphicData uri="http://schemas.openxmlformats.org/drawingml/2006/table">
+            <a:tbl>
+              <a:tblPr>
+                <a:noFill/>
+                <a:tableStyleId>{77577344-B6C6-4C8F-A54E-1469ECBB6E49}</a:tableStyleId>
+              </a:tblPr>
+              <a:tblGrid>
+                <a:gridCol w="3655875"/>
+                <a:gridCol w="1243375"/>
+                <a:gridCol w="1311100"/>
+                <a:gridCol w="1337525"/>
+                <a:gridCol w="1099225"/>
+                <a:gridCol w="1046300"/>
+                <a:gridCol w="1059475"/>
+              </a:tblGrid>
+              <a:tr h="694575">
+                <a:tc>
+                  <a:txBody>
+                    <a:bodyPr/>
+                    <a:lstStyle/>
+                    <a:p>
+                      <a:pPr indent="0" lvl="0" marL="0" rtl="0" algn="l">
+                        <a:spcBef>
+                          <a:spcPts val="0"/>
+                        </a:spcBef>
+                        <a:spcAft>
+                          <a:spcPts val="0"/>
+                        </a:spcAft>
+                        <a:buNone/>
+                      </a:pPr>
+                      <a:r>
+                        <a:rPr b="1" lang="es-ES" sz="1500"/>
+                        <a:t>text</a:t>
+                      </a:r>
+                      <a:endParaRPr b="1" sz="1500"/>
+                    </a:p>
+                  </a:txBody>
+                  <a:tcPr marT="91425" marB="91425" marR="91425" marL="91425"/>
+                </a:tc>
+                <a:tc>
+                  <a:txBody>
+                    <a:bodyPr/>
+                    <a:lstStyle/>
+                    <a:p>
+                      <a:pPr indent="0" lvl="0" marL="0" rtl="0" algn="l">
+                        <a:spcBef>
+                          <a:spcPts val="0"/>
+                        </a:spcBef>
+                        <a:spcAft>
+                          <a:spcPts val="0"/>
+                        </a:spcAft>
+                        <a:buNone/>
+                      </a:pPr>
+                      <a:r>
+                        <a:rPr b="1" lang="es-ES" sz="1500"/>
+                        <a:t>sentiment_</a:t>
+                      </a:r>
+                      <a:endParaRPr b="1" sz="1500"/>
+                    </a:p>
+                    <a:p>
+                      <a:pPr indent="0" lvl="0" marL="0" rtl="0" algn="l">
+                        <a:spcBef>
+                          <a:spcPts val="0"/>
+                        </a:spcBef>
+                        <a:spcAft>
+                          <a:spcPts val="0"/>
+                        </a:spcAft>
+                        <a:buNone/>
+                      </a:pPr>
+                      <a:r>
+                        <a:rPr b="1" lang="es-ES" sz="1500"/>
+                        <a:t>julen</a:t>
+                      </a:r>
+                      <a:endParaRPr b="1" sz="1500"/>
+                    </a:p>
+                  </a:txBody>
+                  <a:tcPr marT="91425" marB="91425" marR="91425" marL="91425"/>
+                </a:tc>
+                <a:tc>
+                  <a:txBody>
+                    <a:bodyPr/>
+                    <a:lstStyle/>
+                    <a:p>
+                      <a:pPr indent="0" lvl="0" marL="0" rtl="0" algn="l">
+                        <a:spcBef>
+                          <a:spcPts val="0"/>
+                        </a:spcBef>
+                        <a:spcAft>
+                          <a:spcPts val="0"/>
+                        </a:spcAft>
+                        <a:buNone/>
+                      </a:pPr>
+                      <a:r>
+                        <a:rPr b="1" lang="es-ES" sz="1500"/>
+                        <a:t>sentiment_</a:t>
+                      </a:r>
+                      <a:endParaRPr b="1" sz="1500"/>
+                    </a:p>
+                    <a:p>
+                      <a:pPr indent="0" lvl="0" marL="0" rtl="0" algn="l">
+                        <a:spcBef>
+                          <a:spcPts val="0"/>
+                        </a:spcBef>
+                        <a:spcAft>
+                          <a:spcPts val="0"/>
+                        </a:spcAft>
+                        <a:buNone/>
+                      </a:pPr>
+                      <a:r>
+                        <a:rPr b="1" lang="es-ES" sz="1500"/>
+                        <a:t>oihane</a:t>
+                      </a:r>
+                      <a:endParaRPr b="1" sz="1500"/>
+                    </a:p>
+                  </a:txBody>
+                  <a:tcPr marT="91425" marB="91425" marR="91425" marL="91425">
+                    <a:lnR cap="flat" cmpd="sng" w="9525">
+                      <a:solidFill>
+                        <a:srgbClr val="9E9E9E"/>
+                      </a:solidFill>
+                      <a:prstDash val="solid"/>
+                      <a:round/>
+                      <a:headEnd len="sm" w="sm" type="none"/>
+                      <a:tailEnd len="sm" w="sm" type="none"/>
+                    </a:lnR>
+                  </a:tcPr>
+                </a:tc>
+                <a:tc>
+                  <a:txBody>
+                    <a:bodyPr/>
+                    <a:lstStyle/>
+                    <a:p>
+                      <a:pPr indent="0" lvl="0" marL="0" rtl="0" algn="l">
+                        <a:spcBef>
+                          <a:spcPts val="0"/>
+                        </a:spcBef>
+                        <a:spcAft>
+                          <a:spcPts val="0"/>
+                        </a:spcAft>
+                        <a:buNone/>
+                      </a:pPr>
+                      <a:r>
+                        <a:rPr b="1" lang="es-ES" sz="1500"/>
+                        <a:t>sentiment_</a:t>
+                      </a:r>
+                      <a:endParaRPr b="1" sz="1500"/>
+                    </a:p>
+                    <a:p>
+                      <a:pPr indent="0" lvl="0" marL="0" rtl="0" algn="l">
+                        <a:spcBef>
+                          <a:spcPts val="0"/>
+                        </a:spcBef>
+                        <a:spcAft>
+                          <a:spcPts val="0"/>
+                        </a:spcAft>
+                        <a:buNone/>
+                      </a:pPr>
+                      <a:r>
+                        <a:rPr b="1" lang="es-ES" sz="1500"/>
+                        <a:t>javier</a:t>
+                      </a:r>
+                      <a:endParaRPr b="1" sz="1500"/>
+                    </a:p>
+                  </a:txBody>
+                  <a:tcPr marT="91425" marB="91425" marR="91425" marL="91425">
+                    <a:lnL cap="flat" cmpd="sng" w="9525">
+                      <a:solidFill>
+                        <a:srgbClr val="9E9E9E"/>
+                      </a:solidFill>
+                      <a:prstDash val="solid"/>
+                      <a:round/>
+                      <a:headEnd len="sm" w="sm" type="none"/>
+                      <a:tailEnd len="sm" w="sm" type="none"/>
+                    </a:lnL>
+                    <a:lnR cap="flat" cmpd="sng" w="9525">
+                      <a:solidFill>
+                        <a:srgbClr val="9E9E9E"/>
+                      </a:solidFill>
+                      <a:prstDash val="solid"/>
+                      <a:round/>
+                      <a:headEnd len="sm" w="sm" type="none"/>
+                      <a:tailEnd len="sm" w="sm" type="none"/>
+                    </a:lnR>
+                    <a:lnT cap="flat" cmpd="sng" w="9525">
+                      <a:solidFill>
+                        <a:srgbClr val="9E9E9E"/>
+                      </a:solidFill>
+                      <a:prstDash val="solid"/>
+                      <a:round/>
+                      <a:headEnd len="sm" w="sm" type="none"/>
+                      <a:tailEnd len="sm" w="sm" type="none"/>
+                    </a:lnT>
+                    <a:lnB cap="flat" cmpd="sng" w="9525">
+                      <a:solidFill>
+                        <a:srgbClr val="9E9E9E"/>
+                      </a:solidFill>
+                      <a:prstDash val="solid"/>
+                      <a:round/>
+                      <a:headEnd len="sm" w="sm" type="none"/>
+                      <a:tailEnd len="sm" w="sm" type="none"/>
+                    </a:lnB>
+                  </a:tcPr>
+                </a:tc>
+                <a:tc>
+                  <a:txBody>
+                    <a:bodyPr/>
+                    <a:lstStyle/>
+                    <a:p>
+                      <a:pPr indent="0" lvl="0" marL="0" rtl="0" algn="l">
+                        <a:spcBef>
+                          <a:spcPts val="0"/>
+                        </a:spcBef>
+                        <a:spcAft>
+                          <a:spcPts val="0"/>
+                        </a:spcAft>
+                        <a:buNone/>
+                      </a:pPr>
+                      <a:r>
+                        <a:rPr b="1" lang="es-ES" sz="1500"/>
+                        <a:t>emotion_</a:t>
+                      </a:r>
+                      <a:endParaRPr b="1" sz="1500"/>
+                    </a:p>
+                    <a:p>
+                      <a:pPr indent="0" lvl="0" marL="0" rtl="0" algn="l">
+                        <a:spcBef>
+                          <a:spcPts val="0"/>
+                        </a:spcBef>
+                        <a:spcAft>
+                          <a:spcPts val="0"/>
+                        </a:spcAft>
+                        <a:buNone/>
+                      </a:pPr>
+                      <a:r>
+                        <a:rPr b="1" lang="es-ES" sz="1500"/>
+                        <a:t>julen</a:t>
+                      </a:r>
+                      <a:endParaRPr b="1" sz="1500"/>
+                    </a:p>
+                  </a:txBody>
+                  <a:tcPr marT="91425" marB="91425" marR="91425" marL="91425">
+                    <a:lnL cap="flat" cmpd="sng" w="9525">
+                      <a:solidFill>
+                        <a:srgbClr val="9E9E9E"/>
+                      </a:solidFill>
+                      <a:prstDash val="solid"/>
+                      <a:round/>
+                      <a:headEnd len="sm" w="sm" type="none"/>
+                      <a:tailEnd len="sm" w="sm" type="none"/>
+                    </a:lnL>
+                  </a:tcPr>
+                </a:tc>
+                <a:tc>
+                  <a:txBody>
+                    <a:bodyPr/>
+                    <a:lstStyle/>
+                    <a:p>
+                      <a:pPr indent="0" lvl="0" marL="0" rtl="0" algn="l">
+                        <a:spcBef>
+                          <a:spcPts val="0"/>
+                        </a:spcBef>
+                        <a:spcAft>
+                          <a:spcPts val="0"/>
+                        </a:spcAft>
+                        <a:buNone/>
+                      </a:pPr>
+                      <a:r>
+                        <a:rPr b="1" lang="es-ES" sz="1500"/>
+                        <a:t>emotion_oihane</a:t>
+                      </a:r>
+                      <a:endParaRPr b="1" sz="1500"/>
+                    </a:p>
+                  </a:txBody>
+                  <a:tcPr marT="91425" marB="91425" marR="91425" marL="91425"/>
+                </a:tc>
+                <a:tc>
+                  <a:txBody>
+                    <a:bodyPr/>
+                    <a:lstStyle/>
+                    <a:p>
+                      <a:pPr indent="0" lvl="0" marL="0" rtl="0" algn="l">
+                        <a:spcBef>
+                          <a:spcPts val="0"/>
+                        </a:spcBef>
+                        <a:spcAft>
+                          <a:spcPts val="0"/>
+                        </a:spcAft>
+                        <a:buNone/>
+                      </a:pPr>
+                      <a:r>
+                        <a:rPr b="1" lang="es-ES" sz="1500"/>
+                        <a:t>emotion_javier</a:t>
+                      </a:r>
+                      <a:endParaRPr b="1" sz="1500"/>
+                    </a:p>
+                  </a:txBody>
+                  <a:tcPr marT="91425" marB="91425" marR="91425" marL="91425">
+                    <a:lnB cap="flat" cmpd="sng" w="9525">
+                      <a:solidFill>
+                        <a:srgbClr val="9E9E9E"/>
+                      </a:solidFill>
+                      <a:prstDash val="solid"/>
+                      <a:round/>
+                      <a:headEnd len="sm" w="sm" type="none"/>
+                      <a:tailEnd len="sm" w="sm" type="none"/>
+                    </a:lnB>
+                  </a:tcPr>
+                </a:tc>
+              </a:tr>
+              <a:tr h="942650">
+                <a:tc>
+                  <a:txBody>
+                    <a:bodyPr/>
+                    <a:lstStyle/>
+                    <a:p>
+                      <a:pPr indent="0" lvl="0" marL="0" rtl="0" algn="l">
+                        <a:spcBef>
+                          <a:spcPts val="0"/>
+                        </a:spcBef>
+                        <a:spcAft>
+                          <a:spcPts val="0"/>
+                        </a:spcAft>
+                        <a:buNone/>
+                      </a:pPr>
+                      <a:r>
+                        <a:rPr lang="es-ES" sz="1500"/>
+                        <a:t>just put a CD into my MacBook to burn it and my computer is literally trembling with reawakened recognition 😆</a:t>
+                      </a:r>
+                      <a:endParaRPr sz="1500"/>
+                    </a:p>
+                  </a:txBody>
+                  <a:tcPr marT="91425" marB="91425" marR="91425" marL="91425"/>
+                </a:tc>
+                <a:tc>
+                  <a:txBody>
+                    <a:bodyPr/>
+                    <a:lstStyle/>
+                    <a:p>
+                      <a:pPr indent="0" lvl="0" marL="0" rtl="0" algn="l">
+                        <a:spcBef>
+                          <a:spcPts val="0"/>
+                        </a:spcBef>
+                        <a:spcAft>
+                          <a:spcPts val="0"/>
+                        </a:spcAft>
+                        <a:buNone/>
+                      </a:pPr>
+                      <a:r>
+                        <a:rPr lang="es-ES" sz="1500"/>
+                        <a:t>negative</a:t>
+                      </a:r>
+                      <a:endParaRPr sz="1500"/>
+                    </a:p>
+                  </a:txBody>
+                  <a:tcPr marT="91425" marB="91425" marR="91425" marL="91425"/>
+                </a:tc>
+                <a:tc>
+                  <a:txBody>
+                    <a:bodyPr/>
+                    <a:lstStyle/>
+                    <a:p>
+                      <a:pPr indent="0" lvl="0" marL="0" rtl="0" algn="l">
+                        <a:spcBef>
+                          <a:spcPts val="0"/>
+                        </a:spcBef>
+                        <a:spcAft>
+                          <a:spcPts val="0"/>
+                        </a:spcAft>
+                        <a:buNone/>
+                      </a:pPr>
+                      <a:r>
+                        <a:rPr lang="es-ES" sz="1500"/>
+                        <a:t>positive</a:t>
+                      </a:r>
+                      <a:endParaRPr sz="1500"/>
+                    </a:p>
+                  </a:txBody>
+                  <a:tcPr marT="91425" marB="91425" marR="91425" marL="91425">
+                    <a:lnR cap="flat" cmpd="sng" w="9525">
+                      <a:solidFill>
+                        <a:srgbClr val="9E9E9E"/>
+                      </a:solidFill>
+                      <a:prstDash val="solid"/>
+                      <a:round/>
+                      <a:headEnd len="sm" w="sm" type="none"/>
+                      <a:tailEnd len="sm" w="sm" type="none"/>
+                    </a:lnR>
+                  </a:tcPr>
+                </a:tc>
+                <a:tc>
+                  <a:txBody>
+                    <a:bodyPr/>
+                    <a:lstStyle/>
+                    <a:p>
+                      <a:pPr indent="0" lvl="0" marL="0" rtl="0" algn="l">
+                        <a:spcBef>
+                          <a:spcPts val="0"/>
+                        </a:spcBef>
+                        <a:spcAft>
+                          <a:spcPts val="0"/>
+                        </a:spcAft>
+                        <a:buNone/>
+                      </a:pPr>
+                      <a:r>
+                        <a:rPr lang="es-ES" sz="1500"/>
+                        <a:t>negative</a:t>
+                      </a:r>
+                      <a:endParaRPr sz="1500"/>
+                    </a:p>
+                  </a:txBody>
+                  <a:tcPr marT="91425" marB="91425" marR="91425" marL="91425">
+                    <a:lnL cap="flat" cmpd="sng" w="9525">
+                      <a:solidFill>
+                        <a:srgbClr val="9E9E9E"/>
+                      </a:solidFill>
+                      <a:prstDash val="solid"/>
+                      <a:round/>
+                      <a:headEnd len="sm" w="sm" type="none"/>
+                      <a:tailEnd len="sm" w="sm" type="none"/>
+                    </a:lnL>
+                    <a:lnR cap="flat" cmpd="sng" w="9525">
+                      <a:solidFill>
+                        <a:srgbClr val="9E9E9E"/>
+                      </a:solidFill>
+                      <a:prstDash val="solid"/>
+                      <a:round/>
+                      <a:headEnd len="sm" w="sm" type="none"/>
+                      <a:tailEnd len="sm" w="sm" type="none"/>
+                    </a:lnR>
+                    <a:lnT cap="flat" cmpd="sng" w="9525">
+                      <a:solidFill>
+                        <a:srgbClr val="9E9E9E"/>
+                      </a:solidFill>
+                      <a:prstDash val="solid"/>
+                      <a:round/>
+                      <a:headEnd len="sm" w="sm" type="none"/>
+                      <a:tailEnd len="sm" w="sm" type="none"/>
+                    </a:lnT>
+                    <a:lnB cap="flat" cmpd="sng" w="9525">
+                      <a:solidFill>
+                        <a:srgbClr val="9E9E9E"/>
+                      </a:solidFill>
+                      <a:prstDash val="solid"/>
+                      <a:round/>
+                      <a:headEnd len="sm" w="sm" type="none"/>
+                      <a:tailEnd len="sm" w="sm" type="none"/>
+                    </a:lnB>
+                  </a:tcPr>
+                </a:tc>
+                <a:tc>
+                  <a:txBody>
+                    <a:bodyPr/>
+                    <a:lstStyle/>
+                    <a:p>
+                      <a:pPr indent="0" lvl="0" marL="0" rtl="0" algn="l">
+                        <a:spcBef>
+                          <a:spcPts val="0"/>
+                        </a:spcBef>
+                        <a:spcAft>
+                          <a:spcPts val="0"/>
+                        </a:spcAft>
+                        <a:buNone/>
+                      </a:pPr>
+                      <a:r>
+                        <a:rPr lang="es-ES" sz="1500"/>
+                        <a:t>anger</a:t>
+                      </a:r>
+                      <a:endParaRPr sz="1500"/>
+                    </a:p>
+                  </a:txBody>
+                  <a:tcPr marT="91425" marB="91425" marR="91425" marL="91425">
+                    <a:lnL cap="flat" cmpd="sng" w="9525">
+                      <a:solidFill>
+                        <a:srgbClr val="9E9E9E"/>
+                      </a:solidFill>
+                      <a:prstDash val="solid"/>
+                      <a:round/>
+                      <a:headEnd len="sm" w="sm" type="none"/>
+                      <a:tailEnd len="sm" w="sm" type="none"/>
+                    </a:lnL>
+                  </a:tcPr>
+                </a:tc>
+                <a:tc>
+                  <a:txBody>
+                    <a:bodyPr/>
+                    <a:lstStyle/>
+                    <a:p>
+                      <a:pPr indent="0" lvl="0" marL="0" rtl="0" algn="l">
+                        <a:spcBef>
+                          <a:spcPts val="0"/>
+                        </a:spcBef>
+                        <a:spcAft>
+                          <a:spcPts val="0"/>
+                        </a:spcAft>
+                        <a:buNone/>
+                      </a:pPr>
+                      <a:r>
+                        <a:rPr lang="es-ES" sz="1500"/>
+                        <a:t>joy</a:t>
+                      </a:r>
+                      <a:endParaRPr sz="1500"/>
+                    </a:p>
+                  </a:txBody>
+                  <a:tcPr marT="91425" marB="91425" marR="91425" marL="91425">
+                    <a:lnR cap="flat" cmpd="sng" w="9525">
+                      <a:solidFill>
+                        <a:srgbClr val="9E9E9E"/>
+                      </a:solidFill>
+                      <a:prstDash val="solid"/>
+                      <a:round/>
+                      <a:headEnd len="sm" w="sm" type="none"/>
+                      <a:tailEnd len="sm" w="sm" type="none"/>
+                    </a:lnR>
+                  </a:tcPr>
+                </a:tc>
+                <a:tc>
+                  <a:txBody>
+                    <a:bodyPr/>
+                    <a:lstStyle/>
+                    <a:p>
+                      <a:pPr indent="0" lvl="0" marL="0" rtl="0" algn="l">
+                        <a:spcBef>
+                          <a:spcPts val="0"/>
+                        </a:spcBef>
+                        <a:spcAft>
+                          <a:spcPts val="0"/>
+                        </a:spcAft>
+                        <a:buNone/>
+                      </a:pPr>
+                      <a:r>
+                        <a:rPr lang="es-ES" sz="1500"/>
+                        <a:t>joy</a:t>
+                      </a:r>
+                      <a:endParaRPr sz="1500"/>
+                    </a:p>
+                  </a:txBody>
+                  <a:tcPr marT="91425" marB="91425" marR="91425" marL="91425">
+                    <a:lnL cap="flat" cmpd="sng" w="9525">
+                      <a:solidFill>
+                        <a:srgbClr val="9E9E9E"/>
+                      </a:solidFill>
+                      <a:prstDash val="solid"/>
+                      <a:round/>
+                      <a:headEnd len="sm" w="sm" type="none"/>
+                      <a:tailEnd len="sm" w="sm" type="none"/>
+                    </a:lnL>
+                    <a:lnR cap="flat" cmpd="sng" w="9525">
+                      <a:solidFill>
+                        <a:srgbClr val="9E9E9E"/>
+                      </a:solidFill>
+                      <a:prstDash val="solid"/>
+                      <a:round/>
+                      <a:headEnd len="sm" w="sm" type="none"/>
+                      <a:tailEnd len="sm" w="sm" type="none"/>
+                    </a:lnR>
+                    <a:lnT cap="flat" cmpd="sng" w="9525">
+                      <a:solidFill>
+                        <a:srgbClr val="9E9E9E"/>
+                      </a:solidFill>
+                      <a:prstDash val="solid"/>
+                      <a:round/>
+                      <a:headEnd len="sm" w="sm" type="none"/>
+                      <a:tailEnd len="sm" w="sm" type="none"/>
+                    </a:lnT>
+                    <a:lnB cap="flat" cmpd="sng" w="9525">
+                      <a:solidFill>
+                        <a:srgbClr val="9E9E9E"/>
+                      </a:solidFill>
+                      <a:prstDash val="solid"/>
+                      <a:round/>
+                      <a:headEnd len="sm" w="sm" type="none"/>
+                      <a:tailEnd len="sm" w="sm" type="none"/>
+                    </a:lnB>
+                  </a:tcPr>
+                </a:tc>
+              </a:tr>
+              <a:tr h="942650">
+                <a:tc>
+                  <a:txBody>
+                    <a:bodyPr/>
+                    <a:lstStyle/>
+                    <a:p>
+                      <a:pPr indent="0" lvl="0" marL="0" rtl="0" algn="l">
+                        <a:spcBef>
+                          <a:spcPts val="0"/>
+                        </a:spcBef>
+                        <a:spcAft>
+                          <a:spcPts val="0"/>
+                        </a:spcAft>
+                        <a:buNone/>
+                      </a:pPr>
+                      <a:r>
+                        <a:rPr lang="es-ES" sz="1500"/>
+                        <a:t>oh yeah tesla well what about a car that just logs into your tiktok acct and drives you to starbucks</a:t>
+                      </a:r>
+                      <a:endParaRPr sz="1500"/>
+                    </a:p>
+                  </a:txBody>
+                  <a:tcPr marT="91425" marB="91425" marR="91425" marL="91425"/>
+                </a:tc>
+                <a:tc>
+                  <a:txBody>
+                    <a:bodyPr/>
+                    <a:lstStyle/>
+                    <a:p>
+                      <a:pPr indent="0" lvl="0" marL="0" rtl="0" algn="l">
+                        <a:spcBef>
+                          <a:spcPts val="0"/>
+                        </a:spcBef>
+                        <a:spcAft>
+                          <a:spcPts val="0"/>
+                        </a:spcAft>
+                        <a:buNone/>
+                      </a:pPr>
+                      <a:r>
+                        <a:rPr lang="es-ES" sz="1500"/>
+                        <a:t>neutral</a:t>
+                      </a:r>
+                      <a:endParaRPr sz="1500"/>
+                    </a:p>
+                  </a:txBody>
+                  <a:tcPr marT="91425" marB="91425" marR="91425" marL="91425"/>
+                </a:tc>
+                <a:tc>
+                  <a:txBody>
+                    <a:bodyPr/>
+                    <a:lstStyle/>
+                    <a:p>
+                      <a:pPr indent="0" lvl="0" marL="0" rtl="0" algn="l">
+                        <a:spcBef>
+                          <a:spcPts val="0"/>
+                        </a:spcBef>
+                        <a:spcAft>
+                          <a:spcPts val="0"/>
+                        </a:spcAft>
+                        <a:buNone/>
+                      </a:pPr>
+                      <a:r>
+                        <a:rPr lang="es-ES" sz="1500"/>
+                        <a:t>positive</a:t>
+                      </a:r>
+                      <a:endParaRPr sz="1500"/>
+                    </a:p>
+                  </a:txBody>
+                  <a:tcPr marT="91425" marB="91425" marR="91425" marL="91425">
+                    <a:lnR cap="flat" cmpd="sng" w="9525">
+                      <a:solidFill>
+                        <a:srgbClr val="9E9E9E"/>
+                      </a:solidFill>
+                      <a:prstDash val="solid"/>
+                      <a:round/>
+                      <a:headEnd len="sm" w="sm" type="none"/>
+                      <a:tailEnd len="sm" w="sm" type="none"/>
+                    </a:lnR>
+                  </a:tcPr>
+                </a:tc>
+                <a:tc>
+                  <a:txBody>
+                    <a:bodyPr/>
+                    <a:lstStyle/>
+                    <a:p>
+                      <a:pPr indent="0" lvl="0" marL="0" rtl="0" algn="l">
+                        <a:spcBef>
+                          <a:spcPts val="0"/>
+                        </a:spcBef>
+                        <a:spcAft>
+                          <a:spcPts val="0"/>
+                        </a:spcAft>
+                        <a:buNone/>
+                      </a:pPr>
+                      <a:r>
+                        <a:rPr lang="es-ES" sz="1500"/>
+                        <a:t>negative</a:t>
+                      </a:r>
+                      <a:endParaRPr sz="1500"/>
+                    </a:p>
+                  </a:txBody>
+                  <a:tcPr marT="91425" marB="91425" marR="91425" marL="91425">
+                    <a:lnL cap="flat" cmpd="sng" w="9525">
+                      <a:solidFill>
+                        <a:srgbClr val="9E9E9E"/>
+                      </a:solidFill>
+                      <a:prstDash val="solid"/>
+                      <a:round/>
+                      <a:headEnd len="sm" w="sm" type="none"/>
+                      <a:tailEnd len="sm" w="sm" type="none"/>
+                    </a:lnL>
+                    <a:lnR cap="flat" cmpd="sng" w="9525">
+                      <a:solidFill>
+                        <a:srgbClr val="9E9E9E"/>
+                      </a:solidFill>
+                      <a:prstDash val="solid"/>
+                      <a:round/>
+                      <a:headEnd len="sm" w="sm" type="none"/>
+                      <a:tailEnd len="sm" w="sm" type="none"/>
+                    </a:lnR>
+                    <a:lnT cap="flat" cmpd="sng" w="9525">
+                      <a:solidFill>
+                        <a:srgbClr val="9E9E9E"/>
+                      </a:solidFill>
+                      <a:prstDash val="solid"/>
+                      <a:round/>
+                      <a:headEnd len="sm" w="sm" type="none"/>
+                      <a:tailEnd len="sm" w="sm" type="none"/>
+                    </a:lnT>
+                    <a:lnB cap="flat" cmpd="sng" w="9525">
+                      <a:solidFill>
+                        <a:srgbClr val="9E9E9E"/>
+                      </a:solidFill>
+                      <a:prstDash val="solid"/>
+                      <a:round/>
+                      <a:headEnd len="sm" w="sm" type="none"/>
+                      <a:tailEnd len="sm" w="sm" type="none"/>
+                    </a:lnB>
+                  </a:tcPr>
+                </a:tc>
+                <a:tc>
+                  <a:txBody>
+                    <a:bodyPr/>
+                    <a:lstStyle/>
+                    <a:p>
+                      <a:pPr indent="0" lvl="0" marL="0" rtl="0" algn="l">
+                        <a:spcBef>
+                          <a:spcPts val="0"/>
+                        </a:spcBef>
+                        <a:spcAft>
+                          <a:spcPts val="0"/>
+                        </a:spcAft>
+                        <a:buNone/>
+                      </a:pPr>
+                      <a:r>
+                        <a:rPr lang="es-ES" sz="1500"/>
+                        <a:t>joy</a:t>
+                      </a:r>
+                      <a:endParaRPr sz="1500"/>
+                    </a:p>
+                  </a:txBody>
+                  <a:tcPr marT="91425" marB="91425" marR="91425" marL="91425">
+                    <a:lnL cap="flat" cmpd="sng" w="9525">
+                      <a:solidFill>
+                        <a:srgbClr val="9E9E9E"/>
+                      </a:solidFill>
+                      <a:prstDash val="solid"/>
+                      <a:round/>
+                      <a:headEnd len="sm" w="sm" type="none"/>
+                      <a:tailEnd len="sm" w="sm" type="none"/>
+                    </a:lnL>
+                  </a:tcPr>
+                </a:tc>
+                <a:tc>
+                  <a:txBody>
+                    <a:bodyPr/>
+                    <a:lstStyle/>
+                    <a:p>
+                      <a:pPr indent="0" lvl="0" marL="0" rtl="0" algn="l">
+                        <a:spcBef>
+                          <a:spcPts val="0"/>
+                        </a:spcBef>
+                        <a:spcAft>
+                          <a:spcPts val="0"/>
+                        </a:spcAft>
+                        <a:buNone/>
+                      </a:pPr>
+                      <a:r>
+                        <a:rPr lang="es-ES" sz="1500"/>
+                        <a:t>joy</a:t>
+                      </a:r>
+                      <a:endParaRPr sz="1500"/>
+                    </a:p>
+                  </a:txBody>
+                  <a:tcPr marT="91425" marB="91425" marR="91425" marL="91425">
+                    <a:lnR cap="flat" cmpd="sng" w="9525">
+                      <a:solidFill>
+                        <a:srgbClr val="9E9E9E"/>
+                      </a:solidFill>
+                      <a:prstDash val="solid"/>
+                      <a:round/>
+                      <a:headEnd len="sm" w="sm" type="none"/>
+                      <a:tailEnd len="sm" w="sm" type="none"/>
+                    </a:lnR>
+                  </a:tcPr>
+                </a:tc>
+                <a:tc>
+                  <a:txBody>
+                    <a:bodyPr/>
+                    <a:lstStyle/>
+                    <a:p>
+                      <a:pPr indent="0" lvl="0" marL="0" rtl="0" algn="l">
+                        <a:spcBef>
+                          <a:spcPts val="0"/>
+                        </a:spcBef>
+                        <a:spcAft>
+                          <a:spcPts val="0"/>
+                        </a:spcAft>
+                        <a:buNone/>
+                      </a:pPr>
+                      <a:r>
+                        <a:rPr lang="es-ES" sz="1500"/>
+                        <a:t>anger</a:t>
+                      </a:r>
+                      <a:endParaRPr sz="1500"/>
+                    </a:p>
+                  </a:txBody>
+                  <a:tcPr marT="91425" marB="91425" marR="91425" marL="91425">
+                    <a:lnL cap="flat" cmpd="sng" w="9525">
+                      <a:solidFill>
+                        <a:srgbClr val="9E9E9E"/>
+                      </a:solidFill>
+                      <a:prstDash val="solid"/>
+                      <a:round/>
+                      <a:headEnd len="sm" w="sm" type="none"/>
+                      <a:tailEnd len="sm" w="sm" type="none"/>
+                    </a:lnL>
+                    <a:lnR cap="flat" cmpd="sng" w="9525">
+                      <a:solidFill>
+                        <a:srgbClr val="9E9E9E"/>
+                      </a:solidFill>
+                      <a:prstDash val="solid"/>
+                      <a:round/>
+                      <a:headEnd len="sm" w="sm" type="none"/>
+                      <a:tailEnd len="sm" w="sm" type="none"/>
+                    </a:lnR>
+                    <a:lnT cap="flat" cmpd="sng" w="9525">
+                      <a:solidFill>
+                        <a:srgbClr val="9E9E9E"/>
+                      </a:solidFill>
+                      <a:prstDash val="solid"/>
+                      <a:round/>
+                      <a:headEnd len="sm" w="sm" type="none"/>
+                      <a:tailEnd len="sm" w="sm" type="none"/>
+                    </a:lnT>
+                    <a:lnB cap="flat" cmpd="sng" w="9525">
+                      <a:solidFill>
+                        <a:srgbClr val="9E9E9E"/>
+                      </a:solidFill>
+                      <a:prstDash val="solid"/>
+                      <a:round/>
+                      <a:headEnd len="sm" w="sm" type="none"/>
+                      <a:tailEnd len="sm" w="sm" type="none"/>
+                    </a:lnB>
+                  </a:tcPr>
+                </a:tc>
+              </a:tr>
+              <a:tr h="1686875">
+                <a:tc>
+                  <a:txBody>
+                    <a:bodyPr/>
+                    <a:lstStyle/>
+                    <a:p>
+                      <a:pPr indent="0" lvl="0" marL="0" rtl="0" algn="l">
+                        <a:spcBef>
+                          <a:spcPts val="0"/>
+                        </a:spcBef>
+                        <a:spcAft>
+                          <a:spcPts val="0"/>
+                        </a:spcAft>
+                        <a:buNone/>
+                      </a:pPr>
+                      <a:r>
+                        <a:rPr lang="es-ES" sz="1500"/>
+                        <a:t>#100DaysOfCode Haven’t updated in a while due to not feeling well, just been reviewing some HTML/CSS &amp;amp; JavaScript until I feel better to take on new concepts</a:t>
+                      </a:r>
+                      <a:endParaRPr sz="1500"/>
+                    </a:p>
+                    <a:p>
+                      <a:pPr indent="0" lvl="0" marL="0" rtl="0" algn="l">
+                        <a:spcBef>
+                          <a:spcPts val="0"/>
+                        </a:spcBef>
+                        <a:spcAft>
+                          <a:spcPts val="0"/>
+                        </a:spcAft>
+                        <a:buNone/>
+                      </a:pPr>
+                      <a:r>
+                        <a:rPr lang="es-ES" sz="1500"/>
+                        <a:t>Also been watching mock interviews  :)</a:t>
+                      </a:r>
+                      <a:endParaRPr sz="1500"/>
+                    </a:p>
+                  </a:txBody>
+                  <a:tcPr marT="91425" marB="91425" marR="91425" marL="91425"/>
+                </a:tc>
+                <a:tc>
+                  <a:txBody>
+                    <a:bodyPr/>
+                    <a:lstStyle/>
+                    <a:p>
+                      <a:pPr indent="0" lvl="0" marL="0" rtl="0" algn="l">
+                        <a:spcBef>
+                          <a:spcPts val="0"/>
+                        </a:spcBef>
+                        <a:spcAft>
+                          <a:spcPts val="0"/>
+                        </a:spcAft>
+                        <a:buNone/>
+                      </a:pPr>
+                      <a:r>
+                        <a:rPr lang="es-ES" sz="1500"/>
+                        <a:t>negative</a:t>
+                      </a:r>
+                      <a:endParaRPr sz="1500"/>
+                    </a:p>
+                  </a:txBody>
+                  <a:tcPr marT="91425" marB="91425" marR="91425" marL="91425"/>
+                </a:tc>
+                <a:tc>
+                  <a:txBody>
+                    <a:bodyPr/>
+                    <a:lstStyle/>
+                    <a:p>
+                      <a:pPr indent="0" lvl="0" marL="0" rtl="0" algn="l">
+                        <a:spcBef>
+                          <a:spcPts val="0"/>
+                        </a:spcBef>
+                        <a:spcAft>
+                          <a:spcPts val="0"/>
+                        </a:spcAft>
+                        <a:buNone/>
+                      </a:pPr>
+                      <a:r>
+                        <a:rPr lang="es-ES" sz="1500">
+                          <a:solidFill>
+                            <a:schemeClr val="dk1"/>
+                          </a:solidFill>
+                        </a:rPr>
+                        <a:t>negative</a:t>
+                      </a:r>
+                      <a:endParaRPr sz="1500"/>
+                    </a:p>
+                  </a:txBody>
+                  <a:tcPr marT="91425" marB="91425" marR="91425" marL="91425">
+                    <a:lnR cap="flat" cmpd="sng" w="9525">
+                      <a:solidFill>
+                        <a:srgbClr val="9E9E9E"/>
+                      </a:solidFill>
+                      <a:prstDash val="solid"/>
+                      <a:round/>
+                      <a:headEnd len="sm" w="sm" type="none"/>
+                      <a:tailEnd len="sm" w="sm" type="none"/>
+                    </a:lnR>
+                  </a:tcPr>
+                </a:tc>
+                <a:tc>
+                  <a:txBody>
+                    <a:bodyPr/>
+                    <a:lstStyle/>
+                    <a:p>
+                      <a:pPr indent="0" lvl="0" marL="0" rtl="0" algn="l">
+                        <a:spcBef>
+                          <a:spcPts val="0"/>
+                        </a:spcBef>
+                        <a:spcAft>
+                          <a:spcPts val="0"/>
+                        </a:spcAft>
+                        <a:buNone/>
+                      </a:pPr>
+                      <a:r>
+                        <a:rPr lang="es-ES" sz="1500">
+                          <a:solidFill>
+                            <a:schemeClr val="dk1"/>
+                          </a:solidFill>
+                        </a:rPr>
+                        <a:t>negative</a:t>
+                      </a:r>
+                      <a:endParaRPr sz="1500"/>
+                    </a:p>
+                  </a:txBody>
+                  <a:tcPr marT="91425" marB="91425" marR="91425" marL="91425">
+                    <a:lnL cap="flat" cmpd="sng" w="9525">
+                      <a:solidFill>
+                        <a:srgbClr val="9E9E9E"/>
+                      </a:solidFill>
+                      <a:prstDash val="solid"/>
+                      <a:round/>
+                      <a:headEnd len="sm" w="sm" type="none"/>
+                      <a:tailEnd len="sm" w="sm" type="none"/>
+                    </a:lnL>
+                    <a:lnR cap="flat" cmpd="sng" w="9525">
+                      <a:solidFill>
+                        <a:srgbClr val="9E9E9E"/>
+                      </a:solidFill>
+                      <a:prstDash val="solid"/>
+                      <a:round/>
+                      <a:headEnd len="sm" w="sm" type="none"/>
+                      <a:tailEnd len="sm" w="sm" type="none"/>
+                    </a:lnR>
+                    <a:lnT cap="flat" cmpd="sng" w="9525">
+                      <a:solidFill>
+                        <a:srgbClr val="9E9E9E"/>
+                      </a:solidFill>
+                      <a:prstDash val="solid"/>
+                      <a:round/>
+                      <a:headEnd len="sm" w="sm" type="none"/>
+                      <a:tailEnd len="sm" w="sm" type="none"/>
+                    </a:lnT>
+                    <a:lnB cap="flat" cmpd="sng" w="9525">
+                      <a:solidFill>
+                        <a:srgbClr val="9E9E9E"/>
+                      </a:solidFill>
+                      <a:prstDash val="solid"/>
+                      <a:round/>
+                      <a:headEnd len="sm" w="sm" type="none"/>
+                      <a:tailEnd len="sm" w="sm" type="none"/>
+                    </a:lnB>
+                  </a:tcPr>
+                </a:tc>
+                <a:tc>
+                  <a:txBody>
+                    <a:bodyPr/>
+                    <a:lstStyle/>
+                    <a:p>
+                      <a:pPr indent="0" lvl="0" marL="0" rtl="0" algn="l">
+                        <a:spcBef>
+                          <a:spcPts val="0"/>
+                        </a:spcBef>
+                        <a:spcAft>
+                          <a:spcPts val="0"/>
+                        </a:spcAft>
+                        <a:buNone/>
+                      </a:pPr>
+                      <a:r>
+                        <a:rPr lang="es-ES" sz="1500"/>
+                        <a:t>sadness</a:t>
+                      </a:r>
+                      <a:endParaRPr sz="1500"/>
+                    </a:p>
+                  </a:txBody>
+                  <a:tcPr marT="91425" marB="91425" marR="91425" marL="91425">
+                    <a:lnL cap="flat" cmpd="sng" w="9525">
+                      <a:solidFill>
+                        <a:srgbClr val="9E9E9E"/>
+                      </a:solidFill>
+                      <a:prstDash val="solid"/>
+                      <a:round/>
+                      <a:headEnd len="sm" w="sm" type="none"/>
+                      <a:tailEnd len="sm" w="sm" type="none"/>
+                    </a:lnL>
+                  </a:tcPr>
+                </a:tc>
+                <a:tc>
+                  <a:txBody>
+                    <a:bodyPr/>
+                    <a:lstStyle/>
+                    <a:p>
+                      <a:pPr indent="0" lvl="0" marL="0" rtl="0" algn="l">
+                        <a:spcBef>
+                          <a:spcPts val="0"/>
+                        </a:spcBef>
+                        <a:spcAft>
+                          <a:spcPts val="0"/>
+                        </a:spcAft>
+                        <a:buNone/>
+                      </a:pPr>
+                      <a:r>
+                        <a:rPr lang="es-ES" sz="1500"/>
+                        <a:t>optimism</a:t>
+                      </a:r>
+                      <a:endParaRPr sz="1500"/>
+                    </a:p>
+                  </a:txBody>
+                  <a:tcPr marT="91425" marB="91425" marR="91425" marL="91425">
+                    <a:lnR cap="flat" cmpd="sng" w="9525">
+                      <a:solidFill>
+                        <a:srgbClr val="9E9E9E"/>
+                      </a:solidFill>
+                      <a:prstDash val="solid"/>
+                      <a:round/>
+                      <a:headEnd len="sm" w="sm" type="none"/>
+                      <a:tailEnd len="sm" w="sm" type="none"/>
+                    </a:lnR>
+                  </a:tcPr>
+                </a:tc>
+                <a:tc>
+                  <a:txBody>
+                    <a:bodyPr/>
+                    <a:lstStyle/>
+                    <a:p>
+                      <a:pPr indent="0" lvl="0" marL="0" rtl="0" algn="l">
+                        <a:spcBef>
+                          <a:spcPts val="0"/>
+                        </a:spcBef>
+                        <a:spcAft>
+                          <a:spcPts val="0"/>
+                        </a:spcAft>
+                        <a:buNone/>
+                      </a:pPr>
+                      <a:r>
+                        <a:rPr lang="es-ES" sz="1500"/>
+                        <a:t>optimism</a:t>
+                      </a:r>
+                      <a:endParaRPr sz="1500"/>
+                    </a:p>
+                  </a:txBody>
+                  <a:tcPr marT="91425" marB="91425" marR="91425" marL="91425">
+                    <a:lnL cap="flat" cmpd="sng" w="9525">
+                      <a:solidFill>
+                        <a:srgbClr val="9E9E9E"/>
+                      </a:solidFill>
+                      <a:prstDash val="solid"/>
+                      <a:round/>
+                      <a:headEnd len="sm" w="sm" type="none"/>
+                      <a:tailEnd len="sm" w="sm" type="none"/>
+                    </a:lnL>
+                    <a:lnR cap="flat" cmpd="sng" w="9525">
+                      <a:solidFill>
+                        <a:srgbClr val="9E9E9E"/>
+                      </a:solidFill>
+                      <a:prstDash val="solid"/>
+                      <a:round/>
+                      <a:headEnd len="sm" w="sm" type="none"/>
+                      <a:tailEnd len="sm" w="sm" type="none"/>
+                    </a:lnR>
+                    <a:lnT cap="flat" cmpd="sng" w="9525">
+                      <a:solidFill>
+                        <a:srgbClr val="9E9E9E"/>
+                      </a:solidFill>
+                      <a:prstDash val="solid"/>
+                      <a:round/>
+                      <a:headEnd len="sm" w="sm" type="none"/>
+                      <a:tailEnd len="sm" w="sm" type="none"/>
+                    </a:lnT>
+                    <a:lnB cap="flat" cmpd="sng" w="9525">
+                      <a:solidFill>
+                        <a:srgbClr val="9E9E9E"/>
+                      </a:solidFill>
+                      <a:prstDash val="solid"/>
+                      <a:round/>
+                      <a:headEnd len="sm" w="sm" type="none"/>
+                      <a:tailEnd len="sm" w="sm" type="none"/>
+                    </a:lnB>
+                  </a:tcPr>
+                </a:tc>
+              </a:tr>
+            </a:tbl>
+          </a:graphicData>
+        </a:graphic>
+      </p:graphicFrame>
+    </p:spTree>
+  </p:cSld>
+  <p:clrMapOvr>
+    <a:masterClrMapping/>
+  </p:clrMapOvr>
+</p:sld>
+</file>
+
+<file path=ppt/slides/slide11.xml><?xml version="1.0" encoding="utf-8"?>
+<p:sld xmlns:a="http://schemas.openxmlformats.org/drawingml/2006/main" xmlns:r="http://schemas.openxmlformats.org/officeDocument/2006/relationships" xmlns:mc="http://schemas.openxmlformats.org/markup-compatibility/2006" xmlns:mv="urn:schemas-microsoft-com:mac:vml" xmlns:p="http://schemas.openxmlformats.org/presentationml/2006/main" xmlns:c="http://schemas.openxmlformats.org/drawingml/2006/chart" xmlns:dgm="http://schemas.openxmlformats.org/drawingml/2006/diagram" xmlns:o="urn:schemas-microsoft-com:office:office" xmlns:v="urn:schemas-microsoft-com:vml" xmlns:pvml="urn:schemas-microsoft-com:office:powerpoint" xmlns:com="http://schemas.openxmlformats.org/drawingml/2006/compatibility" xmlns:p14="http://schemas.microsoft.com/office/powerpoint/2010/main" xmlns:p15="http://schemas.microsoft.com/office/powerpoint/2012/main" xmlns:ahyp="http://schemas.microsoft.com/office/drawing/2018/hyperlinkcolor">
+  <p:cSld>
+    <p:spTree>
+      <p:nvGrpSpPr>
+        <p:cNvPr id="161" name="Shape 161"/>
+        <p:cNvGrpSpPr/>
+        <p:nvPr/>
+      </p:nvGrpSpPr>
+      <p:grpSpPr>
+        <a:xfrm>
+          <a:off x="0" y="0"/>
+          <a:ext cx="0" cy="0"/>
+          <a:chOff x="0" y="0"/>
+          <a:chExt cx="0" cy="0"/>
+        </a:xfrm>
+      </p:grpSpPr>
+      <p:sp>
+        <p:nvSpPr>
+          <p:cNvPr id="162" name="Google Shape;162;g112e57bf82a_1_32"/>
+          <p:cNvSpPr txBox="1"/>
+          <p:nvPr>
+            <p:ph type="title"/>
+          </p:nvPr>
+        </p:nvSpPr>
+        <p:spPr>
+          <a:xfrm>
+            <a:off x="838200" y="365125"/>
+            <a:ext cx="10515600" cy="1325700"/>
+          </a:xfrm>
+          <a:prstGeom prst="rect">
+            <a:avLst/>
+          </a:prstGeom>
+        </p:spPr>
+        <p:txBody>
+          <a:bodyPr anchorCtr="0" anchor="ctr" bIns="45700" lIns="91425" spcFirstLastPara="1" rIns="91425" wrap="square" tIns="45700">
+            <a:normAutofit/>
+          </a:bodyPr>
+          <a:lstStyle/>
+          <a:p>
+            <a:pPr indent="0" lvl="0" marL="0" rtl="0" algn="l">
+              <a:spcBef>
+                <a:spcPts val="0"/>
+              </a:spcBef>
+              <a:spcAft>
+                <a:spcPts val="0"/>
+              </a:spcAft>
+              <a:buClr>
+                <a:schemeClr val="dk1"/>
+              </a:buClr>
+              <a:buSzPts val="1100"/>
+              <a:buFont typeface="Arial"/>
+              <a:buNone/>
+            </a:pPr>
+            <a:r>
+              <a:rPr lang="es-ES"/>
+              <a:t>Inter Annotator Agreement</a:t>
+            </a:r>
+            <a:endParaRPr/>
+          </a:p>
+        </p:txBody>
+      </p:sp>
+      <p:sp>
+        <p:nvSpPr>
+          <p:cNvPr id="163" name="Google Shape;163;g112e57bf82a_1_32"/>
           <p:cNvSpPr txBox="1"/>
           <p:nvPr>
             <p:ph idx="1" type="body"/>
@@ -13022,7 +14480,7 @@
       </p:sp>
       <p:graphicFrame>
         <p:nvGraphicFramePr>
-          <p:cNvPr id="156" name="Google Shape;156;g112e57bf82a_1_32"/>
+          <p:cNvPr id="164" name="Google Shape;164;g112e57bf82a_1_32"/>
           <p:cNvGraphicFramePr/>
           <p:nvPr/>
         </p:nvGraphicFramePr>
@@ -13035,7 +14493,7 @@
             <a:tbl>
               <a:tblPr>
                 <a:noFill/>
-                <a:tableStyleId>{14E8F432-E50E-4DC2-B74D-F33B415F0C3E}</a:tableStyleId>
+                <a:tableStyleId>{77577344-B6C6-4C8F-A54E-1469ECBB6E49}</a:tableStyleId>
               </a:tblPr>
               <a:tblGrid>
                 <a:gridCol w="1988600"/>
@@ -13764,7 +15222,7 @@
       </p:graphicFrame>
       <p:sp>
         <p:nvSpPr>
-          <p:cNvPr id="157" name="Google Shape;157;g112e57bf82a_1_32"/>
+          <p:cNvPr id="165" name="Google Shape;165;g112e57bf82a_1_32"/>
           <p:cNvSpPr txBox="1"/>
           <p:nvPr>
             <p:ph idx="12" type="sldNum"/>
@@ -13802,912 +15260,6 @@
               <a:rPr lang="es-ES"/>
               <a:t>‹#›</a:t>
             </a:fld>
-            <a:endParaRPr/>
-          </a:p>
-        </p:txBody>
-      </p:sp>
-    </p:spTree>
-  </p:cSld>
-  <p:clrMapOvr>
-    <a:masterClrMapping/>
-  </p:clrMapOvr>
-</p:sld>
-</file>
-
-<file path=ppt/slides/slide11.xml><?xml version="1.0" encoding="utf-8"?>
-<p:sld xmlns:a="http://schemas.openxmlformats.org/drawingml/2006/main" xmlns:r="http://schemas.openxmlformats.org/officeDocument/2006/relationships" xmlns:mc="http://schemas.openxmlformats.org/markup-compatibility/2006" xmlns:mv="urn:schemas-microsoft-com:mac:vml" xmlns:p="http://schemas.openxmlformats.org/presentationml/2006/main" xmlns:c="http://schemas.openxmlformats.org/drawingml/2006/chart" xmlns:dgm="http://schemas.openxmlformats.org/drawingml/2006/diagram" xmlns:o="urn:schemas-microsoft-com:office:office" xmlns:v="urn:schemas-microsoft-com:vml" xmlns:pvml="urn:schemas-microsoft-com:office:powerpoint" xmlns:com="http://schemas.openxmlformats.org/drawingml/2006/compatibility" xmlns:p14="http://schemas.microsoft.com/office/powerpoint/2010/main" xmlns:p15="http://schemas.microsoft.com/office/powerpoint/2012/main" xmlns:ahyp="http://schemas.microsoft.com/office/drawing/2018/hyperlinkcolor">
-  <p:cSld>
-    <p:spTree>
-      <p:nvGrpSpPr>
-        <p:cNvPr id="161" name="Shape 161"/>
-        <p:cNvGrpSpPr/>
-        <p:nvPr/>
-      </p:nvGrpSpPr>
-      <p:grpSpPr>
-        <a:xfrm>
-          <a:off x="0" y="0"/>
-          <a:ext cx="0" cy="0"/>
-          <a:chOff x="0" y="0"/>
-          <a:chExt cx="0" cy="0"/>
-        </a:xfrm>
-      </p:grpSpPr>
-      <p:sp>
-        <p:nvSpPr>
-          <p:cNvPr id="162" name="Google Shape;162;g112e57bf82a_0_50"/>
-          <p:cNvSpPr txBox="1"/>
-          <p:nvPr>
-            <p:ph type="title"/>
-          </p:nvPr>
-        </p:nvSpPr>
-        <p:spPr>
-          <a:xfrm>
-            <a:off x="838200" y="365125"/>
-            <a:ext cx="10515600" cy="1325700"/>
-          </a:xfrm>
-          <a:prstGeom prst="rect">
-            <a:avLst/>
-          </a:prstGeom>
-        </p:spPr>
-        <p:txBody>
-          <a:bodyPr anchorCtr="0" anchor="ctr" bIns="45700" lIns="91425" spcFirstLastPara="1" rIns="91425" wrap="square" tIns="45700">
-            <a:normAutofit/>
-          </a:bodyPr>
-          <a:lstStyle/>
-          <a:p>
-            <a:pPr indent="0" lvl="0" marL="0" rtl="0" algn="l">
-              <a:spcBef>
-                <a:spcPts val="0"/>
-              </a:spcBef>
-              <a:spcAft>
-                <a:spcPts val="0"/>
-              </a:spcAft>
-              <a:buNone/>
-            </a:pPr>
-            <a:r>
-              <a:rPr lang="es-ES"/>
-              <a:t>Updated Guidelines</a:t>
-            </a:r>
-            <a:endParaRPr/>
-          </a:p>
-        </p:txBody>
-      </p:sp>
-      <p:graphicFrame>
-        <p:nvGraphicFramePr>
-          <p:cNvPr id="163" name="Google Shape;163;g112e57bf82a_0_50"/>
-          <p:cNvGraphicFramePr/>
-          <p:nvPr/>
-        </p:nvGraphicFramePr>
-        <p:xfrm>
-          <a:off x="952500" y="3996075"/>
-          <a:ext cx="3000000" cy="3000000"/>
-        </p:xfrm>
-        <a:graphic>
-          <a:graphicData uri="http://schemas.openxmlformats.org/drawingml/2006/table">
-            <a:tbl>
-              <a:tblPr>
-                <a:noFill/>
-                <a:tableStyleId>{14E8F432-E50E-4DC2-B74D-F33B415F0C3E}</a:tableStyleId>
-              </a:tblPr>
-              <a:tblGrid>
-                <a:gridCol w="2571750"/>
-                <a:gridCol w="2571750"/>
-                <a:gridCol w="2571750"/>
-                <a:gridCol w="2571750"/>
-              </a:tblGrid>
-              <a:tr h="744900">
-                <a:tc gridSpan="2">
-                  <a:txBody>
-                    <a:bodyPr/>
-                    <a:lstStyle/>
-                    <a:p>
-                      <a:pPr indent="0" lvl="0" marL="0" rtl="0" algn="l">
-                        <a:spcBef>
-                          <a:spcPts val="0"/>
-                        </a:spcBef>
-                        <a:spcAft>
-                          <a:spcPts val="0"/>
-                        </a:spcAft>
-                        <a:buNone/>
-                      </a:pPr>
-                      <a:r>
-                        <a:rPr b="1" lang="es-ES"/>
-                        <a:t>EMOTION</a:t>
-                      </a:r>
-                      <a:endParaRPr b="1"/>
-                    </a:p>
-                  </a:txBody>
-                  <a:tcPr marT="91425" marB="91425" marR="91425" marL="91425"/>
-                </a:tc>
-                <a:tc hMerge="1"/>
-                <a:tc gridSpan="2">
-                  <a:txBody>
-                    <a:bodyPr/>
-                    <a:lstStyle/>
-                    <a:p>
-                      <a:pPr indent="0" lvl="0" marL="0" rtl="0" algn="l">
-                        <a:spcBef>
-                          <a:spcPts val="0"/>
-                        </a:spcBef>
-                        <a:spcAft>
-                          <a:spcPts val="0"/>
-                        </a:spcAft>
-                        <a:buNone/>
-                      </a:pPr>
-                      <a:r>
-                        <a:rPr b="1" lang="es-ES"/>
-                        <a:t>SENTIMENT</a:t>
-                      </a:r>
-                      <a:endParaRPr b="1"/>
-                    </a:p>
-                  </a:txBody>
-                  <a:tcPr marT="91425" marB="91425" marR="91425" marL="91425"/>
-                </a:tc>
-                <a:tc hMerge="1"/>
-              </a:tr>
-              <a:tr h="396225">
-                <a:tc>
-                  <a:txBody>
-                    <a:bodyPr/>
-                    <a:lstStyle/>
-                    <a:p>
-                      <a:pPr indent="0" lvl="0" marL="0" rtl="0" algn="l">
-                        <a:spcBef>
-                          <a:spcPts val="0"/>
-                        </a:spcBef>
-                        <a:spcAft>
-                          <a:spcPts val="0"/>
-                        </a:spcAft>
-                        <a:buNone/>
-                      </a:pPr>
-                      <a:r>
-                        <a:rPr b="1" lang="es-ES"/>
-                        <a:t>Problem</a:t>
-                      </a:r>
-                      <a:endParaRPr b="1"/>
-                    </a:p>
-                  </a:txBody>
-                  <a:tcPr marT="91425" marB="91425" marR="91425" marL="91425">
-                    <a:lnB cap="flat" cmpd="sng" w="9525">
-                      <a:solidFill>
-                        <a:srgbClr val="9E9E9E"/>
-                      </a:solidFill>
-                      <a:prstDash val="solid"/>
-                      <a:round/>
-                      <a:headEnd len="sm" w="sm" type="none"/>
-                      <a:tailEnd len="sm" w="sm" type="none"/>
-                    </a:lnB>
-                  </a:tcPr>
-                </a:tc>
-                <a:tc>
-                  <a:txBody>
-                    <a:bodyPr/>
-                    <a:lstStyle/>
-                    <a:p>
-                      <a:pPr indent="0" lvl="0" marL="0" rtl="0" algn="l">
-                        <a:spcBef>
-                          <a:spcPts val="0"/>
-                        </a:spcBef>
-                        <a:spcAft>
-                          <a:spcPts val="0"/>
-                        </a:spcAft>
-                        <a:buNone/>
-                      </a:pPr>
-                      <a:r>
-                        <a:rPr b="1" lang="es-ES"/>
-                        <a:t>Solution</a:t>
-                      </a:r>
-                      <a:endParaRPr b="1"/>
-                    </a:p>
-                  </a:txBody>
-                  <a:tcPr marT="91425" marB="91425" marR="91425" marL="91425">
-                    <a:lnB cap="flat" cmpd="sng" w="9525">
-                      <a:solidFill>
-                        <a:srgbClr val="9E9E9E"/>
-                      </a:solidFill>
-                      <a:prstDash val="solid"/>
-                      <a:round/>
-                      <a:headEnd len="sm" w="sm" type="none"/>
-                      <a:tailEnd len="sm" w="sm" type="none"/>
-                    </a:lnB>
-                  </a:tcPr>
-                </a:tc>
-                <a:tc>
-                  <a:txBody>
-                    <a:bodyPr/>
-                    <a:lstStyle/>
-                    <a:p>
-                      <a:pPr indent="0" lvl="0" marL="0" marR="0" rtl="0" algn="l">
-                        <a:lnSpc>
-                          <a:spcPct val="100000"/>
-                        </a:lnSpc>
-                        <a:spcBef>
-                          <a:spcPts val="0"/>
-                        </a:spcBef>
-                        <a:spcAft>
-                          <a:spcPts val="0"/>
-                        </a:spcAft>
-                        <a:buNone/>
-                      </a:pPr>
-                      <a:r>
-                        <a:rPr b="1" lang="es-ES"/>
-                        <a:t>Problem</a:t>
-                      </a:r>
-                      <a:endParaRPr b="1"/>
-                    </a:p>
-                  </a:txBody>
-                  <a:tcPr marT="91425" marB="91425" marR="91425" marL="91425">
-                    <a:lnB cap="flat" cmpd="sng" w="9525">
-                      <a:solidFill>
-                        <a:srgbClr val="9E9E9E"/>
-                      </a:solidFill>
-                      <a:prstDash val="solid"/>
-                      <a:round/>
-                      <a:headEnd len="sm" w="sm" type="none"/>
-                      <a:tailEnd len="sm" w="sm" type="none"/>
-                    </a:lnB>
-                  </a:tcPr>
-                </a:tc>
-                <a:tc>
-                  <a:txBody>
-                    <a:bodyPr/>
-                    <a:lstStyle/>
-                    <a:p>
-                      <a:pPr indent="0" lvl="0" marL="0" marR="0" rtl="0" algn="l">
-                        <a:lnSpc>
-                          <a:spcPct val="100000"/>
-                        </a:lnSpc>
-                        <a:spcBef>
-                          <a:spcPts val="0"/>
-                        </a:spcBef>
-                        <a:spcAft>
-                          <a:spcPts val="0"/>
-                        </a:spcAft>
-                        <a:buNone/>
-                      </a:pPr>
-                      <a:r>
-                        <a:rPr b="1" lang="es-ES"/>
-                        <a:t>Solution</a:t>
-                      </a:r>
-                      <a:endParaRPr b="1"/>
-                    </a:p>
-                  </a:txBody>
-                  <a:tcPr marT="91425" marB="91425" marR="91425" marL="91425">
-                    <a:lnB cap="flat" cmpd="sng" w="9525">
-                      <a:solidFill>
-                        <a:srgbClr val="9E9E9E"/>
-                      </a:solidFill>
-                      <a:prstDash val="solid"/>
-                      <a:round/>
-                      <a:headEnd len="sm" w="sm" type="none"/>
-                      <a:tailEnd len="sm" w="sm" type="none"/>
-                    </a:lnB>
-                  </a:tcPr>
-                </a:tc>
-              </a:tr>
-              <a:tr h="396225">
-                <a:tc>
-                  <a:txBody>
-                    <a:bodyPr/>
-                    <a:lstStyle/>
-                    <a:p>
-                      <a:pPr indent="0" lvl="0" marL="0" rtl="0" algn="l">
-                        <a:spcBef>
-                          <a:spcPts val="0"/>
-                        </a:spcBef>
-                        <a:spcAft>
-                          <a:spcPts val="0"/>
-                        </a:spcAft>
-                        <a:buNone/>
-                      </a:pPr>
-                      <a:r>
-                        <a:rPr lang="es-ES"/>
-                        <a:t>If not sure / No emotion</a:t>
-                      </a:r>
-                      <a:endParaRPr/>
-                    </a:p>
-                  </a:txBody>
-                  <a:tcPr marT="91425" marB="91425" marR="91425" marL="91425">
-                    <a:lnL cap="flat" cmpd="sng" w="9525">
-                      <a:solidFill>
-                        <a:srgbClr val="9E9E9E"/>
-                      </a:solidFill>
-                      <a:prstDash val="solid"/>
-                      <a:round/>
-                      <a:headEnd len="sm" w="sm" type="none"/>
-                      <a:tailEnd len="sm" w="sm" type="none"/>
-                    </a:lnL>
-                    <a:lnR cap="flat" cmpd="sng" w="9525">
-                      <a:solidFill>
-                        <a:srgbClr val="9E9E9E"/>
-                      </a:solidFill>
-                      <a:prstDash val="solid"/>
-                      <a:round/>
-                      <a:headEnd len="sm" w="sm" type="none"/>
-                      <a:tailEnd len="sm" w="sm" type="none"/>
-                    </a:lnR>
-                    <a:lnT cap="flat" cmpd="sng" w="9525">
-                      <a:solidFill>
-                        <a:srgbClr val="9E9E9E"/>
-                      </a:solidFill>
-                      <a:prstDash val="solid"/>
-                      <a:round/>
-                      <a:headEnd len="sm" w="sm" type="none"/>
-                      <a:tailEnd len="sm" w="sm" type="none"/>
-                    </a:lnT>
-                    <a:lnB cap="flat" cmpd="sng" w="9525">
-                      <a:solidFill>
-                        <a:srgbClr val="9E9E9E"/>
-                      </a:solidFill>
-                      <a:prstDash val="solid"/>
-                      <a:round/>
-                      <a:headEnd len="sm" w="sm" type="none"/>
-                      <a:tailEnd len="sm" w="sm" type="none"/>
-                    </a:lnB>
-                  </a:tcPr>
-                </a:tc>
-                <a:tc>
-                  <a:txBody>
-                    <a:bodyPr/>
-                    <a:lstStyle/>
-                    <a:p>
-                      <a:pPr indent="0" lvl="0" marL="0" rtl="0" algn="l">
-                        <a:spcBef>
-                          <a:spcPts val="0"/>
-                        </a:spcBef>
-                        <a:spcAft>
-                          <a:spcPts val="0"/>
-                        </a:spcAft>
-                        <a:buNone/>
-                      </a:pPr>
-                      <a:r>
-                        <a:rPr lang="es-ES"/>
-                        <a:t>Less specific: Joy</a:t>
-                      </a:r>
-                      <a:endParaRPr/>
-                    </a:p>
-                  </a:txBody>
-                  <a:tcPr marT="91425" marB="91425" marR="91425" marL="91425">
-                    <a:lnL cap="flat" cmpd="sng" w="9525">
-                      <a:solidFill>
-                        <a:srgbClr val="9E9E9E"/>
-                      </a:solidFill>
-                      <a:prstDash val="solid"/>
-                      <a:round/>
-                      <a:headEnd len="sm" w="sm" type="none"/>
-                      <a:tailEnd len="sm" w="sm" type="none"/>
-                    </a:lnL>
-                    <a:lnR cap="flat" cmpd="sng" w="9525">
-                      <a:solidFill>
-                        <a:srgbClr val="9E9E9E"/>
-                      </a:solidFill>
-                      <a:prstDash val="solid"/>
-                      <a:round/>
-                      <a:headEnd len="sm" w="sm" type="none"/>
-                      <a:tailEnd len="sm" w="sm" type="none"/>
-                    </a:lnR>
-                    <a:lnT cap="flat" cmpd="sng" w="9525">
-                      <a:solidFill>
-                        <a:srgbClr val="9E9E9E"/>
-                      </a:solidFill>
-                      <a:prstDash val="solid"/>
-                      <a:round/>
-                      <a:headEnd len="sm" w="sm" type="none"/>
-                      <a:tailEnd len="sm" w="sm" type="none"/>
-                    </a:lnT>
-                    <a:lnB cap="flat" cmpd="sng" w="9525">
-                      <a:solidFill>
-                        <a:srgbClr val="9E9E9E"/>
-                      </a:solidFill>
-                      <a:prstDash val="solid"/>
-                      <a:round/>
-                      <a:headEnd len="sm" w="sm" type="none"/>
-                      <a:tailEnd len="sm" w="sm" type="none"/>
-                    </a:lnB>
-                  </a:tcPr>
-                </a:tc>
-                <a:tc>
-                  <a:txBody>
-                    <a:bodyPr/>
-                    <a:lstStyle/>
-                    <a:p>
-                      <a:pPr indent="0" lvl="0" marL="0" marR="0" rtl="0" algn="l">
-                        <a:lnSpc>
-                          <a:spcPct val="100000"/>
-                        </a:lnSpc>
-                        <a:spcBef>
-                          <a:spcPts val="0"/>
-                        </a:spcBef>
-                        <a:spcAft>
-                          <a:spcPts val="0"/>
-                        </a:spcAft>
-                        <a:buNone/>
-                      </a:pPr>
-                      <a:r>
-                        <a:rPr lang="es-ES"/>
-                        <a:t>Irony / Sarcasm</a:t>
-                      </a:r>
-                      <a:endParaRPr/>
-                    </a:p>
-                  </a:txBody>
-                  <a:tcPr marT="91425" marB="91425" marR="91425" marL="91425">
-                    <a:lnL cap="flat" cmpd="sng" w="9525">
-                      <a:solidFill>
-                        <a:srgbClr val="9E9E9E"/>
-                      </a:solidFill>
-                      <a:prstDash val="solid"/>
-                      <a:round/>
-                      <a:headEnd len="sm" w="sm" type="none"/>
-                      <a:tailEnd len="sm" w="sm" type="none"/>
-                    </a:lnL>
-                    <a:lnR cap="flat" cmpd="sng" w="9525">
-                      <a:solidFill>
-                        <a:srgbClr val="9E9E9E"/>
-                      </a:solidFill>
-                      <a:prstDash val="solid"/>
-                      <a:round/>
-                      <a:headEnd len="sm" w="sm" type="none"/>
-                      <a:tailEnd len="sm" w="sm" type="none"/>
-                    </a:lnR>
-                    <a:lnT cap="flat" cmpd="sng" w="9525">
-                      <a:solidFill>
-                        <a:srgbClr val="9E9E9E"/>
-                      </a:solidFill>
-                      <a:prstDash val="solid"/>
-                      <a:round/>
-                      <a:headEnd len="sm" w="sm" type="none"/>
-                      <a:tailEnd len="sm" w="sm" type="none"/>
-                    </a:lnT>
-                    <a:lnB cap="flat" cmpd="sng" w="9525">
-                      <a:solidFill>
-                        <a:srgbClr val="9E9E9E"/>
-                      </a:solidFill>
-                      <a:prstDash val="solid"/>
-                      <a:round/>
-                      <a:headEnd len="sm" w="sm" type="none"/>
-                      <a:tailEnd len="sm" w="sm" type="none"/>
-                    </a:lnB>
-                  </a:tcPr>
-                </a:tc>
-                <a:tc>
-                  <a:txBody>
-                    <a:bodyPr/>
-                    <a:lstStyle/>
-                    <a:p>
-                      <a:pPr indent="0" lvl="0" marL="0" marR="0" rtl="0" algn="l">
-                        <a:lnSpc>
-                          <a:spcPct val="100000"/>
-                        </a:lnSpc>
-                        <a:spcBef>
-                          <a:spcPts val="0"/>
-                        </a:spcBef>
-                        <a:spcAft>
-                          <a:spcPts val="0"/>
-                        </a:spcAft>
-                        <a:buNone/>
-                      </a:pPr>
-                      <a:r>
-                        <a:rPr lang="es-ES"/>
-                        <a:t>Sentiment opposed to the overall sentiment. Either “positive” or “negative”</a:t>
-                      </a:r>
-                      <a:endParaRPr/>
-                    </a:p>
-                  </a:txBody>
-                  <a:tcPr marT="91425" marB="91425" marR="91425" marL="91425">
-                    <a:lnL cap="flat" cmpd="sng" w="9525">
-                      <a:solidFill>
-                        <a:srgbClr val="9E9E9E"/>
-                      </a:solidFill>
-                      <a:prstDash val="solid"/>
-                      <a:round/>
-                      <a:headEnd len="sm" w="sm" type="none"/>
-                      <a:tailEnd len="sm" w="sm" type="none"/>
-                    </a:lnL>
-                    <a:lnR cap="flat" cmpd="sng" w="9525">
-                      <a:solidFill>
-                        <a:srgbClr val="9E9E9E"/>
-                      </a:solidFill>
-                      <a:prstDash val="solid"/>
-                      <a:round/>
-                      <a:headEnd len="sm" w="sm" type="none"/>
-                      <a:tailEnd len="sm" w="sm" type="none"/>
-                    </a:lnR>
-                    <a:lnT cap="flat" cmpd="sng" w="9525">
-                      <a:solidFill>
-                        <a:srgbClr val="9E9E9E"/>
-                      </a:solidFill>
-                      <a:prstDash val="solid"/>
-                      <a:round/>
-                      <a:headEnd len="sm" w="sm" type="none"/>
-                      <a:tailEnd len="sm" w="sm" type="none"/>
-                    </a:lnT>
-                    <a:lnB cap="flat" cmpd="sng" w="9525">
-                      <a:solidFill>
-                        <a:srgbClr val="9E9E9E"/>
-                      </a:solidFill>
-                      <a:prstDash val="solid"/>
-                      <a:round/>
-                      <a:headEnd len="sm" w="sm" type="none"/>
-                      <a:tailEnd len="sm" w="sm" type="none"/>
-                    </a:lnB>
-                  </a:tcPr>
-                </a:tc>
-              </a:tr>
-              <a:tr h="396225">
-                <a:tc>
-                  <a:txBody>
-                    <a:bodyPr/>
-                    <a:lstStyle/>
-                    <a:p>
-                      <a:pPr indent="0" lvl="0" marL="0" rtl="0" algn="l">
-                        <a:spcBef>
-                          <a:spcPts val="0"/>
-                        </a:spcBef>
-                        <a:spcAft>
-                          <a:spcPts val="0"/>
-                        </a:spcAft>
-                        <a:buNone/>
-                      </a:pPr>
-                      <a:r>
-                        <a:rPr lang="es-ES"/>
-                        <a:t>Joy / Optimism</a:t>
-                      </a:r>
-                      <a:endParaRPr/>
-                    </a:p>
-                  </a:txBody>
-                  <a:tcPr marT="91425" marB="91425" marR="91425" marL="91425">
-                    <a:lnL cap="flat" cmpd="sng" w="9525">
-                      <a:solidFill>
-                        <a:srgbClr val="9E9E9E"/>
-                      </a:solidFill>
-                      <a:prstDash val="solid"/>
-                      <a:round/>
-                      <a:headEnd len="sm" w="sm" type="none"/>
-                      <a:tailEnd len="sm" w="sm" type="none"/>
-                    </a:lnL>
-                    <a:lnR cap="flat" cmpd="sng" w="9525">
-                      <a:solidFill>
-                        <a:srgbClr val="9E9E9E"/>
-                      </a:solidFill>
-                      <a:prstDash val="solid"/>
-                      <a:round/>
-                      <a:headEnd len="sm" w="sm" type="none"/>
-                      <a:tailEnd len="sm" w="sm" type="none"/>
-                    </a:lnR>
-                    <a:lnT cap="flat" cmpd="sng" w="9525">
-                      <a:solidFill>
-                        <a:srgbClr val="9E9E9E"/>
-                      </a:solidFill>
-                      <a:prstDash val="solid"/>
-                      <a:round/>
-                      <a:headEnd len="sm" w="sm" type="none"/>
-                      <a:tailEnd len="sm" w="sm" type="none"/>
-                    </a:lnT>
-                    <a:lnB cap="flat" cmpd="sng" w="9525">
-                      <a:solidFill>
-                        <a:srgbClr val="9E9E9E"/>
-                      </a:solidFill>
-                      <a:prstDash val="solid"/>
-                      <a:round/>
-                      <a:headEnd len="sm" w="sm" type="none"/>
-                      <a:tailEnd len="sm" w="sm" type="none"/>
-                    </a:lnB>
-                  </a:tcPr>
-                </a:tc>
-                <a:tc>
-                  <a:txBody>
-                    <a:bodyPr/>
-                    <a:lstStyle/>
-                    <a:p>
-                      <a:pPr indent="0" lvl="0" marL="0" rtl="0" algn="l">
-                        <a:spcBef>
-                          <a:spcPts val="0"/>
-                        </a:spcBef>
-                        <a:spcAft>
-                          <a:spcPts val="0"/>
-                        </a:spcAft>
-                        <a:buNone/>
-                      </a:pPr>
-                      <a:r>
-                        <a:rPr lang="es-ES"/>
-                        <a:t>More general: Joy</a:t>
-                      </a:r>
-                      <a:endParaRPr/>
-                    </a:p>
-                  </a:txBody>
-                  <a:tcPr marT="91425" marB="91425" marR="91425" marL="91425">
-                    <a:lnL cap="flat" cmpd="sng" w="9525">
-                      <a:solidFill>
-                        <a:srgbClr val="9E9E9E"/>
-                      </a:solidFill>
-                      <a:prstDash val="solid"/>
-                      <a:round/>
-                      <a:headEnd len="sm" w="sm" type="none"/>
-                      <a:tailEnd len="sm" w="sm" type="none"/>
-                    </a:lnL>
-                    <a:lnR cap="flat" cmpd="sng" w="9525">
-                      <a:solidFill>
-                        <a:srgbClr val="9E9E9E"/>
-                      </a:solidFill>
-                      <a:prstDash val="solid"/>
-                      <a:round/>
-                      <a:headEnd len="sm" w="sm" type="none"/>
-                      <a:tailEnd len="sm" w="sm" type="none"/>
-                    </a:lnR>
-                    <a:lnT cap="flat" cmpd="sng" w="9525">
-                      <a:solidFill>
-                        <a:srgbClr val="9E9E9E"/>
-                      </a:solidFill>
-                      <a:prstDash val="solid"/>
-                      <a:round/>
-                      <a:headEnd len="sm" w="sm" type="none"/>
-                      <a:tailEnd len="sm" w="sm" type="none"/>
-                    </a:lnT>
-                    <a:lnB cap="flat" cmpd="sng" w="9525">
-                      <a:solidFill>
-                        <a:srgbClr val="9E9E9E"/>
-                      </a:solidFill>
-                      <a:prstDash val="solid"/>
-                      <a:round/>
-                      <a:headEnd len="sm" w="sm" type="none"/>
-                      <a:tailEnd len="sm" w="sm" type="none"/>
-                    </a:lnB>
-                  </a:tcPr>
-                </a:tc>
-                <a:tc>
-                  <a:txBody>
-                    <a:bodyPr/>
-                    <a:lstStyle/>
-                    <a:p>
-                      <a:pPr indent="0" lvl="0" marL="0" marR="0" rtl="0" algn="l">
-                        <a:lnSpc>
-                          <a:spcPct val="100000"/>
-                        </a:lnSpc>
-                        <a:spcBef>
-                          <a:spcPts val="0"/>
-                        </a:spcBef>
-                        <a:spcAft>
-                          <a:spcPts val="0"/>
-                        </a:spcAft>
-                        <a:buNone/>
-                      </a:pPr>
-                      <a:r>
-                        <a:rPr lang="es-ES"/>
-                        <a:t>Contradicting sentiments</a:t>
-                      </a:r>
-                      <a:endParaRPr/>
-                    </a:p>
-                  </a:txBody>
-                  <a:tcPr marT="91425" marB="91425" marR="91425" marL="91425">
-                    <a:lnL cap="flat" cmpd="sng" w="9525">
-                      <a:solidFill>
-                        <a:srgbClr val="9E9E9E"/>
-                      </a:solidFill>
-                      <a:prstDash val="solid"/>
-                      <a:round/>
-                      <a:headEnd len="sm" w="sm" type="none"/>
-                      <a:tailEnd len="sm" w="sm" type="none"/>
-                    </a:lnL>
-                    <a:lnR cap="flat" cmpd="sng" w="9525">
-                      <a:solidFill>
-                        <a:srgbClr val="9E9E9E"/>
-                      </a:solidFill>
-                      <a:prstDash val="solid"/>
-                      <a:round/>
-                      <a:headEnd len="sm" w="sm" type="none"/>
-                      <a:tailEnd len="sm" w="sm" type="none"/>
-                    </a:lnR>
-                    <a:lnT cap="flat" cmpd="sng" w="9525">
-                      <a:solidFill>
-                        <a:srgbClr val="9E9E9E"/>
-                      </a:solidFill>
-                      <a:prstDash val="solid"/>
-                      <a:round/>
-                      <a:headEnd len="sm" w="sm" type="none"/>
-                      <a:tailEnd len="sm" w="sm" type="none"/>
-                    </a:lnT>
-                    <a:lnB cap="flat" cmpd="sng" w="9525">
-                      <a:solidFill>
-                        <a:srgbClr val="9E9E9E"/>
-                      </a:solidFill>
-                      <a:prstDash val="solid"/>
-                      <a:round/>
-                      <a:headEnd len="sm" w="sm" type="none"/>
-                      <a:tailEnd len="sm" w="sm" type="none"/>
-                    </a:lnB>
-                  </a:tcPr>
-                </a:tc>
-                <a:tc>
-                  <a:txBody>
-                    <a:bodyPr/>
-                    <a:lstStyle/>
-                    <a:p>
-                      <a:pPr indent="0" lvl="0" marL="0" marR="0" rtl="0" algn="l">
-                        <a:lnSpc>
-                          <a:spcPct val="100000"/>
-                        </a:lnSpc>
-                        <a:spcBef>
-                          <a:spcPts val="0"/>
-                        </a:spcBef>
-                        <a:spcAft>
-                          <a:spcPts val="0"/>
-                        </a:spcAft>
-                        <a:buNone/>
-                      </a:pPr>
-                      <a:r>
-                        <a:rPr lang="es-ES"/>
-                        <a:t>Overall sentiment</a:t>
-                      </a:r>
-                      <a:endParaRPr/>
-                    </a:p>
-                  </a:txBody>
-                  <a:tcPr marT="91425" marB="91425" marR="91425" marL="91425">
-                    <a:lnL cap="flat" cmpd="sng" w="9525">
-                      <a:solidFill>
-                        <a:srgbClr val="9E9E9E"/>
-                      </a:solidFill>
-                      <a:prstDash val="solid"/>
-                      <a:round/>
-                      <a:headEnd len="sm" w="sm" type="none"/>
-                      <a:tailEnd len="sm" w="sm" type="none"/>
-                    </a:lnL>
-                    <a:lnR cap="flat" cmpd="sng" w="9525">
-                      <a:solidFill>
-                        <a:srgbClr val="9E9E9E"/>
-                      </a:solidFill>
-                      <a:prstDash val="solid"/>
-                      <a:round/>
-                      <a:headEnd len="sm" w="sm" type="none"/>
-                      <a:tailEnd len="sm" w="sm" type="none"/>
-                    </a:lnR>
-                    <a:lnT cap="flat" cmpd="sng" w="9525">
-                      <a:solidFill>
-                        <a:srgbClr val="9E9E9E"/>
-                      </a:solidFill>
-                      <a:prstDash val="solid"/>
-                      <a:round/>
-                      <a:headEnd len="sm" w="sm" type="none"/>
-                      <a:tailEnd len="sm" w="sm" type="none"/>
-                    </a:lnT>
-                    <a:lnB cap="flat" cmpd="sng" w="9525">
-                      <a:solidFill>
-                        <a:srgbClr val="9E9E9E"/>
-                      </a:solidFill>
-                      <a:prstDash val="solid"/>
-                      <a:round/>
-                      <a:headEnd len="sm" w="sm" type="none"/>
-                      <a:tailEnd len="sm" w="sm" type="none"/>
-                    </a:lnB>
-                  </a:tcPr>
-                </a:tc>
-              </a:tr>
-            </a:tbl>
-          </a:graphicData>
-        </a:graphic>
-      </p:graphicFrame>
-      <p:sp>
-        <p:nvSpPr>
-          <p:cNvPr id="164" name="Google Shape;164;g112e57bf82a_0_50"/>
-          <p:cNvSpPr txBox="1"/>
-          <p:nvPr>
-            <p:ph idx="12" type="sldNum"/>
-          </p:nvPr>
-        </p:nvSpPr>
-        <p:spPr>
-          <a:xfrm>
-            <a:off x="8610600" y="6356350"/>
-            <a:ext cx="2743200" cy="365100"/>
-          </a:xfrm>
-          <a:prstGeom prst="rect">
-            <a:avLst/>
-          </a:prstGeom>
-        </p:spPr>
-        <p:txBody>
-          <a:bodyPr anchorCtr="0" anchor="ctr" bIns="45700" lIns="91425" spcFirstLastPara="1" rIns="91425" wrap="square" tIns="45700">
-            <a:noAutofit/>
-          </a:bodyPr>
-          <a:lstStyle/>
-          <a:p>
-            <a:pPr indent="0" lvl="0" marL="0" rtl="0" algn="r">
-              <a:spcBef>
-                <a:spcPts val="0"/>
-              </a:spcBef>
-              <a:spcAft>
-                <a:spcPts val="0"/>
-              </a:spcAft>
-              <a:buClr>
-                <a:srgbClr val="000000"/>
-              </a:buClr>
-              <a:buFont typeface="Arial"/>
-              <a:buNone/>
-            </a:pPr>
-            <a:fld id="{00000000-1234-1234-1234-123412341234}" type="slidenum">
-              <a:rPr lang="es-ES"/>
-              <a:t>‹#›</a:t>
-            </a:fld>
-            <a:endParaRPr/>
-          </a:p>
-        </p:txBody>
-      </p:sp>
-      <p:sp>
-        <p:nvSpPr>
-          <p:cNvPr id="165" name="Google Shape;165;g112e57bf82a_0_50"/>
-          <p:cNvSpPr txBox="1"/>
-          <p:nvPr>
-            <p:ph idx="1" type="body"/>
-          </p:nvPr>
-        </p:nvSpPr>
-        <p:spPr>
-          <a:xfrm>
-            <a:off x="838200" y="1825625"/>
-            <a:ext cx="10515600" cy="4351200"/>
-          </a:xfrm>
-          <a:prstGeom prst="rect">
-            <a:avLst/>
-          </a:prstGeom>
-        </p:spPr>
-        <p:txBody>
-          <a:bodyPr anchorCtr="0" anchor="t" bIns="45700" lIns="91425" spcFirstLastPara="1" rIns="91425" wrap="square" tIns="45700">
-            <a:normAutofit/>
-          </a:bodyPr>
-          <a:lstStyle/>
-          <a:p>
-            <a:pPr indent="-342900" lvl="0" marL="457200" rtl="0" algn="l">
-              <a:lnSpc>
-                <a:spcPct val="150000"/>
-              </a:lnSpc>
-              <a:spcBef>
-                <a:spcPts val="1000"/>
-              </a:spcBef>
-              <a:spcAft>
-                <a:spcPts val="0"/>
-              </a:spcAft>
-              <a:buSzPts val="1800"/>
-              <a:buChar char="●"/>
-            </a:pPr>
-            <a:r>
-              <a:rPr lang="es-ES"/>
-              <a:t>Misunderstanding some words (burn CD)</a:t>
-            </a:r>
-            <a:endParaRPr/>
-          </a:p>
-          <a:p>
-            <a:pPr indent="-342900" lvl="0" marL="457200" rtl="0" algn="l">
-              <a:lnSpc>
-                <a:spcPct val="150000"/>
-              </a:lnSpc>
-              <a:spcBef>
-                <a:spcPts val="0"/>
-              </a:spcBef>
-              <a:spcAft>
-                <a:spcPts val="0"/>
-              </a:spcAft>
-              <a:buSzPts val="1800"/>
-              <a:buChar char="●"/>
-            </a:pPr>
-            <a:r>
-              <a:rPr lang="es-ES"/>
-              <a:t>Misunderstanding some symbols (&amp;lt;3 = &lt;3) (&amp;gt; = &gt;)</a:t>
-            </a:r>
-            <a:endParaRPr/>
-          </a:p>
-          <a:p>
-            <a:pPr indent="-342900" lvl="0" marL="457200" rtl="0" algn="l">
-              <a:lnSpc>
-                <a:spcPct val="150000"/>
-              </a:lnSpc>
-              <a:spcBef>
-                <a:spcPts val="0"/>
-              </a:spcBef>
-              <a:spcAft>
-                <a:spcPts val="0"/>
-              </a:spcAft>
-              <a:buSzPts val="1800"/>
-              <a:buChar char="●"/>
-            </a:pPr>
-            <a:r>
-              <a:rPr lang="es-ES"/>
-              <a:t>Look or ask for the meaning</a:t>
-            </a:r>
             <a:endParaRPr/>
           </a:p>
         </p:txBody>
@@ -14739,7 +15291,7 @@
       </p:grpSpPr>
       <p:sp>
         <p:nvSpPr>
-          <p:cNvPr id="170" name="Google Shape;170;g111e9305988_0_0"/>
+          <p:cNvPr id="170" name="Google Shape;170;g112e57bf82a_0_50"/>
           <p:cNvSpPr txBox="1"/>
           <p:nvPr>
             <p:ph type="title"/>
@@ -14771,6 +15323,912 @@
             </a:pPr>
             <a:r>
               <a:rPr lang="es-ES"/>
+              <a:t>Updated Guidelines</a:t>
+            </a:r>
+            <a:endParaRPr/>
+          </a:p>
+        </p:txBody>
+      </p:sp>
+      <p:graphicFrame>
+        <p:nvGraphicFramePr>
+          <p:cNvPr id="171" name="Google Shape;171;g112e57bf82a_0_50"/>
+          <p:cNvGraphicFramePr/>
+          <p:nvPr/>
+        </p:nvGraphicFramePr>
+        <p:xfrm>
+          <a:off x="952500" y="3996075"/>
+          <a:ext cx="3000000" cy="3000000"/>
+        </p:xfrm>
+        <a:graphic>
+          <a:graphicData uri="http://schemas.openxmlformats.org/drawingml/2006/table">
+            <a:tbl>
+              <a:tblPr>
+                <a:noFill/>
+                <a:tableStyleId>{77577344-B6C6-4C8F-A54E-1469ECBB6E49}</a:tableStyleId>
+              </a:tblPr>
+              <a:tblGrid>
+                <a:gridCol w="2571750"/>
+                <a:gridCol w="2571750"/>
+                <a:gridCol w="2571750"/>
+                <a:gridCol w="2571750"/>
+              </a:tblGrid>
+              <a:tr h="744900">
+                <a:tc gridSpan="2">
+                  <a:txBody>
+                    <a:bodyPr/>
+                    <a:lstStyle/>
+                    <a:p>
+                      <a:pPr indent="0" lvl="0" marL="0" rtl="0" algn="l">
+                        <a:spcBef>
+                          <a:spcPts val="0"/>
+                        </a:spcBef>
+                        <a:spcAft>
+                          <a:spcPts val="0"/>
+                        </a:spcAft>
+                        <a:buNone/>
+                      </a:pPr>
+                      <a:r>
+                        <a:rPr b="1" lang="es-ES"/>
+                        <a:t>EMOTION</a:t>
+                      </a:r>
+                      <a:endParaRPr b="1"/>
+                    </a:p>
+                  </a:txBody>
+                  <a:tcPr marT="91425" marB="91425" marR="91425" marL="91425"/>
+                </a:tc>
+                <a:tc hMerge="1"/>
+                <a:tc gridSpan="2">
+                  <a:txBody>
+                    <a:bodyPr/>
+                    <a:lstStyle/>
+                    <a:p>
+                      <a:pPr indent="0" lvl="0" marL="0" rtl="0" algn="l">
+                        <a:spcBef>
+                          <a:spcPts val="0"/>
+                        </a:spcBef>
+                        <a:spcAft>
+                          <a:spcPts val="0"/>
+                        </a:spcAft>
+                        <a:buNone/>
+                      </a:pPr>
+                      <a:r>
+                        <a:rPr b="1" lang="es-ES"/>
+                        <a:t>SENTIMENT</a:t>
+                      </a:r>
+                      <a:endParaRPr b="1"/>
+                    </a:p>
+                  </a:txBody>
+                  <a:tcPr marT="91425" marB="91425" marR="91425" marL="91425"/>
+                </a:tc>
+                <a:tc hMerge="1"/>
+              </a:tr>
+              <a:tr h="396225">
+                <a:tc>
+                  <a:txBody>
+                    <a:bodyPr/>
+                    <a:lstStyle/>
+                    <a:p>
+                      <a:pPr indent="0" lvl="0" marL="0" rtl="0" algn="l">
+                        <a:spcBef>
+                          <a:spcPts val="0"/>
+                        </a:spcBef>
+                        <a:spcAft>
+                          <a:spcPts val="0"/>
+                        </a:spcAft>
+                        <a:buNone/>
+                      </a:pPr>
+                      <a:r>
+                        <a:rPr b="1" lang="es-ES"/>
+                        <a:t>Problem</a:t>
+                      </a:r>
+                      <a:endParaRPr b="1"/>
+                    </a:p>
+                  </a:txBody>
+                  <a:tcPr marT="91425" marB="91425" marR="91425" marL="91425">
+                    <a:lnB cap="flat" cmpd="sng" w="9525">
+                      <a:solidFill>
+                        <a:srgbClr val="9E9E9E"/>
+                      </a:solidFill>
+                      <a:prstDash val="solid"/>
+                      <a:round/>
+                      <a:headEnd len="sm" w="sm" type="none"/>
+                      <a:tailEnd len="sm" w="sm" type="none"/>
+                    </a:lnB>
+                  </a:tcPr>
+                </a:tc>
+                <a:tc>
+                  <a:txBody>
+                    <a:bodyPr/>
+                    <a:lstStyle/>
+                    <a:p>
+                      <a:pPr indent="0" lvl="0" marL="0" rtl="0" algn="l">
+                        <a:spcBef>
+                          <a:spcPts val="0"/>
+                        </a:spcBef>
+                        <a:spcAft>
+                          <a:spcPts val="0"/>
+                        </a:spcAft>
+                        <a:buNone/>
+                      </a:pPr>
+                      <a:r>
+                        <a:rPr b="1" lang="es-ES"/>
+                        <a:t>Solution</a:t>
+                      </a:r>
+                      <a:endParaRPr b="1"/>
+                    </a:p>
+                  </a:txBody>
+                  <a:tcPr marT="91425" marB="91425" marR="91425" marL="91425">
+                    <a:lnB cap="flat" cmpd="sng" w="9525">
+                      <a:solidFill>
+                        <a:srgbClr val="9E9E9E"/>
+                      </a:solidFill>
+                      <a:prstDash val="solid"/>
+                      <a:round/>
+                      <a:headEnd len="sm" w="sm" type="none"/>
+                      <a:tailEnd len="sm" w="sm" type="none"/>
+                    </a:lnB>
+                  </a:tcPr>
+                </a:tc>
+                <a:tc>
+                  <a:txBody>
+                    <a:bodyPr/>
+                    <a:lstStyle/>
+                    <a:p>
+                      <a:pPr indent="0" lvl="0" marL="0" marR="0" rtl="0" algn="l">
+                        <a:lnSpc>
+                          <a:spcPct val="100000"/>
+                        </a:lnSpc>
+                        <a:spcBef>
+                          <a:spcPts val="0"/>
+                        </a:spcBef>
+                        <a:spcAft>
+                          <a:spcPts val="0"/>
+                        </a:spcAft>
+                        <a:buNone/>
+                      </a:pPr>
+                      <a:r>
+                        <a:rPr b="1" lang="es-ES"/>
+                        <a:t>Problem</a:t>
+                      </a:r>
+                      <a:endParaRPr b="1"/>
+                    </a:p>
+                  </a:txBody>
+                  <a:tcPr marT="91425" marB="91425" marR="91425" marL="91425">
+                    <a:lnB cap="flat" cmpd="sng" w="9525">
+                      <a:solidFill>
+                        <a:srgbClr val="9E9E9E"/>
+                      </a:solidFill>
+                      <a:prstDash val="solid"/>
+                      <a:round/>
+                      <a:headEnd len="sm" w="sm" type="none"/>
+                      <a:tailEnd len="sm" w="sm" type="none"/>
+                    </a:lnB>
+                  </a:tcPr>
+                </a:tc>
+                <a:tc>
+                  <a:txBody>
+                    <a:bodyPr/>
+                    <a:lstStyle/>
+                    <a:p>
+                      <a:pPr indent="0" lvl="0" marL="0" marR="0" rtl="0" algn="l">
+                        <a:lnSpc>
+                          <a:spcPct val="100000"/>
+                        </a:lnSpc>
+                        <a:spcBef>
+                          <a:spcPts val="0"/>
+                        </a:spcBef>
+                        <a:spcAft>
+                          <a:spcPts val="0"/>
+                        </a:spcAft>
+                        <a:buNone/>
+                      </a:pPr>
+                      <a:r>
+                        <a:rPr b="1" lang="es-ES"/>
+                        <a:t>Solution</a:t>
+                      </a:r>
+                      <a:endParaRPr b="1"/>
+                    </a:p>
+                  </a:txBody>
+                  <a:tcPr marT="91425" marB="91425" marR="91425" marL="91425">
+                    <a:lnB cap="flat" cmpd="sng" w="9525">
+                      <a:solidFill>
+                        <a:srgbClr val="9E9E9E"/>
+                      </a:solidFill>
+                      <a:prstDash val="solid"/>
+                      <a:round/>
+                      <a:headEnd len="sm" w="sm" type="none"/>
+                      <a:tailEnd len="sm" w="sm" type="none"/>
+                    </a:lnB>
+                  </a:tcPr>
+                </a:tc>
+              </a:tr>
+              <a:tr h="396225">
+                <a:tc>
+                  <a:txBody>
+                    <a:bodyPr/>
+                    <a:lstStyle/>
+                    <a:p>
+                      <a:pPr indent="0" lvl="0" marL="0" rtl="0" algn="l">
+                        <a:spcBef>
+                          <a:spcPts val="0"/>
+                        </a:spcBef>
+                        <a:spcAft>
+                          <a:spcPts val="0"/>
+                        </a:spcAft>
+                        <a:buNone/>
+                      </a:pPr>
+                      <a:r>
+                        <a:rPr lang="es-ES"/>
+                        <a:t>If not sure / No emotion</a:t>
+                      </a:r>
+                      <a:endParaRPr/>
+                    </a:p>
+                  </a:txBody>
+                  <a:tcPr marT="91425" marB="91425" marR="91425" marL="91425">
+                    <a:lnL cap="flat" cmpd="sng" w="9525">
+                      <a:solidFill>
+                        <a:srgbClr val="9E9E9E"/>
+                      </a:solidFill>
+                      <a:prstDash val="solid"/>
+                      <a:round/>
+                      <a:headEnd len="sm" w="sm" type="none"/>
+                      <a:tailEnd len="sm" w="sm" type="none"/>
+                    </a:lnL>
+                    <a:lnR cap="flat" cmpd="sng" w="9525">
+                      <a:solidFill>
+                        <a:srgbClr val="9E9E9E"/>
+                      </a:solidFill>
+                      <a:prstDash val="solid"/>
+                      <a:round/>
+                      <a:headEnd len="sm" w="sm" type="none"/>
+                      <a:tailEnd len="sm" w="sm" type="none"/>
+                    </a:lnR>
+                    <a:lnT cap="flat" cmpd="sng" w="9525">
+                      <a:solidFill>
+                        <a:srgbClr val="9E9E9E"/>
+                      </a:solidFill>
+                      <a:prstDash val="solid"/>
+                      <a:round/>
+                      <a:headEnd len="sm" w="sm" type="none"/>
+                      <a:tailEnd len="sm" w="sm" type="none"/>
+                    </a:lnT>
+                    <a:lnB cap="flat" cmpd="sng" w="9525">
+                      <a:solidFill>
+                        <a:srgbClr val="9E9E9E"/>
+                      </a:solidFill>
+                      <a:prstDash val="solid"/>
+                      <a:round/>
+                      <a:headEnd len="sm" w="sm" type="none"/>
+                      <a:tailEnd len="sm" w="sm" type="none"/>
+                    </a:lnB>
+                  </a:tcPr>
+                </a:tc>
+                <a:tc>
+                  <a:txBody>
+                    <a:bodyPr/>
+                    <a:lstStyle/>
+                    <a:p>
+                      <a:pPr indent="0" lvl="0" marL="0" rtl="0" algn="l">
+                        <a:spcBef>
+                          <a:spcPts val="0"/>
+                        </a:spcBef>
+                        <a:spcAft>
+                          <a:spcPts val="0"/>
+                        </a:spcAft>
+                        <a:buNone/>
+                      </a:pPr>
+                      <a:r>
+                        <a:rPr lang="es-ES"/>
+                        <a:t>Less specific: Joy</a:t>
+                      </a:r>
+                      <a:endParaRPr/>
+                    </a:p>
+                  </a:txBody>
+                  <a:tcPr marT="91425" marB="91425" marR="91425" marL="91425">
+                    <a:lnL cap="flat" cmpd="sng" w="9525">
+                      <a:solidFill>
+                        <a:srgbClr val="9E9E9E"/>
+                      </a:solidFill>
+                      <a:prstDash val="solid"/>
+                      <a:round/>
+                      <a:headEnd len="sm" w="sm" type="none"/>
+                      <a:tailEnd len="sm" w="sm" type="none"/>
+                    </a:lnL>
+                    <a:lnR cap="flat" cmpd="sng" w="9525">
+                      <a:solidFill>
+                        <a:srgbClr val="9E9E9E"/>
+                      </a:solidFill>
+                      <a:prstDash val="solid"/>
+                      <a:round/>
+                      <a:headEnd len="sm" w="sm" type="none"/>
+                      <a:tailEnd len="sm" w="sm" type="none"/>
+                    </a:lnR>
+                    <a:lnT cap="flat" cmpd="sng" w="9525">
+                      <a:solidFill>
+                        <a:srgbClr val="9E9E9E"/>
+                      </a:solidFill>
+                      <a:prstDash val="solid"/>
+                      <a:round/>
+                      <a:headEnd len="sm" w="sm" type="none"/>
+                      <a:tailEnd len="sm" w="sm" type="none"/>
+                    </a:lnT>
+                    <a:lnB cap="flat" cmpd="sng" w="9525">
+                      <a:solidFill>
+                        <a:srgbClr val="9E9E9E"/>
+                      </a:solidFill>
+                      <a:prstDash val="solid"/>
+                      <a:round/>
+                      <a:headEnd len="sm" w="sm" type="none"/>
+                      <a:tailEnd len="sm" w="sm" type="none"/>
+                    </a:lnB>
+                  </a:tcPr>
+                </a:tc>
+                <a:tc>
+                  <a:txBody>
+                    <a:bodyPr/>
+                    <a:lstStyle/>
+                    <a:p>
+                      <a:pPr indent="0" lvl="0" marL="0" marR="0" rtl="0" algn="l">
+                        <a:lnSpc>
+                          <a:spcPct val="100000"/>
+                        </a:lnSpc>
+                        <a:spcBef>
+                          <a:spcPts val="0"/>
+                        </a:spcBef>
+                        <a:spcAft>
+                          <a:spcPts val="0"/>
+                        </a:spcAft>
+                        <a:buNone/>
+                      </a:pPr>
+                      <a:r>
+                        <a:rPr lang="es-ES"/>
+                        <a:t>Irony / Sarcasm</a:t>
+                      </a:r>
+                      <a:endParaRPr/>
+                    </a:p>
+                  </a:txBody>
+                  <a:tcPr marT="91425" marB="91425" marR="91425" marL="91425">
+                    <a:lnL cap="flat" cmpd="sng" w="9525">
+                      <a:solidFill>
+                        <a:srgbClr val="9E9E9E"/>
+                      </a:solidFill>
+                      <a:prstDash val="solid"/>
+                      <a:round/>
+                      <a:headEnd len="sm" w="sm" type="none"/>
+                      <a:tailEnd len="sm" w="sm" type="none"/>
+                    </a:lnL>
+                    <a:lnR cap="flat" cmpd="sng" w="9525">
+                      <a:solidFill>
+                        <a:srgbClr val="9E9E9E"/>
+                      </a:solidFill>
+                      <a:prstDash val="solid"/>
+                      <a:round/>
+                      <a:headEnd len="sm" w="sm" type="none"/>
+                      <a:tailEnd len="sm" w="sm" type="none"/>
+                    </a:lnR>
+                    <a:lnT cap="flat" cmpd="sng" w="9525">
+                      <a:solidFill>
+                        <a:srgbClr val="9E9E9E"/>
+                      </a:solidFill>
+                      <a:prstDash val="solid"/>
+                      <a:round/>
+                      <a:headEnd len="sm" w="sm" type="none"/>
+                      <a:tailEnd len="sm" w="sm" type="none"/>
+                    </a:lnT>
+                    <a:lnB cap="flat" cmpd="sng" w="9525">
+                      <a:solidFill>
+                        <a:srgbClr val="9E9E9E"/>
+                      </a:solidFill>
+                      <a:prstDash val="solid"/>
+                      <a:round/>
+                      <a:headEnd len="sm" w="sm" type="none"/>
+                      <a:tailEnd len="sm" w="sm" type="none"/>
+                    </a:lnB>
+                  </a:tcPr>
+                </a:tc>
+                <a:tc>
+                  <a:txBody>
+                    <a:bodyPr/>
+                    <a:lstStyle/>
+                    <a:p>
+                      <a:pPr indent="0" lvl="0" marL="0" marR="0" rtl="0" algn="l">
+                        <a:lnSpc>
+                          <a:spcPct val="100000"/>
+                        </a:lnSpc>
+                        <a:spcBef>
+                          <a:spcPts val="0"/>
+                        </a:spcBef>
+                        <a:spcAft>
+                          <a:spcPts val="0"/>
+                        </a:spcAft>
+                        <a:buNone/>
+                      </a:pPr>
+                      <a:r>
+                        <a:rPr lang="es-ES"/>
+                        <a:t>Sentiment opposed to the overall sentiment. Either “positive” or “negative”</a:t>
+                      </a:r>
+                      <a:endParaRPr/>
+                    </a:p>
+                  </a:txBody>
+                  <a:tcPr marT="91425" marB="91425" marR="91425" marL="91425">
+                    <a:lnL cap="flat" cmpd="sng" w="9525">
+                      <a:solidFill>
+                        <a:srgbClr val="9E9E9E"/>
+                      </a:solidFill>
+                      <a:prstDash val="solid"/>
+                      <a:round/>
+                      <a:headEnd len="sm" w="sm" type="none"/>
+                      <a:tailEnd len="sm" w="sm" type="none"/>
+                    </a:lnL>
+                    <a:lnR cap="flat" cmpd="sng" w="9525">
+                      <a:solidFill>
+                        <a:srgbClr val="9E9E9E"/>
+                      </a:solidFill>
+                      <a:prstDash val="solid"/>
+                      <a:round/>
+                      <a:headEnd len="sm" w="sm" type="none"/>
+                      <a:tailEnd len="sm" w="sm" type="none"/>
+                    </a:lnR>
+                    <a:lnT cap="flat" cmpd="sng" w="9525">
+                      <a:solidFill>
+                        <a:srgbClr val="9E9E9E"/>
+                      </a:solidFill>
+                      <a:prstDash val="solid"/>
+                      <a:round/>
+                      <a:headEnd len="sm" w="sm" type="none"/>
+                      <a:tailEnd len="sm" w="sm" type="none"/>
+                    </a:lnT>
+                    <a:lnB cap="flat" cmpd="sng" w="9525">
+                      <a:solidFill>
+                        <a:srgbClr val="9E9E9E"/>
+                      </a:solidFill>
+                      <a:prstDash val="solid"/>
+                      <a:round/>
+                      <a:headEnd len="sm" w="sm" type="none"/>
+                      <a:tailEnd len="sm" w="sm" type="none"/>
+                    </a:lnB>
+                  </a:tcPr>
+                </a:tc>
+              </a:tr>
+              <a:tr h="396225">
+                <a:tc>
+                  <a:txBody>
+                    <a:bodyPr/>
+                    <a:lstStyle/>
+                    <a:p>
+                      <a:pPr indent="0" lvl="0" marL="0" rtl="0" algn="l">
+                        <a:spcBef>
+                          <a:spcPts val="0"/>
+                        </a:spcBef>
+                        <a:spcAft>
+                          <a:spcPts val="0"/>
+                        </a:spcAft>
+                        <a:buNone/>
+                      </a:pPr>
+                      <a:r>
+                        <a:rPr lang="es-ES"/>
+                        <a:t>Joy / Optimism</a:t>
+                      </a:r>
+                      <a:endParaRPr/>
+                    </a:p>
+                  </a:txBody>
+                  <a:tcPr marT="91425" marB="91425" marR="91425" marL="91425">
+                    <a:lnL cap="flat" cmpd="sng" w="9525">
+                      <a:solidFill>
+                        <a:srgbClr val="9E9E9E"/>
+                      </a:solidFill>
+                      <a:prstDash val="solid"/>
+                      <a:round/>
+                      <a:headEnd len="sm" w="sm" type="none"/>
+                      <a:tailEnd len="sm" w="sm" type="none"/>
+                    </a:lnL>
+                    <a:lnR cap="flat" cmpd="sng" w="9525">
+                      <a:solidFill>
+                        <a:srgbClr val="9E9E9E"/>
+                      </a:solidFill>
+                      <a:prstDash val="solid"/>
+                      <a:round/>
+                      <a:headEnd len="sm" w="sm" type="none"/>
+                      <a:tailEnd len="sm" w="sm" type="none"/>
+                    </a:lnR>
+                    <a:lnT cap="flat" cmpd="sng" w="9525">
+                      <a:solidFill>
+                        <a:srgbClr val="9E9E9E"/>
+                      </a:solidFill>
+                      <a:prstDash val="solid"/>
+                      <a:round/>
+                      <a:headEnd len="sm" w="sm" type="none"/>
+                      <a:tailEnd len="sm" w="sm" type="none"/>
+                    </a:lnT>
+                    <a:lnB cap="flat" cmpd="sng" w="9525">
+                      <a:solidFill>
+                        <a:srgbClr val="9E9E9E"/>
+                      </a:solidFill>
+                      <a:prstDash val="solid"/>
+                      <a:round/>
+                      <a:headEnd len="sm" w="sm" type="none"/>
+                      <a:tailEnd len="sm" w="sm" type="none"/>
+                    </a:lnB>
+                  </a:tcPr>
+                </a:tc>
+                <a:tc>
+                  <a:txBody>
+                    <a:bodyPr/>
+                    <a:lstStyle/>
+                    <a:p>
+                      <a:pPr indent="0" lvl="0" marL="0" rtl="0" algn="l">
+                        <a:spcBef>
+                          <a:spcPts val="0"/>
+                        </a:spcBef>
+                        <a:spcAft>
+                          <a:spcPts val="0"/>
+                        </a:spcAft>
+                        <a:buNone/>
+                      </a:pPr>
+                      <a:r>
+                        <a:rPr lang="es-ES"/>
+                        <a:t>More general: Joy</a:t>
+                      </a:r>
+                      <a:endParaRPr/>
+                    </a:p>
+                  </a:txBody>
+                  <a:tcPr marT="91425" marB="91425" marR="91425" marL="91425">
+                    <a:lnL cap="flat" cmpd="sng" w="9525">
+                      <a:solidFill>
+                        <a:srgbClr val="9E9E9E"/>
+                      </a:solidFill>
+                      <a:prstDash val="solid"/>
+                      <a:round/>
+                      <a:headEnd len="sm" w="sm" type="none"/>
+                      <a:tailEnd len="sm" w="sm" type="none"/>
+                    </a:lnL>
+                    <a:lnR cap="flat" cmpd="sng" w="9525">
+                      <a:solidFill>
+                        <a:srgbClr val="9E9E9E"/>
+                      </a:solidFill>
+                      <a:prstDash val="solid"/>
+                      <a:round/>
+                      <a:headEnd len="sm" w="sm" type="none"/>
+                      <a:tailEnd len="sm" w="sm" type="none"/>
+                    </a:lnR>
+                    <a:lnT cap="flat" cmpd="sng" w="9525">
+                      <a:solidFill>
+                        <a:srgbClr val="9E9E9E"/>
+                      </a:solidFill>
+                      <a:prstDash val="solid"/>
+                      <a:round/>
+                      <a:headEnd len="sm" w="sm" type="none"/>
+                      <a:tailEnd len="sm" w="sm" type="none"/>
+                    </a:lnT>
+                    <a:lnB cap="flat" cmpd="sng" w="9525">
+                      <a:solidFill>
+                        <a:srgbClr val="9E9E9E"/>
+                      </a:solidFill>
+                      <a:prstDash val="solid"/>
+                      <a:round/>
+                      <a:headEnd len="sm" w="sm" type="none"/>
+                      <a:tailEnd len="sm" w="sm" type="none"/>
+                    </a:lnB>
+                  </a:tcPr>
+                </a:tc>
+                <a:tc>
+                  <a:txBody>
+                    <a:bodyPr/>
+                    <a:lstStyle/>
+                    <a:p>
+                      <a:pPr indent="0" lvl="0" marL="0" marR="0" rtl="0" algn="l">
+                        <a:lnSpc>
+                          <a:spcPct val="100000"/>
+                        </a:lnSpc>
+                        <a:spcBef>
+                          <a:spcPts val="0"/>
+                        </a:spcBef>
+                        <a:spcAft>
+                          <a:spcPts val="0"/>
+                        </a:spcAft>
+                        <a:buNone/>
+                      </a:pPr>
+                      <a:r>
+                        <a:rPr lang="es-ES"/>
+                        <a:t>Contradicting sentiments</a:t>
+                      </a:r>
+                      <a:endParaRPr/>
+                    </a:p>
+                  </a:txBody>
+                  <a:tcPr marT="91425" marB="91425" marR="91425" marL="91425">
+                    <a:lnL cap="flat" cmpd="sng" w="9525">
+                      <a:solidFill>
+                        <a:srgbClr val="9E9E9E"/>
+                      </a:solidFill>
+                      <a:prstDash val="solid"/>
+                      <a:round/>
+                      <a:headEnd len="sm" w="sm" type="none"/>
+                      <a:tailEnd len="sm" w="sm" type="none"/>
+                    </a:lnL>
+                    <a:lnR cap="flat" cmpd="sng" w="9525">
+                      <a:solidFill>
+                        <a:srgbClr val="9E9E9E"/>
+                      </a:solidFill>
+                      <a:prstDash val="solid"/>
+                      <a:round/>
+                      <a:headEnd len="sm" w="sm" type="none"/>
+                      <a:tailEnd len="sm" w="sm" type="none"/>
+                    </a:lnR>
+                    <a:lnT cap="flat" cmpd="sng" w="9525">
+                      <a:solidFill>
+                        <a:srgbClr val="9E9E9E"/>
+                      </a:solidFill>
+                      <a:prstDash val="solid"/>
+                      <a:round/>
+                      <a:headEnd len="sm" w="sm" type="none"/>
+                      <a:tailEnd len="sm" w="sm" type="none"/>
+                    </a:lnT>
+                    <a:lnB cap="flat" cmpd="sng" w="9525">
+                      <a:solidFill>
+                        <a:srgbClr val="9E9E9E"/>
+                      </a:solidFill>
+                      <a:prstDash val="solid"/>
+                      <a:round/>
+                      <a:headEnd len="sm" w="sm" type="none"/>
+                      <a:tailEnd len="sm" w="sm" type="none"/>
+                    </a:lnB>
+                  </a:tcPr>
+                </a:tc>
+                <a:tc>
+                  <a:txBody>
+                    <a:bodyPr/>
+                    <a:lstStyle/>
+                    <a:p>
+                      <a:pPr indent="0" lvl="0" marL="0" marR="0" rtl="0" algn="l">
+                        <a:lnSpc>
+                          <a:spcPct val="100000"/>
+                        </a:lnSpc>
+                        <a:spcBef>
+                          <a:spcPts val="0"/>
+                        </a:spcBef>
+                        <a:spcAft>
+                          <a:spcPts val="0"/>
+                        </a:spcAft>
+                        <a:buNone/>
+                      </a:pPr>
+                      <a:r>
+                        <a:rPr lang="es-ES"/>
+                        <a:t>Overall sentiment</a:t>
+                      </a:r>
+                      <a:endParaRPr/>
+                    </a:p>
+                  </a:txBody>
+                  <a:tcPr marT="91425" marB="91425" marR="91425" marL="91425">
+                    <a:lnL cap="flat" cmpd="sng" w="9525">
+                      <a:solidFill>
+                        <a:srgbClr val="9E9E9E"/>
+                      </a:solidFill>
+                      <a:prstDash val="solid"/>
+                      <a:round/>
+                      <a:headEnd len="sm" w="sm" type="none"/>
+                      <a:tailEnd len="sm" w="sm" type="none"/>
+                    </a:lnL>
+                    <a:lnR cap="flat" cmpd="sng" w="9525">
+                      <a:solidFill>
+                        <a:srgbClr val="9E9E9E"/>
+                      </a:solidFill>
+                      <a:prstDash val="solid"/>
+                      <a:round/>
+                      <a:headEnd len="sm" w="sm" type="none"/>
+                      <a:tailEnd len="sm" w="sm" type="none"/>
+                    </a:lnR>
+                    <a:lnT cap="flat" cmpd="sng" w="9525">
+                      <a:solidFill>
+                        <a:srgbClr val="9E9E9E"/>
+                      </a:solidFill>
+                      <a:prstDash val="solid"/>
+                      <a:round/>
+                      <a:headEnd len="sm" w="sm" type="none"/>
+                      <a:tailEnd len="sm" w="sm" type="none"/>
+                    </a:lnT>
+                    <a:lnB cap="flat" cmpd="sng" w="9525">
+                      <a:solidFill>
+                        <a:srgbClr val="9E9E9E"/>
+                      </a:solidFill>
+                      <a:prstDash val="solid"/>
+                      <a:round/>
+                      <a:headEnd len="sm" w="sm" type="none"/>
+                      <a:tailEnd len="sm" w="sm" type="none"/>
+                    </a:lnB>
+                  </a:tcPr>
+                </a:tc>
+              </a:tr>
+            </a:tbl>
+          </a:graphicData>
+        </a:graphic>
+      </p:graphicFrame>
+      <p:sp>
+        <p:nvSpPr>
+          <p:cNvPr id="172" name="Google Shape;172;g112e57bf82a_0_50"/>
+          <p:cNvSpPr txBox="1"/>
+          <p:nvPr>
+            <p:ph idx="12" type="sldNum"/>
+          </p:nvPr>
+        </p:nvSpPr>
+        <p:spPr>
+          <a:xfrm>
+            <a:off x="8610600" y="6356350"/>
+            <a:ext cx="2743200" cy="365100"/>
+          </a:xfrm>
+          <a:prstGeom prst="rect">
+            <a:avLst/>
+          </a:prstGeom>
+        </p:spPr>
+        <p:txBody>
+          <a:bodyPr anchorCtr="0" anchor="ctr" bIns="45700" lIns="91425" spcFirstLastPara="1" rIns="91425" wrap="square" tIns="45700">
+            <a:noAutofit/>
+          </a:bodyPr>
+          <a:lstStyle/>
+          <a:p>
+            <a:pPr indent="0" lvl="0" marL="0" rtl="0" algn="r">
+              <a:spcBef>
+                <a:spcPts val="0"/>
+              </a:spcBef>
+              <a:spcAft>
+                <a:spcPts val="0"/>
+              </a:spcAft>
+              <a:buClr>
+                <a:srgbClr val="000000"/>
+              </a:buClr>
+              <a:buFont typeface="Arial"/>
+              <a:buNone/>
+            </a:pPr>
+            <a:fld id="{00000000-1234-1234-1234-123412341234}" type="slidenum">
+              <a:rPr lang="es-ES"/>
+              <a:t>‹#›</a:t>
+            </a:fld>
+            <a:endParaRPr/>
+          </a:p>
+        </p:txBody>
+      </p:sp>
+      <p:sp>
+        <p:nvSpPr>
+          <p:cNvPr id="173" name="Google Shape;173;g112e57bf82a_0_50"/>
+          <p:cNvSpPr txBox="1"/>
+          <p:nvPr>
+            <p:ph idx="1" type="body"/>
+          </p:nvPr>
+        </p:nvSpPr>
+        <p:spPr>
+          <a:xfrm>
+            <a:off x="838200" y="1825625"/>
+            <a:ext cx="10515600" cy="4351200"/>
+          </a:xfrm>
+          <a:prstGeom prst="rect">
+            <a:avLst/>
+          </a:prstGeom>
+        </p:spPr>
+        <p:txBody>
+          <a:bodyPr anchorCtr="0" anchor="t" bIns="45700" lIns="91425" spcFirstLastPara="1" rIns="91425" wrap="square" tIns="45700">
+            <a:normAutofit/>
+          </a:bodyPr>
+          <a:lstStyle/>
+          <a:p>
+            <a:pPr indent="-342900" lvl="0" marL="457200" rtl="0" algn="l">
+              <a:lnSpc>
+                <a:spcPct val="150000"/>
+              </a:lnSpc>
+              <a:spcBef>
+                <a:spcPts val="1000"/>
+              </a:spcBef>
+              <a:spcAft>
+                <a:spcPts val="0"/>
+              </a:spcAft>
+              <a:buSzPts val="1800"/>
+              <a:buChar char="●"/>
+            </a:pPr>
+            <a:r>
+              <a:rPr lang="es-ES"/>
+              <a:t>Misunderstanding some words (burn CD)</a:t>
+            </a:r>
+            <a:endParaRPr/>
+          </a:p>
+          <a:p>
+            <a:pPr indent="-342900" lvl="0" marL="457200" rtl="0" algn="l">
+              <a:lnSpc>
+                <a:spcPct val="150000"/>
+              </a:lnSpc>
+              <a:spcBef>
+                <a:spcPts val="0"/>
+              </a:spcBef>
+              <a:spcAft>
+                <a:spcPts val="0"/>
+              </a:spcAft>
+              <a:buSzPts val="1800"/>
+              <a:buChar char="●"/>
+            </a:pPr>
+            <a:r>
+              <a:rPr lang="es-ES"/>
+              <a:t>Misunderstanding some symbols (&amp;lt;3 = &lt;3) (&amp;gt; = &gt;)</a:t>
+            </a:r>
+            <a:endParaRPr/>
+          </a:p>
+          <a:p>
+            <a:pPr indent="-342900" lvl="0" marL="457200" rtl="0" algn="l">
+              <a:lnSpc>
+                <a:spcPct val="150000"/>
+              </a:lnSpc>
+              <a:spcBef>
+                <a:spcPts val="0"/>
+              </a:spcBef>
+              <a:spcAft>
+                <a:spcPts val="0"/>
+              </a:spcAft>
+              <a:buSzPts val="1800"/>
+              <a:buChar char="●"/>
+            </a:pPr>
+            <a:r>
+              <a:rPr lang="es-ES"/>
+              <a:t>Look or ask for the meaning</a:t>
+            </a:r>
+            <a:endParaRPr/>
+          </a:p>
+        </p:txBody>
+      </p:sp>
+    </p:spTree>
+  </p:cSld>
+  <p:clrMapOvr>
+    <a:masterClrMapping/>
+  </p:clrMapOvr>
+</p:sld>
+</file>
+
+<file path=ppt/slides/slide13.xml><?xml version="1.0" encoding="utf-8"?>
+<p:sld xmlns:a="http://schemas.openxmlformats.org/drawingml/2006/main" xmlns:r="http://schemas.openxmlformats.org/officeDocument/2006/relationships" xmlns:mc="http://schemas.openxmlformats.org/markup-compatibility/2006" xmlns:mv="urn:schemas-microsoft-com:mac:vml" xmlns:p="http://schemas.openxmlformats.org/presentationml/2006/main" xmlns:c="http://schemas.openxmlformats.org/drawingml/2006/chart" xmlns:dgm="http://schemas.openxmlformats.org/drawingml/2006/diagram" xmlns:o="urn:schemas-microsoft-com:office:office" xmlns:v="urn:schemas-microsoft-com:vml" xmlns:pvml="urn:schemas-microsoft-com:office:powerpoint" xmlns:com="http://schemas.openxmlformats.org/drawingml/2006/compatibility" xmlns:p14="http://schemas.microsoft.com/office/powerpoint/2010/main" xmlns:p15="http://schemas.microsoft.com/office/powerpoint/2012/main" xmlns:ahyp="http://schemas.microsoft.com/office/drawing/2018/hyperlinkcolor">
+  <p:cSld>
+    <p:spTree>
+      <p:nvGrpSpPr>
+        <p:cNvPr id="177" name="Shape 177"/>
+        <p:cNvGrpSpPr/>
+        <p:nvPr/>
+      </p:nvGrpSpPr>
+      <p:grpSpPr>
+        <a:xfrm>
+          <a:off x="0" y="0"/>
+          <a:ext cx="0" cy="0"/>
+          <a:chOff x="0" y="0"/>
+          <a:chExt cx="0" cy="0"/>
+        </a:xfrm>
+      </p:grpSpPr>
+      <p:sp>
+        <p:nvSpPr>
+          <p:cNvPr id="178" name="Google Shape;178;g111e9305988_0_0"/>
+          <p:cNvSpPr txBox="1"/>
+          <p:nvPr>
+            <p:ph type="title"/>
+          </p:nvPr>
+        </p:nvSpPr>
+        <p:spPr>
+          <a:xfrm>
+            <a:off x="838200" y="365125"/>
+            <a:ext cx="10515600" cy="1325700"/>
+          </a:xfrm>
+          <a:prstGeom prst="rect">
+            <a:avLst/>
+          </a:prstGeom>
+        </p:spPr>
+        <p:txBody>
+          <a:bodyPr anchorCtr="0" anchor="ctr" bIns="45700" lIns="91425" spcFirstLastPara="1" rIns="91425" wrap="square" tIns="45700">
+            <a:normAutofit/>
+          </a:bodyPr>
+          <a:lstStyle/>
+          <a:p>
+            <a:pPr indent="0" lvl="0" marL="0" rtl="0" algn="l">
+              <a:spcBef>
+                <a:spcPts val="0"/>
+              </a:spcBef>
+              <a:spcAft>
+                <a:spcPts val="0"/>
+              </a:spcAft>
+              <a:buNone/>
+            </a:pPr>
+            <a:r>
+              <a:rPr lang="es-ES"/>
               <a:t>Adversarial examples</a:t>
             </a:r>
             <a:endParaRPr/>
@@ -14779,7 +16237,7 @@
       </p:sp>
       <p:sp>
         <p:nvSpPr>
-          <p:cNvPr id="171" name="Google Shape;171;g111e9305988_0_0"/>
+          <p:cNvPr id="179" name="Google Shape;179;g111e9305988_0_0"/>
           <p:cNvSpPr txBox="1"/>
           <p:nvPr>
             <p:ph idx="1" type="body"/>
@@ -14947,7 +16405,7 @@
       </p:sp>
       <p:sp>
         <p:nvSpPr>
-          <p:cNvPr id="172" name="Google Shape;172;g111e9305988_0_0"/>
+          <p:cNvPr id="180" name="Google Shape;180;g111e9305988_0_0"/>
           <p:cNvSpPr txBox="1"/>
           <p:nvPr>
             <p:ph idx="12" type="sldNum"/>
@@ -14997,12 +16455,12 @@
 </p:sld>
 </file>
 
-<file path=ppt/slides/slide13.xml><?xml version="1.0" encoding="utf-8"?>
+<file path=ppt/slides/slide14.xml><?xml version="1.0" encoding="utf-8"?>
 <p:sld xmlns:a="http://schemas.openxmlformats.org/drawingml/2006/main" xmlns:r="http://schemas.openxmlformats.org/officeDocument/2006/relationships" xmlns:mc="http://schemas.openxmlformats.org/markup-compatibility/2006" xmlns:mv="urn:schemas-microsoft-com:mac:vml" xmlns:p="http://schemas.openxmlformats.org/presentationml/2006/main" xmlns:c="http://schemas.openxmlformats.org/drawingml/2006/chart" xmlns:dgm="http://schemas.openxmlformats.org/drawingml/2006/diagram" xmlns:o="urn:schemas-microsoft-com:office:office" xmlns:v="urn:schemas-microsoft-com:vml" xmlns:pvml="urn:schemas-microsoft-com:office:powerpoint" xmlns:com="http://schemas.openxmlformats.org/drawingml/2006/compatibility" xmlns:p14="http://schemas.microsoft.com/office/powerpoint/2010/main" xmlns:p15="http://schemas.microsoft.com/office/powerpoint/2012/main" xmlns:ahyp="http://schemas.microsoft.com/office/drawing/2018/hyperlinkcolor">
   <p:cSld>
     <p:spTree>
       <p:nvGrpSpPr>
-        <p:cNvPr id="176" name="Shape 176"/>
+        <p:cNvPr id="184" name="Shape 184"/>
         <p:cNvGrpSpPr/>
         <p:nvPr/>
       </p:nvGrpSpPr>
@@ -15016,7 +16474,7 @@
       </p:grpSpPr>
       <p:sp>
         <p:nvSpPr>
-          <p:cNvPr id="177" name="Google Shape;177;g112e57bf82a_0_45"/>
+          <p:cNvPr id="185" name="Google Shape;185;g112e57bf82a_0_45"/>
           <p:cNvSpPr txBox="1"/>
           <p:nvPr>
             <p:ph type="title"/>
@@ -15056,7 +16514,7 @@
       </p:sp>
       <p:sp>
         <p:nvSpPr>
-          <p:cNvPr id="178" name="Google Shape;178;g112e57bf82a_0_45"/>
+          <p:cNvPr id="186" name="Google Shape;186;g112e57bf82a_0_45"/>
           <p:cNvSpPr txBox="1"/>
           <p:nvPr>
             <p:ph idx="1" type="body"/>
@@ -15228,7 +16686,7 @@
       </p:sp>
       <p:sp>
         <p:nvSpPr>
-          <p:cNvPr id="179" name="Google Shape;179;g112e57bf82a_0_45"/>
+          <p:cNvPr id="187" name="Google Shape;187;g112e57bf82a_0_45"/>
           <p:cNvSpPr txBox="1"/>
           <p:nvPr>
             <p:ph idx="12" type="sldNum"/>
@@ -15278,12 +16736,12 @@
 </p:sld>
 </file>
 
-<file path=ppt/slides/slide14.xml><?xml version="1.0" encoding="utf-8"?>
+<file path=ppt/slides/slide15.xml><?xml version="1.0" encoding="utf-8"?>
 <p:sld xmlns:a="http://schemas.openxmlformats.org/drawingml/2006/main" xmlns:r="http://schemas.openxmlformats.org/officeDocument/2006/relationships" xmlns:mc="http://schemas.openxmlformats.org/markup-compatibility/2006" xmlns:mv="urn:schemas-microsoft-com:mac:vml" xmlns:p="http://schemas.openxmlformats.org/presentationml/2006/main" xmlns:c="http://schemas.openxmlformats.org/drawingml/2006/chart" xmlns:dgm="http://schemas.openxmlformats.org/drawingml/2006/diagram" xmlns:o="urn:schemas-microsoft-com:office:office" xmlns:v="urn:schemas-microsoft-com:vml" xmlns:pvml="urn:schemas-microsoft-com:office:powerpoint" xmlns:com="http://schemas.openxmlformats.org/drawingml/2006/compatibility" xmlns:p14="http://schemas.microsoft.com/office/powerpoint/2010/main" xmlns:p15="http://schemas.microsoft.com/office/powerpoint/2012/main" xmlns:ahyp="http://schemas.microsoft.com/office/drawing/2018/hyperlinkcolor">
   <p:cSld>
     <p:spTree>
       <p:nvGrpSpPr>
-        <p:cNvPr id="183" name="Shape 183"/>
+        <p:cNvPr id="191" name="Shape 191"/>
         <p:cNvGrpSpPr/>
         <p:nvPr/>
       </p:nvGrpSpPr>
@@ -15297,7 +16755,7 @@
       </p:grpSpPr>
       <p:sp>
         <p:nvSpPr>
-          <p:cNvPr id="184" name="Google Shape;184;g112e57bf82a_0_35"/>
+          <p:cNvPr id="192" name="Google Shape;192;g112e57bf82a_0_35"/>
           <p:cNvSpPr txBox="1"/>
           <p:nvPr>
             <p:ph type="title"/>
@@ -15337,7 +16795,7 @@
       </p:sp>
       <p:sp>
         <p:nvSpPr>
-          <p:cNvPr id="185" name="Google Shape;185;g112e57bf82a_0_35"/>
+          <p:cNvPr id="193" name="Google Shape;193;g112e57bf82a_0_35"/>
           <p:cNvSpPr txBox="1"/>
           <p:nvPr>
             <p:ph idx="1" type="body"/>
@@ -15377,7 +16835,7 @@
       </p:sp>
       <p:pic>
         <p:nvPicPr>
-          <p:cNvPr id="186" name="Google Shape;186;g112e57bf82a_0_35"/>
+          <p:cNvPr id="194" name="Google Shape;194;g112e57bf82a_0_35"/>
           <p:cNvPicPr preferRelativeResize="0"/>
           <p:nvPr/>
         </p:nvPicPr>
@@ -15405,7 +16863,7 @@
       </p:pic>
       <p:pic>
         <p:nvPicPr>
-          <p:cNvPr id="187" name="Google Shape;187;g112e57bf82a_0_35"/>
+          <p:cNvPr id="195" name="Google Shape;195;g112e57bf82a_0_35"/>
           <p:cNvPicPr preferRelativeResize="0"/>
           <p:nvPr/>
         </p:nvPicPr>
@@ -15433,7 +16891,7 @@
       </p:pic>
       <p:sp>
         <p:nvSpPr>
-          <p:cNvPr id="188" name="Google Shape;188;g112e57bf82a_0_35"/>
+          <p:cNvPr id="196" name="Google Shape;196;g112e57bf82a_0_35"/>
           <p:cNvSpPr txBox="1"/>
           <p:nvPr>
             <p:ph idx="2" type="body"/>
@@ -15473,172 +16931,7 @@
       </p:sp>
       <p:sp>
         <p:nvSpPr>
-          <p:cNvPr id="189" name="Google Shape;189;g112e57bf82a_0_35"/>
-          <p:cNvSpPr txBox="1"/>
-          <p:nvPr>
-            <p:ph idx="12" type="sldNum"/>
-          </p:nvPr>
-        </p:nvSpPr>
-        <p:spPr>
-          <a:xfrm>
-            <a:off x="8610600" y="6356350"/>
-            <a:ext cx="2743200" cy="365100"/>
-          </a:xfrm>
-          <a:prstGeom prst="rect">
-            <a:avLst/>
-          </a:prstGeom>
-        </p:spPr>
-        <p:txBody>
-          <a:bodyPr anchorCtr="0" anchor="ctr" bIns="45700" lIns="91425" spcFirstLastPara="1" rIns="91425" wrap="square" tIns="45700">
-            <a:noAutofit/>
-          </a:bodyPr>
-          <a:lstStyle/>
-          <a:p>
-            <a:pPr indent="0" lvl="0" marL="0" rtl="0" algn="r">
-              <a:spcBef>
-                <a:spcPts val="0"/>
-              </a:spcBef>
-              <a:spcAft>
-                <a:spcPts val="0"/>
-              </a:spcAft>
-              <a:buClr>
-                <a:srgbClr val="000000"/>
-              </a:buClr>
-              <a:buFont typeface="Arial"/>
-              <a:buNone/>
-            </a:pPr>
-            <a:fld id="{00000000-1234-1234-1234-123412341234}" type="slidenum">
-              <a:rPr lang="es-ES"/>
-              <a:t>‹#›</a:t>
-            </a:fld>
-            <a:endParaRPr/>
-          </a:p>
-        </p:txBody>
-      </p:sp>
-    </p:spTree>
-  </p:cSld>
-  <p:clrMapOvr>
-    <a:masterClrMapping/>
-  </p:clrMapOvr>
-</p:sld>
-</file>
-
-<file path=ppt/slides/slide15.xml><?xml version="1.0" encoding="utf-8"?>
-<p:sld xmlns:a="http://schemas.openxmlformats.org/drawingml/2006/main" xmlns:r="http://schemas.openxmlformats.org/officeDocument/2006/relationships" xmlns:mc="http://schemas.openxmlformats.org/markup-compatibility/2006" xmlns:mv="urn:schemas-microsoft-com:mac:vml" xmlns:p="http://schemas.openxmlformats.org/presentationml/2006/main" xmlns:c="http://schemas.openxmlformats.org/drawingml/2006/chart" xmlns:dgm="http://schemas.openxmlformats.org/drawingml/2006/diagram" xmlns:o="urn:schemas-microsoft-com:office:office" xmlns:v="urn:schemas-microsoft-com:vml" xmlns:pvml="urn:schemas-microsoft-com:office:powerpoint" xmlns:com="http://schemas.openxmlformats.org/drawingml/2006/compatibility" xmlns:p14="http://schemas.microsoft.com/office/powerpoint/2010/main" xmlns:p15="http://schemas.microsoft.com/office/powerpoint/2012/main" xmlns:ahyp="http://schemas.microsoft.com/office/drawing/2018/hyperlinkcolor">
-  <p:cSld>
-    <p:spTree>
-      <p:nvGrpSpPr>
-        <p:cNvPr id="193" name="Shape 193"/>
-        <p:cNvGrpSpPr/>
-        <p:nvPr/>
-      </p:nvGrpSpPr>
-      <p:grpSpPr>
-        <a:xfrm>
-          <a:off x="0" y="0"/>
-          <a:ext cx="0" cy="0"/>
-          <a:chOff x="0" y="0"/>
-          <a:chExt cx="0" cy="0"/>
-        </a:xfrm>
-      </p:grpSpPr>
-      <p:sp>
-        <p:nvSpPr>
-          <p:cNvPr id="194" name="Google Shape;194;g112e57bf82a_1_0"/>
-          <p:cNvSpPr txBox="1"/>
-          <p:nvPr>
-            <p:ph type="title"/>
-          </p:nvPr>
-        </p:nvSpPr>
-        <p:spPr>
-          <a:xfrm>
-            <a:off x="838200" y="365125"/>
-            <a:ext cx="10515600" cy="1325700"/>
-          </a:xfrm>
-          <a:prstGeom prst="rect">
-            <a:avLst/>
-          </a:prstGeom>
-        </p:spPr>
-        <p:txBody>
-          <a:bodyPr anchorCtr="0" anchor="ctr" bIns="45700" lIns="91425" spcFirstLastPara="1" rIns="91425" wrap="square" tIns="45700">
-            <a:normAutofit/>
-          </a:bodyPr>
-          <a:lstStyle/>
-          <a:p>
-            <a:pPr indent="0" lvl="0" marL="0" rtl="0" algn="l">
-              <a:spcBef>
-                <a:spcPts val="0"/>
-              </a:spcBef>
-              <a:spcAft>
-                <a:spcPts val="0"/>
-              </a:spcAft>
-              <a:buNone/>
-            </a:pPr>
-            <a:r>
-              <a:rPr lang="es-ES"/>
-              <a:t>Sentiment wordclouds (all vs neutral)</a:t>
-            </a:r>
-            <a:endParaRPr/>
-          </a:p>
-        </p:txBody>
-      </p:sp>
-      <p:pic>
-        <p:nvPicPr>
-          <p:cNvPr id="195" name="Google Shape;195;g112e57bf82a_1_0"/>
-          <p:cNvPicPr preferRelativeResize="0"/>
-          <p:nvPr/>
-        </p:nvPicPr>
-        <p:blipFill>
-          <a:blip r:embed="rId3">
-            <a:alphaModFix/>
-          </a:blip>
-          <a:stretch>
-            <a:fillRect/>
-          </a:stretch>
-        </p:blipFill>
-        <p:spPr>
-          <a:xfrm>
-            <a:off x="957375" y="1562250"/>
-            <a:ext cx="5132749" cy="5141950"/>
-          </a:xfrm>
-          <a:prstGeom prst="rect">
-            <a:avLst/>
-          </a:prstGeom>
-          <a:noFill/>
-          <a:ln>
-            <a:noFill/>
-          </a:ln>
-        </p:spPr>
-      </p:pic>
-      <p:pic>
-        <p:nvPicPr>
-          <p:cNvPr id="196" name="Google Shape;196;g112e57bf82a_1_0"/>
-          <p:cNvPicPr preferRelativeResize="0"/>
-          <p:nvPr/>
-        </p:nvPicPr>
-        <p:blipFill>
-          <a:blip r:embed="rId4">
-            <a:alphaModFix/>
-          </a:blip>
-          <a:stretch>
-            <a:fillRect/>
-          </a:stretch>
-        </p:blipFill>
-        <p:spPr>
-          <a:xfrm>
-            <a:off x="6614250" y="1562238"/>
-            <a:ext cx="5132749" cy="5141963"/>
-          </a:xfrm>
-          <a:prstGeom prst="rect">
-            <a:avLst/>
-          </a:prstGeom>
-          <a:noFill/>
-          <a:ln>
-            <a:noFill/>
-          </a:ln>
-        </p:spPr>
-      </p:pic>
-      <p:sp>
-        <p:nvSpPr>
-          <p:cNvPr id="197" name="Google Shape;197;g112e57bf82a_1_0"/>
+          <p:cNvPr id="197" name="Google Shape;197;g112e57bf82a_0_35"/>
           <p:cNvSpPr txBox="1"/>
           <p:nvPr>
             <p:ph idx="12" type="sldNum"/>
@@ -15707,7 +17000,7 @@
       </p:grpSpPr>
       <p:sp>
         <p:nvSpPr>
-          <p:cNvPr id="202" name="Google Shape;202;g112e57bf82a_1_14"/>
+          <p:cNvPr id="202" name="Google Shape;202;g112e57bf82a_1_0"/>
           <p:cNvSpPr txBox="1"/>
           <p:nvPr>
             <p:ph type="title"/>
@@ -15739,7 +17032,7 @@
             </a:pPr>
             <a:r>
               <a:rPr lang="es-ES"/>
-              <a:t>Sentiment wordclouds (negative vs positive)</a:t>
+              <a:t>Sentiment wordclouds (all vs neutral)</a:t>
             </a:r>
             <a:endParaRPr/>
           </a:p>
@@ -15747,7 +17040,7 @@
       </p:sp>
       <p:pic>
         <p:nvPicPr>
-          <p:cNvPr id="203" name="Google Shape;203;g112e57bf82a_1_14"/>
+          <p:cNvPr id="203" name="Google Shape;203;g112e57bf82a_1_0"/>
           <p:cNvPicPr preferRelativeResize="0"/>
           <p:nvPr/>
         </p:nvPicPr>
@@ -15761,8 +17054,8 @@
         </p:blipFill>
         <p:spPr>
           <a:xfrm>
-            <a:off x="957375" y="1825624"/>
-            <a:ext cx="4616424" cy="4624725"/>
+            <a:off x="957375" y="1562250"/>
+            <a:ext cx="5132749" cy="5141950"/>
           </a:xfrm>
           <a:prstGeom prst="rect">
             <a:avLst/>
@@ -15775,7 +17068,7 @@
       </p:pic>
       <p:pic>
         <p:nvPicPr>
-          <p:cNvPr id="204" name="Google Shape;204;g112e57bf82a_1_14"/>
+          <p:cNvPr id="204" name="Google Shape;204;g112e57bf82a_1_0"/>
           <p:cNvPicPr preferRelativeResize="0"/>
           <p:nvPr/>
         </p:nvPicPr>
@@ -15789,8 +17082,8 @@
         </p:blipFill>
         <p:spPr>
           <a:xfrm>
-            <a:off x="6189525" y="1825635"/>
-            <a:ext cx="4616424" cy="4624715"/>
+            <a:off x="6614250" y="1562238"/>
+            <a:ext cx="5132749" cy="5141963"/>
           </a:xfrm>
           <a:prstGeom prst="rect">
             <a:avLst/>
@@ -15803,7 +17096,7 @@
       </p:pic>
       <p:sp>
         <p:nvSpPr>
-          <p:cNvPr id="205" name="Google Shape;205;g112e57bf82a_1_14"/>
+          <p:cNvPr id="205" name="Google Shape;205;g112e57bf82a_1_0"/>
           <p:cNvSpPr txBox="1"/>
           <p:nvPr>
             <p:ph idx="12" type="sldNum"/>
@@ -15872,7 +17165,7 @@
       </p:grpSpPr>
       <p:sp>
         <p:nvSpPr>
-          <p:cNvPr id="210" name="Google Shape;210;g112e57bf82a_1_9"/>
+          <p:cNvPr id="210" name="Google Shape;210;g112e57bf82a_1_14"/>
           <p:cNvSpPr txBox="1"/>
           <p:nvPr>
             <p:ph type="title"/>
@@ -15904,7 +17197,7 @@
             </a:pPr>
             <a:r>
               <a:rPr lang="es-ES"/>
-              <a:t>Emotion wordclouds (anger vs joy)</a:t>
+              <a:t>Sentiment wordclouds (negative vs positive)</a:t>
             </a:r>
             <a:endParaRPr/>
           </a:p>
@@ -15912,7 +17205,7 @@
       </p:sp>
       <p:pic>
         <p:nvPicPr>
-          <p:cNvPr id="211" name="Google Shape;211;g112e57bf82a_1_9"/>
+          <p:cNvPr id="211" name="Google Shape;211;g112e57bf82a_1_14"/>
           <p:cNvPicPr preferRelativeResize="0"/>
           <p:nvPr/>
         </p:nvPicPr>
@@ -15926,8 +17219,8 @@
         </p:blipFill>
         <p:spPr>
           <a:xfrm>
-            <a:off x="838199" y="1569775"/>
-            <a:ext cx="5079800" cy="5088925"/>
+            <a:off x="957375" y="1825624"/>
+            <a:ext cx="4616424" cy="4624725"/>
           </a:xfrm>
           <a:prstGeom prst="rect">
             <a:avLst/>
@@ -15940,7 +17233,7 @@
       </p:pic>
       <p:pic>
         <p:nvPicPr>
-          <p:cNvPr id="212" name="Google Shape;212;g112e57bf82a_1_9"/>
+          <p:cNvPr id="212" name="Google Shape;212;g112e57bf82a_1_14"/>
           <p:cNvPicPr preferRelativeResize="0"/>
           <p:nvPr/>
         </p:nvPicPr>
@@ -15954,8 +17247,8 @@
         </p:blipFill>
         <p:spPr>
           <a:xfrm>
-            <a:off x="6405349" y="1569780"/>
-            <a:ext cx="5079800" cy="5088920"/>
+            <a:off x="6189525" y="1825635"/>
+            <a:ext cx="4616424" cy="4624715"/>
           </a:xfrm>
           <a:prstGeom prst="rect">
             <a:avLst/>
@@ -15968,7 +17261,7 @@
       </p:pic>
       <p:sp>
         <p:nvSpPr>
-          <p:cNvPr id="213" name="Google Shape;213;g112e57bf82a_1_9"/>
+          <p:cNvPr id="213" name="Google Shape;213;g112e57bf82a_1_14"/>
           <p:cNvSpPr txBox="1"/>
           <p:nvPr>
             <p:ph idx="12" type="sldNum"/>
@@ -16037,7 +17330,7 @@
       </p:grpSpPr>
       <p:sp>
         <p:nvSpPr>
-          <p:cNvPr id="218" name="Google Shape;218;g112e57bf82a_1_25"/>
+          <p:cNvPr id="218" name="Google Shape;218;g112e57bf82a_1_9"/>
           <p:cNvSpPr txBox="1"/>
           <p:nvPr>
             <p:ph type="title"/>
@@ -16065,16 +17358,11 @@
               <a:spcAft>
                 <a:spcPts val="0"/>
               </a:spcAft>
-              <a:buClr>
-                <a:schemeClr val="dk1"/>
-              </a:buClr>
-              <a:buSzPts val="1100"/>
-              <a:buFont typeface="Arial"/>
               <a:buNone/>
             </a:pPr>
             <a:r>
               <a:rPr lang="es-ES"/>
-              <a:t>Emotion wordclouds (sadness vs optimism)</a:t>
+              <a:t>Emotion wordclouds (anger vs joy)</a:t>
             </a:r>
             <a:endParaRPr/>
           </a:p>
@@ -16082,7 +17370,7 @@
       </p:sp>
       <p:pic>
         <p:nvPicPr>
-          <p:cNvPr id="219" name="Google Shape;219;g112e57bf82a_1_25"/>
+          <p:cNvPr id="219" name="Google Shape;219;g112e57bf82a_1_9"/>
           <p:cNvPicPr preferRelativeResize="0"/>
           <p:nvPr/>
         </p:nvPicPr>
@@ -16096,8 +17384,8 @@
         </p:blipFill>
         <p:spPr>
           <a:xfrm>
-            <a:off x="838199" y="1690813"/>
-            <a:ext cx="5003425" cy="5012425"/>
+            <a:off x="838199" y="1569775"/>
+            <a:ext cx="5079800" cy="5088925"/>
           </a:xfrm>
           <a:prstGeom prst="rect">
             <a:avLst/>
@@ -16110,7 +17398,7 @@
       </p:pic>
       <p:pic>
         <p:nvPicPr>
-          <p:cNvPr id="220" name="Google Shape;220;g112e57bf82a_1_25"/>
+          <p:cNvPr id="220" name="Google Shape;220;g112e57bf82a_1_9"/>
           <p:cNvPicPr preferRelativeResize="0"/>
           <p:nvPr/>
         </p:nvPicPr>
@@ -16124,8 +17412,8 @@
         </p:blipFill>
         <p:spPr>
           <a:xfrm>
-            <a:off x="6138524" y="1690817"/>
-            <a:ext cx="5003425" cy="5012408"/>
+            <a:off x="6405349" y="1569780"/>
+            <a:ext cx="5079800" cy="5088920"/>
           </a:xfrm>
           <a:prstGeom prst="rect">
             <a:avLst/>
@@ -16138,7 +17426,7 @@
       </p:pic>
       <p:sp>
         <p:nvSpPr>
-          <p:cNvPr id="221" name="Google Shape;221;g112e57bf82a_1_25"/>
+          <p:cNvPr id="221" name="Google Shape;221;g112e57bf82a_1_9"/>
           <p:cNvSpPr txBox="1"/>
           <p:nvPr>
             <p:ph idx="12" type="sldNum"/>
@@ -16207,7 +17495,7 @@
       </p:grpSpPr>
       <p:sp>
         <p:nvSpPr>
-          <p:cNvPr id="226" name="Google Shape;226;g111e9305988_0_67"/>
+          <p:cNvPr id="226" name="Google Shape;226;g112e57bf82a_1_25"/>
           <p:cNvSpPr txBox="1"/>
           <p:nvPr>
             <p:ph type="title"/>
@@ -16235,183 +17523,80 @@
               <a:spcAft>
                 <a:spcPts val="0"/>
               </a:spcAft>
+              <a:buClr>
+                <a:schemeClr val="dk1"/>
+              </a:buClr>
+              <a:buSzPts val="1100"/>
+              <a:buFont typeface="Arial"/>
               <a:buNone/>
             </a:pPr>
             <a:r>
               <a:rPr lang="es-ES"/>
-              <a:t>Remaining work</a:t>
+              <a:t>Emotion wordclouds (sadness vs optimism)</a:t>
             </a:r>
             <a:endParaRPr/>
           </a:p>
         </p:txBody>
       </p:sp>
-      <p:sp>
-        <p:nvSpPr>
-          <p:cNvPr id="227" name="Google Shape;227;g111e9305988_0_67"/>
-          <p:cNvSpPr txBox="1"/>
-          <p:nvPr>
-            <p:ph idx="1" type="body"/>
-          </p:nvPr>
-        </p:nvSpPr>
+      <p:pic>
+        <p:nvPicPr>
+          <p:cNvPr id="227" name="Google Shape;227;g112e57bf82a_1_25"/>
+          <p:cNvPicPr preferRelativeResize="0"/>
+          <p:nvPr/>
+        </p:nvPicPr>
+        <p:blipFill>
+          <a:blip r:embed="rId3">
+            <a:alphaModFix/>
+          </a:blip>
+          <a:stretch>
+            <a:fillRect/>
+          </a:stretch>
+        </p:blipFill>
         <p:spPr>
           <a:xfrm>
-            <a:off x="838200" y="1825625"/>
-            <a:ext cx="10515600" cy="4351200"/>
+            <a:off x="838199" y="1690813"/>
+            <a:ext cx="5003425" cy="5012425"/>
           </a:xfrm>
           <a:prstGeom prst="rect">
             <a:avLst/>
           </a:prstGeom>
+          <a:noFill/>
+          <a:ln>
+            <a:noFill/>
+          </a:ln>
         </p:spPr>
-        <p:txBody>
-          <a:bodyPr anchorCtr="0" anchor="t" bIns="45700" lIns="91425" spcFirstLastPara="1" rIns="91425" wrap="square" tIns="45700">
-            <a:normAutofit lnSpcReduction="10000"/>
-          </a:bodyPr>
-          <a:lstStyle/>
-          <a:p>
-            <a:pPr indent="-342900" lvl="0" marL="457200" rtl="0" algn="l">
-              <a:lnSpc>
-                <a:spcPct val="150000"/>
-              </a:lnSpc>
-              <a:spcBef>
-                <a:spcPts val="1000"/>
-              </a:spcBef>
-              <a:spcAft>
-                <a:spcPts val="0"/>
-              </a:spcAft>
-              <a:buSzPts val="1800"/>
-              <a:buChar char="●"/>
-            </a:pPr>
-            <a:r>
-              <a:rPr lang="es-ES"/>
-              <a:t>Annotate ITA tweets with new guidelines</a:t>
-            </a:r>
-            <a:endParaRPr/>
-          </a:p>
-          <a:p>
-            <a:pPr indent="-342900" lvl="0" marL="457200" rtl="0" algn="l">
-              <a:lnSpc>
-                <a:spcPct val="150000"/>
-              </a:lnSpc>
-              <a:spcBef>
-                <a:spcPts val="0"/>
-              </a:spcBef>
-              <a:spcAft>
-                <a:spcPts val="0"/>
-              </a:spcAft>
-              <a:buSzPts val="1800"/>
-              <a:buChar char="●"/>
-            </a:pPr>
-            <a:r>
-              <a:rPr lang="es-ES"/>
-              <a:t>Recalculate ITA measures</a:t>
-            </a:r>
-            <a:endParaRPr/>
-          </a:p>
-          <a:p>
-            <a:pPr indent="-342900" lvl="0" marL="457200" rtl="0" algn="l">
-              <a:lnSpc>
-                <a:spcPct val="150000"/>
-              </a:lnSpc>
-              <a:spcBef>
-                <a:spcPts val="0"/>
-              </a:spcBef>
-              <a:spcAft>
-                <a:spcPts val="0"/>
-              </a:spcAft>
-              <a:buSzPts val="1800"/>
-              <a:buChar char="●"/>
-            </a:pPr>
-            <a:r>
-              <a:rPr lang="es-ES"/>
-              <a:t>Annotate 40 tweets individually</a:t>
-            </a:r>
-            <a:endParaRPr/>
-          </a:p>
-          <a:p>
-            <a:pPr indent="-342900" lvl="0" marL="457200" rtl="0" algn="l">
-              <a:lnSpc>
-                <a:spcPct val="150000"/>
-              </a:lnSpc>
-              <a:spcBef>
-                <a:spcPts val="0"/>
-              </a:spcBef>
-              <a:spcAft>
-                <a:spcPts val="0"/>
-              </a:spcAft>
-              <a:buSzPts val="1800"/>
-              <a:buChar char="●"/>
-            </a:pPr>
-            <a:r>
-              <a:rPr lang="es-ES"/>
-              <a:t>Create adversarial tweets</a:t>
-            </a:r>
-            <a:endParaRPr/>
-          </a:p>
-          <a:p>
-            <a:pPr indent="-342900" lvl="0" marL="457200" rtl="0" algn="l">
-              <a:lnSpc>
-                <a:spcPct val="150000"/>
-              </a:lnSpc>
-              <a:spcBef>
-                <a:spcPts val="0"/>
-              </a:spcBef>
-              <a:spcAft>
-                <a:spcPts val="0"/>
-              </a:spcAft>
-              <a:buSzPts val="1800"/>
-              <a:buChar char="●"/>
-            </a:pPr>
-            <a:r>
-              <a:rPr lang="es-ES"/>
-              <a:t>Compare manual and automatic annotation</a:t>
-            </a:r>
-            <a:endParaRPr/>
-          </a:p>
-          <a:p>
-            <a:pPr indent="-342900" lvl="0" marL="457200" rtl="0" algn="l">
-              <a:lnSpc>
-                <a:spcPct val="150000"/>
-              </a:lnSpc>
-              <a:spcBef>
-                <a:spcPts val="0"/>
-              </a:spcBef>
-              <a:spcAft>
-                <a:spcPts val="0"/>
-              </a:spcAft>
-              <a:buSzPts val="1800"/>
-              <a:buChar char="●"/>
-            </a:pPr>
-            <a:r>
-              <a:rPr lang="es-ES"/>
-              <a:t>Compare adversarial results</a:t>
-            </a:r>
-            <a:endParaRPr/>
-          </a:p>
-          <a:p>
-            <a:pPr indent="-342900" lvl="0" marL="457200" rtl="0" algn="l">
-              <a:lnSpc>
-                <a:spcPct val="150000"/>
-              </a:lnSpc>
-              <a:spcBef>
-                <a:spcPts val="0"/>
-              </a:spcBef>
-              <a:spcAft>
-                <a:spcPts val="0"/>
-              </a:spcAft>
-              <a:buSzPts val="1800"/>
-              <a:buChar char="●"/>
-            </a:pPr>
-            <a:r>
-              <a:rPr lang="es-ES"/>
-              <a:t>Pie charts and wordclouds for manual annotation</a:t>
-            </a:r>
-            <a:endParaRPr/>
-          </a:p>
-        </p:txBody>
-      </p:sp>
+      </p:pic>
+      <p:pic>
+        <p:nvPicPr>
+          <p:cNvPr id="228" name="Google Shape;228;g112e57bf82a_1_25"/>
+          <p:cNvPicPr preferRelativeResize="0"/>
+          <p:nvPr/>
+        </p:nvPicPr>
+        <p:blipFill>
+          <a:blip r:embed="rId4">
+            <a:alphaModFix/>
+          </a:blip>
+          <a:stretch>
+            <a:fillRect/>
+          </a:stretch>
+        </p:blipFill>
+        <p:spPr>
+          <a:xfrm>
+            <a:off x="6138524" y="1690817"/>
+            <a:ext cx="5003425" cy="5012408"/>
+          </a:xfrm>
+          <a:prstGeom prst="rect">
+            <a:avLst/>
+          </a:prstGeom>
+          <a:noFill/>
+          <a:ln>
+            <a:noFill/>
+          </a:ln>
+        </p:spPr>
+      </p:pic>
       <p:sp>
         <p:nvSpPr>
-          <p:cNvPr id="228" name="Google Shape;228;g111e9305988_0_67"/>
+          <p:cNvPr id="229" name="Google Shape;229;g112e57bf82a_1_25"/>
           <p:cNvSpPr txBox="1"/>
           <p:nvPr>
             <p:ph idx="12" type="sldNum"/>
@@ -16480,7 +17665,7 @@
       </p:grpSpPr>
       <p:sp>
         <p:nvSpPr>
-          <p:cNvPr id="91" name="Google Shape;91;g112e57bf82a_0_5"/>
+          <p:cNvPr id="91" name="Google Shape;91;g111e9305988_0_30"/>
           <p:cNvSpPr txBox="1"/>
           <p:nvPr>
             <p:ph type="title"/>
@@ -16512,697 +17697,161 @@
             </a:pPr>
             <a:r>
               <a:rPr lang="es-ES"/>
-              <a:t>Dataset slice example</a:t>
+              <a:t>Index</a:t>
             </a:r>
             <a:endParaRPr/>
           </a:p>
         </p:txBody>
       </p:sp>
-      <p:graphicFrame>
-        <p:nvGraphicFramePr>
-          <p:cNvPr id="92" name="Google Shape;92;g112e57bf82a_0_5"/>
-          <p:cNvGraphicFramePr/>
-          <p:nvPr/>
-        </p:nvGraphicFramePr>
-        <p:xfrm>
-          <a:off x="587425" y="2310725"/>
-          <a:ext cx="3000000" cy="3000000"/>
-        </p:xfrm>
-        <a:graphic>
-          <a:graphicData uri="http://schemas.openxmlformats.org/drawingml/2006/table">
-            <a:tbl>
-              <a:tblPr>
-                <a:noFill/>
-                <a:tableStyleId>{14E8F432-E50E-4DC2-B74D-F33B415F0C3E}</a:tableStyleId>
-              </a:tblPr>
-              <a:tblGrid>
-                <a:gridCol w="943000"/>
-                <a:gridCol w="1657650"/>
-                <a:gridCol w="1620000"/>
-                <a:gridCol w="1519700"/>
-                <a:gridCol w="2014075"/>
-                <a:gridCol w="1376450"/>
-                <a:gridCol w="1845700"/>
-              </a:tblGrid>
-              <a:tr h="381000">
-                <a:tc>
-                  <a:txBody>
-                    <a:bodyPr/>
-                    <a:lstStyle/>
-                    <a:p>
-                      <a:pPr indent="0" lvl="0" marL="0" rtl="0" algn="l">
-                        <a:spcBef>
-                          <a:spcPts val="0"/>
-                        </a:spcBef>
-                        <a:spcAft>
-                          <a:spcPts val="0"/>
-                        </a:spcAft>
-                        <a:buNone/>
-                      </a:pPr>
-                      <a:r>
-                        <a:rPr b="1" lang="es-ES"/>
-                        <a:t>id</a:t>
-                      </a:r>
-                      <a:endParaRPr b="1"/>
-                    </a:p>
-                  </a:txBody>
-                  <a:tcPr marT="91425" marB="91425" marR="91425" marL="91425"/>
-                </a:tc>
-                <a:tc>
-                  <a:txBody>
-                    <a:bodyPr/>
-                    <a:lstStyle/>
-                    <a:p>
-                      <a:pPr indent="0" lvl="0" marL="0" rtl="0" algn="l">
-                        <a:spcBef>
-                          <a:spcPts val="0"/>
-                        </a:spcBef>
-                        <a:spcAft>
-                          <a:spcPts val="0"/>
-                        </a:spcAft>
-                        <a:buNone/>
-                      </a:pPr>
-                      <a:r>
-                        <a:rPr b="1" lang="es-ES"/>
-                        <a:t>text</a:t>
-                      </a:r>
-                      <a:endParaRPr b="1"/>
-                    </a:p>
-                  </a:txBody>
-                  <a:tcPr marT="91425" marB="91425" marR="91425" marL="91425"/>
-                </a:tc>
-                <a:tc>
-                  <a:txBody>
-                    <a:bodyPr/>
-                    <a:lstStyle/>
-                    <a:p>
-                      <a:pPr indent="0" lvl="0" marL="0" rtl="0" algn="l">
-                        <a:spcBef>
-                          <a:spcPts val="0"/>
-                        </a:spcBef>
-                        <a:spcAft>
-                          <a:spcPts val="0"/>
-                        </a:spcAft>
-                        <a:buNone/>
-                      </a:pPr>
-                      <a:r>
-                        <a:rPr b="1" lang="es-ES"/>
-                        <a:t>adversarial_text</a:t>
-                      </a:r>
-                      <a:endParaRPr b="1"/>
-                    </a:p>
-                  </a:txBody>
-                  <a:tcPr marT="91425" marB="91425" marR="91425" marL="91425"/>
-                </a:tc>
-                <a:tc>
-                  <a:txBody>
-                    <a:bodyPr/>
-                    <a:lstStyle/>
-                    <a:p>
-                      <a:pPr indent="0" lvl="0" marL="0" rtl="0" algn="l">
-                        <a:spcBef>
-                          <a:spcPts val="0"/>
-                        </a:spcBef>
-                        <a:spcAft>
-                          <a:spcPts val="0"/>
-                        </a:spcAft>
-                        <a:buNone/>
-                      </a:pPr>
-                      <a:r>
-                        <a:rPr b="1" lang="es-ES"/>
-                        <a:t>sentiment_auto</a:t>
-                      </a:r>
-                      <a:endParaRPr b="1"/>
-                    </a:p>
-                  </a:txBody>
-                  <a:tcPr marT="91425" marB="91425" marR="91425" marL="91425"/>
-                </a:tc>
-                <a:tc>
-                  <a:txBody>
-                    <a:bodyPr/>
-                    <a:lstStyle/>
-                    <a:p>
-                      <a:pPr indent="0" lvl="0" marL="0" rtl="0" algn="l">
-                        <a:spcBef>
-                          <a:spcPts val="0"/>
-                        </a:spcBef>
-                        <a:spcAft>
-                          <a:spcPts val="0"/>
-                        </a:spcAft>
-                        <a:buNone/>
-                      </a:pPr>
-                      <a:r>
-                        <a:rPr b="1" lang="es-ES"/>
-                        <a:t>sentiment_annotator</a:t>
-                      </a:r>
-                      <a:endParaRPr b="1"/>
-                    </a:p>
-                  </a:txBody>
-                  <a:tcPr marT="91425" marB="91425" marR="91425" marL="91425"/>
-                </a:tc>
-                <a:tc>
-                  <a:txBody>
-                    <a:bodyPr/>
-                    <a:lstStyle/>
-                    <a:p>
-                      <a:pPr indent="0" lvl="0" marL="0" rtl="0" algn="l">
-                        <a:spcBef>
-                          <a:spcPts val="0"/>
-                        </a:spcBef>
-                        <a:spcAft>
-                          <a:spcPts val="0"/>
-                        </a:spcAft>
-                        <a:buNone/>
-                      </a:pPr>
-                      <a:r>
-                        <a:rPr b="1" lang="es-ES"/>
-                        <a:t>emotion_auto</a:t>
-                      </a:r>
-                      <a:endParaRPr b="1"/>
-                    </a:p>
-                  </a:txBody>
-                  <a:tcPr marT="91425" marB="91425" marR="91425" marL="91425"/>
-                </a:tc>
-                <a:tc>
-                  <a:txBody>
-                    <a:bodyPr/>
-                    <a:lstStyle/>
-                    <a:p>
-                      <a:pPr indent="0" lvl="0" marL="0" rtl="0" algn="l">
-                        <a:spcBef>
-                          <a:spcPts val="0"/>
-                        </a:spcBef>
-                        <a:spcAft>
-                          <a:spcPts val="0"/>
-                        </a:spcAft>
-                        <a:buNone/>
-                      </a:pPr>
-                      <a:r>
-                        <a:rPr b="1" lang="es-ES"/>
-                        <a:t>emotion_annotator</a:t>
-                      </a:r>
-                      <a:endParaRPr b="1"/>
-                    </a:p>
-                  </a:txBody>
-                  <a:tcPr marT="91425" marB="91425" marR="91425" marL="91425"/>
-                </a:tc>
-              </a:tr>
-              <a:tr h="381000">
-                <a:tc>
-                  <a:txBody>
-                    <a:bodyPr/>
-                    <a:lstStyle/>
-                    <a:p>
-                      <a:pPr indent="0" lvl="0" marL="0" rtl="0" algn="l">
-                        <a:spcBef>
-                          <a:spcPts val="0"/>
-                        </a:spcBef>
-                        <a:spcAft>
-                          <a:spcPts val="0"/>
-                        </a:spcAft>
-                        <a:buNone/>
-                      </a:pPr>
-                      <a:r>
-                        <a:rPr lang="es-ES"/>
-                        <a:t>1488301060334759939</a:t>
-                      </a:r>
-                      <a:endParaRPr/>
-                    </a:p>
-                  </a:txBody>
-                  <a:tcPr marT="91425" marB="91425" marR="91425" marL="91425"/>
-                </a:tc>
-                <a:tc>
-                  <a:txBody>
-                    <a:bodyPr/>
-                    <a:lstStyle/>
-                    <a:p>
-                      <a:pPr indent="0" lvl="0" marL="0" rtl="0" algn="l">
-                        <a:spcBef>
-                          <a:spcPts val="0"/>
-                        </a:spcBef>
-                        <a:spcAft>
-                          <a:spcPts val="0"/>
-                        </a:spcAft>
-                        <a:buNone/>
-                      </a:pPr>
-                      <a:r>
-                        <a:rPr lang="es-ES"/>
-                        <a:t>just put a CD into my MacBook to burn it and m...	</a:t>
-                      </a:r>
-                      <a:endParaRPr/>
-                    </a:p>
-                  </a:txBody>
-                  <a:tcPr marT="91425" marB="91425" marR="91425" marL="91425"/>
-                </a:tc>
-                <a:tc>
-                  <a:txBody>
-                    <a:bodyPr/>
-                    <a:lstStyle/>
-                    <a:p>
-                      <a:pPr indent="0" lvl="0" marL="0" rtl="0" algn="l">
-                        <a:spcBef>
-                          <a:spcPts val="0"/>
-                        </a:spcBef>
-                        <a:spcAft>
-                          <a:spcPts val="0"/>
-                        </a:spcAft>
-                        <a:buNone/>
-                      </a:pPr>
-                      <a:r>
-                        <a:rPr lang="es-ES"/>
-                        <a:t>just put a CD into my MacBook to burn it and m...</a:t>
-                      </a:r>
-                      <a:endParaRPr/>
-                    </a:p>
-                  </a:txBody>
-                  <a:tcPr marT="91425" marB="91425" marR="91425" marL="91425"/>
-                </a:tc>
-                <a:tc>
-                  <a:txBody>
-                    <a:bodyPr/>
-                    <a:lstStyle/>
-                    <a:p>
-                      <a:pPr indent="0" lvl="0" marL="0" rtl="0" algn="l">
-                        <a:spcBef>
-                          <a:spcPts val="0"/>
-                        </a:spcBef>
-                        <a:spcAft>
-                          <a:spcPts val="0"/>
-                        </a:spcAft>
-                        <a:buNone/>
-                      </a:pPr>
-                      <a:r>
-                        <a:rPr lang="es-ES"/>
-                        <a:t>positive (0.532)</a:t>
-                      </a:r>
-                      <a:endParaRPr/>
-                    </a:p>
-                  </a:txBody>
-                  <a:tcPr marT="91425" marB="91425" marR="91425" marL="91425"/>
-                </a:tc>
-                <a:tc>
-                  <a:txBody>
-                    <a:bodyPr/>
-                    <a:lstStyle/>
-                    <a:p>
-                      <a:pPr indent="0" lvl="0" marL="0" rtl="0" algn="l">
-                        <a:spcBef>
-                          <a:spcPts val="0"/>
-                        </a:spcBef>
-                        <a:spcAft>
-                          <a:spcPts val="0"/>
-                        </a:spcAft>
-                        <a:buNone/>
-                      </a:pPr>
-                      <a:r>
-                        <a:rPr lang="es-ES"/>
-                        <a:t>positive</a:t>
-                      </a:r>
-                      <a:endParaRPr/>
-                    </a:p>
-                  </a:txBody>
-                  <a:tcPr marT="91425" marB="91425" marR="91425" marL="91425"/>
-                </a:tc>
-                <a:tc>
-                  <a:txBody>
-                    <a:bodyPr/>
-                    <a:lstStyle/>
-                    <a:p>
-                      <a:pPr indent="0" lvl="0" marL="0" rtl="0" algn="l">
-                        <a:spcBef>
-                          <a:spcPts val="0"/>
-                        </a:spcBef>
-                        <a:spcAft>
-                          <a:spcPts val="0"/>
-                        </a:spcAft>
-                        <a:buNone/>
-                      </a:pPr>
-                      <a:r>
-                        <a:rPr lang="es-ES"/>
-                        <a:t>joy (0.921)</a:t>
-                      </a:r>
-                      <a:endParaRPr/>
-                    </a:p>
-                  </a:txBody>
-                  <a:tcPr marT="91425" marB="91425" marR="91425" marL="91425"/>
-                </a:tc>
-                <a:tc>
-                  <a:txBody>
-                    <a:bodyPr/>
-                    <a:lstStyle/>
-                    <a:p>
-                      <a:pPr indent="0" lvl="0" marL="0" rtl="0" algn="l">
-                        <a:spcBef>
-                          <a:spcPts val="0"/>
-                        </a:spcBef>
-                        <a:spcAft>
-                          <a:spcPts val="0"/>
-                        </a:spcAft>
-                        <a:buNone/>
-                      </a:pPr>
-                      <a:r>
-                        <a:rPr lang="es-ES"/>
-                        <a:t>joy</a:t>
-                      </a:r>
-                      <a:endParaRPr/>
-                    </a:p>
-                  </a:txBody>
-                  <a:tcPr marT="91425" marB="91425" marR="91425" marL="91425"/>
-                </a:tc>
-              </a:tr>
-              <a:tr h="381000">
-                <a:tc>
-                  <a:txBody>
-                    <a:bodyPr/>
-                    <a:lstStyle/>
-                    <a:p>
-                      <a:pPr indent="0" lvl="0" marL="0" rtl="0" algn="l">
-                        <a:spcBef>
-                          <a:spcPts val="0"/>
-                        </a:spcBef>
-                        <a:spcAft>
-                          <a:spcPts val="0"/>
-                        </a:spcAft>
-                        <a:buNone/>
-                      </a:pPr>
-                      <a:r>
-                        <a:rPr lang="es-ES"/>
-                        <a:t>1488301057650438144</a:t>
-                      </a:r>
-                      <a:endParaRPr/>
-                    </a:p>
-                  </a:txBody>
-                  <a:tcPr marT="91425" marB="91425" marR="91425" marL="91425"/>
-                </a:tc>
-                <a:tc>
-                  <a:txBody>
-                    <a:bodyPr/>
-                    <a:lstStyle/>
-                    <a:p>
-                      <a:pPr indent="0" lvl="0" marL="0" rtl="0" algn="l">
-                        <a:spcBef>
-                          <a:spcPts val="0"/>
-                        </a:spcBef>
-                        <a:spcAft>
-                          <a:spcPts val="0"/>
-                        </a:spcAft>
-                        <a:buNone/>
-                      </a:pPr>
-                      <a:r>
-                        <a:rPr lang="es-ES"/>
-                        <a:t>oh yeah tesla well what about a car that just ...</a:t>
-                      </a:r>
-                      <a:endParaRPr/>
-                    </a:p>
-                  </a:txBody>
-                  <a:tcPr marT="91425" marB="91425" marR="91425" marL="91425"/>
-                </a:tc>
-                <a:tc>
-                  <a:txBody>
-                    <a:bodyPr/>
-                    <a:lstStyle/>
-                    <a:p>
-                      <a:pPr indent="0" lvl="0" marL="0" rtl="0" algn="l">
-                        <a:spcBef>
-                          <a:spcPts val="0"/>
-                        </a:spcBef>
-                        <a:spcAft>
-                          <a:spcPts val="0"/>
-                        </a:spcAft>
-                        <a:buNone/>
-                      </a:pPr>
-                      <a:r>
-                        <a:rPr lang="es-ES"/>
-                        <a:t>oh yeah tesla well what about a automobiles th...</a:t>
-                      </a:r>
-                      <a:endParaRPr/>
-                    </a:p>
-                  </a:txBody>
-                  <a:tcPr marT="91425" marB="91425" marR="91425" marL="91425"/>
-                </a:tc>
-                <a:tc>
-                  <a:txBody>
-                    <a:bodyPr/>
-                    <a:lstStyle/>
-                    <a:p>
-                      <a:pPr indent="0" lvl="0" marL="0" rtl="0" algn="l">
-                        <a:spcBef>
-                          <a:spcPts val="0"/>
-                        </a:spcBef>
-                        <a:spcAft>
-                          <a:spcPts val="0"/>
-                        </a:spcAft>
-                        <a:buNone/>
-                      </a:pPr>
-                      <a:r>
-                        <a:rPr lang="es-ES"/>
-                        <a:t>neutral (0.655)</a:t>
-                      </a:r>
-                      <a:endParaRPr/>
-                    </a:p>
-                  </a:txBody>
-                  <a:tcPr marT="91425" marB="91425" marR="91425" marL="91425"/>
-                </a:tc>
-                <a:tc>
-                  <a:txBody>
-                    <a:bodyPr/>
-                    <a:lstStyle/>
-                    <a:p>
-                      <a:pPr indent="0" lvl="0" marL="0" rtl="0" algn="l">
-                        <a:spcBef>
-                          <a:spcPts val="0"/>
-                        </a:spcBef>
-                        <a:spcAft>
-                          <a:spcPts val="0"/>
-                        </a:spcAft>
-                        <a:buNone/>
-                      </a:pPr>
-                      <a:r>
-                        <a:rPr lang="es-ES"/>
-                        <a:t>neutral</a:t>
-                      </a:r>
-                      <a:endParaRPr/>
-                    </a:p>
-                  </a:txBody>
-                  <a:tcPr marT="91425" marB="91425" marR="91425" marL="91425"/>
-                </a:tc>
-                <a:tc>
-                  <a:txBody>
-                    <a:bodyPr/>
-                    <a:lstStyle/>
-                    <a:p>
-                      <a:pPr indent="0" lvl="0" marL="0" rtl="0" algn="l">
-                        <a:spcBef>
-                          <a:spcPts val="0"/>
-                        </a:spcBef>
-                        <a:spcAft>
-                          <a:spcPts val="0"/>
-                        </a:spcAft>
-                        <a:buNone/>
-                      </a:pPr>
-                      <a:r>
-                        <a:rPr lang="es-ES"/>
-                        <a:t>joy (0.450)</a:t>
-                      </a:r>
-                      <a:endParaRPr/>
-                    </a:p>
-                  </a:txBody>
-                  <a:tcPr marT="91425" marB="91425" marR="91425" marL="91425"/>
-                </a:tc>
-                <a:tc>
-                  <a:txBody>
-                    <a:bodyPr/>
-                    <a:lstStyle/>
-                    <a:p>
-                      <a:pPr indent="0" lvl="0" marL="0" rtl="0" algn="l">
-                        <a:spcBef>
-                          <a:spcPts val="0"/>
-                        </a:spcBef>
-                        <a:spcAft>
-                          <a:spcPts val="0"/>
-                        </a:spcAft>
-                        <a:buNone/>
-                      </a:pPr>
-                      <a:r>
-                        <a:rPr lang="es-ES"/>
-                        <a:t>anger</a:t>
-                      </a:r>
-                      <a:endParaRPr/>
-                    </a:p>
-                  </a:txBody>
-                  <a:tcPr marT="91425" marB="91425" marR="91425" marL="91425"/>
-                </a:tc>
-              </a:tr>
-              <a:tr h="381000">
-                <a:tc>
-                  <a:txBody>
-                    <a:bodyPr/>
-                    <a:lstStyle/>
-                    <a:p>
-                      <a:pPr indent="0" lvl="0" marL="0" rtl="0" algn="l">
-                        <a:spcBef>
-                          <a:spcPts val="0"/>
-                        </a:spcBef>
-                        <a:spcAft>
-                          <a:spcPts val="0"/>
-                        </a:spcAft>
-                        <a:buNone/>
-                      </a:pPr>
-                      <a:r>
-                        <a:rPr lang="es-ES"/>
-                        <a:t>1488301040160043008</a:t>
-                      </a:r>
-                      <a:endParaRPr/>
-                    </a:p>
-                  </a:txBody>
-                  <a:tcPr marT="91425" marB="91425" marR="91425" marL="91425"/>
-                </a:tc>
-                <a:tc>
-                  <a:txBody>
-                    <a:bodyPr/>
-                    <a:lstStyle/>
-                    <a:p>
-                      <a:pPr indent="0" lvl="0" marL="0" rtl="0" algn="l">
-                        <a:spcBef>
-                          <a:spcPts val="0"/>
-                        </a:spcBef>
-                        <a:spcAft>
-                          <a:spcPts val="0"/>
-                        </a:spcAft>
-                        <a:buNone/>
-                      </a:pPr>
-                      <a:r>
-                        <a:rPr lang="es-ES"/>
-                        <a:t>#100DaysOfCode Haven’t updated in a while due ...</a:t>
-                      </a:r>
-                      <a:endParaRPr/>
-                    </a:p>
-                  </a:txBody>
-                  <a:tcPr marT="91425" marB="91425" marR="91425" marL="91425"/>
-                </a:tc>
-                <a:tc>
-                  <a:txBody>
-                    <a:bodyPr/>
-                    <a:lstStyle/>
-                    <a:p>
-                      <a:pPr indent="0" lvl="0" marL="0" rtl="0" algn="l">
-                        <a:spcBef>
-                          <a:spcPts val="0"/>
-                        </a:spcBef>
-                        <a:spcAft>
-                          <a:spcPts val="0"/>
-                        </a:spcAft>
-                        <a:buNone/>
-                      </a:pPr>
-                      <a:r>
-                        <a:rPr lang="es-ES"/>
-                        <a:t>#100DaysOfCode Haven updated in a while due to...</a:t>
-                      </a:r>
-                      <a:endParaRPr/>
-                    </a:p>
-                  </a:txBody>
-                  <a:tcPr marT="91425" marB="91425" marR="91425" marL="91425"/>
-                </a:tc>
-                <a:tc>
-                  <a:txBody>
-                    <a:bodyPr/>
-                    <a:lstStyle/>
-                    <a:p>
-                      <a:pPr indent="0" lvl="0" marL="0" rtl="0" algn="l">
-                        <a:spcBef>
-                          <a:spcPts val="0"/>
-                        </a:spcBef>
-                        <a:spcAft>
-                          <a:spcPts val="0"/>
-                        </a:spcAft>
-                        <a:buNone/>
-                      </a:pPr>
-                      <a:r>
-                        <a:rPr lang="es-ES"/>
-                        <a:t>neutral (0.500)</a:t>
-                      </a:r>
-                      <a:endParaRPr/>
-                    </a:p>
-                  </a:txBody>
-                  <a:tcPr marT="91425" marB="91425" marR="91425" marL="91425"/>
-                </a:tc>
-                <a:tc>
-                  <a:txBody>
-                    <a:bodyPr/>
-                    <a:lstStyle/>
-                    <a:p>
-                      <a:pPr indent="0" lvl="0" marL="0" rtl="0" algn="l">
-                        <a:spcBef>
-                          <a:spcPts val="0"/>
-                        </a:spcBef>
-                        <a:spcAft>
-                          <a:spcPts val="0"/>
-                        </a:spcAft>
-                        <a:buNone/>
-                      </a:pPr>
-                      <a:r>
-                        <a:rPr lang="es-ES"/>
-                        <a:t>neutral</a:t>
-                      </a:r>
-                      <a:endParaRPr/>
-                    </a:p>
-                  </a:txBody>
-                  <a:tcPr marT="91425" marB="91425" marR="91425" marL="91425"/>
-                </a:tc>
-                <a:tc>
-                  <a:txBody>
-                    <a:bodyPr/>
-                    <a:lstStyle/>
-                    <a:p>
-                      <a:pPr indent="0" lvl="0" marL="0" rtl="0" algn="l">
-                        <a:spcBef>
-                          <a:spcPts val="0"/>
-                        </a:spcBef>
-                        <a:spcAft>
-                          <a:spcPts val="0"/>
-                        </a:spcAft>
-                        <a:buNone/>
-                      </a:pPr>
-                      <a:r>
-                        <a:rPr lang="es-ES"/>
-                        <a:t>sadness (0.691)</a:t>
-                      </a:r>
-                      <a:endParaRPr/>
-                    </a:p>
-                  </a:txBody>
-                  <a:tcPr marT="91425" marB="91425" marR="91425" marL="91425"/>
-                </a:tc>
-                <a:tc>
-                  <a:txBody>
-                    <a:bodyPr/>
-                    <a:lstStyle/>
-                    <a:p>
-                      <a:pPr indent="0" lvl="0" marL="0" rtl="0" algn="l">
-                        <a:spcBef>
-                          <a:spcPts val="0"/>
-                        </a:spcBef>
-                        <a:spcAft>
-                          <a:spcPts val="0"/>
-                        </a:spcAft>
-                        <a:buNone/>
-                      </a:pPr>
-                      <a:r>
-                        <a:rPr lang="es-ES"/>
-                        <a:t>joy</a:t>
-                      </a:r>
-                      <a:endParaRPr/>
-                    </a:p>
-                  </a:txBody>
-                  <a:tcPr marT="91425" marB="91425" marR="91425" marL="91425"/>
-                </a:tc>
-              </a:tr>
-            </a:tbl>
-          </a:graphicData>
-        </a:graphic>
-      </p:graphicFrame>
       <p:sp>
         <p:nvSpPr>
-          <p:cNvPr id="93" name="Google Shape;93;g112e57bf82a_0_5"/>
+          <p:cNvPr id="92" name="Google Shape;92;g111e9305988_0_30"/>
+          <p:cNvSpPr txBox="1"/>
+          <p:nvPr>
+            <p:ph idx="1" type="body"/>
+          </p:nvPr>
+        </p:nvSpPr>
+        <p:spPr>
+          <a:xfrm>
+            <a:off x="838200" y="1825625"/>
+            <a:ext cx="5181600" cy="4351200"/>
+          </a:xfrm>
+          <a:prstGeom prst="rect">
+            <a:avLst/>
+          </a:prstGeom>
+        </p:spPr>
+        <p:txBody>
+          <a:bodyPr anchorCtr="0" anchor="t" bIns="45700" lIns="91425" spcFirstLastPara="1" rIns="91425" wrap="square" tIns="45700">
+            <a:normAutofit lnSpcReduction="10000"/>
+          </a:bodyPr>
+          <a:lstStyle/>
+          <a:p>
+            <a:pPr indent="0" lvl="0" marL="0" rtl="0" algn="l">
+              <a:lnSpc>
+                <a:spcPct val="150000"/>
+              </a:lnSpc>
+              <a:spcBef>
+                <a:spcPts val="1000"/>
+              </a:spcBef>
+              <a:spcAft>
+                <a:spcPts val="0"/>
+              </a:spcAft>
+              <a:buNone/>
+            </a:pPr>
+            <a:r>
+              <a:rPr lang="es-ES"/>
+              <a:t>1. </a:t>
+            </a:r>
+            <a:r>
+              <a:rPr lang="es-ES"/>
+              <a:t>Description</a:t>
+            </a:r>
+            <a:endParaRPr/>
+          </a:p>
+          <a:p>
+            <a:pPr indent="0" lvl="0" marL="0" rtl="0" algn="l">
+              <a:lnSpc>
+                <a:spcPct val="150000"/>
+              </a:lnSpc>
+              <a:spcBef>
+                <a:spcPts val="1000"/>
+              </a:spcBef>
+              <a:spcAft>
+                <a:spcPts val="0"/>
+              </a:spcAft>
+              <a:buNone/>
+            </a:pPr>
+            <a:r>
+              <a:rPr lang="es-ES"/>
+              <a:t>2. Examples</a:t>
+            </a:r>
+            <a:endParaRPr/>
+          </a:p>
+          <a:p>
+            <a:pPr indent="0" lvl="0" marL="0" rtl="0" algn="l">
+              <a:lnSpc>
+                <a:spcPct val="150000"/>
+              </a:lnSpc>
+              <a:spcBef>
+                <a:spcPts val="1000"/>
+              </a:spcBef>
+              <a:spcAft>
+                <a:spcPts val="0"/>
+              </a:spcAft>
+              <a:buNone/>
+            </a:pPr>
+            <a:r>
+              <a:rPr lang="es-ES"/>
+              <a:t>3. Methodology</a:t>
+            </a:r>
+            <a:endParaRPr/>
+          </a:p>
+          <a:p>
+            <a:pPr indent="0" lvl="0" marL="0" rtl="0" algn="l">
+              <a:lnSpc>
+                <a:spcPct val="150000"/>
+              </a:lnSpc>
+              <a:spcBef>
+                <a:spcPts val="1000"/>
+              </a:spcBef>
+              <a:spcAft>
+                <a:spcPts val="0"/>
+              </a:spcAft>
+              <a:buNone/>
+            </a:pPr>
+            <a:r>
+              <a:rPr lang="es-ES"/>
+              <a:t>4. Data Statement</a:t>
+            </a:r>
+            <a:endParaRPr/>
+          </a:p>
+          <a:p>
+            <a:pPr indent="0" lvl="0" marL="0" rtl="0" algn="l">
+              <a:lnSpc>
+                <a:spcPct val="150000"/>
+              </a:lnSpc>
+              <a:spcBef>
+                <a:spcPts val="1000"/>
+              </a:spcBef>
+              <a:spcAft>
+                <a:spcPts val="0"/>
+              </a:spcAft>
+              <a:buNone/>
+            </a:pPr>
+            <a:r>
+              <a:rPr lang="es-ES"/>
+              <a:t>5. License</a:t>
+            </a:r>
+            <a:endParaRPr/>
+          </a:p>
+          <a:p>
+            <a:pPr indent="0" lvl="0" marL="0" rtl="0" algn="l">
+              <a:lnSpc>
+                <a:spcPct val="150000"/>
+              </a:lnSpc>
+              <a:spcBef>
+                <a:spcPts val="1000"/>
+              </a:spcBef>
+              <a:spcAft>
+                <a:spcPts val="0"/>
+              </a:spcAft>
+              <a:buNone/>
+            </a:pPr>
+            <a:r>
+              <a:rPr lang="es-ES"/>
+              <a:t>6. </a:t>
+            </a:r>
+            <a:r>
+              <a:rPr lang="es-ES"/>
+              <a:t>Guidelines</a:t>
+            </a:r>
+            <a:endParaRPr/>
+          </a:p>
+        </p:txBody>
+      </p:sp>
+      <p:sp>
+        <p:nvSpPr>
+          <p:cNvPr id="93" name="Google Shape;93;g111e9305988_0_30"/>
           <p:cNvSpPr txBox="1"/>
           <p:nvPr>
             <p:ph idx="12" type="sldNum"/>
@@ -17244,6 +17893,157 @@
           </a:p>
         </p:txBody>
       </p:sp>
+      <p:sp>
+        <p:nvSpPr>
+          <p:cNvPr id="94" name="Google Shape;94;g111e9305988_0_30"/>
+          <p:cNvSpPr txBox="1"/>
+          <p:nvPr>
+            <p:ph idx="2" type="body"/>
+          </p:nvPr>
+        </p:nvSpPr>
+        <p:spPr>
+          <a:xfrm>
+            <a:off x="6172200" y="1825625"/>
+            <a:ext cx="5181600" cy="4351200"/>
+          </a:xfrm>
+          <a:prstGeom prst="rect">
+            <a:avLst/>
+          </a:prstGeom>
+        </p:spPr>
+        <p:txBody>
+          <a:bodyPr anchorCtr="0" anchor="t" bIns="45700" lIns="91425" spcFirstLastPara="1" rIns="91425" wrap="square" tIns="45700">
+            <a:normAutofit lnSpcReduction="10000"/>
+          </a:bodyPr>
+          <a:lstStyle/>
+          <a:p>
+            <a:pPr indent="0" lvl="0" marL="0" rtl="0" algn="l">
+              <a:lnSpc>
+                <a:spcPct val="150000"/>
+              </a:lnSpc>
+              <a:spcBef>
+                <a:spcPts val="1000"/>
+              </a:spcBef>
+              <a:spcAft>
+                <a:spcPts val="0"/>
+              </a:spcAft>
+              <a:buClr>
+                <a:schemeClr val="dk1"/>
+              </a:buClr>
+              <a:buSzPts val="1100"/>
+              <a:buFont typeface="Arial"/>
+              <a:buNone/>
+            </a:pPr>
+            <a:r>
+              <a:rPr lang="es-ES"/>
+              <a:t>7</a:t>
+            </a:r>
+            <a:r>
+              <a:rPr lang="es-ES"/>
+              <a:t>. Inter Annotator Agreement</a:t>
+            </a:r>
+            <a:endParaRPr/>
+          </a:p>
+          <a:p>
+            <a:pPr indent="0" lvl="0" marL="0" rtl="0" algn="l">
+              <a:lnSpc>
+                <a:spcPct val="150000"/>
+              </a:lnSpc>
+              <a:spcBef>
+                <a:spcPts val="1000"/>
+              </a:spcBef>
+              <a:spcAft>
+                <a:spcPts val="0"/>
+              </a:spcAft>
+              <a:buNone/>
+            </a:pPr>
+            <a:r>
+              <a:rPr lang="es-ES"/>
+              <a:t>8. </a:t>
+            </a:r>
+            <a:r>
+              <a:rPr lang="es-ES"/>
+              <a:t>Adversarial examples</a:t>
+            </a:r>
+            <a:endParaRPr/>
+          </a:p>
+          <a:p>
+            <a:pPr indent="0" lvl="0" marL="0" rtl="0" algn="l">
+              <a:lnSpc>
+                <a:spcPct val="150000"/>
+              </a:lnSpc>
+              <a:spcBef>
+                <a:spcPts val="1000"/>
+              </a:spcBef>
+              <a:spcAft>
+                <a:spcPts val="0"/>
+              </a:spcAft>
+              <a:buNone/>
+            </a:pPr>
+            <a:r>
+              <a:rPr lang="es-ES"/>
+              <a:t>9. Automatic analysis</a:t>
+            </a:r>
+            <a:endParaRPr/>
+          </a:p>
+          <a:p>
+            <a:pPr indent="0" lvl="0" marL="0" rtl="0" algn="l">
+              <a:lnSpc>
+                <a:spcPct val="150000"/>
+              </a:lnSpc>
+              <a:spcBef>
+                <a:spcPts val="1000"/>
+              </a:spcBef>
+              <a:spcAft>
+                <a:spcPts val="0"/>
+              </a:spcAft>
+              <a:buNone/>
+            </a:pPr>
+            <a:r>
+              <a:rPr lang="es-ES"/>
+              <a:t>10. Visualization</a:t>
+            </a:r>
+            <a:endParaRPr/>
+          </a:p>
+          <a:p>
+            <a:pPr indent="0" lvl="0" marL="0" rtl="0" algn="l">
+              <a:lnSpc>
+                <a:spcPct val="150000"/>
+              </a:lnSpc>
+              <a:spcBef>
+                <a:spcPts val="1000"/>
+              </a:spcBef>
+              <a:spcAft>
+                <a:spcPts val="0"/>
+              </a:spcAft>
+              <a:buNone/>
+            </a:pPr>
+            <a:r>
+              <a:rPr lang="es-ES"/>
+              <a:t>11. Remaining work</a:t>
+            </a:r>
+            <a:endParaRPr/>
+          </a:p>
+          <a:p>
+            <a:pPr indent="0" lvl="0" marL="0" rtl="0" algn="l">
+              <a:lnSpc>
+                <a:spcPct val="150000"/>
+              </a:lnSpc>
+              <a:spcBef>
+                <a:spcPts val="1000"/>
+              </a:spcBef>
+              <a:spcAft>
+                <a:spcPts val="0"/>
+              </a:spcAft>
+              <a:buNone/>
+            </a:pPr>
+            <a:r>
+              <a:rPr lang="es-ES"/>
+              <a:t>12. Conclusions</a:t>
+            </a:r>
+            <a:endParaRPr/>
+          </a:p>
+        </p:txBody>
+      </p:sp>
     </p:spTree>
   </p:cSld>
   <p:clrMapOvr>
@@ -17257,7 +18057,7 @@
   <p:cSld>
     <p:spTree>
       <p:nvGrpSpPr>
-        <p:cNvPr id="232" name="Shape 232"/>
+        <p:cNvPr id="233" name="Shape 233"/>
         <p:cNvGrpSpPr/>
         <p:nvPr/>
       </p:nvGrpSpPr>
@@ -17271,7 +18071,7 @@
       </p:grpSpPr>
       <p:sp>
         <p:nvSpPr>
-          <p:cNvPr id="233" name="Google Shape;233;g111e9305988_0_7"/>
+          <p:cNvPr id="234" name="Google Shape;234;g111e9305988_0_67"/>
           <p:cNvSpPr txBox="1"/>
           <p:nvPr>
             <p:ph type="title"/>
@@ -17303,6 +18103,279 @@
             </a:pPr>
             <a:r>
               <a:rPr lang="es-ES"/>
+              <a:t>Remaining work</a:t>
+            </a:r>
+            <a:endParaRPr/>
+          </a:p>
+        </p:txBody>
+      </p:sp>
+      <p:sp>
+        <p:nvSpPr>
+          <p:cNvPr id="235" name="Google Shape;235;g111e9305988_0_67"/>
+          <p:cNvSpPr txBox="1"/>
+          <p:nvPr>
+            <p:ph idx="1" type="body"/>
+          </p:nvPr>
+        </p:nvSpPr>
+        <p:spPr>
+          <a:xfrm>
+            <a:off x="838200" y="1825625"/>
+            <a:ext cx="10515600" cy="4351200"/>
+          </a:xfrm>
+          <a:prstGeom prst="rect">
+            <a:avLst/>
+          </a:prstGeom>
+        </p:spPr>
+        <p:txBody>
+          <a:bodyPr anchorCtr="0" anchor="t" bIns="45700" lIns="91425" spcFirstLastPara="1" rIns="91425" wrap="square" tIns="45700">
+            <a:normAutofit lnSpcReduction="10000"/>
+          </a:bodyPr>
+          <a:lstStyle/>
+          <a:p>
+            <a:pPr indent="-342900" lvl="0" marL="457200" rtl="0" algn="l">
+              <a:lnSpc>
+                <a:spcPct val="150000"/>
+              </a:lnSpc>
+              <a:spcBef>
+                <a:spcPts val="1000"/>
+              </a:spcBef>
+              <a:spcAft>
+                <a:spcPts val="0"/>
+              </a:spcAft>
+              <a:buSzPts val="1800"/>
+              <a:buChar char="●"/>
+            </a:pPr>
+            <a:r>
+              <a:rPr lang="es-ES"/>
+              <a:t>Annotate ITA tweets with new guidelines</a:t>
+            </a:r>
+            <a:endParaRPr/>
+          </a:p>
+          <a:p>
+            <a:pPr indent="-342900" lvl="0" marL="457200" rtl="0" algn="l">
+              <a:lnSpc>
+                <a:spcPct val="150000"/>
+              </a:lnSpc>
+              <a:spcBef>
+                <a:spcPts val="0"/>
+              </a:spcBef>
+              <a:spcAft>
+                <a:spcPts val="0"/>
+              </a:spcAft>
+              <a:buSzPts val="1800"/>
+              <a:buChar char="●"/>
+            </a:pPr>
+            <a:r>
+              <a:rPr lang="es-ES"/>
+              <a:t>Recalculate ITA measures</a:t>
+            </a:r>
+            <a:endParaRPr/>
+          </a:p>
+          <a:p>
+            <a:pPr indent="-342900" lvl="0" marL="457200" rtl="0" algn="l">
+              <a:lnSpc>
+                <a:spcPct val="150000"/>
+              </a:lnSpc>
+              <a:spcBef>
+                <a:spcPts val="0"/>
+              </a:spcBef>
+              <a:spcAft>
+                <a:spcPts val="0"/>
+              </a:spcAft>
+              <a:buSzPts val="1800"/>
+              <a:buChar char="●"/>
+            </a:pPr>
+            <a:r>
+              <a:rPr lang="es-ES"/>
+              <a:t>Annotate 40 tweets individually</a:t>
+            </a:r>
+            <a:endParaRPr/>
+          </a:p>
+          <a:p>
+            <a:pPr indent="-342900" lvl="0" marL="457200" rtl="0" algn="l">
+              <a:lnSpc>
+                <a:spcPct val="150000"/>
+              </a:lnSpc>
+              <a:spcBef>
+                <a:spcPts val="0"/>
+              </a:spcBef>
+              <a:spcAft>
+                <a:spcPts val="0"/>
+              </a:spcAft>
+              <a:buSzPts val="1800"/>
+              <a:buChar char="●"/>
+            </a:pPr>
+            <a:r>
+              <a:rPr lang="es-ES"/>
+              <a:t>Create adversarial tweets</a:t>
+            </a:r>
+            <a:endParaRPr/>
+          </a:p>
+          <a:p>
+            <a:pPr indent="-342900" lvl="0" marL="457200" rtl="0" algn="l">
+              <a:lnSpc>
+                <a:spcPct val="150000"/>
+              </a:lnSpc>
+              <a:spcBef>
+                <a:spcPts val="0"/>
+              </a:spcBef>
+              <a:spcAft>
+                <a:spcPts val="0"/>
+              </a:spcAft>
+              <a:buSzPts val="1800"/>
+              <a:buChar char="●"/>
+            </a:pPr>
+            <a:r>
+              <a:rPr lang="es-ES"/>
+              <a:t>Compare manual and automatic annotation</a:t>
+            </a:r>
+            <a:endParaRPr/>
+          </a:p>
+          <a:p>
+            <a:pPr indent="-342900" lvl="0" marL="457200" rtl="0" algn="l">
+              <a:lnSpc>
+                <a:spcPct val="150000"/>
+              </a:lnSpc>
+              <a:spcBef>
+                <a:spcPts val="0"/>
+              </a:spcBef>
+              <a:spcAft>
+                <a:spcPts val="0"/>
+              </a:spcAft>
+              <a:buSzPts val="1800"/>
+              <a:buChar char="●"/>
+            </a:pPr>
+            <a:r>
+              <a:rPr lang="es-ES"/>
+              <a:t>Compare adversarial results</a:t>
+            </a:r>
+            <a:endParaRPr/>
+          </a:p>
+          <a:p>
+            <a:pPr indent="-342900" lvl="0" marL="457200" rtl="0" algn="l">
+              <a:lnSpc>
+                <a:spcPct val="150000"/>
+              </a:lnSpc>
+              <a:spcBef>
+                <a:spcPts val="0"/>
+              </a:spcBef>
+              <a:spcAft>
+                <a:spcPts val="0"/>
+              </a:spcAft>
+              <a:buSzPts val="1800"/>
+              <a:buChar char="●"/>
+            </a:pPr>
+            <a:r>
+              <a:rPr lang="es-ES"/>
+              <a:t>Pie charts and wordclouds for manual annotation</a:t>
+            </a:r>
+            <a:endParaRPr/>
+          </a:p>
+        </p:txBody>
+      </p:sp>
+      <p:sp>
+        <p:nvSpPr>
+          <p:cNvPr id="236" name="Google Shape;236;g111e9305988_0_67"/>
+          <p:cNvSpPr txBox="1"/>
+          <p:nvPr>
+            <p:ph idx="12" type="sldNum"/>
+          </p:nvPr>
+        </p:nvSpPr>
+        <p:spPr>
+          <a:xfrm>
+            <a:off x="8610600" y="6356350"/>
+            <a:ext cx="2743200" cy="365100"/>
+          </a:xfrm>
+          <a:prstGeom prst="rect">
+            <a:avLst/>
+          </a:prstGeom>
+        </p:spPr>
+        <p:txBody>
+          <a:bodyPr anchorCtr="0" anchor="ctr" bIns="45700" lIns="91425" spcFirstLastPara="1" rIns="91425" wrap="square" tIns="45700">
+            <a:noAutofit/>
+          </a:bodyPr>
+          <a:lstStyle/>
+          <a:p>
+            <a:pPr indent="0" lvl="0" marL="0" rtl="0" algn="r">
+              <a:spcBef>
+                <a:spcPts val="0"/>
+              </a:spcBef>
+              <a:spcAft>
+                <a:spcPts val="0"/>
+              </a:spcAft>
+              <a:buClr>
+                <a:srgbClr val="000000"/>
+              </a:buClr>
+              <a:buFont typeface="Arial"/>
+              <a:buNone/>
+            </a:pPr>
+            <a:fld id="{00000000-1234-1234-1234-123412341234}" type="slidenum">
+              <a:rPr lang="es-ES"/>
+              <a:t>‹#›</a:t>
+            </a:fld>
+            <a:endParaRPr/>
+          </a:p>
+        </p:txBody>
+      </p:sp>
+    </p:spTree>
+  </p:cSld>
+  <p:clrMapOvr>
+    <a:masterClrMapping/>
+  </p:clrMapOvr>
+</p:sld>
+</file>
+
+<file path=ppt/slides/slide21.xml><?xml version="1.0" encoding="utf-8"?>
+<p:sld xmlns:a="http://schemas.openxmlformats.org/drawingml/2006/main" xmlns:r="http://schemas.openxmlformats.org/officeDocument/2006/relationships" xmlns:mc="http://schemas.openxmlformats.org/markup-compatibility/2006" xmlns:mv="urn:schemas-microsoft-com:mac:vml" xmlns:p="http://schemas.openxmlformats.org/presentationml/2006/main" xmlns:c="http://schemas.openxmlformats.org/drawingml/2006/chart" xmlns:dgm="http://schemas.openxmlformats.org/drawingml/2006/diagram" xmlns:o="urn:schemas-microsoft-com:office:office" xmlns:v="urn:schemas-microsoft-com:vml" xmlns:pvml="urn:schemas-microsoft-com:office:powerpoint" xmlns:com="http://schemas.openxmlformats.org/drawingml/2006/compatibility" xmlns:p14="http://schemas.microsoft.com/office/powerpoint/2010/main" xmlns:p15="http://schemas.microsoft.com/office/powerpoint/2012/main" xmlns:ahyp="http://schemas.microsoft.com/office/drawing/2018/hyperlinkcolor">
+  <p:cSld>
+    <p:spTree>
+      <p:nvGrpSpPr>
+        <p:cNvPr id="240" name="Shape 240"/>
+        <p:cNvGrpSpPr/>
+        <p:nvPr/>
+      </p:nvGrpSpPr>
+      <p:grpSpPr>
+        <a:xfrm>
+          <a:off x="0" y="0"/>
+          <a:ext cx="0" cy="0"/>
+          <a:chOff x="0" y="0"/>
+          <a:chExt cx="0" cy="0"/>
+        </a:xfrm>
+      </p:grpSpPr>
+      <p:sp>
+        <p:nvSpPr>
+          <p:cNvPr id="241" name="Google Shape;241;g111e9305988_0_7"/>
+          <p:cNvSpPr txBox="1"/>
+          <p:nvPr>
+            <p:ph type="title"/>
+          </p:nvPr>
+        </p:nvSpPr>
+        <p:spPr>
+          <a:xfrm>
+            <a:off x="838200" y="365125"/>
+            <a:ext cx="10515600" cy="1325700"/>
+          </a:xfrm>
+          <a:prstGeom prst="rect">
+            <a:avLst/>
+          </a:prstGeom>
+        </p:spPr>
+        <p:txBody>
+          <a:bodyPr anchorCtr="0" anchor="ctr" bIns="45700" lIns="91425" spcFirstLastPara="1" rIns="91425" wrap="square" tIns="45700">
+            <a:normAutofit/>
+          </a:bodyPr>
+          <a:lstStyle/>
+          <a:p>
+            <a:pPr indent="0" lvl="0" marL="0" rtl="0" algn="l">
+              <a:spcBef>
+                <a:spcPts val="0"/>
+              </a:spcBef>
+              <a:spcAft>
+                <a:spcPts val="0"/>
+              </a:spcAft>
+              <a:buNone/>
+            </a:pPr>
+            <a:r>
+              <a:rPr lang="es-ES"/>
               <a:t>Conclusions</a:t>
             </a:r>
             <a:endParaRPr/>
@@ -17311,7 +18384,7 @@
       </p:sp>
       <p:sp>
         <p:nvSpPr>
-          <p:cNvPr id="234" name="Google Shape;234;g111e9305988_0_7"/>
+          <p:cNvPr id="242" name="Google Shape;242;g111e9305988_0_7"/>
           <p:cNvSpPr txBox="1"/>
           <p:nvPr>
             <p:ph idx="1" type="body"/>
@@ -17435,7 +18508,155 @@
       </p:sp>
       <p:sp>
         <p:nvSpPr>
-          <p:cNvPr id="235" name="Google Shape;235;g111e9305988_0_7"/>
+          <p:cNvPr id="243" name="Google Shape;243;g111e9305988_0_7"/>
+          <p:cNvSpPr txBox="1"/>
+          <p:nvPr>
+            <p:ph idx="12" type="sldNum"/>
+          </p:nvPr>
+        </p:nvSpPr>
+        <p:spPr>
+          <a:xfrm>
+            <a:off x="8610600" y="6356350"/>
+            <a:ext cx="2743200" cy="365100"/>
+          </a:xfrm>
+          <a:prstGeom prst="rect">
+            <a:avLst/>
+          </a:prstGeom>
+        </p:spPr>
+        <p:txBody>
+          <a:bodyPr anchorCtr="0" anchor="ctr" bIns="45700" lIns="91425" spcFirstLastPara="1" rIns="91425" wrap="square" tIns="45700">
+            <a:noAutofit/>
+          </a:bodyPr>
+          <a:lstStyle/>
+          <a:p>
+            <a:pPr indent="0" lvl="0" marL="0" rtl="0" algn="r">
+              <a:spcBef>
+                <a:spcPts val="0"/>
+              </a:spcBef>
+              <a:spcAft>
+                <a:spcPts val="0"/>
+              </a:spcAft>
+              <a:buClr>
+                <a:srgbClr val="000000"/>
+              </a:buClr>
+              <a:buFont typeface="Arial"/>
+              <a:buNone/>
+            </a:pPr>
+            <a:fld id="{00000000-1234-1234-1234-123412341234}" type="slidenum">
+              <a:rPr lang="es-ES"/>
+              <a:t>‹#›</a:t>
+            </a:fld>
+            <a:endParaRPr/>
+          </a:p>
+        </p:txBody>
+      </p:sp>
+    </p:spTree>
+  </p:cSld>
+  <p:clrMapOvr>
+    <a:masterClrMapping/>
+  </p:clrMapOvr>
+</p:sld>
+</file>
+
+<file path=ppt/slides/slide22.xml><?xml version="1.0" encoding="utf-8"?>
+<p:sld xmlns:a="http://schemas.openxmlformats.org/drawingml/2006/main" xmlns:r="http://schemas.openxmlformats.org/officeDocument/2006/relationships" xmlns:mc="http://schemas.openxmlformats.org/markup-compatibility/2006" xmlns:mv="urn:schemas-microsoft-com:mac:vml" xmlns:p="http://schemas.openxmlformats.org/presentationml/2006/main" xmlns:c="http://schemas.openxmlformats.org/drawingml/2006/chart" xmlns:dgm="http://schemas.openxmlformats.org/drawingml/2006/diagram" xmlns:o="urn:schemas-microsoft-com:office:office" xmlns:v="urn:schemas-microsoft-com:vml" xmlns:pvml="urn:schemas-microsoft-com:office:powerpoint" xmlns:com="http://schemas.openxmlformats.org/drawingml/2006/compatibility" xmlns:p14="http://schemas.microsoft.com/office/powerpoint/2010/main" xmlns:p15="http://schemas.microsoft.com/office/powerpoint/2012/main" xmlns:ahyp="http://schemas.microsoft.com/office/drawing/2018/hyperlinkcolor">
+  <p:cSld>
+    <p:spTree>
+      <p:nvGrpSpPr>
+        <p:cNvPr id="247" name="Shape 247"/>
+        <p:cNvGrpSpPr/>
+        <p:nvPr/>
+      </p:nvGrpSpPr>
+      <p:grpSpPr>
+        <a:xfrm>
+          <a:off x="0" y="0"/>
+          <a:ext cx="0" cy="0"/>
+          <a:chOff x="0" y="0"/>
+          <a:chExt cx="0" cy="0"/>
+        </a:xfrm>
+      </p:grpSpPr>
+      <p:sp>
+        <p:nvSpPr>
+          <p:cNvPr id="248" name="Google Shape;248;g11200ef0a8b_0_19"/>
+          <p:cNvSpPr txBox="1"/>
+          <p:nvPr>
+            <p:ph type="ctrTitle"/>
+          </p:nvPr>
+        </p:nvSpPr>
+        <p:spPr>
+          <a:xfrm>
+            <a:off x="1524000" y="1122363"/>
+            <a:ext cx="9144000" cy="2387700"/>
+          </a:xfrm>
+          <a:prstGeom prst="rect">
+            <a:avLst/>
+          </a:prstGeom>
+        </p:spPr>
+        <p:txBody>
+          <a:bodyPr anchorCtr="0" anchor="b" bIns="45700" lIns="91425" spcFirstLastPara="1" rIns="91425" wrap="square" tIns="45700">
+            <a:normAutofit/>
+          </a:bodyPr>
+          <a:lstStyle/>
+          <a:p>
+            <a:pPr indent="0" lvl="0" marL="0" rtl="0" algn="ctr">
+              <a:spcBef>
+                <a:spcPts val="0"/>
+              </a:spcBef>
+              <a:spcAft>
+                <a:spcPts val="0"/>
+              </a:spcAft>
+              <a:buNone/>
+            </a:pPr>
+            <a:r>
+              <a:rPr lang="es-ES"/>
+              <a:t>Thank you!</a:t>
+            </a:r>
+            <a:endParaRPr/>
+          </a:p>
+        </p:txBody>
+      </p:sp>
+      <p:sp>
+        <p:nvSpPr>
+          <p:cNvPr id="249" name="Google Shape;249;g11200ef0a8b_0_19"/>
+          <p:cNvSpPr txBox="1"/>
+          <p:nvPr>
+            <p:ph idx="1" type="subTitle"/>
+          </p:nvPr>
+        </p:nvSpPr>
+        <p:spPr>
+          <a:xfrm>
+            <a:off x="1524000" y="3602038"/>
+            <a:ext cx="9144000" cy="1655700"/>
+          </a:xfrm>
+          <a:prstGeom prst="rect">
+            <a:avLst/>
+          </a:prstGeom>
+        </p:spPr>
+        <p:txBody>
+          <a:bodyPr anchorCtr="0" anchor="t" bIns="45700" lIns="91425" spcFirstLastPara="1" rIns="91425" wrap="square" tIns="45700">
+            <a:normAutofit/>
+          </a:bodyPr>
+          <a:lstStyle/>
+          <a:p>
+            <a:pPr indent="0" lvl="0" marL="0" rtl="0" algn="ctr">
+              <a:spcBef>
+                <a:spcPts val="1000"/>
+              </a:spcBef>
+              <a:spcAft>
+                <a:spcPts val="0"/>
+              </a:spcAft>
+              <a:buNone/>
+            </a:pPr>
+            <a:r>
+              <a:t/>
+            </a:r>
+            <a:endParaRPr/>
+          </a:p>
+        </p:txBody>
+      </p:sp>
+      <p:sp>
+        <p:nvSpPr>
+          <p:cNvPr id="250" name="Google Shape;250;g11200ef0a8b_0_19"/>
           <p:cNvSpPr txBox="1"/>
           <p:nvPr>
             <p:ph idx="12" type="sldNum"/>
@@ -17490,7 +18711,7 @@
   <p:cSld>
     <p:spTree>
       <p:nvGrpSpPr>
-        <p:cNvPr id="97" name="Shape 97"/>
+        <p:cNvPr id="98" name="Shape 98"/>
         <p:cNvGrpSpPr/>
         <p:nvPr/>
       </p:nvGrpSpPr>
@@ -17504,7 +18725,7 @@
       </p:grpSpPr>
       <p:sp>
         <p:nvSpPr>
-          <p:cNvPr id="98" name="Google Shape;98;g111e9305988_0_30"/>
+          <p:cNvPr id="99" name="Google Shape;99;g112e57bf82a_0_10"/>
           <p:cNvSpPr txBox="1"/>
           <p:nvPr>
             <p:ph type="title"/>
@@ -17536,319 +18757,6 @@
             </a:pPr>
             <a:r>
               <a:rPr lang="es-ES"/>
-              <a:t>Index</a:t>
-            </a:r>
-            <a:endParaRPr/>
-          </a:p>
-        </p:txBody>
-      </p:sp>
-      <p:sp>
-        <p:nvSpPr>
-          <p:cNvPr id="99" name="Google Shape;99;g111e9305988_0_30"/>
-          <p:cNvSpPr txBox="1"/>
-          <p:nvPr>
-            <p:ph idx="1" type="body"/>
-          </p:nvPr>
-        </p:nvSpPr>
-        <p:spPr>
-          <a:xfrm>
-            <a:off x="838200" y="1825625"/>
-            <a:ext cx="10515600" cy="4351200"/>
-          </a:xfrm>
-          <a:prstGeom prst="rect">
-            <a:avLst/>
-          </a:prstGeom>
-        </p:spPr>
-        <p:txBody>
-          <a:bodyPr anchorCtr="0" anchor="t" bIns="45700" lIns="91425" spcFirstLastPara="1" rIns="91425" wrap="square" tIns="45700">
-            <a:normAutofit fontScale="85000" lnSpcReduction="20000"/>
-          </a:bodyPr>
-          <a:lstStyle/>
-          <a:p>
-            <a:pPr indent="-325755" lvl="0" marL="457200" rtl="0" algn="l">
-              <a:lnSpc>
-                <a:spcPct val="150000"/>
-              </a:lnSpc>
-              <a:spcBef>
-                <a:spcPts val="1000"/>
-              </a:spcBef>
-              <a:spcAft>
-                <a:spcPts val="0"/>
-              </a:spcAft>
-              <a:buSzPct val="64285"/>
-              <a:buChar char="●"/>
-            </a:pPr>
-            <a:r>
-              <a:rPr lang="es-ES"/>
-              <a:t>Description</a:t>
-            </a:r>
-            <a:endParaRPr/>
-          </a:p>
-          <a:p>
-            <a:pPr indent="-325755" lvl="0" marL="457200" rtl="0" algn="l">
-              <a:lnSpc>
-                <a:spcPct val="150000"/>
-              </a:lnSpc>
-              <a:spcBef>
-                <a:spcPts val="0"/>
-              </a:spcBef>
-              <a:spcAft>
-                <a:spcPts val="0"/>
-              </a:spcAft>
-              <a:buSzPct val="64285"/>
-              <a:buChar char="●"/>
-            </a:pPr>
-            <a:r>
-              <a:rPr lang="es-ES"/>
-              <a:t>Methodology</a:t>
-            </a:r>
-            <a:endParaRPr/>
-          </a:p>
-          <a:p>
-            <a:pPr indent="-325755" lvl="0" marL="457200" rtl="0" algn="l">
-              <a:lnSpc>
-                <a:spcPct val="150000"/>
-              </a:lnSpc>
-              <a:spcBef>
-                <a:spcPts val="0"/>
-              </a:spcBef>
-              <a:spcAft>
-                <a:spcPts val="0"/>
-              </a:spcAft>
-              <a:buSzPct val="64285"/>
-              <a:buChar char="●"/>
-            </a:pPr>
-            <a:r>
-              <a:rPr lang="es-ES"/>
-              <a:t>Data Statement</a:t>
-            </a:r>
-            <a:endParaRPr/>
-          </a:p>
-          <a:p>
-            <a:pPr indent="-325755" lvl="0" marL="457200" rtl="0" algn="l">
-              <a:lnSpc>
-                <a:spcPct val="150000"/>
-              </a:lnSpc>
-              <a:spcBef>
-                <a:spcPts val="0"/>
-              </a:spcBef>
-              <a:spcAft>
-                <a:spcPts val="0"/>
-              </a:spcAft>
-              <a:buSzPct val="64285"/>
-              <a:buChar char="●"/>
-            </a:pPr>
-            <a:r>
-              <a:rPr lang="es-ES"/>
-              <a:t>License</a:t>
-            </a:r>
-            <a:endParaRPr/>
-          </a:p>
-          <a:p>
-            <a:pPr indent="-325755" lvl="0" marL="457200" rtl="0" algn="l">
-              <a:lnSpc>
-                <a:spcPct val="150000"/>
-              </a:lnSpc>
-              <a:spcBef>
-                <a:spcPts val="0"/>
-              </a:spcBef>
-              <a:spcAft>
-                <a:spcPts val="0"/>
-              </a:spcAft>
-              <a:buSzPct val="64285"/>
-              <a:buChar char="●"/>
-            </a:pPr>
-            <a:r>
-              <a:rPr lang="es-ES"/>
-              <a:t>Guidelines</a:t>
-            </a:r>
-            <a:endParaRPr/>
-          </a:p>
-          <a:p>
-            <a:pPr indent="-325755" lvl="0" marL="457200" rtl="0" algn="l">
-              <a:lnSpc>
-                <a:spcPct val="150000"/>
-              </a:lnSpc>
-              <a:spcBef>
-                <a:spcPts val="0"/>
-              </a:spcBef>
-              <a:spcAft>
-                <a:spcPts val="0"/>
-              </a:spcAft>
-              <a:buSzPct val="64285"/>
-              <a:buChar char="●"/>
-            </a:pPr>
-            <a:r>
-              <a:rPr lang="es-ES"/>
-              <a:t>Inter Annotator Agreement</a:t>
-            </a:r>
-            <a:endParaRPr/>
-          </a:p>
-          <a:p>
-            <a:pPr indent="-325755" lvl="0" marL="457200" rtl="0" algn="l">
-              <a:lnSpc>
-                <a:spcPct val="150000"/>
-              </a:lnSpc>
-              <a:spcBef>
-                <a:spcPts val="0"/>
-              </a:spcBef>
-              <a:spcAft>
-                <a:spcPts val="0"/>
-              </a:spcAft>
-              <a:buSzPct val="64285"/>
-              <a:buChar char="●"/>
-            </a:pPr>
-            <a:r>
-              <a:rPr lang="es-ES"/>
-              <a:t>Adversarial examples</a:t>
-            </a:r>
-            <a:endParaRPr/>
-          </a:p>
-          <a:p>
-            <a:pPr indent="-325755" lvl="0" marL="457200" rtl="0" algn="l">
-              <a:lnSpc>
-                <a:spcPct val="150000"/>
-              </a:lnSpc>
-              <a:spcBef>
-                <a:spcPts val="0"/>
-              </a:spcBef>
-              <a:spcAft>
-                <a:spcPts val="0"/>
-              </a:spcAft>
-              <a:buSzPct val="64285"/>
-              <a:buChar char="●"/>
-            </a:pPr>
-            <a:r>
-              <a:rPr lang="es-ES"/>
-              <a:t>Automatic analysis</a:t>
-            </a:r>
-            <a:endParaRPr/>
-          </a:p>
-          <a:p>
-            <a:pPr indent="-325755" lvl="0" marL="457200" rtl="0" algn="l">
-              <a:lnSpc>
-                <a:spcPct val="150000"/>
-              </a:lnSpc>
-              <a:spcBef>
-                <a:spcPts val="0"/>
-              </a:spcBef>
-              <a:spcAft>
-                <a:spcPts val="0"/>
-              </a:spcAft>
-              <a:buSzPct val="64285"/>
-              <a:buChar char="●"/>
-            </a:pPr>
-            <a:r>
-              <a:rPr lang="es-ES"/>
-              <a:t>Conclusions</a:t>
-            </a:r>
-            <a:endParaRPr/>
-          </a:p>
-        </p:txBody>
-      </p:sp>
-      <p:sp>
-        <p:nvSpPr>
-          <p:cNvPr id="100" name="Google Shape;100;g111e9305988_0_30"/>
-          <p:cNvSpPr txBox="1"/>
-          <p:nvPr>
-            <p:ph idx="12" type="sldNum"/>
-          </p:nvPr>
-        </p:nvSpPr>
-        <p:spPr>
-          <a:xfrm>
-            <a:off x="8610600" y="6356350"/>
-            <a:ext cx="2743200" cy="365100"/>
-          </a:xfrm>
-          <a:prstGeom prst="rect">
-            <a:avLst/>
-          </a:prstGeom>
-        </p:spPr>
-        <p:txBody>
-          <a:bodyPr anchorCtr="0" anchor="ctr" bIns="45700" lIns="91425" spcFirstLastPara="1" rIns="91425" wrap="square" tIns="45700">
-            <a:noAutofit/>
-          </a:bodyPr>
-          <a:lstStyle/>
-          <a:p>
-            <a:pPr indent="0" lvl="0" marL="0" rtl="0" algn="r">
-              <a:spcBef>
-                <a:spcPts val="0"/>
-              </a:spcBef>
-              <a:spcAft>
-                <a:spcPts val="0"/>
-              </a:spcAft>
-              <a:buClr>
-                <a:srgbClr val="000000"/>
-              </a:buClr>
-              <a:buFont typeface="Arial"/>
-              <a:buNone/>
-            </a:pPr>
-            <a:fld id="{00000000-1234-1234-1234-123412341234}" type="slidenum">
-              <a:rPr lang="es-ES"/>
-              <a:t>‹#›</a:t>
-            </a:fld>
-            <a:endParaRPr/>
-          </a:p>
-        </p:txBody>
-      </p:sp>
-    </p:spTree>
-  </p:cSld>
-  <p:clrMapOvr>
-    <a:masterClrMapping/>
-  </p:clrMapOvr>
-</p:sld>
-</file>
-
-<file path=ppt/slides/slide4.xml><?xml version="1.0" encoding="utf-8"?>
-<p:sld xmlns:a="http://schemas.openxmlformats.org/drawingml/2006/main" xmlns:r="http://schemas.openxmlformats.org/officeDocument/2006/relationships" xmlns:mc="http://schemas.openxmlformats.org/markup-compatibility/2006" xmlns:mv="urn:schemas-microsoft-com:mac:vml" xmlns:p="http://schemas.openxmlformats.org/presentationml/2006/main" xmlns:c="http://schemas.openxmlformats.org/drawingml/2006/chart" xmlns:dgm="http://schemas.openxmlformats.org/drawingml/2006/diagram" xmlns:o="urn:schemas-microsoft-com:office:office" xmlns:v="urn:schemas-microsoft-com:vml" xmlns:pvml="urn:schemas-microsoft-com:office:powerpoint" xmlns:com="http://schemas.openxmlformats.org/drawingml/2006/compatibility" xmlns:p14="http://schemas.microsoft.com/office/powerpoint/2010/main" xmlns:p15="http://schemas.microsoft.com/office/powerpoint/2012/main" xmlns:ahyp="http://schemas.microsoft.com/office/drawing/2018/hyperlinkcolor">
-  <p:cSld>
-    <p:spTree>
-      <p:nvGrpSpPr>
-        <p:cNvPr id="104" name="Shape 104"/>
-        <p:cNvGrpSpPr/>
-        <p:nvPr/>
-      </p:nvGrpSpPr>
-      <p:grpSpPr>
-        <a:xfrm>
-          <a:off x="0" y="0"/>
-          <a:ext cx="0" cy="0"/>
-          <a:chOff x="0" y="0"/>
-          <a:chExt cx="0" cy="0"/>
-        </a:xfrm>
-      </p:grpSpPr>
-      <p:sp>
-        <p:nvSpPr>
-          <p:cNvPr id="105" name="Google Shape;105;g112e57bf82a_0_10"/>
-          <p:cNvSpPr txBox="1"/>
-          <p:nvPr>
-            <p:ph type="title"/>
-          </p:nvPr>
-        </p:nvSpPr>
-        <p:spPr>
-          <a:xfrm>
-            <a:off x="838200" y="365125"/>
-            <a:ext cx="10515600" cy="1325700"/>
-          </a:xfrm>
-          <a:prstGeom prst="rect">
-            <a:avLst/>
-          </a:prstGeom>
-        </p:spPr>
-        <p:txBody>
-          <a:bodyPr anchorCtr="0" anchor="ctr" bIns="45700" lIns="91425" spcFirstLastPara="1" rIns="91425" wrap="square" tIns="45700">
-            <a:normAutofit/>
-          </a:bodyPr>
-          <a:lstStyle/>
-          <a:p>
-            <a:pPr indent="0" lvl="0" marL="0" rtl="0" algn="l">
-              <a:spcBef>
-                <a:spcPts val="0"/>
-              </a:spcBef>
-              <a:spcAft>
-                <a:spcPts val="0"/>
-              </a:spcAft>
-              <a:buNone/>
-            </a:pPr>
-            <a:r>
-              <a:rPr lang="es-ES"/>
               <a:t>Description</a:t>
             </a:r>
             <a:endParaRPr/>
@@ -17857,7 +18765,7 @@
       </p:sp>
       <p:sp>
         <p:nvSpPr>
-          <p:cNvPr id="106" name="Google Shape;106;g112e57bf82a_0_10"/>
+          <p:cNvPr id="100" name="Google Shape;100;g112e57bf82a_0_10"/>
           <p:cNvSpPr txBox="1"/>
           <p:nvPr>
             <p:ph idx="1" type="body"/>
@@ -18001,7 +18909,1902 @@
       </p:sp>
       <p:sp>
         <p:nvSpPr>
-          <p:cNvPr id="107" name="Google Shape;107;g112e57bf82a_0_10"/>
+          <p:cNvPr id="101" name="Google Shape;101;g112e57bf82a_0_10"/>
+          <p:cNvSpPr txBox="1"/>
+          <p:nvPr>
+            <p:ph idx="12" type="sldNum"/>
+          </p:nvPr>
+        </p:nvSpPr>
+        <p:spPr>
+          <a:xfrm>
+            <a:off x="8610600" y="6356350"/>
+            <a:ext cx="2743200" cy="365100"/>
+          </a:xfrm>
+          <a:prstGeom prst="rect">
+            <a:avLst/>
+          </a:prstGeom>
+        </p:spPr>
+        <p:txBody>
+          <a:bodyPr anchorCtr="0" anchor="ctr" bIns="45700" lIns="91425" spcFirstLastPara="1" rIns="91425" wrap="square" tIns="45700">
+            <a:noAutofit/>
+          </a:bodyPr>
+          <a:lstStyle/>
+          <a:p>
+            <a:pPr indent="0" lvl="0" marL="0" rtl="0" algn="r">
+              <a:spcBef>
+                <a:spcPts val="0"/>
+              </a:spcBef>
+              <a:spcAft>
+                <a:spcPts val="0"/>
+              </a:spcAft>
+              <a:buClr>
+                <a:srgbClr val="000000"/>
+              </a:buClr>
+              <a:buFont typeface="Arial"/>
+              <a:buNone/>
+            </a:pPr>
+            <a:fld id="{00000000-1234-1234-1234-123412341234}" type="slidenum">
+              <a:rPr lang="es-ES"/>
+              <a:t>‹#›</a:t>
+            </a:fld>
+            <a:endParaRPr/>
+          </a:p>
+        </p:txBody>
+      </p:sp>
+    </p:spTree>
+  </p:cSld>
+  <p:clrMapOvr>
+    <a:masterClrMapping/>
+  </p:clrMapOvr>
+</p:sld>
+</file>
+
+<file path=ppt/slides/slide4.xml><?xml version="1.0" encoding="utf-8"?>
+<p:sld xmlns:a="http://schemas.openxmlformats.org/drawingml/2006/main" xmlns:r="http://schemas.openxmlformats.org/officeDocument/2006/relationships" xmlns:mc="http://schemas.openxmlformats.org/markup-compatibility/2006" xmlns:mv="urn:schemas-microsoft-com:mac:vml" xmlns:p="http://schemas.openxmlformats.org/presentationml/2006/main" xmlns:c="http://schemas.openxmlformats.org/drawingml/2006/chart" xmlns:dgm="http://schemas.openxmlformats.org/drawingml/2006/diagram" xmlns:o="urn:schemas-microsoft-com:office:office" xmlns:v="urn:schemas-microsoft-com:vml" xmlns:pvml="urn:schemas-microsoft-com:office:powerpoint" xmlns:com="http://schemas.openxmlformats.org/drawingml/2006/compatibility" xmlns:p14="http://schemas.microsoft.com/office/powerpoint/2010/main" xmlns:p15="http://schemas.microsoft.com/office/powerpoint/2012/main" xmlns:ahyp="http://schemas.microsoft.com/office/drawing/2018/hyperlinkcolor">
+  <p:cSld>
+    <p:spTree>
+      <p:nvGrpSpPr>
+        <p:cNvPr id="105" name="Shape 105"/>
+        <p:cNvGrpSpPr/>
+        <p:nvPr/>
+      </p:nvGrpSpPr>
+      <p:grpSpPr>
+        <a:xfrm>
+          <a:off x="0" y="0"/>
+          <a:ext cx="0" cy="0"/>
+          <a:chOff x="0" y="0"/>
+          <a:chExt cx="0" cy="0"/>
+        </a:xfrm>
+      </p:grpSpPr>
+      <p:sp>
+        <p:nvSpPr>
+          <p:cNvPr id="106" name="Google Shape;106;g112e57bf82a_0_5"/>
+          <p:cNvSpPr txBox="1"/>
+          <p:nvPr>
+            <p:ph type="title"/>
+          </p:nvPr>
+        </p:nvSpPr>
+        <p:spPr>
+          <a:xfrm>
+            <a:off x="838200" y="365125"/>
+            <a:ext cx="10515600" cy="1325700"/>
+          </a:xfrm>
+          <a:prstGeom prst="rect">
+            <a:avLst/>
+          </a:prstGeom>
+        </p:spPr>
+        <p:txBody>
+          <a:bodyPr anchorCtr="0" anchor="ctr" bIns="45700" lIns="91425" spcFirstLastPara="1" rIns="91425" wrap="square" tIns="45700">
+            <a:normAutofit/>
+          </a:bodyPr>
+          <a:lstStyle/>
+          <a:p>
+            <a:pPr indent="0" lvl="0" marL="0" rtl="0" algn="l">
+              <a:spcBef>
+                <a:spcPts val="0"/>
+              </a:spcBef>
+              <a:spcAft>
+                <a:spcPts val="0"/>
+              </a:spcAft>
+              <a:buNone/>
+            </a:pPr>
+            <a:r>
+              <a:rPr lang="es-ES"/>
+              <a:t>Examples</a:t>
+            </a:r>
+            <a:endParaRPr/>
+          </a:p>
+        </p:txBody>
+      </p:sp>
+      <p:graphicFrame>
+        <p:nvGraphicFramePr>
+          <p:cNvPr id="107" name="Google Shape;107;g112e57bf82a_0_5"/>
+          <p:cNvGraphicFramePr/>
+          <p:nvPr/>
+        </p:nvGraphicFramePr>
+        <p:xfrm>
+          <a:off x="121613" y="1815988"/>
+          <a:ext cx="3000000" cy="3000000"/>
+        </p:xfrm>
+        <a:graphic>
+          <a:graphicData uri="http://schemas.openxmlformats.org/drawingml/2006/table">
+            <a:tbl>
+              <a:tblPr>
+                <a:noFill/>
+                <a:tableStyleId>{77577344-B6C6-4C8F-A54E-1469ECBB6E49}</a:tableStyleId>
+              </a:tblPr>
+              <a:tblGrid>
+                <a:gridCol w="1011250"/>
+                <a:gridCol w="3354275"/>
+                <a:gridCol w="1300400"/>
+                <a:gridCol w="1029275"/>
+                <a:gridCol w="975675"/>
+                <a:gridCol w="1223450"/>
+                <a:gridCol w="987325"/>
+                <a:gridCol w="1027500"/>
+                <a:gridCol w="1039600"/>
+              </a:tblGrid>
+              <a:tr h="423850">
+                <a:tc>
+                  <a:txBody>
+                    <a:bodyPr/>
+                    <a:lstStyle/>
+                    <a:p>
+                      <a:pPr indent="0" lvl="0" marL="0" rtl="0" algn="l">
+                        <a:spcBef>
+                          <a:spcPts val="0"/>
+                        </a:spcBef>
+                        <a:spcAft>
+                          <a:spcPts val="0"/>
+                        </a:spcAft>
+                        <a:buNone/>
+                      </a:pPr>
+                      <a:r>
+                        <a:rPr b="1" lang="es-ES" sz="1500"/>
+                        <a:t>id</a:t>
+                      </a:r>
+                      <a:endParaRPr b="1" sz="1500"/>
+                    </a:p>
+                  </a:txBody>
+                  <a:tcPr marT="91425" marB="91425" marR="91425" marL="91425"/>
+                </a:tc>
+                <a:tc>
+                  <a:txBody>
+                    <a:bodyPr/>
+                    <a:lstStyle/>
+                    <a:p>
+                      <a:pPr indent="0" lvl="0" marL="0" rtl="0" algn="l">
+                        <a:spcBef>
+                          <a:spcPts val="0"/>
+                        </a:spcBef>
+                        <a:spcAft>
+                          <a:spcPts val="0"/>
+                        </a:spcAft>
+                        <a:buNone/>
+                      </a:pPr>
+                      <a:r>
+                        <a:rPr b="1" lang="es-ES" sz="1500"/>
+                        <a:t>text</a:t>
+                      </a:r>
+                      <a:endParaRPr b="1" sz="1500"/>
+                    </a:p>
+                  </a:txBody>
+                  <a:tcPr marT="91425" marB="91425" marR="91425" marL="91425"/>
+                </a:tc>
+                <a:tc>
+                  <a:txBody>
+                    <a:bodyPr/>
+                    <a:lstStyle/>
+                    <a:p>
+                      <a:pPr indent="0" lvl="0" marL="0" rtl="0" algn="l">
+                        <a:spcBef>
+                          <a:spcPts val="0"/>
+                        </a:spcBef>
+                        <a:spcAft>
+                          <a:spcPts val="0"/>
+                        </a:spcAft>
+                        <a:buNone/>
+                      </a:pPr>
+                      <a:r>
+                        <a:rPr b="1" lang="es-ES" sz="1500"/>
+                        <a:t>adversarial_text</a:t>
+                      </a:r>
+                      <a:endParaRPr b="1" sz="1500"/>
+                    </a:p>
+                  </a:txBody>
+                  <a:tcPr marT="91425" marB="91425" marR="91425" marL="91425">
+                    <a:lnR cap="flat" cmpd="sng" w="9525">
+                      <a:solidFill>
+                        <a:srgbClr val="9E9E9E"/>
+                      </a:solidFill>
+                      <a:prstDash val="solid"/>
+                      <a:round/>
+                      <a:headEnd len="sm" w="sm" type="none"/>
+                      <a:tailEnd len="sm" w="sm" type="none"/>
+                    </a:lnR>
+                  </a:tcPr>
+                </a:tc>
+                <a:tc>
+                  <a:txBody>
+                    <a:bodyPr/>
+                    <a:lstStyle/>
+                    <a:p>
+                      <a:pPr indent="0" lvl="0" marL="0" rtl="0" algn="l">
+                        <a:spcBef>
+                          <a:spcPts val="0"/>
+                        </a:spcBef>
+                        <a:spcAft>
+                          <a:spcPts val="0"/>
+                        </a:spcAft>
+                        <a:buNone/>
+                      </a:pPr>
+                      <a:r>
+                        <a:rPr b="1" lang="es-ES" sz="1500"/>
+                        <a:t>sentiment_manual</a:t>
+                      </a:r>
+                      <a:endParaRPr b="1" sz="1500"/>
+                    </a:p>
+                  </a:txBody>
+                  <a:tcPr marT="91425" marB="91425" marR="91425" marL="91425">
+                    <a:lnL cap="flat" cmpd="sng" w="9525">
+                      <a:solidFill>
+                        <a:srgbClr val="9E9E9E"/>
+                      </a:solidFill>
+                      <a:prstDash val="solid"/>
+                      <a:round/>
+                      <a:headEnd len="sm" w="sm" type="none"/>
+                      <a:tailEnd len="sm" w="sm" type="none"/>
+                    </a:lnL>
+                    <a:lnR cap="flat" cmpd="sng" w="9525">
+                      <a:solidFill>
+                        <a:srgbClr val="9E9E9E"/>
+                      </a:solidFill>
+                      <a:prstDash val="solid"/>
+                      <a:round/>
+                      <a:headEnd len="sm" w="sm" type="none"/>
+                      <a:tailEnd len="sm" w="sm" type="none"/>
+                    </a:lnR>
+                    <a:lnT cap="flat" cmpd="sng" w="9525">
+                      <a:solidFill>
+                        <a:srgbClr val="9E9E9E"/>
+                      </a:solidFill>
+                      <a:prstDash val="solid"/>
+                      <a:round/>
+                      <a:headEnd len="sm" w="sm" type="none"/>
+                      <a:tailEnd len="sm" w="sm" type="none"/>
+                    </a:lnT>
+                    <a:lnB cap="flat" cmpd="sng" w="9525">
+                      <a:solidFill>
+                        <a:srgbClr val="9E9E9E"/>
+                      </a:solidFill>
+                      <a:prstDash val="solid"/>
+                      <a:round/>
+                      <a:headEnd len="sm" w="sm" type="none"/>
+                      <a:tailEnd len="sm" w="sm" type="none"/>
+                    </a:lnB>
+                  </a:tcPr>
+                </a:tc>
+                <a:tc>
+                  <a:txBody>
+                    <a:bodyPr/>
+                    <a:lstStyle/>
+                    <a:p>
+                      <a:pPr indent="0" lvl="0" marL="0" rtl="0" algn="l">
+                        <a:spcBef>
+                          <a:spcPts val="0"/>
+                        </a:spcBef>
+                        <a:spcAft>
+                          <a:spcPts val="0"/>
+                        </a:spcAft>
+                        <a:buNone/>
+                      </a:pPr>
+                      <a:r>
+                        <a:rPr b="1" lang="es-ES" sz="1500"/>
+                        <a:t>sentiment_auto</a:t>
+                      </a:r>
+                      <a:endParaRPr b="1" sz="1500"/>
+                    </a:p>
+                  </a:txBody>
+                  <a:tcPr marT="91425" marB="91425" marR="91425" marL="91425">
+                    <a:lnL cap="flat" cmpd="sng" w="9525">
+                      <a:solidFill>
+                        <a:srgbClr val="9E9E9E"/>
+                      </a:solidFill>
+                      <a:prstDash val="solid"/>
+                      <a:round/>
+                      <a:headEnd len="sm" w="sm" type="none"/>
+                      <a:tailEnd len="sm" w="sm" type="none"/>
+                    </a:lnL>
+                  </a:tcPr>
+                </a:tc>
+                <a:tc>
+                  <a:txBody>
+                    <a:bodyPr/>
+                    <a:lstStyle/>
+                    <a:p>
+                      <a:pPr indent="0" lvl="0" marL="0" rtl="0" algn="l">
+                        <a:spcBef>
+                          <a:spcPts val="0"/>
+                        </a:spcBef>
+                        <a:spcAft>
+                          <a:spcPts val="0"/>
+                        </a:spcAft>
+                        <a:buNone/>
+                      </a:pPr>
+                      <a:r>
+                        <a:rPr b="1" lang="es-ES" sz="1500"/>
+                        <a:t>sentiment_auto_adv</a:t>
+                      </a:r>
+                      <a:endParaRPr b="1" sz="1500"/>
+                    </a:p>
+                  </a:txBody>
+                  <a:tcPr marT="91425" marB="91425" marR="91425" marL="91425">
+                    <a:lnR cap="flat" cmpd="sng" w="9525">
+                      <a:solidFill>
+                        <a:srgbClr val="9E9E9E"/>
+                      </a:solidFill>
+                      <a:prstDash val="solid"/>
+                      <a:round/>
+                      <a:headEnd len="sm" w="sm" type="none"/>
+                      <a:tailEnd len="sm" w="sm" type="none"/>
+                    </a:lnR>
+                    <a:lnB cap="flat" cmpd="sng" w="9525">
+                      <a:solidFill>
+                        <a:srgbClr val="9E9E9E"/>
+                      </a:solidFill>
+                      <a:prstDash val="solid"/>
+                      <a:round/>
+                      <a:headEnd len="sm" w="sm" type="none"/>
+                      <a:tailEnd len="sm" w="sm" type="none"/>
+                    </a:lnB>
+                  </a:tcPr>
+                </a:tc>
+                <a:tc>
+                  <a:txBody>
+                    <a:bodyPr/>
+                    <a:lstStyle/>
+                    <a:p>
+                      <a:pPr indent="0" lvl="0" marL="0" rtl="0" algn="l">
+                        <a:spcBef>
+                          <a:spcPts val="0"/>
+                        </a:spcBef>
+                        <a:spcAft>
+                          <a:spcPts val="0"/>
+                        </a:spcAft>
+                        <a:buNone/>
+                      </a:pPr>
+                      <a:r>
+                        <a:rPr b="1" lang="es-ES" sz="1500"/>
+                        <a:t>emotion_manual</a:t>
+                      </a:r>
+                      <a:endParaRPr b="1" sz="1500"/>
+                    </a:p>
+                  </a:txBody>
+                  <a:tcPr marT="91425" marB="91425" marR="91425" marL="91425">
+                    <a:lnL cap="flat" cmpd="sng" w="9525">
+                      <a:solidFill>
+                        <a:srgbClr val="9E9E9E"/>
+                      </a:solidFill>
+                      <a:prstDash val="solid"/>
+                      <a:round/>
+                      <a:headEnd len="sm" w="sm" type="none"/>
+                      <a:tailEnd len="sm" w="sm" type="none"/>
+                    </a:lnL>
+                    <a:lnR cap="flat" cmpd="sng" w="9525">
+                      <a:solidFill>
+                        <a:srgbClr val="9E9E9E"/>
+                      </a:solidFill>
+                      <a:prstDash val="solid"/>
+                      <a:round/>
+                      <a:headEnd len="sm" w="sm" type="none"/>
+                      <a:tailEnd len="sm" w="sm" type="none"/>
+                    </a:lnR>
+                    <a:lnT cap="flat" cmpd="sng" w="9525">
+                      <a:solidFill>
+                        <a:srgbClr val="9E9E9E"/>
+                      </a:solidFill>
+                      <a:prstDash val="solid"/>
+                      <a:round/>
+                      <a:headEnd len="sm" w="sm" type="none"/>
+                      <a:tailEnd len="sm" w="sm" type="none"/>
+                    </a:lnT>
+                    <a:lnB cap="flat" cmpd="sng" w="9525">
+                      <a:solidFill>
+                        <a:srgbClr val="9E9E9E"/>
+                      </a:solidFill>
+                      <a:prstDash val="solid"/>
+                      <a:round/>
+                      <a:headEnd len="sm" w="sm" type="none"/>
+                      <a:tailEnd len="sm" w="sm" type="none"/>
+                    </a:lnB>
+                  </a:tcPr>
+                </a:tc>
+                <a:tc>
+                  <a:txBody>
+                    <a:bodyPr/>
+                    <a:lstStyle/>
+                    <a:p>
+                      <a:pPr indent="0" lvl="0" marL="0" rtl="0" algn="l">
+                        <a:spcBef>
+                          <a:spcPts val="0"/>
+                        </a:spcBef>
+                        <a:spcAft>
+                          <a:spcPts val="0"/>
+                        </a:spcAft>
+                        <a:buNone/>
+                      </a:pPr>
+                      <a:r>
+                        <a:rPr b="1" lang="es-ES" sz="1500"/>
+                        <a:t>emotion_auto</a:t>
+                      </a:r>
+                      <a:endParaRPr b="1" sz="1500"/>
+                    </a:p>
+                  </a:txBody>
+                  <a:tcPr marT="91425" marB="91425" marR="91425" marL="91425">
+                    <a:lnL cap="flat" cmpd="sng" w="9525">
+                      <a:solidFill>
+                        <a:srgbClr val="9E9E9E"/>
+                      </a:solidFill>
+                      <a:prstDash val="solid"/>
+                      <a:round/>
+                      <a:headEnd len="sm" w="sm" type="none"/>
+                      <a:tailEnd len="sm" w="sm" type="none"/>
+                    </a:lnL>
+                  </a:tcPr>
+                </a:tc>
+                <a:tc>
+                  <a:txBody>
+                    <a:bodyPr/>
+                    <a:lstStyle/>
+                    <a:p>
+                      <a:pPr indent="0" lvl="0" marL="0" rtl="0" algn="l">
+                        <a:spcBef>
+                          <a:spcPts val="0"/>
+                        </a:spcBef>
+                        <a:spcAft>
+                          <a:spcPts val="0"/>
+                        </a:spcAft>
+                        <a:buNone/>
+                      </a:pPr>
+                      <a:r>
+                        <a:rPr b="1" lang="es-ES" sz="1500"/>
+                        <a:t>emotion_auto_adv</a:t>
+                      </a:r>
+                      <a:endParaRPr b="1" sz="1500"/>
+                    </a:p>
+                  </a:txBody>
+                  <a:tcPr marT="91425" marB="91425" marR="91425" marL="91425">
+                    <a:lnB cap="flat" cmpd="sng" w="9525">
+                      <a:solidFill>
+                        <a:srgbClr val="9E9E9E"/>
+                      </a:solidFill>
+                      <a:prstDash val="solid"/>
+                      <a:round/>
+                      <a:headEnd len="sm" w="sm" type="none"/>
+                      <a:tailEnd len="sm" w="sm" type="none"/>
+                    </a:lnB>
+                  </a:tcPr>
+                </a:tc>
+              </a:tr>
+              <a:tr h="894850">
+                <a:tc>
+                  <a:txBody>
+                    <a:bodyPr/>
+                    <a:lstStyle/>
+                    <a:p>
+                      <a:pPr indent="0" lvl="0" marL="0" rtl="0" algn="l">
+                        <a:spcBef>
+                          <a:spcPts val="0"/>
+                        </a:spcBef>
+                        <a:spcAft>
+                          <a:spcPts val="0"/>
+                        </a:spcAft>
+                        <a:buNone/>
+                      </a:pPr>
+                      <a:r>
+                        <a:rPr lang="es-ES" sz="1500"/>
+                        <a:t>1488301060334759939</a:t>
+                      </a:r>
+                      <a:endParaRPr sz="1500"/>
+                    </a:p>
+                  </a:txBody>
+                  <a:tcPr marT="91425" marB="91425" marR="91425" marL="91425"/>
+                </a:tc>
+                <a:tc>
+                  <a:txBody>
+                    <a:bodyPr/>
+                    <a:lstStyle/>
+                    <a:p>
+                      <a:pPr indent="0" lvl="0" marL="0" rtl="0" algn="l">
+                        <a:spcBef>
+                          <a:spcPts val="0"/>
+                        </a:spcBef>
+                        <a:spcAft>
+                          <a:spcPts val="0"/>
+                        </a:spcAft>
+                        <a:buClr>
+                          <a:schemeClr val="dk1"/>
+                        </a:buClr>
+                        <a:buSzPts val="1100"/>
+                        <a:buFont typeface="Arial"/>
+                        <a:buNone/>
+                      </a:pPr>
+                      <a:r>
+                        <a:rPr lang="es-ES" sz="1500">
+                          <a:solidFill>
+                            <a:schemeClr val="dk1"/>
+                          </a:solidFill>
+                        </a:rPr>
+                        <a:t>just put a </a:t>
+                      </a:r>
+                      <a:r>
+                        <a:rPr b="1" lang="es-ES" sz="1500">
+                          <a:solidFill>
+                            <a:schemeClr val="dk1"/>
+                          </a:solidFill>
+                        </a:rPr>
+                        <a:t>CD</a:t>
+                      </a:r>
+                      <a:r>
+                        <a:rPr lang="es-ES" sz="1500">
+                          <a:solidFill>
+                            <a:schemeClr val="dk1"/>
+                          </a:solidFill>
+                        </a:rPr>
+                        <a:t> into my MacBook to burn it and my computer is literally trembling with reawakened recognition 😆</a:t>
+                      </a:r>
+                      <a:endParaRPr sz="1500"/>
+                    </a:p>
+                  </a:txBody>
+                  <a:tcPr marT="91425" marB="91425" marR="91425" marL="91425"/>
+                </a:tc>
+                <a:tc>
+                  <a:txBody>
+                    <a:bodyPr/>
+                    <a:lstStyle/>
+                    <a:p>
+                      <a:pPr indent="0" lvl="0" marL="0" rtl="0" algn="l">
+                        <a:spcBef>
+                          <a:spcPts val="0"/>
+                        </a:spcBef>
+                        <a:spcAft>
+                          <a:spcPts val="0"/>
+                        </a:spcAft>
+                        <a:buClr>
+                          <a:schemeClr val="dk1"/>
+                        </a:buClr>
+                        <a:buSzPts val="1100"/>
+                        <a:buFont typeface="Arial"/>
+                        <a:buNone/>
+                      </a:pPr>
+                      <a:r>
+                        <a:rPr lang="es-ES" sz="1500">
+                          <a:solidFill>
+                            <a:schemeClr val="dk1"/>
+                          </a:solidFill>
+                        </a:rPr>
+                        <a:t>just put a </a:t>
+                      </a:r>
+                      <a:r>
+                        <a:rPr b="1" lang="es-ES" sz="1500">
+                          <a:solidFill>
+                            <a:schemeClr val="dk1"/>
+                          </a:solidFill>
+                        </a:rPr>
+                        <a:t>compact disk</a:t>
+                      </a:r>
+                      <a:r>
+                        <a:rPr lang="es-ES" sz="1500">
+                          <a:solidFill>
+                            <a:schemeClr val="dk1"/>
+                          </a:solidFill>
+                        </a:rPr>
+                        <a:t> into…</a:t>
+                      </a:r>
+                      <a:endParaRPr sz="1500"/>
+                    </a:p>
+                  </a:txBody>
+                  <a:tcPr marT="91425" marB="91425" marR="91425" marL="91425">
+                    <a:lnR cap="flat" cmpd="sng" w="9525">
+                      <a:solidFill>
+                        <a:srgbClr val="9E9E9E"/>
+                      </a:solidFill>
+                      <a:prstDash val="solid"/>
+                      <a:round/>
+                      <a:headEnd len="sm" w="sm" type="none"/>
+                      <a:tailEnd len="sm" w="sm" type="none"/>
+                    </a:lnR>
+                  </a:tcPr>
+                </a:tc>
+                <a:tc>
+                  <a:txBody>
+                    <a:bodyPr/>
+                    <a:lstStyle/>
+                    <a:p>
+                      <a:pPr indent="0" lvl="0" marL="0" rtl="0" algn="l">
+                        <a:spcBef>
+                          <a:spcPts val="0"/>
+                        </a:spcBef>
+                        <a:spcAft>
+                          <a:spcPts val="0"/>
+                        </a:spcAft>
+                        <a:buNone/>
+                      </a:pPr>
+                      <a:r>
+                        <a:rPr lang="es-ES" sz="1500"/>
+                        <a:t>negative</a:t>
+                      </a:r>
+                      <a:endParaRPr sz="1500"/>
+                    </a:p>
+                  </a:txBody>
+                  <a:tcPr marT="91425" marB="91425" marR="91425" marL="91425">
+                    <a:lnL cap="flat" cmpd="sng" w="9525">
+                      <a:solidFill>
+                        <a:srgbClr val="9E9E9E"/>
+                      </a:solidFill>
+                      <a:prstDash val="solid"/>
+                      <a:round/>
+                      <a:headEnd len="sm" w="sm" type="none"/>
+                      <a:tailEnd len="sm" w="sm" type="none"/>
+                    </a:lnL>
+                    <a:lnR cap="flat" cmpd="sng" w="9525">
+                      <a:solidFill>
+                        <a:srgbClr val="9E9E9E"/>
+                      </a:solidFill>
+                      <a:prstDash val="solid"/>
+                      <a:round/>
+                      <a:headEnd len="sm" w="sm" type="none"/>
+                      <a:tailEnd len="sm" w="sm" type="none"/>
+                    </a:lnR>
+                    <a:lnT cap="flat" cmpd="sng" w="9525">
+                      <a:solidFill>
+                        <a:srgbClr val="9E9E9E"/>
+                      </a:solidFill>
+                      <a:prstDash val="solid"/>
+                      <a:round/>
+                      <a:headEnd len="sm" w="sm" type="none"/>
+                      <a:tailEnd len="sm" w="sm" type="none"/>
+                    </a:lnT>
+                    <a:lnB cap="flat" cmpd="sng" w="9525">
+                      <a:solidFill>
+                        <a:srgbClr val="9E9E9E"/>
+                      </a:solidFill>
+                      <a:prstDash val="solid"/>
+                      <a:round/>
+                      <a:headEnd len="sm" w="sm" type="none"/>
+                      <a:tailEnd len="sm" w="sm" type="none"/>
+                    </a:lnB>
+                  </a:tcPr>
+                </a:tc>
+                <a:tc>
+                  <a:txBody>
+                    <a:bodyPr/>
+                    <a:lstStyle/>
+                    <a:p>
+                      <a:pPr indent="0" lvl="0" marL="0" rtl="0" algn="l">
+                        <a:spcBef>
+                          <a:spcPts val="0"/>
+                        </a:spcBef>
+                        <a:spcAft>
+                          <a:spcPts val="0"/>
+                        </a:spcAft>
+                        <a:buNone/>
+                      </a:pPr>
+                      <a:r>
+                        <a:rPr lang="es-ES" sz="1500"/>
+                        <a:t>positive (0.532)</a:t>
+                      </a:r>
+                      <a:endParaRPr sz="1500"/>
+                    </a:p>
+                  </a:txBody>
+                  <a:tcPr marT="91425" marB="91425" marR="91425" marL="91425">
+                    <a:lnL cap="flat" cmpd="sng" w="9525">
+                      <a:solidFill>
+                        <a:srgbClr val="9E9E9E"/>
+                      </a:solidFill>
+                      <a:prstDash val="solid"/>
+                      <a:round/>
+                      <a:headEnd len="sm" w="sm" type="none"/>
+                      <a:tailEnd len="sm" w="sm" type="none"/>
+                    </a:lnL>
+                    <a:lnR cap="flat" cmpd="sng" w="9525">
+                      <a:solidFill>
+                        <a:srgbClr val="9E9E9E"/>
+                      </a:solidFill>
+                      <a:prstDash val="solid"/>
+                      <a:round/>
+                      <a:headEnd len="sm" w="sm" type="none"/>
+                      <a:tailEnd len="sm" w="sm" type="none"/>
+                    </a:lnR>
+                  </a:tcPr>
+                </a:tc>
+                <a:tc>
+                  <a:txBody>
+                    <a:bodyPr/>
+                    <a:lstStyle/>
+                    <a:p>
+                      <a:pPr indent="0" lvl="0" marL="0" rtl="0" algn="l">
+                        <a:spcBef>
+                          <a:spcPts val="0"/>
+                        </a:spcBef>
+                        <a:spcAft>
+                          <a:spcPts val="0"/>
+                        </a:spcAft>
+                        <a:buNone/>
+                      </a:pPr>
+                      <a:r>
+                        <a:rPr lang="es-ES" sz="1500"/>
+                        <a:t>positive (0.658)</a:t>
+                      </a:r>
+                      <a:endParaRPr sz="1500"/>
+                    </a:p>
+                  </a:txBody>
+                  <a:tcPr marT="91425" marB="91425" marR="91425" marL="91425">
+                    <a:lnL cap="flat" cmpd="sng" w="9525">
+                      <a:solidFill>
+                        <a:srgbClr val="9E9E9E"/>
+                      </a:solidFill>
+                      <a:prstDash val="solid"/>
+                      <a:round/>
+                      <a:headEnd len="sm" w="sm" type="none"/>
+                      <a:tailEnd len="sm" w="sm" type="none"/>
+                    </a:lnL>
+                    <a:lnR cap="flat" cmpd="sng" w="9525">
+                      <a:solidFill>
+                        <a:srgbClr val="9E9E9E"/>
+                      </a:solidFill>
+                      <a:prstDash val="solid"/>
+                      <a:round/>
+                      <a:headEnd len="sm" w="sm" type="none"/>
+                      <a:tailEnd len="sm" w="sm" type="none"/>
+                    </a:lnR>
+                    <a:lnT cap="flat" cmpd="sng" w="9525">
+                      <a:solidFill>
+                        <a:srgbClr val="9E9E9E"/>
+                      </a:solidFill>
+                      <a:prstDash val="solid"/>
+                      <a:round/>
+                      <a:headEnd len="sm" w="sm" type="none"/>
+                      <a:tailEnd len="sm" w="sm" type="none"/>
+                    </a:lnT>
+                    <a:lnB cap="flat" cmpd="sng" w="9525">
+                      <a:solidFill>
+                        <a:srgbClr val="9E9E9E"/>
+                      </a:solidFill>
+                      <a:prstDash val="solid"/>
+                      <a:round/>
+                      <a:headEnd len="sm" w="sm" type="none"/>
+                      <a:tailEnd len="sm" w="sm" type="none"/>
+                    </a:lnB>
+                  </a:tcPr>
+                </a:tc>
+                <a:tc>
+                  <a:txBody>
+                    <a:bodyPr/>
+                    <a:lstStyle/>
+                    <a:p>
+                      <a:pPr indent="0" lvl="0" marL="0" rtl="0" algn="l">
+                        <a:spcBef>
+                          <a:spcPts val="0"/>
+                        </a:spcBef>
+                        <a:spcAft>
+                          <a:spcPts val="0"/>
+                        </a:spcAft>
+                        <a:buNone/>
+                      </a:pPr>
+                      <a:r>
+                        <a:rPr lang="es-ES" sz="1500"/>
+                        <a:t>joy</a:t>
+                      </a:r>
+                      <a:endParaRPr sz="1500"/>
+                    </a:p>
+                  </a:txBody>
+                  <a:tcPr marT="91425" marB="91425" marR="91425" marL="91425">
+                    <a:lnL cap="flat" cmpd="sng" w="9525">
+                      <a:solidFill>
+                        <a:srgbClr val="9E9E9E"/>
+                      </a:solidFill>
+                      <a:prstDash val="solid"/>
+                      <a:round/>
+                      <a:headEnd len="sm" w="sm" type="none"/>
+                      <a:tailEnd len="sm" w="sm" type="none"/>
+                    </a:lnL>
+                    <a:lnR cap="flat" cmpd="sng" w="9525">
+                      <a:solidFill>
+                        <a:srgbClr val="9E9E9E"/>
+                      </a:solidFill>
+                      <a:prstDash val="solid"/>
+                      <a:round/>
+                      <a:headEnd len="sm" w="sm" type="none"/>
+                      <a:tailEnd len="sm" w="sm" type="none"/>
+                    </a:lnR>
+                    <a:lnT cap="flat" cmpd="sng" w="9525">
+                      <a:solidFill>
+                        <a:srgbClr val="9E9E9E"/>
+                      </a:solidFill>
+                      <a:prstDash val="solid"/>
+                      <a:round/>
+                      <a:headEnd len="sm" w="sm" type="none"/>
+                      <a:tailEnd len="sm" w="sm" type="none"/>
+                    </a:lnT>
+                    <a:lnB cap="flat" cmpd="sng" w="9525">
+                      <a:solidFill>
+                        <a:srgbClr val="9E9E9E"/>
+                      </a:solidFill>
+                      <a:prstDash val="solid"/>
+                      <a:round/>
+                      <a:headEnd len="sm" w="sm" type="none"/>
+                      <a:tailEnd len="sm" w="sm" type="none"/>
+                    </a:lnB>
+                  </a:tcPr>
+                </a:tc>
+                <a:tc>
+                  <a:txBody>
+                    <a:bodyPr/>
+                    <a:lstStyle/>
+                    <a:p>
+                      <a:pPr indent="0" lvl="0" marL="0" rtl="0" algn="l">
+                        <a:spcBef>
+                          <a:spcPts val="0"/>
+                        </a:spcBef>
+                        <a:spcAft>
+                          <a:spcPts val="0"/>
+                        </a:spcAft>
+                        <a:buNone/>
+                      </a:pPr>
+                      <a:r>
+                        <a:rPr lang="es-ES" sz="1500"/>
+                        <a:t>joy (0.921)</a:t>
+                      </a:r>
+                      <a:endParaRPr sz="1500"/>
+                    </a:p>
+                  </a:txBody>
+                  <a:tcPr marT="91425" marB="91425" marR="91425" marL="91425">
+                    <a:lnL cap="flat" cmpd="sng" w="9525">
+                      <a:solidFill>
+                        <a:srgbClr val="9E9E9E"/>
+                      </a:solidFill>
+                      <a:prstDash val="solid"/>
+                      <a:round/>
+                      <a:headEnd len="sm" w="sm" type="none"/>
+                      <a:tailEnd len="sm" w="sm" type="none"/>
+                    </a:lnL>
+                    <a:lnR cap="flat" cmpd="sng" w="9525">
+                      <a:solidFill>
+                        <a:srgbClr val="9E9E9E"/>
+                      </a:solidFill>
+                      <a:prstDash val="solid"/>
+                      <a:round/>
+                      <a:headEnd len="sm" w="sm" type="none"/>
+                      <a:tailEnd len="sm" w="sm" type="none"/>
+                    </a:lnR>
+                  </a:tcPr>
+                </a:tc>
+                <a:tc>
+                  <a:txBody>
+                    <a:bodyPr/>
+                    <a:lstStyle/>
+                    <a:p>
+                      <a:pPr indent="0" lvl="0" marL="0" rtl="0" algn="l">
+                        <a:spcBef>
+                          <a:spcPts val="0"/>
+                        </a:spcBef>
+                        <a:spcAft>
+                          <a:spcPts val="0"/>
+                        </a:spcAft>
+                        <a:buNone/>
+                      </a:pPr>
+                      <a:r>
+                        <a:rPr lang="es-ES" sz="1500"/>
+                        <a:t>joy (0.725)</a:t>
+                      </a:r>
+                      <a:endParaRPr sz="1500"/>
+                    </a:p>
+                  </a:txBody>
+                  <a:tcPr marT="91425" marB="91425" marR="91425" marL="91425">
+                    <a:lnL cap="flat" cmpd="sng" w="9525">
+                      <a:solidFill>
+                        <a:srgbClr val="9E9E9E"/>
+                      </a:solidFill>
+                      <a:prstDash val="solid"/>
+                      <a:round/>
+                      <a:headEnd len="sm" w="sm" type="none"/>
+                      <a:tailEnd len="sm" w="sm" type="none"/>
+                    </a:lnL>
+                    <a:lnR cap="flat" cmpd="sng" w="9525">
+                      <a:solidFill>
+                        <a:srgbClr val="9E9E9E"/>
+                      </a:solidFill>
+                      <a:prstDash val="solid"/>
+                      <a:round/>
+                      <a:headEnd len="sm" w="sm" type="none"/>
+                      <a:tailEnd len="sm" w="sm" type="none"/>
+                    </a:lnR>
+                    <a:lnT cap="flat" cmpd="sng" w="9525">
+                      <a:solidFill>
+                        <a:srgbClr val="9E9E9E"/>
+                      </a:solidFill>
+                      <a:prstDash val="solid"/>
+                      <a:round/>
+                      <a:headEnd len="sm" w="sm" type="none"/>
+                      <a:tailEnd len="sm" w="sm" type="none"/>
+                    </a:lnT>
+                    <a:lnB cap="flat" cmpd="sng" w="9525">
+                      <a:solidFill>
+                        <a:srgbClr val="9E9E9E"/>
+                      </a:solidFill>
+                      <a:prstDash val="solid"/>
+                      <a:round/>
+                      <a:headEnd len="sm" w="sm" type="none"/>
+                      <a:tailEnd len="sm" w="sm" type="none"/>
+                    </a:lnB>
+                  </a:tcPr>
+                </a:tc>
+              </a:tr>
+              <a:tr h="894850">
+                <a:tc>
+                  <a:txBody>
+                    <a:bodyPr/>
+                    <a:lstStyle/>
+                    <a:p>
+                      <a:pPr indent="0" lvl="0" marL="0" rtl="0" algn="l">
+                        <a:spcBef>
+                          <a:spcPts val="0"/>
+                        </a:spcBef>
+                        <a:spcAft>
+                          <a:spcPts val="0"/>
+                        </a:spcAft>
+                        <a:buNone/>
+                      </a:pPr>
+                      <a:r>
+                        <a:rPr lang="es-ES" sz="1500"/>
+                        <a:t>1488301057650438144</a:t>
+                      </a:r>
+                      <a:endParaRPr sz="1500"/>
+                    </a:p>
+                  </a:txBody>
+                  <a:tcPr marT="91425" marB="91425" marR="91425" marL="91425"/>
+                </a:tc>
+                <a:tc>
+                  <a:txBody>
+                    <a:bodyPr/>
+                    <a:lstStyle/>
+                    <a:p>
+                      <a:pPr indent="0" lvl="0" marL="0" rtl="0" algn="l">
+                        <a:spcBef>
+                          <a:spcPts val="0"/>
+                        </a:spcBef>
+                        <a:spcAft>
+                          <a:spcPts val="0"/>
+                        </a:spcAft>
+                        <a:buClr>
+                          <a:schemeClr val="dk1"/>
+                        </a:buClr>
+                        <a:buSzPts val="1100"/>
+                        <a:buFont typeface="Arial"/>
+                        <a:buNone/>
+                      </a:pPr>
+                      <a:r>
+                        <a:rPr lang="es-ES" sz="1500">
+                          <a:solidFill>
+                            <a:schemeClr val="dk1"/>
+                          </a:solidFill>
+                        </a:rPr>
+                        <a:t>oh yeah tesla well what about a </a:t>
+                      </a:r>
+                      <a:r>
+                        <a:rPr b="1" lang="es-ES" sz="1500">
+                          <a:solidFill>
+                            <a:schemeClr val="dk1"/>
+                          </a:solidFill>
+                        </a:rPr>
+                        <a:t>car </a:t>
+                      </a:r>
+                      <a:r>
+                        <a:rPr lang="es-ES" sz="1500">
+                          <a:solidFill>
+                            <a:schemeClr val="dk1"/>
+                          </a:solidFill>
+                        </a:rPr>
+                        <a:t>that just logs into your tiktok acct and drives you to starbucks</a:t>
+                      </a:r>
+                      <a:endParaRPr sz="1500"/>
+                    </a:p>
+                  </a:txBody>
+                  <a:tcPr marT="91425" marB="91425" marR="91425" marL="91425"/>
+                </a:tc>
+                <a:tc>
+                  <a:txBody>
+                    <a:bodyPr/>
+                    <a:lstStyle/>
+                    <a:p>
+                      <a:pPr indent="0" lvl="0" marL="0" rtl="0" algn="l">
+                        <a:spcBef>
+                          <a:spcPts val="0"/>
+                        </a:spcBef>
+                        <a:spcAft>
+                          <a:spcPts val="0"/>
+                        </a:spcAft>
+                        <a:buClr>
+                          <a:schemeClr val="dk1"/>
+                        </a:buClr>
+                        <a:buSzPts val="1100"/>
+                        <a:buFont typeface="Arial"/>
+                        <a:buNone/>
+                      </a:pPr>
+                      <a:r>
+                        <a:rPr lang="es-ES" sz="1500">
+                          <a:solidFill>
+                            <a:schemeClr val="dk1"/>
+                          </a:solidFill>
+                        </a:rPr>
+                        <a:t>…</a:t>
+                      </a:r>
+                      <a:r>
+                        <a:rPr lang="es-ES" sz="1500">
+                          <a:solidFill>
+                            <a:schemeClr val="dk1"/>
+                          </a:solidFill>
+                        </a:rPr>
+                        <a:t>about a </a:t>
+                      </a:r>
+                      <a:r>
+                        <a:rPr b="1" lang="es-ES" sz="1500">
+                          <a:solidFill>
+                            <a:schemeClr val="dk1"/>
+                          </a:solidFill>
+                        </a:rPr>
+                        <a:t>automobile</a:t>
+                      </a:r>
+                      <a:r>
+                        <a:rPr lang="es-ES" sz="1500">
+                          <a:solidFill>
+                            <a:schemeClr val="dk1"/>
+                          </a:solidFill>
+                        </a:rPr>
+                        <a:t> that…</a:t>
+                      </a:r>
+                      <a:endParaRPr sz="1500"/>
+                    </a:p>
+                  </a:txBody>
+                  <a:tcPr marT="91425" marB="91425" marR="91425" marL="91425">
+                    <a:lnR cap="flat" cmpd="sng" w="9525">
+                      <a:solidFill>
+                        <a:srgbClr val="9E9E9E"/>
+                      </a:solidFill>
+                      <a:prstDash val="solid"/>
+                      <a:round/>
+                      <a:headEnd len="sm" w="sm" type="none"/>
+                      <a:tailEnd len="sm" w="sm" type="none"/>
+                    </a:lnR>
+                  </a:tcPr>
+                </a:tc>
+                <a:tc>
+                  <a:txBody>
+                    <a:bodyPr/>
+                    <a:lstStyle/>
+                    <a:p>
+                      <a:pPr indent="0" lvl="0" marL="0" rtl="0" algn="l">
+                        <a:spcBef>
+                          <a:spcPts val="0"/>
+                        </a:spcBef>
+                        <a:spcAft>
+                          <a:spcPts val="0"/>
+                        </a:spcAft>
+                        <a:buNone/>
+                      </a:pPr>
+                      <a:r>
+                        <a:rPr lang="es-ES" sz="1500"/>
+                        <a:t>neutral</a:t>
+                      </a:r>
+                      <a:endParaRPr sz="1500"/>
+                    </a:p>
+                  </a:txBody>
+                  <a:tcPr marT="91425" marB="91425" marR="91425" marL="91425">
+                    <a:lnL cap="flat" cmpd="sng" w="9525">
+                      <a:solidFill>
+                        <a:srgbClr val="9E9E9E"/>
+                      </a:solidFill>
+                      <a:prstDash val="solid"/>
+                      <a:round/>
+                      <a:headEnd len="sm" w="sm" type="none"/>
+                      <a:tailEnd len="sm" w="sm" type="none"/>
+                    </a:lnL>
+                    <a:lnR cap="flat" cmpd="sng" w="9525">
+                      <a:solidFill>
+                        <a:srgbClr val="9E9E9E"/>
+                      </a:solidFill>
+                      <a:prstDash val="solid"/>
+                      <a:round/>
+                      <a:headEnd len="sm" w="sm" type="none"/>
+                      <a:tailEnd len="sm" w="sm" type="none"/>
+                    </a:lnR>
+                    <a:lnT cap="flat" cmpd="sng" w="9525">
+                      <a:solidFill>
+                        <a:srgbClr val="9E9E9E"/>
+                      </a:solidFill>
+                      <a:prstDash val="solid"/>
+                      <a:round/>
+                      <a:headEnd len="sm" w="sm" type="none"/>
+                      <a:tailEnd len="sm" w="sm" type="none"/>
+                    </a:lnT>
+                    <a:lnB cap="flat" cmpd="sng" w="9525">
+                      <a:solidFill>
+                        <a:srgbClr val="9E9E9E"/>
+                      </a:solidFill>
+                      <a:prstDash val="solid"/>
+                      <a:round/>
+                      <a:headEnd len="sm" w="sm" type="none"/>
+                      <a:tailEnd len="sm" w="sm" type="none"/>
+                    </a:lnB>
+                  </a:tcPr>
+                </a:tc>
+                <a:tc>
+                  <a:txBody>
+                    <a:bodyPr/>
+                    <a:lstStyle/>
+                    <a:p>
+                      <a:pPr indent="0" lvl="0" marL="0" rtl="0" algn="l">
+                        <a:spcBef>
+                          <a:spcPts val="0"/>
+                        </a:spcBef>
+                        <a:spcAft>
+                          <a:spcPts val="0"/>
+                        </a:spcAft>
+                        <a:buNone/>
+                      </a:pPr>
+                      <a:r>
+                        <a:rPr lang="es-ES" sz="1500"/>
+                        <a:t>neutral (0.655)</a:t>
+                      </a:r>
+                      <a:endParaRPr sz="1500"/>
+                    </a:p>
+                  </a:txBody>
+                  <a:tcPr marT="91425" marB="91425" marR="91425" marL="91425">
+                    <a:lnL cap="flat" cmpd="sng" w="9525">
+                      <a:solidFill>
+                        <a:srgbClr val="9E9E9E"/>
+                      </a:solidFill>
+                      <a:prstDash val="solid"/>
+                      <a:round/>
+                      <a:headEnd len="sm" w="sm" type="none"/>
+                      <a:tailEnd len="sm" w="sm" type="none"/>
+                    </a:lnL>
+                    <a:lnR cap="flat" cmpd="sng" w="9525">
+                      <a:solidFill>
+                        <a:srgbClr val="9E9E9E"/>
+                      </a:solidFill>
+                      <a:prstDash val="solid"/>
+                      <a:round/>
+                      <a:headEnd len="sm" w="sm" type="none"/>
+                      <a:tailEnd len="sm" w="sm" type="none"/>
+                    </a:lnR>
+                  </a:tcPr>
+                </a:tc>
+                <a:tc>
+                  <a:txBody>
+                    <a:bodyPr/>
+                    <a:lstStyle/>
+                    <a:p>
+                      <a:pPr indent="0" lvl="0" marL="0" rtl="0" algn="l">
+                        <a:spcBef>
+                          <a:spcPts val="0"/>
+                        </a:spcBef>
+                        <a:spcAft>
+                          <a:spcPts val="0"/>
+                        </a:spcAft>
+                        <a:buNone/>
+                      </a:pPr>
+                      <a:r>
+                        <a:rPr lang="es-ES" sz="1500"/>
+                        <a:t>neutral (0.782)</a:t>
+                      </a:r>
+                      <a:endParaRPr sz="1500"/>
+                    </a:p>
+                  </a:txBody>
+                  <a:tcPr marT="91425" marB="91425" marR="91425" marL="91425">
+                    <a:lnL cap="flat" cmpd="sng" w="9525">
+                      <a:solidFill>
+                        <a:srgbClr val="9E9E9E"/>
+                      </a:solidFill>
+                      <a:prstDash val="solid"/>
+                      <a:round/>
+                      <a:headEnd len="sm" w="sm" type="none"/>
+                      <a:tailEnd len="sm" w="sm" type="none"/>
+                    </a:lnL>
+                    <a:lnR cap="flat" cmpd="sng" w="9525">
+                      <a:solidFill>
+                        <a:srgbClr val="9E9E9E"/>
+                      </a:solidFill>
+                      <a:prstDash val="solid"/>
+                      <a:round/>
+                      <a:headEnd len="sm" w="sm" type="none"/>
+                      <a:tailEnd len="sm" w="sm" type="none"/>
+                    </a:lnR>
+                    <a:lnT cap="flat" cmpd="sng" w="9525">
+                      <a:solidFill>
+                        <a:srgbClr val="9E9E9E"/>
+                      </a:solidFill>
+                      <a:prstDash val="solid"/>
+                      <a:round/>
+                      <a:headEnd len="sm" w="sm" type="none"/>
+                      <a:tailEnd len="sm" w="sm" type="none"/>
+                    </a:lnT>
+                    <a:lnB cap="flat" cmpd="sng" w="9525">
+                      <a:solidFill>
+                        <a:srgbClr val="9E9E9E"/>
+                      </a:solidFill>
+                      <a:prstDash val="solid"/>
+                      <a:round/>
+                      <a:headEnd len="sm" w="sm" type="none"/>
+                      <a:tailEnd len="sm" w="sm" type="none"/>
+                    </a:lnB>
+                  </a:tcPr>
+                </a:tc>
+                <a:tc>
+                  <a:txBody>
+                    <a:bodyPr/>
+                    <a:lstStyle/>
+                    <a:p>
+                      <a:pPr indent="0" lvl="0" marL="0" rtl="0" algn="l">
+                        <a:spcBef>
+                          <a:spcPts val="0"/>
+                        </a:spcBef>
+                        <a:spcAft>
+                          <a:spcPts val="0"/>
+                        </a:spcAft>
+                        <a:buNone/>
+                      </a:pPr>
+                      <a:r>
+                        <a:rPr lang="es-ES" sz="1500"/>
+                        <a:t>joy</a:t>
+                      </a:r>
+                      <a:endParaRPr sz="1500"/>
+                    </a:p>
+                  </a:txBody>
+                  <a:tcPr marT="91425" marB="91425" marR="91425" marL="91425">
+                    <a:lnL cap="flat" cmpd="sng" w="9525">
+                      <a:solidFill>
+                        <a:srgbClr val="9E9E9E"/>
+                      </a:solidFill>
+                      <a:prstDash val="solid"/>
+                      <a:round/>
+                      <a:headEnd len="sm" w="sm" type="none"/>
+                      <a:tailEnd len="sm" w="sm" type="none"/>
+                    </a:lnL>
+                    <a:lnR cap="flat" cmpd="sng" w="9525">
+                      <a:solidFill>
+                        <a:srgbClr val="9E9E9E"/>
+                      </a:solidFill>
+                      <a:prstDash val="solid"/>
+                      <a:round/>
+                      <a:headEnd len="sm" w="sm" type="none"/>
+                      <a:tailEnd len="sm" w="sm" type="none"/>
+                    </a:lnR>
+                    <a:lnT cap="flat" cmpd="sng" w="9525">
+                      <a:solidFill>
+                        <a:srgbClr val="9E9E9E"/>
+                      </a:solidFill>
+                      <a:prstDash val="solid"/>
+                      <a:round/>
+                      <a:headEnd len="sm" w="sm" type="none"/>
+                      <a:tailEnd len="sm" w="sm" type="none"/>
+                    </a:lnT>
+                    <a:lnB cap="flat" cmpd="sng" w="9525">
+                      <a:solidFill>
+                        <a:srgbClr val="9E9E9E"/>
+                      </a:solidFill>
+                      <a:prstDash val="solid"/>
+                      <a:round/>
+                      <a:headEnd len="sm" w="sm" type="none"/>
+                      <a:tailEnd len="sm" w="sm" type="none"/>
+                    </a:lnB>
+                  </a:tcPr>
+                </a:tc>
+                <a:tc>
+                  <a:txBody>
+                    <a:bodyPr/>
+                    <a:lstStyle/>
+                    <a:p>
+                      <a:pPr indent="0" lvl="0" marL="0" rtl="0" algn="l">
+                        <a:spcBef>
+                          <a:spcPts val="0"/>
+                        </a:spcBef>
+                        <a:spcAft>
+                          <a:spcPts val="0"/>
+                        </a:spcAft>
+                        <a:buNone/>
+                      </a:pPr>
+                      <a:r>
+                        <a:rPr lang="es-ES" sz="1500"/>
+                        <a:t>joy (0.450)</a:t>
+                      </a:r>
+                      <a:endParaRPr sz="1500"/>
+                    </a:p>
+                  </a:txBody>
+                  <a:tcPr marT="91425" marB="91425" marR="91425" marL="91425">
+                    <a:lnL cap="flat" cmpd="sng" w="9525">
+                      <a:solidFill>
+                        <a:srgbClr val="9E9E9E"/>
+                      </a:solidFill>
+                      <a:prstDash val="solid"/>
+                      <a:round/>
+                      <a:headEnd len="sm" w="sm" type="none"/>
+                      <a:tailEnd len="sm" w="sm" type="none"/>
+                    </a:lnL>
+                    <a:lnR cap="flat" cmpd="sng" w="9525">
+                      <a:solidFill>
+                        <a:srgbClr val="9E9E9E"/>
+                      </a:solidFill>
+                      <a:prstDash val="solid"/>
+                      <a:round/>
+                      <a:headEnd len="sm" w="sm" type="none"/>
+                      <a:tailEnd len="sm" w="sm" type="none"/>
+                    </a:lnR>
+                  </a:tcPr>
+                </a:tc>
+                <a:tc>
+                  <a:txBody>
+                    <a:bodyPr/>
+                    <a:lstStyle/>
+                    <a:p>
+                      <a:pPr indent="0" lvl="0" marL="0" rtl="0" algn="l">
+                        <a:spcBef>
+                          <a:spcPts val="0"/>
+                        </a:spcBef>
+                        <a:spcAft>
+                          <a:spcPts val="0"/>
+                        </a:spcAft>
+                        <a:buNone/>
+                      </a:pPr>
+                      <a:r>
+                        <a:rPr lang="es-ES" sz="1500"/>
+                        <a:t>optimism </a:t>
+                      </a:r>
+                      <a:r>
+                        <a:rPr lang="es-ES" sz="1500"/>
+                        <a:t>(0.433)</a:t>
+                      </a:r>
+                      <a:endParaRPr sz="1500"/>
+                    </a:p>
+                  </a:txBody>
+                  <a:tcPr marT="91425" marB="91425" marR="91425" marL="91425">
+                    <a:lnL cap="flat" cmpd="sng" w="9525">
+                      <a:solidFill>
+                        <a:srgbClr val="9E9E9E"/>
+                      </a:solidFill>
+                      <a:prstDash val="solid"/>
+                      <a:round/>
+                      <a:headEnd len="sm" w="sm" type="none"/>
+                      <a:tailEnd len="sm" w="sm" type="none"/>
+                    </a:lnL>
+                    <a:lnR cap="flat" cmpd="sng" w="9525">
+                      <a:solidFill>
+                        <a:srgbClr val="9E9E9E"/>
+                      </a:solidFill>
+                      <a:prstDash val="solid"/>
+                      <a:round/>
+                      <a:headEnd len="sm" w="sm" type="none"/>
+                      <a:tailEnd len="sm" w="sm" type="none"/>
+                    </a:lnR>
+                    <a:lnT cap="flat" cmpd="sng" w="9525">
+                      <a:solidFill>
+                        <a:srgbClr val="9E9E9E"/>
+                      </a:solidFill>
+                      <a:prstDash val="solid"/>
+                      <a:round/>
+                      <a:headEnd len="sm" w="sm" type="none"/>
+                      <a:tailEnd len="sm" w="sm" type="none"/>
+                    </a:lnT>
+                    <a:lnB cap="flat" cmpd="sng" w="9525">
+                      <a:solidFill>
+                        <a:srgbClr val="9E9E9E"/>
+                      </a:solidFill>
+                      <a:prstDash val="solid"/>
+                      <a:round/>
+                      <a:headEnd len="sm" w="sm" type="none"/>
+                      <a:tailEnd len="sm" w="sm" type="none"/>
+                    </a:lnB>
+                  </a:tcPr>
+                </a:tc>
+              </a:tr>
+              <a:tr h="894850">
+                <a:tc>
+                  <a:txBody>
+                    <a:bodyPr/>
+                    <a:lstStyle/>
+                    <a:p>
+                      <a:pPr indent="0" lvl="0" marL="0" rtl="0" algn="l">
+                        <a:spcBef>
+                          <a:spcPts val="0"/>
+                        </a:spcBef>
+                        <a:spcAft>
+                          <a:spcPts val="0"/>
+                        </a:spcAft>
+                        <a:buNone/>
+                      </a:pPr>
+                      <a:r>
+                        <a:rPr lang="es-ES" sz="1500"/>
+                        <a:t>1488301040160043008</a:t>
+                      </a:r>
+                      <a:endParaRPr sz="1500"/>
+                    </a:p>
+                  </a:txBody>
+                  <a:tcPr marT="91425" marB="91425" marR="91425" marL="91425"/>
+                </a:tc>
+                <a:tc>
+                  <a:txBody>
+                    <a:bodyPr/>
+                    <a:lstStyle/>
+                    <a:p>
+                      <a:pPr indent="0" lvl="0" marL="0" rtl="0" algn="l">
+                        <a:spcBef>
+                          <a:spcPts val="0"/>
+                        </a:spcBef>
+                        <a:spcAft>
+                          <a:spcPts val="0"/>
+                        </a:spcAft>
+                        <a:buClr>
+                          <a:schemeClr val="dk1"/>
+                        </a:buClr>
+                        <a:buSzPts val="1100"/>
+                        <a:buFont typeface="Arial"/>
+                        <a:buNone/>
+                      </a:pPr>
+                      <a:r>
+                        <a:rPr lang="es-ES" sz="1500">
+                          <a:solidFill>
+                            <a:schemeClr val="dk1"/>
+                          </a:solidFill>
+                        </a:rPr>
+                        <a:t>#100DaysOfCode Haven’t updated in a while due to not feeling well, just been reviewing some HTML/CSS &amp;amp; JavaScript until I feel better to take on new concepts</a:t>
+                      </a:r>
+                      <a:endParaRPr sz="1500">
+                        <a:solidFill>
+                          <a:schemeClr val="dk1"/>
+                        </a:solidFill>
+                      </a:endParaRPr>
+                    </a:p>
+                    <a:p>
+                      <a:pPr indent="0" lvl="0" marL="0" rtl="0" algn="l">
+                        <a:spcBef>
+                          <a:spcPts val="0"/>
+                        </a:spcBef>
+                        <a:spcAft>
+                          <a:spcPts val="0"/>
+                        </a:spcAft>
+                        <a:buNone/>
+                      </a:pPr>
+                      <a:r>
+                        <a:rPr lang="es-ES" sz="1500">
+                          <a:solidFill>
+                            <a:schemeClr val="dk1"/>
+                          </a:solidFill>
+                        </a:rPr>
+                        <a:t>Also been </a:t>
+                      </a:r>
+                      <a:r>
+                        <a:rPr b="1" lang="es-ES" sz="1500">
+                          <a:solidFill>
+                            <a:schemeClr val="dk1"/>
+                          </a:solidFill>
+                        </a:rPr>
+                        <a:t>watching</a:t>
+                      </a:r>
+                      <a:r>
+                        <a:rPr lang="es-ES" sz="1500">
+                          <a:solidFill>
+                            <a:schemeClr val="dk1"/>
+                          </a:solidFill>
+                        </a:rPr>
+                        <a:t> mock interviews  :)</a:t>
+                      </a:r>
+                      <a:endParaRPr sz="1500"/>
+                    </a:p>
+                  </a:txBody>
+                  <a:tcPr marT="91425" marB="91425" marR="91425" marL="91425"/>
+                </a:tc>
+                <a:tc>
+                  <a:txBody>
+                    <a:bodyPr/>
+                    <a:lstStyle/>
+                    <a:p>
+                      <a:pPr indent="0" lvl="0" marL="0" rtl="0" algn="l">
+                        <a:spcBef>
+                          <a:spcPts val="0"/>
+                        </a:spcBef>
+                        <a:spcAft>
+                          <a:spcPts val="0"/>
+                        </a:spcAft>
+                        <a:buNone/>
+                      </a:pPr>
+                      <a:r>
+                        <a:rPr lang="es-ES" sz="1500">
+                          <a:solidFill>
+                            <a:schemeClr val="dk1"/>
+                          </a:solidFill>
+                        </a:rPr>
+                        <a:t>…</a:t>
+                      </a:r>
+                      <a:r>
+                        <a:rPr lang="es-ES" sz="1500">
+                          <a:solidFill>
+                            <a:schemeClr val="dk1"/>
+                          </a:solidFill>
+                        </a:rPr>
+                        <a:t>been </a:t>
+                      </a:r>
+                      <a:r>
+                        <a:rPr b="1" lang="es-ES" sz="1500">
+                          <a:solidFill>
+                            <a:schemeClr val="dk1"/>
+                          </a:solidFill>
+                        </a:rPr>
+                        <a:t>viewing </a:t>
+                      </a:r>
+                      <a:r>
+                        <a:rPr lang="es-ES" sz="1500">
+                          <a:solidFill>
+                            <a:schemeClr val="dk1"/>
+                          </a:solidFill>
+                        </a:rPr>
+                        <a:t>mock interviews  :)</a:t>
+                      </a:r>
+                      <a:endParaRPr sz="1500"/>
+                    </a:p>
+                  </a:txBody>
+                  <a:tcPr marT="91425" marB="91425" marR="91425" marL="91425">
+                    <a:lnR cap="flat" cmpd="sng" w="9525">
+                      <a:solidFill>
+                        <a:srgbClr val="9E9E9E"/>
+                      </a:solidFill>
+                      <a:prstDash val="solid"/>
+                      <a:round/>
+                      <a:headEnd len="sm" w="sm" type="none"/>
+                      <a:tailEnd len="sm" w="sm" type="none"/>
+                    </a:lnR>
+                  </a:tcPr>
+                </a:tc>
+                <a:tc>
+                  <a:txBody>
+                    <a:bodyPr/>
+                    <a:lstStyle/>
+                    <a:p>
+                      <a:pPr indent="0" lvl="0" marL="0" rtl="0" algn="l">
+                        <a:spcBef>
+                          <a:spcPts val="0"/>
+                        </a:spcBef>
+                        <a:spcAft>
+                          <a:spcPts val="0"/>
+                        </a:spcAft>
+                        <a:buNone/>
+                      </a:pPr>
+                      <a:r>
+                        <a:rPr lang="es-ES" sz="1500"/>
+                        <a:t>negative</a:t>
+                      </a:r>
+                      <a:endParaRPr sz="1500"/>
+                    </a:p>
+                  </a:txBody>
+                  <a:tcPr marT="91425" marB="91425" marR="91425" marL="91425">
+                    <a:lnL cap="flat" cmpd="sng" w="9525">
+                      <a:solidFill>
+                        <a:srgbClr val="9E9E9E"/>
+                      </a:solidFill>
+                      <a:prstDash val="solid"/>
+                      <a:round/>
+                      <a:headEnd len="sm" w="sm" type="none"/>
+                      <a:tailEnd len="sm" w="sm" type="none"/>
+                    </a:lnL>
+                    <a:lnR cap="flat" cmpd="sng" w="9525">
+                      <a:solidFill>
+                        <a:srgbClr val="9E9E9E"/>
+                      </a:solidFill>
+                      <a:prstDash val="solid"/>
+                      <a:round/>
+                      <a:headEnd len="sm" w="sm" type="none"/>
+                      <a:tailEnd len="sm" w="sm" type="none"/>
+                    </a:lnR>
+                    <a:lnT cap="flat" cmpd="sng" w="9525">
+                      <a:solidFill>
+                        <a:srgbClr val="9E9E9E"/>
+                      </a:solidFill>
+                      <a:prstDash val="solid"/>
+                      <a:round/>
+                      <a:headEnd len="sm" w="sm" type="none"/>
+                      <a:tailEnd len="sm" w="sm" type="none"/>
+                    </a:lnT>
+                    <a:lnB cap="flat" cmpd="sng" w="9525">
+                      <a:solidFill>
+                        <a:srgbClr val="9E9E9E"/>
+                      </a:solidFill>
+                      <a:prstDash val="solid"/>
+                      <a:round/>
+                      <a:headEnd len="sm" w="sm" type="none"/>
+                      <a:tailEnd len="sm" w="sm" type="none"/>
+                    </a:lnB>
+                  </a:tcPr>
+                </a:tc>
+                <a:tc>
+                  <a:txBody>
+                    <a:bodyPr/>
+                    <a:lstStyle/>
+                    <a:p>
+                      <a:pPr indent="0" lvl="0" marL="0" rtl="0" algn="l">
+                        <a:spcBef>
+                          <a:spcPts val="0"/>
+                        </a:spcBef>
+                        <a:spcAft>
+                          <a:spcPts val="0"/>
+                        </a:spcAft>
+                        <a:buNone/>
+                      </a:pPr>
+                      <a:r>
+                        <a:rPr lang="es-ES" sz="1500"/>
+                        <a:t>neutral (0.500)</a:t>
+                      </a:r>
+                      <a:endParaRPr sz="1500"/>
+                    </a:p>
+                  </a:txBody>
+                  <a:tcPr marT="91425" marB="91425" marR="91425" marL="91425">
+                    <a:lnL cap="flat" cmpd="sng" w="9525">
+                      <a:solidFill>
+                        <a:srgbClr val="9E9E9E"/>
+                      </a:solidFill>
+                      <a:prstDash val="solid"/>
+                      <a:round/>
+                      <a:headEnd len="sm" w="sm" type="none"/>
+                      <a:tailEnd len="sm" w="sm" type="none"/>
+                    </a:lnL>
+                    <a:lnR cap="flat" cmpd="sng" w="9525">
+                      <a:solidFill>
+                        <a:srgbClr val="9E9E9E"/>
+                      </a:solidFill>
+                      <a:prstDash val="solid"/>
+                      <a:round/>
+                      <a:headEnd len="sm" w="sm" type="none"/>
+                      <a:tailEnd len="sm" w="sm" type="none"/>
+                    </a:lnR>
+                  </a:tcPr>
+                </a:tc>
+                <a:tc>
+                  <a:txBody>
+                    <a:bodyPr/>
+                    <a:lstStyle/>
+                    <a:p>
+                      <a:pPr indent="0" lvl="0" marL="0" rtl="0" algn="l">
+                        <a:spcBef>
+                          <a:spcPts val="0"/>
+                        </a:spcBef>
+                        <a:spcAft>
+                          <a:spcPts val="0"/>
+                        </a:spcAft>
+                        <a:buNone/>
+                      </a:pPr>
+                      <a:r>
+                        <a:rPr lang="es-ES" sz="1500"/>
+                        <a:t>positive </a:t>
+                      </a:r>
+                      <a:r>
+                        <a:rPr lang="es-ES" sz="1500"/>
+                        <a:t>(0.465)</a:t>
+                      </a:r>
+                      <a:endParaRPr sz="1500"/>
+                    </a:p>
+                  </a:txBody>
+                  <a:tcPr marT="91425" marB="91425" marR="91425" marL="91425">
+                    <a:lnL cap="flat" cmpd="sng" w="9525">
+                      <a:solidFill>
+                        <a:srgbClr val="9E9E9E"/>
+                      </a:solidFill>
+                      <a:prstDash val="solid"/>
+                      <a:round/>
+                      <a:headEnd len="sm" w="sm" type="none"/>
+                      <a:tailEnd len="sm" w="sm" type="none"/>
+                    </a:lnL>
+                    <a:lnR cap="flat" cmpd="sng" w="9525">
+                      <a:solidFill>
+                        <a:srgbClr val="9E9E9E"/>
+                      </a:solidFill>
+                      <a:prstDash val="solid"/>
+                      <a:round/>
+                      <a:headEnd len="sm" w="sm" type="none"/>
+                      <a:tailEnd len="sm" w="sm" type="none"/>
+                    </a:lnR>
+                    <a:lnT cap="flat" cmpd="sng" w="9525">
+                      <a:solidFill>
+                        <a:srgbClr val="9E9E9E"/>
+                      </a:solidFill>
+                      <a:prstDash val="solid"/>
+                      <a:round/>
+                      <a:headEnd len="sm" w="sm" type="none"/>
+                      <a:tailEnd len="sm" w="sm" type="none"/>
+                    </a:lnT>
+                    <a:lnB cap="flat" cmpd="sng" w="9525">
+                      <a:solidFill>
+                        <a:srgbClr val="9E9E9E"/>
+                      </a:solidFill>
+                      <a:prstDash val="solid"/>
+                      <a:round/>
+                      <a:headEnd len="sm" w="sm" type="none"/>
+                      <a:tailEnd len="sm" w="sm" type="none"/>
+                    </a:lnB>
+                  </a:tcPr>
+                </a:tc>
+                <a:tc>
+                  <a:txBody>
+                    <a:bodyPr/>
+                    <a:lstStyle/>
+                    <a:p>
+                      <a:pPr indent="0" lvl="0" marL="0" rtl="0" algn="l">
+                        <a:spcBef>
+                          <a:spcPts val="0"/>
+                        </a:spcBef>
+                        <a:spcAft>
+                          <a:spcPts val="0"/>
+                        </a:spcAft>
+                        <a:buNone/>
+                      </a:pPr>
+                      <a:r>
+                        <a:rPr lang="es-ES" sz="1500"/>
+                        <a:t>optimism</a:t>
+                      </a:r>
+                      <a:endParaRPr sz="1500"/>
+                    </a:p>
+                  </a:txBody>
+                  <a:tcPr marT="91425" marB="91425" marR="91425" marL="91425">
+                    <a:lnL cap="flat" cmpd="sng" w="9525">
+                      <a:solidFill>
+                        <a:srgbClr val="9E9E9E"/>
+                      </a:solidFill>
+                      <a:prstDash val="solid"/>
+                      <a:round/>
+                      <a:headEnd len="sm" w="sm" type="none"/>
+                      <a:tailEnd len="sm" w="sm" type="none"/>
+                    </a:lnL>
+                    <a:lnR cap="flat" cmpd="sng" w="9525">
+                      <a:solidFill>
+                        <a:srgbClr val="9E9E9E"/>
+                      </a:solidFill>
+                      <a:prstDash val="solid"/>
+                      <a:round/>
+                      <a:headEnd len="sm" w="sm" type="none"/>
+                      <a:tailEnd len="sm" w="sm" type="none"/>
+                    </a:lnR>
+                    <a:lnT cap="flat" cmpd="sng" w="9525">
+                      <a:solidFill>
+                        <a:srgbClr val="9E9E9E"/>
+                      </a:solidFill>
+                      <a:prstDash val="solid"/>
+                      <a:round/>
+                      <a:headEnd len="sm" w="sm" type="none"/>
+                      <a:tailEnd len="sm" w="sm" type="none"/>
+                    </a:lnT>
+                    <a:lnB cap="flat" cmpd="sng" w="9525">
+                      <a:solidFill>
+                        <a:srgbClr val="9E9E9E"/>
+                      </a:solidFill>
+                      <a:prstDash val="solid"/>
+                      <a:round/>
+                      <a:headEnd len="sm" w="sm" type="none"/>
+                      <a:tailEnd len="sm" w="sm" type="none"/>
+                    </a:lnB>
+                  </a:tcPr>
+                </a:tc>
+                <a:tc>
+                  <a:txBody>
+                    <a:bodyPr/>
+                    <a:lstStyle/>
+                    <a:p>
+                      <a:pPr indent="0" lvl="0" marL="0" rtl="0" algn="l">
+                        <a:spcBef>
+                          <a:spcPts val="0"/>
+                        </a:spcBef>
+                        <a:spcAft>
+                          <a:spcPts val="0"/>
+                        </a:spcAft>
+                        <a:buNone/>
+                      </a:pPr>
+                      <a:r>
+                        <a:rPr lang="es-ES" sz="1500"/>
+                        <a:t>sadness (0.691)</a:t>
+                      </a:r>
+                      <a:endParaRPr sz="1500"/>
+                    </a:p>
+                  </a:txBody>
+                  <a:tcPr marT="91425" marB="91425" marR="91425" marL="91425">
+                    <a:lnL cap="flat" cmpd="sng" w="9525">
+                      <a:solidFill>
+                        <a:srgbClr val="9E9E9E"/>
+                      </a:solidFill>
+                      <a:prstDash val="solid"/>
+                      <a:round/>
+                      <a:headEnd len="sm" w="sm" type="none"/>
+                      <a:tailEnd len="sm" w="sm" type="none"/>
+                    </a:lnL>
+                    <a:lnR cap="flat" cmpd="sng" w="9525">
+                      <a:solidFill>
+                        <a:srgbClr val="9E9E9E"/>
+                      </a:solidFill>
+                      <a:prstDash val="solid"/>
+                      <a:round/>
+                      <a:headEnd len="sm" w="sm" type="none"/>
+                      <a:tailEnd len="sm" w="sm" type="none"/>
+                    </a:lnR>
+                  </a:tcPr>
+                </a:tc>
+                <a:tc>
+                  <a:txBody>
+                    <a:bodyPr/>
+                    <a:lstStyle/>
+                    <a:p>
+                      <a:pPr indent="0" lvl="0" marL="0" rtl="0" algn="l">
+                        <a:spcBef>
+                          <a:spcPts val="0"/>
+                        </a:spcBef>
+                        <a:spcAft>
+                          <a:spcPts val="0"/>
+                        </a:spcAft>
+                        <a:buNone/>
+                      </a:pPr>
+                      <a:r>
+                        <a:rPr lang="es-ES" sz="1500"/>
+                        <a:t>sadness </a:t>
+                      </a:r>
+                      <a:r>
+                        <a:rPr lang="es-ES" sz="1500"/>
+                        <a:t>(0.536)</a:t>
+                      </a:r>
+                      <a:endParaRPr sz="1500"/>
+                    </a:p>
+                  </a:txBody>
+                  <a:tcPr marT="91425" marB="91425" marR="91425" marL="91425">
+                    <a:lnL cap="flat" cmpd="sng" w="9525">
+                      <a:solidFill>
+                        <a:srgbClr val="9E9E9E"/>
+                      </a:solidFill>
+                      <a:prstDash val="solid"/>
+                      <a:round/>
+                      <a:headEnd len="sm" w="sm" type="none"/>
+                      <a:tailEnd len="sm" w="sm" type="none"/>
+                    </a:lnL>
+                    <a:lnR cap="flat" cmpd="sng" w="9525">
+                      <a:solidFill>
+                        <a:srgbClr val="9E9E9E"/>
+                      </a:solidFill>
+                      <a:prstDash val="solid"/>
+                      <a:round/>
+                      <a:headEnd len="sm" w="sm" type="none"/>
+                      <a:tailEnd len="sm" w="sm" type="none"/>
+                    </a:lnR>
+                    <a:lnT cap="flat" cmpd="sng" w="9525">
+                      <a:solidFill>
+                        <a:srgbClr val="9E9E9E"/>
+                      </a:solidFill>
+                      <a:prstDash val="solid"/>
+                      <a:round/>
+                      <a:headEnd len="sm" w="sm" type="none"/>
+                      <a:tailEnd len="sm" w="sm" type="none"/>
+                    </a:lnT>
+                    <a:lnB cap="flat" cmpd="sng" w="9525">
+                      <a:solidFill>
+                        <a:srgbClr val="9E9E9E"/>
+                      </a:solidFill>
+                      <a:prstDash val="solid"/>
+                      <a:round/>
+                      <a:headEnd len="sm" w="sm" type="none"/>
+                      <a:tailEnd len="sm" w="sm" type="none"/>
+                    </a:lnB>
+                  </a:tcPr>
+                </a:tc>
+              </a:tr>
+            </a:tbl>
+          </a:graphicData>
+        </a:graphic>
+      </p:graphicFrame>
+      <p:sp>
+        <p:nvSpPr>
+          <p:cNvPr id="108" name="Google Shape;108;g112e57bf82a_0_5"/>
           <p:cNvSpPr txBox="1"/>
           <p:nvPr>
             <p:ph idx="12" type="sldNum"/>
@@ -18056,7 +20859,7 @@
   <p:cSld>
     <p:spTree>
       <p:nvGrpSpPr>
-        <p:cNvPr id="111" name="Shape 111"/>
+        <p:cNvPr id="112" name="Shape 112"/>
         <p:cNvGrpSpPr/>
         <p:nvPr/>
       </p:nvGrpSpPr>
@@ -18070,7 +20873,7 @@
       </p:grpSpPr>
       <p:sp>
         <p:nvSpPr>
-          <p:cNvPr id="112" name="Google Shape;112;g112e57bf82a_0_20"/>
+          <p:cNvPr id="113" name="Google Shape;113;g112e57bf82a_0_20"/>
           <p:cNvSpPr txBox="1"/>
           <p:nvPr>
             <p:ph type="title"/>
@@ -18110,7 +20913,7 @@
       </p:sp>
       <p:sp>
         <p:nvSpPr>
-          <p:cNvPr id="113" name="Google Shape;113;g112e57bf82a_0_20"/>
+          <p:cNvPr id="114" name="Google Shape;114;g112e57bf82a_0_20"/>
           <p:cNvSpPr txBox="1"/>
           <p:nvPr>
             <p:ph idx="1" type="body"/>
@@ -18254,7 +21057,7 @@
       </p:sp>
       <p:sp>
         <p:nvSpPr>
-          <p:cNvPr id="114" name="Google Shape;114;g112e57bf82a_0_20"/>
+          <p:cNvPr id="115" name="Google Shape;115;g112e57bf82a_0_20"/>
           <p:cNvSpPr txBox="1"/>
           <p:nvPr>
             <p:ph idx="12" type="sldNum"/>
@@ -18309,7 +21112,7 @@
   <p:cSld>
     <p:spTree>
       <p:nvGrpSpPr>
-        <p:cNvPr id="118" name="Shape 118"/>
+        <p:cNvPr id="119" name="Shape 119"/>
         <p:cNvGrpSpPr/>
         <p:nvPr/>
       </p:nvGrpSpPr>
@@ -18323,7 +21126,7 @@
       </p:grpSpPr>
       <p:sp>
         <p:nvSpPr>
-          <p:cNvPr id="119" name="Google Shape;119;g111e9305988_0_36"/>
+          <p:cNvPr id="120" name="Google Shape;120;g111e9305988_0_36"/>
           <p:cNvSpPr txBox="1"/>
           <p:nvPr>
             <p:ph type="title"/>
@@ -18363,7 +21166,7 @@
       </p:sp>
       <p:sp>
         <p:nvSpPr>
-          <p:cNvPr id="120" name="Google Shape;120;g111e9305988_0_36"/>
+          <p:cNvPr id="121" name="Google Shape;121;g111e9305988_0_36"/>
           <p:cNvSpPr txBox="1"/>
           <p:nvPr>
             <p:ph idx="12" type="sldNum"/>
@@ -18407,7 +21210,7 @@
       </p:sp>
       <p:graphicFrame>
         <p:nvGraphicFramePr>
-          <p:cNvPr id="121" name="Google Shape;121;g111e9305988_0_36"/>
+          <p:cNvPr id="122" name="Google Shape;122;g111e9305988_0_36"/>
           <p:cNvGraphicFramePr/>
           <p:nvPr/>
         </p:nvGraphicFramePr>
@@ -18420,7 +21223,7 @@
             <a:tbl>
               <a:tblPr>
                 <a:noFill/>
-                <a:tableStyleId>{14E8F432-E50E-4DC2-B74D-F33B415F0C3E}</a:tableStyleId>
+                <a:tableStyleId>{77577344-B6C6-4C8F-A54E-1469ECBB6E49}</a:tableStyleId>
               </a:tblPr>
               <a:tblGrid>
                 <a:gridCol w="4143025"/>
@@ -19900,7 +22703,7 @@
       </p:graphicFrame>
       <p:cxnSp>
         <p:nvCxnSpPr>
-          <p:cNvPr id="122" name="Google Shape;122;g111e9305988_0_36"/>
+          <p:cNvPr id="123" name="Google Shape;123;g111e9305988_0_36"/>
           <p:cNvCxnSpPr/>
           <p:nvPr/>
         </p:nvCxnSpPr>
@@ -19926,7 +22729,7 @@
       </p:cxnSp>
       <p:cxnSp>
         <p:nvCxnSpPr>
-          <p:cNvPr id="123" name="Google Shape;123;g111e9305988_0_36"/>
+          <p:cNvPr id="124" name="Google Shape;124;g111e9305988_0_36"/>
           <p:cNvCxnSpPr/>
           <p:nvPr/>
         </p:nvCxnSpPr>
@@ -19952,7 +22755,7 @@
       </p:cxnSp>
       <p:cxnSp>
         <p:nvCxnSpPr>
-          <p:cNvPr id="124" name="Google Shape;124;g111e9305988_0_36"/>
+          <p:cNvPr id="125" name="Google Shape;125;g111e9305988_0_36"/>
           <p:cNvCxnSpPr/>
           <p:nvPr/>
         </p:nvCxnSpPr>
@@ -19978,7 +22781,7 @@
       </p:cxnSp>
       <p:cxnSp>
         <p:nvCxnSpPr>
-          <p:cNvPr id="125" name="Google Shape;125;g111e9305988_0_36"/>
+          <p:cNvPr id="126" name="Google Shape;126;g111e9305988_0_36"/>
           <p:cNvCxnSpPr/>
           <p:nvPr/>
         </p:nvCxnSpPr>
@@ -20004,7 +22807,7 @@
       </p:cxnSp>
       <p:cxnSp>
         <p:nvCxnSpPr>
-          <p:cNvPr id="126" name="Google Shape;126;g111e9305988_0_36"/>
+          <p:cNvPr id="127" name="Google Shape;127;g111e9305988_0_36"/>
           <p:cNvCxnSpPr/>
           <p:nvPr/>
         </p:nvCxnSpPr>
@@ -20030,7 +22833,7 @@
       </p:cxnSp>
       <p:cxnSp>
         <p:nvCxnSpPr>
-          <p:cNvPr id="127" name="Google Shape;127;g111e9305988_0_36"/>
+          <p:cNvPr id="128" name="Google Shape;128;g111e9305988_0_36"/>
           <p:cNvCxnSpPr/>
           <p:nvPr/>
         </p:nvCxnSpPr>
@@ -20056,7 +22859,7 @@
       </p:cxnSp>
       <p:cxnSp>
         <p:nvCxnSpPr>
-          <p:cNvPr id="128" name="Google Shape;128;g111e9305988_0_36"/>
+          <p:cNvPr id="129" name="Google Shape;129;g111e9305988_0_36"/>
           <p:cNvCxnSpPr/>
           <p:nvPr/>
         </p:nvCxnSpPr>
@@ -20093,7 +22896,7 @@
   <p:cSld>
     <p:spTree>
       <p:nvGrpSpPr>
-        <p:cNvPr id="132" name="Shape 132"/>
+        <p:cNvPr id="133" name="Shape 133"/>
         <p:cNvGrpSpPr/>
         <p:nvPr/>
       </p:nvGrpSpPr>
@@ -20107,7 +22910,7 @@
       </p:grpSpPr>
       <p:sp>
         <p:nvSpPr>
-          <p:cNvPr id="133" name="Google Shape;133;g111e9305988_0_51"/>
+          <p:cNvPr id="134" name="Google Shape;134;g111e9305988_0_51"/>
           <p:cNvSpPr txBox="1"/>
           <p:nvPr>
             <p:ph type="title"/>
@@ -20147,7 +22950,7 @@
       </p:sp>
       <p:sp>
         <p:nvSpPr>
-          <p:cNvPr id="134" name="Google Shape;134;g111e9305988_0_51"/>
+          <p:cNvPr id="135" name="Google Shape;135;g111e9305988_0_51"/>
           <p:cNvSpPr txBox="1"/>
           <p:nvPr>
             <p:ph idx="1" type="body"/>
@@ -20292,7 +23095,7 @@
       </p:sp>
       <p:sp>
         <p:nvSpPr>
-          <p:cNvPr id="135" name="Google Shape;135;g111e9305988_0_51"/>
+          <p:cNvPr id="136" name="Google Shape;136;g111e9305988_0_51"/>
           <p:cNvSpPr txBox="1"/>
           <p:nvPr>
             <p:ph idx="12" type="sldNum"/>
@@ -20347,7 +23150,7 @@
   <p:cSld>
     <p:spTree>
       <p:nvGrpSpPr>
-        <p:cNvPr id="139" name="Shape 139"/>
+        <p:cNvPr id="140" name="Shape 140"/>
         <p:cNvGrpSpPr/>
         <p:nvPr/>
       </p:nvGrpSpPr>
@@ -20361,7 +23164,7 @@
       </p:grpSpPr>
       <p:sp>
         <p:nvSpPr>
-          <p:cNvPr id="140" name="Google Shape;140;g112e57bf82a_0_30"/>
+          <p:cNvPr id="141" name="Google Shape;141;g112e57bf82a_0_30"/>
           <p:cNvSpPr txBox="1"/>
           <p:nvPr>
             <p:ph type="title"/>
@@ -20401,7 +23204,7 @@
       </p:sp>
       <p:sp>
         <p:nvSpPr>
-          <p:cNvPr id="141" name="Google Shape;141;g112e57bf82a_0_30"/>
+          <p:cNvPr id="142" name="Google Shape;142;g112e57bf82a_0_30"/>
           <p:cNvSpPr txBox="1"/>
           <p:nvPr>
             <p:ph idx="1" type="body"/>
@@ -20509,7 +23312,7 @@
       </p:sp>
       <p:sp>
         <p:nvSpPr>
-          <p:cNvPr id="142" name="Google Shape;142;g112e57bf82a_0_30"/>
+          <p:cNvPr id="143" name="Google Shape;143;g112e57bf82a_0_30"/>
           <p:cNvSpPr txBox="1"/>
           <p:nvPr>
             <p:ph idx="12" type="sldNum"/>
@@ -20564,7 +23367,7 @@
   <p:cSld>
     <p:spTree>
       <p:nvGrpSpPr>
-        <p:cNvPr id="146" name="Shape 146"/>
+        <p:cNvPr id="147" name="Shape 147"/>
         <p:cNvGrpSpPr/>
         <p:nvPr/>
       </p:nvGrpSpPr>
@@ -20578,7 +23381,7 @@
       </p:grpSpPr>
       <p:sp>
         <p:nvSpPr>
-          <p:cNvPr id="147" name="Google Shape;147;g112e57bf82a_0_40"/>
+          <p:cNvPr id="148" name="Google Shape;148;g112e57bf82a_0_40"/>
           <p:cNvSpPr txBox="1"/>
           <p:nvPr>
             <p:ph type="title"/>
@@ -20618,7 +23421,7 @@
       </p:sp>
       <p:sp>
         <p:nvSpPr>
-          <p:cNvPr id="148" name="Google Shape;148;g112e57bf82a_0_40"/>
+          <p:cNvPr id="149" name="Google Shape;149;g112e57bf82a_0_40"/>
           <p:cNvSpPr txBox="1"/>
           <p:nvPr>
             <p:ph idx="1" type="body"/>
@@ -20782,7 +23585,7 @@
       </p:sp>
       <p:sp>
         <p:nvSpPr>
-          <p:cNvPr id="149" name="Google Shape;149;g112e57bf82a_0_40"/>
+          <p:cNvPr id="150" name="Google Shape;150;g112e57bf82a_0_40"/>
           <p:cNvSpPr txBox="1"/>
           <p:nvPr>
             <p:ph idx="12" type="sldNum"/>
@@ -20833,6 +23636,285 @@
 </file>
 
 <file path=ppt/theme/theme1.xml><?xml version="1.0" encoding="utf-8"?>
+<a:theme xmlns:a="http://schemas.openxmlformats.org/drawingml/2006/main" xmlns:r="http://schemas.openxmlformats.org/officeDocument/2006/relationships" name="Tema de Office">
+  <a:themeElements>
+    <a:clrScheme name="Office">
+      <a:dk1>
+        <a:srgbClr val="000000"/>
+      </a:dk1>
+      <a:lt1>
+        <a:srgbClr val="FFFFFF"/>
+      </a:lt1>
+      <a:dk2>
+        <a:srgbClr val="44546A"/>
+      </a:dk2>
+      <a:lt2>
+        <a:srgbClr val="E7E6E6"/>
+      </a:lt2>
+      <a:accent1>
+        <a:srgbClr val="4472C4"/>
+      </a:accent1>
+      <a:accent2>
+        <a:srgbClr val="ED7D31"/>
+      </a:accent2>
+      <a:accent3>
+        <a:srgbClr val="A5A5A5"/>
+      </a:accent3>
+      <a:accent4>
+        <a:srgbClr val="FFC000"/>
+      </a:accent4>
+      <a:accent5>
+        <a:srgbClr val="5B9BD5"/>
+      </a:accent5>
+      <a:accent6>
+        <a:srgbClr val="70AD47"/>
+      </a:accent6>
+      <a:hlink>
+        <a:srgbClr val="0563C1"/>
+      </a:hlink>
+      <a:folHlink>
+        <a:srgbClr val="954F72"/>
+      </a:folHlink>
+    </a:clrScheme>
+    <a:fontScheme name="Office">
+      <a:majorFont>
+        <a:latin typeface="Arial"/>
+        <a:ea typeface=""/>
+        <a:cs typeface=""/>
+        <a:font script="Jpan" typeface="ＭＳ Ｐゴシック"/>
+        <a:font script="Hang" typeface="맑은 고딕"/>
+        <a:font script="Hans" typeface="宋体"/>
+        <a:font script="Hant" typeface="新細明體"/>
+        <a:font script="Arab" typeface="Times New Roman"/>
+        <a:font script="Hebr" typeface="Times New Roman"/>
+        <a:font script="Thai" typeface="Angsana New"/>
+        <a:font script="Ethi" typeface="Nyala"/>
+        <a:font script="Beng" typeface="Vrinda"/>
+        <a:font script="Gujr" typeface="Shruti"/>
+        <a:font script="Khmr" typeface="MoolBoran"/>
+        <a:font script="Knda" typeface="Tunga"/>
+        <a:font script="Guru" typeface="Raavi"/>
+        <a:font script="Cans" typeface="Euphemia"/>
+        <a:font script="Cher" typeface="Plantagenet Cherokee"/>
+        <a:font script="Yiii" typeface="Microsoft Yi Baiti"/>
+        <a:font script="Tibt" typeface="Microsoft Himalaya"/>
+        <a:font script="Thaa" typeface="MV Boli"/>
+        <a:font script="Deva" typeface="Mangal"/>
+        <a:font script="Telu" typeface="Gautami"/>
+        <a:font script="Taml" typeface="Latha"/>
+        <a:font script="Syrc" typeface="Estrangelo Edessa"/>
+        <a:font script="Orya" typeface="Kalinga"/>
+        <a:font script="Mlym" typeface="Kartika"/>
+        <a:font script="Laoo" typeface="DokChampa"/>
+        <a:font script="Sinh" typeface="Iskoola Pota"/>
+        <a:font script="Mong" typeface="Mongolian Baiti"/>
+        <a:font script="Viet" typeface="Times New Roman"/>
+        <a:font script="Uigh" typeface="Microsoft Uighur"/>
+        <a:font script="Geor" typeface="Sylfaen"/>
+      </a:majorFont>
+      <a:minorFont>
+        <a:latin typeface="Arial"/>
+        <a:ea typeface=""/>
+        <a:cs typeface=""/>
+        <a:font script="Jpan" typeface="ＭＳ Ｐゴシック"/>
+        <a:font script="Hang" typeface="맑은 고딕"/>
+        <a:font script="Hans" typeface="宋体"/>
+        <a:font script="Hant" typeface="新細明體"/>
+        <a:font script="Arab" typeface="Arial"/>
+        <a:font script="Hebr" typeface="Arial"/>
+        <a:font script="Thai" typeface="Cordia New"/>
+        <a:font script="Ethi" typeface="Nyala"/>
+        <a:font script="Beng" typeface="Vrinda"/>
+        <a:font script="Gujr" typeface="Shruti"/>
+        <a:font script="Khmr" typeface="DaunPenh"/>
+        <a:font script="Knda" typeface="Tunga"/>
+        <a:font script="Guru" typeface="Raavi"/>
+        <a:font script="Cans" typeface="Euphemia"/>
+        <a:font script="Cher" typeface="Plantagenet Cherokee"/>
+        <a:font script="Yiii" typeface="Microsoft Yi Baiti"/>
+        <a:font script="Tibt" typeface="Microsoft Himalaya"/>
+        <a:font script="Thaa" typeface="MV Boli"/>
+        <a:font script="Deva" typeface="Mangal"/>
+        <a:font script="Telu" typeface="Gautami"/>
+        <a:font script="Taml" typeface="Latha"/>
+        <a:font script="Syrc" typeface="Estrangelo Edessa"/>
+        <a:font script="Orya" typeface="Kalinga"/>
+        <a:font script="Mlym" typeface="Kartika"/>
+        <a:font script="Laoo" typeface="DokChampa"/>
+        <a:font script="Sinh" typeface="Iskoola Pota"/>
+        <a:font script="Mong" typeface="Mongolian Baiti"/>
+        <a:font script="Viet" typeface="Arial"/>
+        <a:font script="Uigh" typeface="Microsoft Uighur"/>
+        <a:font script="Geor" typeface="Sylfaen"/>
+      </a:minorFont>
+    </a:fontScheme>
+    <a:fmtScheme name="Office">
+      <a:fillStyleLst>
+        <a:solidFill>
+          <a:schemeClr val="phClr"/>
+        </a:solidFill>
+        <a:gradFill rotWithShape="1">
+          <a:gsLst>
+            <a:gs pos="0">
+              <a:schemeClr val="phClr">
+                <a:tint val="50000"/>
+                <a:satMod val="300000"/>
+              </a:schemeClr>
+            </a:gs>
+            <a:gs pos="35000">
+              <a:schemeClr val="phClr">
+                <a:tint val="37000"/>
+                <a:satMod val="300000"/>
+              </a:schemeClr>
+            </a:gs>
+            <a:gs pos="100000">
+              <a:schemeClr val="phClr">
+                <a:tint val="15000"/>
+                <a:satMod val="350000"/>
+              </a:schemeClr>
+            </a:gs>
+          </a:gsLst>
+          <a:lin ang="16200000" scaled="1"/>
+        </a:gradFill>
+        <a:gradFill rotWithShape="1">
+          <a:gsLst>
+            <a:gs pos="0">
+              <a:schemeClr val="phClr">
+                <a:tint val="100000"/>
+                <a:shade val="100000"/>
+                <a:satMod val="130000"/>
+              </a:schemeClr>
+            </a:gs>
+            <a:gs pos="100000">
+              <a:schemeClr val="phClr">
+                <a:tint val="50000"/>
+                <a:shade val="100000"/>
+                <a:satMod val="350000"/>
+              </a:schemeClr>
+            </a:gs>
+          </a:gsLst>
+          <a:lin ang="16200000" scaled="0"/>
+        </a:gradFill>
+      </a:fillStyleLst>
+      <a:lnStyleLst>
+        <a:ln w="9525" cap="flat" cmpd="sng" algn="ctr">
+          <a:solidFill>
+            <a:schemeClr val="phClr">
+              <a:shade val="95000"/>
+              <a:satMod val="105000"/>
+            </a:schemeClr>
+          </a:solidFill>
+          <a:prstDash val="solid"/>
+        </a:ln>
+        <a:ln w="25400" cap="flat" cmpd="sng" algn="ctr">
+          <a:solidFill>
+            <a:schemeClr val="phClr"/>
+          </a:solidFill>
+          <a:prstDash val="solid"/>
+        </a:ln>
+        <a:ln w="38100" cap="flat" cmpd="sng" algn="ctr">
+          <a:solidFill>
+            <a:schemeClr val="phClr"/>
+          </a:solidFill>
+          <a:prstDash val="solid"/>
+        </a:ln>
+      </a:lnStyleLst>
+      <a:effectStyleLst>
+        <a:effectStyle>
+          <a:effectLst>
+            <a:outerShdw blurRad="40000" dist="20000" dir="5400000" rotWithShape="0">
+              <a:srgbClr val="000000">
+                <a:alpha val="38000"/>
+              </a:srgbClr>
+            </a:outerShdw>
+          </a:effectLst>
+        </a:effectStyle>
+        <a:effectStyle>
+          <a:effectLst>
+            <a:outerShdw blurRad="40000" dist="23000" dir="5400000" rotWithShape="0">
+              <a:srgbClr val="000000">
+                <a:alpha val="35000"/>
+              </a:srgbClr>
+            </a:outerShdw>
+          </a:effectLst>
+        </a:effectStyle>
+        <a:effectStyle>
+          <a:effectLst>
+            <a:outerShdw blurRad="40000" dist="23000" dir="5400000" rotWithShape="0">
+              <a:srgbClr val="000000">
+                <a:alpha val="35000"/>
+              </a:srgbClr>
+            </a:outerShdw>
+          </a:effectLst>
+          <a:scene3d>
+            <a:camera prst="orthographicFront">
+              <a:rot lat="0" lon="0" rev="0"/>
+            </a:camera>
+            <a:lightRig rig="threePt" dir="t">
+              <a:rot lat="0" lon="0" rev="1200000"/>
+            </a:lightRig>
+          </a:scene3d>
+          <a:sp3d>
+            <a:bevelT w="63500" h="25400"/>
+          </a:sp3d>
+        </a:effectStyle>
+      </a:effectStyleLst>
+      <a:bgFillStyleLst>
+        <a:solidFill>
+          <a:schemeClr val="phClr"/>
+        </a:solidFill>
+        <a:gradFill rotWithShape="1">
+          <a:gsLst>
+            <a:gs pos="0">
+              <a:schemeClr val="phClr">
+                <a:tint val="40000"/>
+                <a:satMod val="350000"/>
+              </a:schemeClr>
+            </a:gs>
+            <a:gs pos="40000">
+              <a:schemeClr val="phClr">
+                <a:tint val="45000"/>
+                <a:shade val="99000"/>
+                <a:satMod val="350000"/>
+              </a:schemeClr>
+            </a:gs>
+            <a:gs pos="100000">
+              <a:schemeClr val="phClr">
+                <a:shade val="20000"/>
+                <a:satMod val="255000"/>
+              </a:schemeClr>
+            </a:gs>
+          </a:gsLst>
+          <a:path path="circle">
+            <a:fillToRect l="50000" t="-80000" r="50000" b="180000"/>
+          </a:path>
+        </a:gradFill>
+        <a:gradFill rotWithShape="1">
+          <a:gsLst>
+            <a:gs pos="0">
+              <a:schemeClr val="phClr">
+                <a:tint val="80000"/>
+                <a:satMod val="300000"/>
+              </a:schemeClr>
+            </a:gs>
+            <a:gs pos="100000">
+              <a:schemeClr val="phClr">
+                <a:shade val="30000"/>
+                <a:satMod val="200000"/>
+              </a:schemeClr>
+            </a:gs>
+          </a:gsLst>
+          <a:path path="circle">
+            <a:fillToRect l="50000" t="50000" r="50000" b="50000"/>
+          </a:path>
+        </a:gradFill>
+      </a:bgFillStyleLst>
+    </a:fmtScheme>
+  </a:themeElements>
+</a:theme>
+</file>
+
+<file path=ppt/theme/theme2.xml><?xml version="1.0" encoding="utf-8"?>
 <a:theme xmlns:a="http://schemas.openxmlformats.org/drawingml/2006/main" xmlns:r="http://schemas.openxmlformats.org/officeDocument/2006/relationships">
   <a:themeElements>
     <a:clrScheme name="Default">
@@ -21109,283 +24191,4 @@
     </a:fmtScheme>
   </a:themeElements>
 </a:theme>
-</file>
-
-<file path=ppt/theme/theme2.xml><?xml version="1.0" encoding="utf-8"?>
-<a:theme xmlns:a="http://schemas.openxmlformats.org/drawingml/2006/main" xmlns:r="http://schemas.openxmlformats.org/officeDocument/2006/relationships" name="Tema de Office">
-  <a:themeElements>
-    <a:clrScheme name="Office">
-      <a:dk1>
-        <a:srgbClr val="000000"/>
-      </a:dk1>
-      <a:lt1>
-        <a:srgbClr val="FFFFFF"/>
-      </a:lt1>
-      <a:dk2>
-        <a:srgbClr val="44546A"/>
-      </a:dk2>
-      <a:lt2>
-        <a:srgbClr val="E7E6E6"/>
-      </a:lt2>
-      <a:accent1>
-        <a:srgbClr val="4472C4"/>
-      </a:accent1>
-      <a:accent2>
-        <a:srgbClr val="ED7D31"/>
-      </a:accent2>
-      <a:accent3>
-        <a:srgbClr val="A5A5A5"/>
-      </a:accent3>
-      <a:accent4>
-        <a:srgbClr val="FFC000"/>
-      </a:accent4>
-      <a:accent5>
-        <a:srgbClr val="5B9BD5"/>
-      </a:accent5>
-      <a:accent6>
-        <a:srgbClr val="70AD47"/>
-      </a:accent6>
-      <a:hlink>
-        <a:srgbClr val="0563C1"/>
-      </a:hlink>
-      <a:folHlink>
-        <a:srgbClr val="954F72"/>
-      </a:folHlink>
-    </a:clrScheme>
-    <a:fontScheme name="Office">
-      <a:majorFont>
-        <a:latin typeface="Arial"/>
-        <a:ea typeface=""/>
-        <a:cs typeface=""/>
-        <a:font script="Jpan" typeface="ＭＳ Ｐゴシック"/>
-        <a:font script="Hang" typeface="맑은 고딕"/>
-        <a:font script="Hans" typeface="宋体"/>
-        <a:font script="Hant" typeface="新細明體"/>
-        <a:font script="Arab" typeface="Times New Roman"/>
-        <a:font script="Hebr" typeface="Times New Roman"/>
-        <a:font script="Thai" typeface="Angsana New"/>
-        <a:font script="Ethi" typeface="Nyala"/>
-        <a:font script="Beng" typeface="Vrinda"/>
-        <a:font script="Gujr" typeface="Shruti"/>
-        <a:font script="Khmr" typeface="MoolBoran"/>
-        <a:font script="Knda" typeface="Tunga"/>
-        <a:font script="Guru" typeface="Raavi"/>
-        <a:font script="Cans" typeface="Euphemia"/>
-        <a:font script="Cher" typeface="Plantagenet Cherokee"/>
-        <a:font script="Yiii" typeface="Microsoft Yi Baiti"/>
-        <a:font script="Tibt" typeface="Microsoft Himalaya"/>
-        <a:font script="Thaa" typeface="MV Boli"/>
-        <a:font script="Deva" typeface="Mangal"/>
-        <a:font script="Telu" typeface="Gautami"/>
-        <a:font script="Taml" typeface="Latha"/>
-        <a:font script="Syrc" typeface="Estrangelo Edessa"/>
-        <a:font script="Orya" typeface="Kalinga"/>
-        <a:font script="Mlym" typeface="Kartika"/>
-        <a:font script="Laoo" typeface="DokChampa"/>
-        <a:font script="Sinh" typeface="Iskoola Pota"/>
-        <a:font script="Mong" typeface="Mongolian Baiti"/>
-        <a:font script="Viet" typeface="Times New Roman"/>
-        <a:font script="Uigh" typeface="Microsoft Uighur"/>
-        <a:font script="Geor" typeface="Sylfaen"/>
-      </a:majorFont>
-      <a:minorFont>
-        <a:latin typeface="Arial"/>
-        <a:ea typeface=""/>
-        <a:cs typeface=""/>
-        <a:font script="Jpan" typeface="ＭＳ Ｐゴシック"/>
-        <a:font script="Hang" typeface="맑은 고딕"/>
-        <a:font script="Hans" typeface="宋体"/>
-        <a:font script="Hant" typeface="新細明體"/>
-        <a:font script="Arab" typeface="Arial"/>
-        <a:font script="Hebr" typeface="Arial"/>
-        <a:font script="Thai" typeface="Cordia New"/>
-        <a:font script="Ethi" typeface="Nyala"/>
-        <a:font script="Beng" typeface="Vrinda"/>
-        <a:font script="Gujr" typeface="Shruti"/>
-        <a:font script="Khmr" typeface="DaunPenh"/>
-        <a:font script="Knda" typeface="Tunga"/>
-        <a:font script="Guru" typeface="Raavi"/>
-        <a:font script="Cans" typeface="Euphemia"/>
-        <a:font script="Cher" typeface="Plantagenet Cherokee"/>
-        <a:font script="Yiii" typeface="Microsoft Yi Baiti"/>
-        <a:font script="Tibt" typeface="Microsoft Himalaya"/>
-        <a:font script="Thaa" typeface="MV Boli"/>
-        <a:font script="Deva" typeface="Mangal"/>
-        <a:font script="Telu" typeface="Gautami"/>
-        <a:font script="Taml" typeface="Latha"/>
-        <a:font script="Syrc" typeface="Estrangelo Edessa"/>
-        <a:font script="Orya" typeface="Kalinga"/>
-        <a:font script="Mlym" typeface="Kartika"/>
-        <a:font script="Laoo" typeface="DokChampa"/>
-        <a:font script="Sinh" typeface="Iskoola Pota"/>
-        <a:font script="Mong" typeface="Mongolian Baiti"/>
-        <a:font script="Viet" typeface="Arial"/>
-        <a:font script="Uigh" typeface="Microsoft Uighur"/>
-        <a:font script="Geor" typeface="Sylfaen"/>
-      </a:minorFont>
-    </a:fontScheme>
-    <a:fmtScheme name="Office">
-      <a:fillStyleLst>
-        <a:solidFill>
-          <a:schemeClr val="phClr"/>
-        </a:solidFill>
-        <a:gradFill rotWithShape="1">
-          <a:gsLst>
-            <a:gs pos="0">
-              <a:schemeClr val="phClr">
-                <a:tint val="50000"/>
-                <a:satMod val="300000"/>
-              </a:schemeClr>
-            </a:gs>
-            <a:gs pos="35000">
-              <a:schemeClr val="phClr">
-                <a:tint val="37000"/>
-                <a:satMod val="300000"/>
-              </a:schemeClr>
-            </a:gs>
-            <a:gs pos="100000">
-              <a:schemeClr val="phClr">
-                <a:tint val="15000"/>
-                <a:satMod val="350000"/>
-              </a:schemeClr>
-            </a:gs>
-          </a:gsLst>
-          <a:lin ang="16200000" scaled="1"/>
-        </a:gradFill>
-        <a:gradFill rotWithShape="1">
-          <a:gsLst>
-            <a:gs pos="0">
-              <a:schemeClr val="phClr">
-                <a:tint val="100000"/>
-                <a:shade val="100000"/>
-                <a:satMod val="130000"/>
-              </a:schemeClr>
-            </a:gs>
-            <a:gs pos="100000">
-              <a:schemeClr val="phClr">
-                <a:tint val="50000"/>
-                <a:shade val="100000"/>
-                <a:satMod val="350000"/>
-              </a:schemeClr>
-            </a:gs>
-          </a:gsLst>
-          <a:lin ang="16200000" scaled="0"/>
-        </a:gradFill>
-      </a:fillStyleLst>
-      <a:lnStyleLst>
-        <a:ln w="9525" cap="flat" cmpd="sng" algn="ctr">
-          <a:solidFill>
-            <a:schemeClr val="phClr">
-              <a:shade val="95000"/>
-              <a:satMod val="105000"/>
-            </a:schemeClr>
-          </a:solidFill>
-          <a:prstDash val="solid"/>
-        </a:ln>
-        <a:ln w="25400" cap="flat" cmpd="sng" algn="ctr">
-          <a:solidFill>
-            <a:schemeClr val="phClr"/>
-          </a:solidFill>
-          <a:prstDash val="solid"/>
-        </a:ln>
-        <a:ln w="38100" cap="flat" cmpd="sng" algn="ctr">
-          <a:solidFill>
-            <a:schemeClr val="phClr"/>
-          </a:solidFill>
-          <a:prstDash val="solid"/>
-        </a:ln>
-      </a:lnStyleLst>
-      <a:effectStyleLst>
-        <a:effectStyle>
-          <a:effectLst>
-            <a:outerShdw blurRad="40000" dist="20000" dir="5400000" rotWithShape="0">
-              <a:srgbClr val="000000">
-                <a:alpha val="38000"/>
-              </a:srgbClr>
-            </a:outerShdw>
-          </a:effectLst>
-        </a:effectStyle>
-        <a:effectStyle>
-          <a:effectLst>
-            <a:outerShdw blurRad="40000" dist="23000" dir="5400000" rotWithShape="0">
-              <a:srgbClr val="000000">
-                <a:alpha val="35000"/>
-              </a:srgbClr>
-            </a:outerShdw>
-          </a:effectLst>
-        </a:effectStyle>
-        <a:effectStyle>
-          <a:effectLst>
-            <a:outerShdw blurRad="40000" dist="23000" dir="5400000" rotWithShape="0">
-              <a:srgbClr val="000000">
-                <a:alpha val="35000"/>
-              </a:srgbClr>
-            </a:outerShdw>
-          </a:effectLst>
-          <a:scene3d>
-            <a:camera prst="orthographicFront">
-              <a:rot lat="0" lon="0" rev="0"/>
-            </a:camera>
-            <a:lightRig rig="threePt" dir="t">
-              <a:rot lat="0" lon="0" rev="1200000"/>
-            </a:lightRig>
-          </a:scene3d>
-          <a:sp3d>
-            <a:bevelT w="63500" h="25400"/>
-          </a:sp3d>
-        </a:effectStyle>
-      </a:effectStyleLst>
-      <a:bgFillStyleLst>
-        <a:solidFill>
-          <a:schemeClr val="phClr"/>
-        </a:solidFill>
-        <a:gradFill rotWithShape="1">
-          <a:gsLst>
-            <a:gs pos="0">
-              <a:schemeClr val="phClr">
-                <a:tint val="40000"/>
-                <a:satMod val="350000"/>
-              </a:schemeClr>
-            </a:gs>
-            <a:gs pos="40000">
-              <a:schemeClr val="phClr">
-                <a:tint val="45000"/>
-                <a:shade val="99000"/>
-                <a:satMod val="350000"/>
-              </a:schemeClr>
-            </a:gs>
-            <a:gs pos="100000">
-              <a:schemeClr val="phClr">
-                <a:shade val="20000"/>
-                <a:satMod val="255000"/>
-              </a:schemeClr>
-            </a:gs>
-          </a:gsLst>
-          <a:path path="circle">
-            <a:fillToRect l="50000" t="-80000" r="50000" b="180000"/>
-          </a:path>
-        </a:gradFill>
-        <a:gradFill rotWithShape="1">
-          <a:gsLst>
-            <a:gs pos="0">
-              <a:schemeClr val="phClr">
-                <a:tint val="80000"/>
-                <a:satMod val="300000"/>
-              </a:schemeClr>
-            </a:gs>
-            <a:gs pos="100000">
-              <a:schemeClr val="phClr">
-                <a:shade val="30000"/>
-                <a:satMod val="200000"/>
-              </a:schemeClr>
-            </a:gs>
-          </a:gsLst>
-          <a:path path="circle">
-            <a:fillToRect l="50000" t="50000" r="50000" b="50000"/>
-          </a:path>
-        </a:gradFill>
-      </a:bgFillStyleLst>
-    </a:fmtScheme>
-  </a:themeElements>
-</a:theme>
 </file>